--- a/teaching/ITIS6200/2023fa/lectures/lec11.pptx
+++ b/teaching/ITIS6200/2023fa/lectures/lec11.pptx
@@ -1535,7 +1535,7 @@
         </p:nvSpPr>
         <p:spPr>
           <a:xfrm>
-            <a:off x="381300" y="685800"/>
+            <a:off x="381000" y="685800"/>
             <a:ext cx="6096000" cy="3429000"/>
           </a:xfrm>
           <a:custGeom>
@@ -2402,7 +2402,7 @@
         </p:nvSpPr>
         <p:spPr>
           <a:xfrm>
-            <a:off x="381300" y="685800"/>
+            <a:off x="381000" y="685800"/>
             <a:ext cx="6096000" cy="3429000"/>
           </a:xfrm>
           <a:custGeom>
@@ -2506,7 +2506,7 @@
         </p:nvSpPr>
         <p:spPr>
           <a:xfrm>
-            <a:off x="381300" y="685800"/>
+            <a:off x="381000" y="685800"/>
             <a:ext cx="6096000" cy="3429000"/>
           </a:xfrm>
           <a:custGeom>
@@ -2824,7 +2824,7 @@
         </p:nvSpPr>
         <p:spPr>
           <a:xfrm>
-            <a:off x="381300" y="685800"/>
+            <a:off x="381000" y="685800"/>
             <a:ext cx="6096000" cy="3429000"/>
           </a:xfrm>
           <a:custGeom>
@@ -2928,7 +2928,7 @@
         </p:nvSpPr>
         <p:spPr>
           <a:xfrm>
-            <a:off x="381300" y="685800"/>
+            <a:off x="381000" y="685800"/>
             <a:ext cx="6096000" cy="3429000"/>
           </a:xfrm>
           <a:custGeom>
@@ -3032,7 +3032,7 @@
         </p:nvSpPr>
         <p:spPr>
           <a:xfrm>
-            <a:off x="381300" y="685800"/>
+            <a:off x="381000" y="685800"/>
             <a:ext cx="6096000" cy="3429000"/>
           </a:xfrm>
           <a:custGeom>
@@ -3136,7 +3136,7 @@
         </p:nvSpPr>
         <p:spPr>
           <a:xfrm>
-            <a:off x="381300" y="685800"/>
+            <a:off x="381000" y="685800"/>
             <a:ext cx="6096000" cy="3429000"/>
           </a:xfrm>
           <a:custGeom>
@@ -3344,7 +3344,7 @@
         </p:nvSpPr>
         <p:spPr>
           <a:xfrm>
-            <a:off x="381300" y="685800"/>
+            <a:off x="381000" y="685800"/>
             <a:ext cx="6096000" cy="3429000"/>
           </a:xfrm>
           <a:custGeom>
@@ -3552,7 +3552,7 @@
         </p:nvSpPr>
         <p:spPr>
           <a:xfrm>
-            <a:off x="381300" y="685800"/>
+            <a:off x="381000" y="685800"/>
             <a:ext cx="6096000" cy="3429000"/>
           </a:xfrm>
           <a:custGeom>
@@ -4176,7 +4176,7 @@
         </p:nvSpPr>
         <p:spPr>
           <a:xfrm>
-            <a:off x="381300" y="685800"/>
+            <a:off x="381000" y="685800"/>
             <a:ext cx="6096000" cy="3429000"/>
           </a:xfrm>
           <a:custGeom>
@@ -5461,7 +5461,7 @@
         </p:nvSpPr>
         <p:spPr>
           <a:xfrm>
-            <a:off x="381300" y="685800"/>
+            <a:off x="381000" y="685800"/>
             <a:ext cx="6096000" cy="3429000"/>
           </a:xfrm>
           <a:custGeom>
@@ -14670,183 +14670,6 @@
   <p:clrMapOvr>
     <a:masterClrMapping/>
   </p:clrMapOvr>
-  <p:timing>
-    <p:tnLst>
-      <p:par>
-        <p:cTn id="1" dur="indefinite" restart="never" nodeType="tmRoot">
-          <p:childTnLst>
-            <p:seq concurrent="1" nextAc="seek">
-              <p:cTn id="2" dur="indefinite" nodeType="mainSeq">
-                <p:childTnLst>
-                  <p:par>
-                    <p:cTn id="3" fill="hold">
-                      <p:stCondLst>
-                        <p:cond delay="indefinite"/>
-                      </p:stCondLst>
-                      <p:childTnLst>
-                        <p:par>
-                          <p:cTn id="4" fill="hold">
-                            <p:stCondLst>
-                              <p:cond delay="0"/>
-                            </p:stCondLst>
-                            <p:childTnLst>
-                              <p:par>
-                                <p:cTn id="5" presetID="1" presetClass="entr" presetSubtype="0" fill="hold" nodeType="clickEffect">
-                                  <p:stCondLst>
-                                    <p:cond delay="0"/>
-                                  </p:stCondLst>
-                                  <p:childTnLst>
-                                    <p:set>
-                                      <p:cBhvr>
-                                        <p:cTn id="6" dur="1" fill="hold">
-                                          <p:stCondLst>
-                                            <p:cond delay="0"/>
-                                          </p:stCondLst>
-                                        </p:cTn>
-                                        <p:tgtEl>
-                                          <p:spTgt spid="134">
-                                            <p:txEl>
-                                              <p:pRg st="0" end="0"/>
-                                            </p:txEl>
-                                          </p:spTgt>
-                                        </p:tgtEl>
-                                        <p:attrNameLst>
-                                          <p:attrName>style.visibility</p:attrName>
-                                        </p:attrNameLst>
-                                      </p:cBhvr>
-                                      <p:to>
-                                        <p:strVal val="visible"/>
-                                      </p:to>
-                                    </p:set>
-                                  </p:childTnLst>
-                                </p:cTn>
-                              </p:par>
-                            </p:childTnLst>
-                          </p:cTn>
-                        </p:par>
-                      </p:childTnLst>
-                    </p:cTn>
-                  </p:par>
-                  <p:par>
-                    <p:cTn id="7" fill="hold">
-                      <p:stCondLst>
-                        <p:cond delay="indefinite"/>
-                      </p:stCondLst>
-                      <p:childTnLst>
-                        <p:par>
-                          <p:cTn id="8" fill="hold">
-                            <p:stCondLst>
-                              <p:cond delay="0"/>
-                            </p:stCondLst>
-                            <p:childTnLst>
-                              <p:par>
-                                <p:cTn id="9" presetID="1" presetClass="entr" presetSubtype="0" fill="hold" nodeType="clickEffect">
-                                  <p:stCondLst>
-                                    <p:cond delay="0"/>
-                                  </p:stCondLst>
-                                  <p:childTnLst>
-                                    <p:set>
-                                      <p:cBhvr>
-                                        <p:cTn id="10" dur="1" fill="hold">
-                                          <p:stCondLst>
-                                            <p:cond delay="0"/>
-                                          </p:stCondLst>
-                                        </p:cTn>
-                                        <p:tgtEl>
-                                          <p:spTgt spid="134">
-                                            <p:txEl>
-                                              <p:pRg st="1" end="1"/>
-                                            </p:txEl>
-                                          </p:spTgt>
-                                        </p:tgtEl>
-                                        <p:attrNameLst>
-                                          <p:attrName>style.visibility</p:attrName>
-                                        </p:attrNameLst>
-                                      </p:cBhvr>
-                                      <p:to>
-                                        <p:strVal val="visible"/>
-                                      </p:to>
-                                    </p:set>
-                                  </p:childTnLst>
-                                </p:cTn>
-                              </p:par>
-                            </p:childTnLst>
-                          </p:cTn>
-                        </p:par>
-                      </p:childTnLst>
-                    </p:cTn>
-                  </p:par>
-                  <p:par>
-                    <p:cTn id="11" fill="hold">
-                      <p:stCondLst>
-                        <p:cond delay="indefinite"/>
-                      </p:stCondLst>
-                      <p:childTnLst>
-                        <p:par>
-                          <p:cTn id="12" fill="hold">
-                            <p:stCondLst>
-                              <p:cond delay="0"/>
-                            </p:stCondLst>
-                            <p:childTnLst>
-                              <p:par>
-                                <p:cTn id="13" presetID="1" presetClass="entr" presetSubtype="0" fill="hold" nodeType="clickEffect">
-                                  <p:stCondLst>
-                                    <p:cond delay="0"/>
-                                  </p:stCondLst>
-                                  <p:childTnLst>
-                                    <p:set>
-                                      <p:cBhvr>
-                                        <p:cTn id="14" dur="1" fill="hold">
-                                          <p:stCondLst>
-                                            <p:cond delay="0"/>
-                                          </p:stCondLst>
-                                        </p:cTn>
-                                        <p:tgtEl>
-                                          <p:spTgt spid="134">
-                                            <p:txEl>
-                                              <p:pRg st="2" end="2"/>
-                                            </p:txEl>
-                                          </p:spTgt>
-                                        </p:tgtEl>
-                                        <p:attrNameLst>
-                                          <p:attrName>style.visibility</p:attrName>
-                                        </p:attrNameLst>
-                                      </p:cBhvr>
-                                      <p:to>
-                                        <p:strVal val="visible"/>
-                                      </p:to>
-                                    </p:set>
-                                  </p:childTnLst>
-                                </p:cTn>
-                              </p:par>
-                            </p:childTnLst>
-                          </p:cTn>
-                        </p:par>
-                      </p:childTnLst>
-                    </p:cTn>
-                  </p:par>
-                </p:childTnLst>
-              </p:cTn>
-              <p:prevCondLst>
-                <p:cond evt="onPrev" delay="0">
-                  <p:tgtEl>
-                    <p:sldTgt/>
-                  </p:tgtEl>
-                </p:cond>
-              </p:prevCondLst>
-              <p:nextCondLst>
-                <p:cond evt="onNext" delay="0">
-                  <p:tgtEl>
-                    <p:sldTgt/>
-                  </p:tgtEl>
-                </p:cond>
-              </p:nextCondLst>
-            </p:seq>
-          </p:childTnLst>
-        </p:cTn>
-      </p:par>
-    </p:tnLst>
-  </p:timing>
 </p:sld>
 </file>
 
@@ -14945,26 +14768,26 @@
               <a:buChar char="●"/>
             </a:pPr>
             <a:r>
-              <a:rPr lang="en"/>
+              <a:rPr lang="en" dirty="0"/>
               <a:t>The </a:t>
             </a:r>
             <a:r>
-              <a:rPr lang="en" b="1"/>
+              <a:rPr lang="en" b="1" dirty="0"/>
               <a:t>domain attribute</a:t>
             </a:r>
             <a:r>
-              <a:rPr lang="en"/>
+              <a:rPr lang="en" dirty="0"/>
               <a:t> and </a:t>
             </a:r>
             <a:r>
-              <a:rPr lang="en" b="1"/>
+              <a:rPr lang="en" b="1" dirty="0"/>
               <a:t>path attribute</a:t>
             </a:r>
             <a:r>
-              <a:rPr lang="en"/>
+              <a:rPr lang="en" dirty="0"/>
               <a:t> define which requests the browser should attach this cookie for</a:t>
             </a:r>
-            <a:endParaRPr/>
+            <a:endParaRPr dirty="0"/>
           </a:p>
           <a:p>
             <a:pPr marL="457200" lvl="0" indent="-342900" algn="l" rtl="0">
@@ -14977,11 +14800,7 @@
               <a:buSzPts val="1800"/>
               <a:buChar char="●"/>
             </a:pPr>
-            <a:r>
-              <a:rPr lang="en"/>
-              <a:t>The domain attribute usually looks like the domain in a URL</a:t>
-            </a:r>
-            <a:endParaRPr/>
+            <a:endParaRPr lang="en" dirty="0"/>
           </a:p>
           <a:p>
             <a:pPr marL="457200" lvl="0" indent="-342900" algn="l" rtl="0">
@@ -14995,10 +14814,40 @@
               <a:buChar char="●"/>
             </a:pPr>
             <a:r>
-              <a:rPr lang="en"/>
+              <a:rPr lang="en" dirty="0"/>
+              <a:t>The domain attribute usually looks like the domain in a URL</a:t>
+            </a:r>
+            <a:endParaRPr dirty="0"/>
+          </a:p>
+          <a:p>
+            <a:pPr marL="457200" lvl="0" indent="-342900" algn="l" rtl="0">
+              <a:spcBef>
+                <a:spcPts val="0"/>
+              </a:spcBef>
+              <a:spcAft>
+                <a:spcPts val="0"/>
+              </a:spcAft>
+              <a:buSzPts val="1800"/>
+              <a:buChar char="●"/>
+            </a:pPr>
+            <a:endParaRPr lang="en" dirty="0"/>
+          </a:p>
+          <a:p>
+            <a:pPr marL="457200" lvl="0" indent="-342900" algn="l" rtl="0">
+              <a:spcBef>
+                <a:spcPts val="0"/>
+              </a:spcBef>
+              <a:spcAft>
+                <a:spcPts val="0"/>
+              </a:spcAft>
+              <a:buSzPts val="1800"/>
+              <a:buChar char="●"/>
+            </a:pPr>
+            <a:r>
+              <a:rPr lang="en" dirty="0"/>
               <a:t>The path attribute usually looks like a path in a URL</a:t>
             </a:r>
-            <a:endParaRPr/>
+            <a:endParaRPr dirty="0"/>
           </a:p>
         </p:txBody>
       </p:sp>
@@ -15649,7 +15498,7 @@
                                         <p:tgtEl>
                                           <p:spTgt spid="142">
                                             <p:txEl>
-                                              <p:pRg st="0" end="0"/>
+                                              <p:pRg st="2" end="2"/>
                                             </p:txEl>
                                           </p:spTgt>
                                         </p:tgtEl>
@@ -15698,56 +15547,7 @@
                                         <p:tgtEl>
                                           <p:spTgt spid="142">
                                             <p:txEl>
-                                              <p:pRg st="1" end="1"/>
-                                            </p:txEl>
-                                          </p:spTgt>
-                                        </p:tgtEl>
-                                        <p:attrNameLst>
-                                          <p:attrName>style.visibility</p:attrName>
-                                        </p:attrNameLst>
-                                      </p:cBhvr>
-                                      <p:to>
-                                        <p:strVal val="visible"/>
-                                      </p:to>
-                                    </p:set>
-                                  </p:childTnLst>
-                                </p:cTn>
-                              </p:par>
-                            </p:childTnLst>
-                          </p:cTn>
-                        </p:par>
-                      </p:childTnLst>
-                    </p:cTn>
-                  </p:par>
-                  <p:par>
-                    <p:cTn id="11" fill="hold">
-                      <p:stCondLst>
-                        <p:cond delay="indefinite"/>
-                      </p:stCondLst>
-                      <p:childTnLst>
-                        <p:par>
-                          <p:cTn id="12" fill="hold">
-                            <p:stCondLst>
-                              <p:cond delay="0"/>
-                            </p:stCondLst>
-                            <p:childTnLst>
-                              <p:par>
-                                <p:cTn id="13" presetID="1" presetClass="entr" presetSubtype="0" fill="hold" nodeType="clickEffect">
-                                  <p:stCondLst>
-                                    <p:cond delay="0"/>
-                                  </p:stCondLst>
-                                  <p:childTnLst>
-                                    <p:set>
-                                      <p:cBhvr>
-                                        <p:cTn id="14" dur="1" fill="hold">
-                                          <p:stCondLst>
-                                            <p:cond delay="0"/>
-                                          </p:stCondLst>
-                                        </p:cTn>
-                                        <p:tgtEl>
-                                          <p:spTgt spid="142">
-                                            <p:txEl>
-                                              <p:pRg st="2" end="2"/>
+                                              <p:pRg st="4" end="4"/>
                                             </p:txEl>
                                           </p:spTgt>
                                         </p:tgtEl>
@@ -15888,10 +15688,18 @@
               <a:buChar char="●"/>
             </a:pPr>
             <a:r>
-              <a:rPr lang="en"/>
-              <a:t>The Secure attribute and HttpOnly attribute restrict the cookie for security purposes</a:t>
-            </a:r>
-            <a:endParaRPr/>
+              <a:rPr lang="en" dirty="0"/>
+              <a:t>The Secure attribute and </a:t>
+            </a:r>
+            <a:r>
+              <a:rPr lang="en" dirty="0" err="1"/>
+              <a:t>HttpOnly</a:t>
+            </a:r>
+            <a:r>
+              <a:rPr lang="en" dirty="0"/>
+              <a:t> attribute restrict the cookie for security purposes</a:t>
+            </a:r>
+            <a:endParaRPr dirty="0"/>
           </a:p>
           <a:p>
             <a:pPr marL="457200" lvl="0" indent="-342900" algn="l" rtl="0">
@@ -15905,10 +15713,10 @@
               <a:buChar char="●"/>
             </a:pPr>
             <a:r>
-              <a:rPr lang="en"/>
+              <a:rPr lang="en" dirty="0"/>
               <a:t>Each attribute is either True or False</a:t>
             </a:r>
-            <a:endParaRPr/>
+            <a:endParaRPr dirty="0"/>
           </a:p>
           <a:p>
             <a:pPr marL="457200" lvl="0" indent="-342900" algn="l" rtl="0">
@@ -15922,18 +15730,18 @@
               <a:buChar char="●"/>
             </a:pPr>
             <a:r>
-              <a:rPr lang="en"/>
+              <a:rPr lang="en" dirty="0"/>
               <a:t>If the </a:t>
             </a:r>
             <a:r>
-              <a:rPr lang="en" b="1"/>
+              <a:rPr lang="en" b="1" dirty="0"/>
               <a:t>Secure attribute</a:t>
             </a:r>
             <a:r>
-              <a:rPr lang="en"/>
+              <a:rPr lang="en" dirty="0"/>
               <a:t> is True, then the browser only sends the cookie if the request is made over HTTPS (not HTTP)</a:t>
             </a:r>
-            <a:endParaRPr/>
+            <a:endParaRPr dirty="0"/>
           </a:p>
           <a:p>
             <a:pPr marL="457200" lvl="0" indent="-342900" algn="l" rtl="0">
@@ -15947,18 +15755,22 @@
               <a:buChar char="●"/>
             </a:pPr>
             <a:r>
-              <a:rPr lang="en"/>
+              <a:rPr lang="en" dirty="0"/>
               <a:t>If the </a:t>
             </a:r>
             <a:r>
-              <a:rPr lang="en" b="1"/>
-              <a:t>HttpOnly attribute</a:t>
-            </a:r>
-            <a:r>
-              <a:rPr lang="en"/>
+              <a:rPr lang="en" b="1" dirty="0" err="1"/>
+              <a:t>HttpOnly</a:t>
+            </a:r>
+            <a:r>
+              <a:rPr lang="en" b="1" dirty="0"/>
+              <a:t> attribute</a:t>
+            </a:r>
+            <a:r>
+              <a:rPr lang="en" dirty="0"/>
               <a:t> is True, then JavaScript in the browser is not allowed to access the cookie</a:t>
             </a:r>
-            <a:endParaRPr u="sng"/>
+            <a:endParaRPr u="sng" dirty="0"/>
           </a:p>
         </p:txBody>
       </p:sp>
@@ -16626,7 +16438,7 @@
                                         <p:tgtEl>
                                           <p:spTgt spid="150">
                                             <p:txEl>
-                                              <p:pRg st="0" end="0"/>
+                                              <p:pRg st="1" end="1"/>
                                             </p:txEl>
                                           </p:spTgt>
                                         </p:tgtEl>
@@ -16675,7 +16487,7 @@
                                         <p:tgtEl>
                                           <p:spTgt spid="150">
                                             <p:txEl>
-                                              <p:pRg st="1" end="1"/>
+                                              <p:pRg st="2" end="2"/>
                                             </p:txEl>
                                           </p:spTgt>
                                         </p:tgtEl>
@@ -16717,55 +16529,6 @@
                                     <p:set>
                                       <p:cBhvr>
                                         <p:cTn id="14" dur="1" fill="hold">
-                                          <p:stCondLst>
-                                            <p:cond delay="0"/>
-                                          </p:stCondLst>
-                                        </p:cTn>
-                                        <p:tgtEl>
-                                          <p:spTgt spid="150">
-                                            <p:txEl>
-                                              <p:pRg st="2" end="2"/>
-                                            </p:txEl>
-                                          </p:spTgt>
-                                        </p:tgtEl>
-                                        <p:attrNameLst>
-                                          <p:attrName>style.visibility</p:attrName>
-                                        </p:attrNameLst>
-                                      </p:cBhvr>
-                                      <p:to>
-                                        <p:strVal val="visible"/>
-                                      </p:to>
-                                    </p:set>
-                                  </p:childTnLst>
-                                </p:cTn>
-                              </p:par>
-                            </p:childTnLst>
-                          </p:cTn>
-                        </p:par>
-                      </p:childTnLst>
-                    </p:cTn>
-                  </p:par>
-                  <p:par>
-                    <p:cTn id="15" fill="hold">
-                      <p:stCondLst>
-                        <p:cond delay="indefinite"/>
-                      </p:stCondLst>
-                      <p:childTnLst>
-                        <p:par>
-                          <p:cTn id="16" fill="hold">
-                            <p:stCondLst>
-                              <p:cond delay="0"/>
-                            </p:stCondLst>
-                            <p:childTnLst>
-                              <p:par>
-                                <p:cTn id="17" presetID="1" presetClass="entr" presetSubtype="0" fill="hold" nodeType="clickEffect">
-                                  <p:stCondLst>
-                                    <p:cond delay="0"/>
-                                  </p:stCondLst>
-                                  <p:childTnLst>
-                                    <p:set>
-                                      <p:cBhvr>
-                                        <p:cTn id="18" dur="1" fill="hold">
                                           <p:stCondLst>
                                             <p:cond delay="0"/>
                                           </p:stCondLst>
@@ -16914,18 +16677,18 @@
               <a:buChar char="●"/>
             </a:pPr>
             <a:r>
-              <a:rPr lang="en"/>
+              <a:rPr lang="en" dirty="0"/>
               <a:t>The </a:t>
             </a:r>
             <a:r>
-              <a:rPr lang="en" b="1"/>
+              <a:rPr lang="en" b="1" dirty="0"/>
               <a:t>Expires attribute</a:t>
             </a:r>
             <a:r>
-              <a:rPr lang="en"/>
+              <a:rPr lang="en" dirty="0"/>
               <a:t> defines when the cookie is no longer valid</a:t>
             </a:r>
-            <a:endParaRPr/>
+            <a:endParaRPr dirty="0"/>
           </a:p>
           <a:p>
             <a:pPr marL="457200" lvl="0" indent="-342900" algn="l" rtl="0">
@@ -16938,11 +16701,7 @@
               <a:buSzPts val="1800"/>
               <a:buChar char="●"/>
             </a:pPr>
-            <a:r>
-              <a:rPr lang="en"/>
-              <a:t>The expires attribute is usually a timestamp</a:t>
-            </a:r>
-            <a:endParaRPr/>
+            <a:endParaRPr lang="en" dirty="0"/>
           </a:p>
           <a:p>
             <a:pPr marL="457200" lvl="0" indent="-342900" algn="l" rtl="0">
@@ -16956,10 +16715,40 @@
               <a:buChar char="●"/>
             </a:pPr>
             <a:r>
-              <a:rPr lang="en"/>
+              <a:rPr lang="en" dirty="0"/>
+              <a:t>The expires attribute is usually a timestamp</a:t>
+            </a:r>
+            <a:endParaRPr dirty="0"/>
+          </a:p>
+          <a:p>
+            <a:pPr marL="457200" lvl="0" indent="-342900" algn="l" rtl="0">
+              <a:spcBef>
+                <a:spcPts val="0"/>
+              </a:spcBef>
+              <a:spcAft>
+                <a:spcPts val="0"/>
+              </a:spcAft>
+              <a:buSzPts val="1800"/>
+              <a:buChar char="●"/>
+            </a:pPr>
+            <a:endParaRPr lang="en" dirty="0"/>
+          </a:p>
+          <a:p>
+            <a:pPr marL="457200" lvl="0" indent="-342900" algn="l" rtl="0">
+              <a:spcBef>
+                <a:spcPts val="0"/>
+              </a:spcBef>
+              <a:spcAft>
+                <a:spcPts val="0"/>
+              </a:spcAft>
+              <a:buSzPts val="1800"/>
+              <a:buChar char="●"/>
+            </a:pPr>
+            <a:r>
+              <a:rPr lang="en" dirty="0"/>
               <a:t>If the timestamp is in the past, then the cookie has expired, and the browser deletes it from the cookie jar</a:t>
             </a:r>
-            <a:endParaRPr/>
+            <a:endParaRPr dirty="0"/>
           </a:p>
         </p:txBody>
       </p:sp>
@@ -17613,7 +17402,7 @@
                                         <p:tgtEl>
                                           <p:spTgt spid="158">
                                             <p:txEl>
-                                              <p:pRg st="0" end="0"/>
+                                              <p:pRg st="2" end="2"/>
                                             </p:txEl>
                                           </p:spTgt>
                                         </p:tgtEl>
@@ -17662,56 +17451,7 @@
                                         <p:tgtEl>
                                           <p:spTgt spid="158">
                                             <p:txEl>
-                                              <p:pRg st="1" end="1"/>
-                                            </p:txEl>
-                                          </p:spTgt>
-                                        </p:tgtEl>
-                                        <p:attrNameLst>
-                                          <p:attrName>style.visibility</p:attrName>
-                                        </p:attrNameLst>
-                                      </p:cBhvr>
-                                      <p:to>
-                                        <p:strVal val="visible"/>
-                                      </p:to>
-                                    </p:set>
-                                  </p:childTnLst>
-                                </p:cTn>
-                              </p:par>
-                            </p:childTnLst>
-                          </p:cTn>
-                        </p:par>
-                      </p:childTnLst>
-                    </p:cTn>
-                  </p:par>
-                  <p:par>
-                    <p:cTn id="11" fill="hold">
-                      <p:stCondLst>
-                        <p:cond delay="indefinite"/>
-                      </p:stCondLst>
-                      <p:childTnLst>
-                        <p:par>
-                          <p:cTn id="12" fill="hold">
-                            <p:stCondLst>
-                              <p:cond delay="0"/>
-                            </p:stCondLst>
-                            <p:childTnLst>
-                              <p:par>
-                                <p:cTn id="13" presetID="1" presetClass="entr" presetSubtype="0" fill="hold" nodeType="clickEffect">
-                                  <p:stCondLst>
-                                    <p:cond delay="0"/>
-                                  </p:stCondLst>
-                                  <p:childTnLst>
-                                    <p:set>
-                                      <p:cBhvr>
-                                        <p:cTn id="14" dur="1" fill="hold">
-                                          <p:stCondLst>
-                                            <p:cond delay="0"/>
-                                          </p:stCondLst>
-                                        </p:cTn>
-                                        <p:tgtEl>
-                                          <p:spTgt spid="158">
-                                            <p:txEl>
-                                              <p:pRg st="2" end="2"/>
+                                              <p:pRg st="4" end="4"/>
                                             </p:txEl>
                                           </p:spTgt>
                                         </p:tgtEl>
@@ -18137,23 +17877,6 @@
             </a:r>
             <a:endParaRPr dirty="0"/>
           </a:p>
-          <a:p>
-            <a:pPr marL="1371600" lvl="2" indent="-317500" algn="l" rtl="0">
-              <a:spcBef>
-                <a:spcPts val="0"/>
-              </a:spcBef>
-              <a:spcAft>
-                <a:spcPts val="0"/>
-              </a:spcAft>
-              <a:buSzPts val="1400"/>
-              <a:buChar char="■"/>
-            </a:pPr>
-            <a:r>
-              <a:rPr lang="en" dirty="0"/>
-              <a:t>We’ll see how cookies are used for logins later</a:t>
-            </a:r>
-            <a:endParaRPr dirty="0"/>
-          </a:p>
         </p:txBody>
       </p:sp>
       <p:sp>
@@ -18239,202 +17962,6 @@
                                         <p:tgtEl>
                                           <p:spTgt spid="172">
                                             <p:txEl>
-                                              <p:pRg st="0" end="0"/>
-                                            </p:txEl>
-                                          </p:spTgt>
-                                        </p:tgtEl>
-                                        <p:attrNameLst>
-                                          <p:attrName>style.visibility</p:attrName>
-                                        </p:attrNameLst>
-                                      </p:cBhvr>
-                                      <p:to>
-                                        <p:strVal val="visible"/>
-                                      </p:to>
-                                    </p:set>
-                                  </p:childTnLst>
-                                </p:cTn>
-                              </p:par>
-                            </p:childTnLst>
-                          </p:cTn>
-                        </p:par>
-                      </p:childTnLst>
-                    </p:cTn>
-                  </p:par>
-                  <p:par>
-                    <p:cTn id="7" fill="hold">
-                      <p:stCondLst>
-                        <p:cond delay="indefinite"/>
-                      </p:stCondLst>
-                      <p:childTnLst>
-                        <p:par>
-                          <p:cTn id="8" fill="hold">
-                            <p:stCondLst>
-                              <p:cond delay="0"/>
-                            </p:stCondLst>
-                            <p:childTnLst>
-                              <p:par>
-                                <p:cTn id="9" presetID="1" presetClass="entr" presetSubtype="0" fill="hold" nodeType="clickEffect">
-                                  <p:stCondLst>
-                                    <p:cond delay="0"/>
-                                  </p:stCondLst>
-                                  <p:childTnLst>
-                                    <p:set>
-                                      <p:cBhvr>
-                                        <p:cTn id="10" dur="1" fill="hold">
-                                          <p:stCondLst>
-                                            <p:cond delay="0"/>
-                                          </p:stCondLst>
-                                        </p:cTn>
-                                        <p:tgtEl>
-                                          <p:spTgt spid="172">
-                                            <p:txEl>
-                                              <p:pRg st="1" end="1"/>
-                                            </p:txEl>
-                                          </p:spTgt>
-                                        </p:tgtEl>
-                                        <p:attrNameLst>
-                                          <p:attrName>style.visibility</p:attrName>
-                                        </p:attrNameLst>
-                                      </p:cBhvr>
-                                      <p:to>
-                                        <p:strVal val="visible"/>
-                                      </p:to>
-                                    </p:set>
-                                  </p:childTnLst>
-                                </p:cTn>
-                              </p:par>
-                            </p:childTnLst>
-                          </p:cTn>
-                        </p:par>
-                      </p:childTnLst>
-                    </p:cTn>
-                  </p:par>
-                  <p:par>
-                    <p:cTn id="11" fill="hold">
-                      <p:stCondLst>
-                        <p:cond delay="indefinite"/>
-                      </p:stCondLst>
-                      <p:childTnLst>
-                        <p:par>
-                          <p:cTn id="12" fill="hold">
-                            <p:stCondLst>
-                              <p:cond delay="0"/>
-                            </p:stCondLst>
-                            <p:childTnLst>
-                              <p:par>
-                                <p:cTn id="13" presetID="1" presetClass="entr" presetSubtype="0" fill="hold" nodeType="clickEffect">
-                                  <p:stCondLst>
-                                    <p:cond delay="0"/>
-                                  </p:stCondLst>
-                                  <p:childTnLst>
-                                    <p:set>
-                                      <p:cBhvr>
-                                        <p:cTn id="14" dur="1" fill="hold">
-                                          <p:stCondLst>
-                                            <p:cond delay="0"/>
-                                          </p:stCondLst>
-                                        </p:cTn>
-                                        <p:tgtEl>
-                                          <p:spTgt spid="172">
-                                            <p:txEl>
-                                              <p:pRg st="2" end="2"/>
-                                            </p:txEl>
-                                          </p:spTgt>
-                                        </p:tgtEl>
-                                        <p:attrNameLst>
-                                          <p:attrName>style.visibility</p:attrName>
-                                        </p:attrNameLst>
-                                      </p:cBhvr>
-                                      <p:to>
-                                        <p:strVal val="visible"/>
-                                      </p:to>
-                                    </p:set>
-                                  </p:childTnLst>
-                                </p:cTn>
-                              </p:par>
-                            </p:childTnLst>
-                          </p:cTn>
-                        </p:par>
-                      </p:childTnLst>
-                    </p:cTn>
-                  </p:par>
-                  <p:par>
-                    <p:cTn id="15" fill="hold">
-                      <p:stCondLst>
-                        <p:cond delay="indefinite"/>
-                      </p:stCondLst>
-                      <p:childTnLst>
-                        <p:par>
-                          <p:cTn id="16" fill="hold">
-                            <p:stCondLst>
-                              <p:cond delay="0"/>
-                            </p:stCondLst>
-                            <p:childTnLst>
-                              <p:par>
-                                <p:cTn id="17" presetID="1" presetClass="entr" presetSubtype="0" fill="hold" nodeType="clickEffect">
-                                  <p:stCondLst>
-                                    <p:cond delay="0"/>
-                                  </p:stCondLst>
-                                  <p:childTnLst>
-                                    <p:set>
-                                      <p:cBhvr>
-                                        <p:cTn id="18" dur="1" fill="hold">
-                                          <p:stCondLst>
-                                            <p:cond delay="0"/>
-                                          </p:stCondLst>
-                                        </p:cTn>
-                                        <p:tgtEl>
-                                          <p:spTgt spid="172">
-                                            <p:txEl>
-                                              <p:pRg st="3" end="3"/>
-                                            </p:txEl>
-                                          </p:spTgt>
-                                        </p:tgtEl>
-                                        <p:attrNameLst>
-                                          <p:attrName>style.visibility</p:attrName>
-                                        </p:attrNameLst>
-                                      </p:cBhvr>
-                                      <p:to>
-                                        <p:strVal val="visible"/>
-                                      </p:to>
-                                    </p:set>
-                                  </p:childTnLst>
-                                </p:cTn>
-                              </p:par>
-                            </p:childTnLst>
-                          </p:cTn>
-                        </p:par>
-                      </p:childTnLst>
-                    </p:cTn>
-                  </p:par>
-                  <p:par>
-                    <p:cTn id="19" fill="hold">
-                      <p:stCondLst>
-                        <p:cond delay="indefinite"/>
-                      </p:stCondLst>
-                      <p:childTnLst>
-                        <p:par>
-                          <p:cTn id="20" fill="hold">
-                            <p:stCondLst>
-                              <p:cond delay="0"/>
-                            </p:stCondLst>
-                            <p:childTnLst>
-                              <p:par>
-                                <p:cTn id="21" presetID="1" presetClass="entr" presetSubtype="0" fill="hold" nodeType="clickEffect">
-                                  <p:stCondLst>
-                                    <p:cond delay="0"/>
-                                  </p:stCondLst>
-                                  <p:childTnLst>
-                                    <p:set>
-                                      <p:cBhvr>
-                                        <p:cTn id="22" dur="1" fill="hold">
-                                          <p:stCondLst>
-                                            <p:cond delay="0"/>
-                                          </p:stCondLst>
-                                        </p:cTn>
-                                        <p:tgtEl>
-                                          <p:spTgt spid="172">
-                                            <p:txEl>
                                               <p:pRg st="4" end="4"/>
                                             </p:txEl>
                                           </p:spTgt>
@@ -18450,33 +17977,15 @@
                                   </p:childTnLst>
                                 </p:cTn>
                               </p:par>
-                            </p:childTnLst>
-                          </p:cTn>
-                        </p:par>
-                      </p:childTnLst>
-                    </p:cTn>
-                  </p:par>
-                  <p:par>
-                    <p:cTn id="23" fill="hold">
-                      <p:stCondLst>
-                        <p:cond delay="indefinite"/>
-                      </p:stCondLst>
-                      <p:childTnLst>
-                        <p:par>
-                          <p:cTn id="24" fill="hold">
-                            <p:stCondLst>
-                              <p:cond delay="0"/>
-                            </p:stCondLst>
-                            <p:childTnLst>
                               <p:par>
-                                <p:cTn id="25" presetID="1" presetClass="entr" presetSubtype="0" fill="hold" nodeType="clickEffect">
+                                <p:cTn id="7" presetID="1" presetClass="entr" presetSubtype="0" fill="hold" nodeType="withEffect">
                                   <p:stCondLst>
                                     <p:cond delay="0"/>
                                   </p:stCondLst>
                                   <p:childTnLst>
                                     <p:set>
                                       <p:cBhvr>
-                                        <p:cTn id="26" dur="1" fill="hold">
+                                        <p:cTn id="8" dur="1" fill="hold">
                                           <p:stCondLst>
                                             <p:cond delay="0"/>
                                           </p:stCondLst>
@@ -18506,26 +18015,26 @@
                     </p:cTn>
                   </p:par>
                   <p:par>
-                    <p:cTn id="27" fill="hold">
+                    <p:cTn id="9" fill="hold">
                       <p:stCondLst>
                         <p:cond delay="indefinite"/>
                       </p:stCondLst>
                       <p:childTnLst>
                         <p:par>
-                          <p:cTn id="28" fill="hold">
+                          <p:cTn id="10" fill="hold">
                             <p:stCondLst>
                               <p:cond delay="0"/>
                             </p:stCondLst>
                             <p:childTnLst>
                               <p:par>
-                                <p:cTn id="29" presetID="1" presetClass="entr" presetSubtype="0" fill="hold" nodeType="clickEffect">
+                                <p:cTn id="11" presetID="1" presetClass="entr" presetSubtype="0" fill="hold" nodeType="clickEffect">
                                   <p:stCondLst>
                                     <p:cond delay="0"/>
                                   </p:stCondLst>
                                   <p:childTnLst>
                                     <p:set>
                                       <p:cBhvr>
-                                        <p:cTn id="30" dur="1" fill="hold">
+                                        <p:cTn id="12" dur="1" fill="hold">
                                           <p:stCondLst>
                                             <p:cond delay="0"/>
                                           </p:stCondLst>
@@ -18548,33 +18057,15 @@
                                   </p:childTnLst>
                                 </p:cTn>
                               </p:par>
-                            </p:childTnLst>
-                          </p:cTn>
-                        </p:par>
-                      </p:childTnLst>
-                    </p:cTn>
-                  </p:par>
-                  <p:par>
-                    <p:cTn id="31" fill="hold">
-                      <p:stCondLst>
-                        <p:cond delay="indefinite"/>
-                      </p:stCondLst>
-                      <p:childTnLst>
-                        <p:par>
-                          <p:cTn id="32" fill="hold">
-                            <p:stCondLst>
-                              <p:cond delay="0"/>
-                            </p:stCondLst>
-                            <p:childTnLst>
                               <p:par>
-                                <p:cTn id="33" presetID="1" presetClass="entr" presetSubtype="0" fill="hold" nodeType="clickEffect">
+                                <p:cTn id="13" presetID="1" presetClass="entr" presetSubtype="0" fill="hold" nodeType="withEffect">
                                   <p:stCondLst>
                                     <p:cond delay="0"/>
                                   </p:stCondLst>
                                   <p:childTnLst>
                                     <p:set>
                                       <p:cBhvr>
-                                        <p:cTn id="34" dur="1" fill="hold">
+                                        <p:cTn id="14" dur="1" fill="hold">
                                           <p:stCondLst>
                                             <p:cond delay="0"/>
                                           </p:stCondLst>
@@ -18583,55 +18074,6 @@
                                           <p:spTgt spid="172">
                                             <p:txEl>
                                               <p:pRg st="7" end="7"/>
-                                            </p:txEl>
-                                          </p:spTgt>
-                                        </p:tgtEl>
-                                        <p:attrNameLst>
-                                          <p:attrName>style.visibility</p:attrName>
-                                        </p:attrNameLst>
-                                      </p:cBhvr>
-                                      <p:to>
-                                        <p:strVal val="visible"/>
-                                      </p:to>
-                                    </p:set>
-                                  </p:childTnLst>
-                                </p:cTn>
-                              </p:par>
-                            </p:childTnLst>
-                          </p:cTn>
-                        </p:par>
-                      </p:childTnLst>
-                    </p:cTn>
-                  </p:par>
-                  <p:par>
-                    <p:cTn id="35" fill="hold">
-                      <p:stCondLst>
-                        <p:cond delay="indefinite"/>
-                      </p:stCondLst>
-                      <p:childTnLst>
-                        <p:par>
-                          <p:cTn id="36" fill="hold">
-                            <p:stCondLst>
-                              <p:cond delay="0"/>
-                            </p:stCondLst>
-                            <p:childTnLst>
-                              <p:par>
-                                <p:cTn id="37" presetID="1" presetClass="entr" presetSubtype="0" fill="hold" nodeType="clickEffect">
-                                  <p:stCondLst>
-                                    <p:cond delay="0"/>
-                                  </p:stCondLst>
-                                  <p:childTnLst>
-                                    <p:set>
-                                      <p:cBhvr>
-                                        <p:cTn id="38" dur="1" fill="hold">
-                                          <p:stCondLst>
-                                            <p:cond delay="0"/>
-                                          </p:stCondLst>
-                                        </p:cTn>
-                                        <p:tgtEl>
-                                          <p:spTgt spid="172">
-                                            <p:txEl>
-                                              <p:pRg st="8" end="8"/>
                                             </p:txEl>
                                           </p:spTgt>
                                         </p:tgtEl>
@@ -18794,7 +18236,19 @@
             </a:pPr>
             <a:r>
               <a:rPr lang="en" dirty="0"/>
-              <a:t>When the browser receives a cookie from a server, should the cookie be accepted?</a:t>
+              <a:t>When the browser </a:t>
+            </a:r>
+            <a:r>
+              <a:rPr lang="en" dirty="0">
+                <a:solidFill>
+                  <a:srgbClr val="FF0000"/>
+                </a:solidFill>
+              </a:rPr>
+              <a:t>receives</a:t>
+            </a:r>
+            <a:r>
+              <a:rPr lang="en" dirty="0"/>
+              <a:t> a cookie from a server, should the cookie be accepted?</a:t>
             </a:r>
             <a:endParaRPr dirty="0"/>
           </a:p>
@@ -18811,7 +18265,19 @@
             </a:pPr>
             <a:r>
               <a:rPr lang="en" dirty="0"/>
-              <a:t>When the browser makes a request to a server, should the cookie be attached?</a:t>
+              <a:t>When the browser makes a request to a server, should the cookie be </a:t>
+            </a:r>
+            <a:r>
+              <a:rPr lang="en" dirty="0">
+                <a:solidFill>
+                  <a:srgbClr val="FF0000"/>
+                </a:solidFill>
+              </a:rPr>
+              <a:t>attached</a:t>
+            </a:r>
+            <a:r>
+              <a:rPr lang="en" dirty="0"/>
+              <a:t>?</a:t>
             </a:r>
             <a:endParaRPr dirty="0"/>
           </a:p>
@@ -18889,232 +18355,6 @@
   <p:clrMapOvr>
     <a:masterClrMapping/>
   </p:clrMapOvr>
-  <p:timing>
-    <p:tnLst>
-      <p:par>
-        <p:cTn id="1" dur="indefinite" restart="never" nodeType="tmRoot">
-          <p:childTnLst>
-            <p:seq concurrent="1" nextAc="seek">
-              <p:cTn id="2" dur="indefinite" nodeType="mainSeq">
-                <p:childTnLst>
-                  <p:par>
-                    <p:cTn id="3" fill="hold">
-                      <p:stCondLst>
-                        <p:cond delay="indefinite"/>
-                      </p:stCondLst>
-                      <p:childTnLst>
-                        <p:par>
-                          <p:cTn id="4" fill="hold">
-                            <p:stCondLst>
-                              <p:cond delay="0"/>
-                            </p:stCondLst>
-                            <p:childTnLst>
-                              <p:par>
-                                <p:cTn id="5" presetID="1" presetClass="entr" presetSubtype="0" fill="hold" nodeType="clickEffect">
-                                  <p:stCondLst>
-                                    <p:cond delay="0"/>
-                                  </p:stCondLst>
-                                  <p:childTnLst>
-                                    <p:set>
-                                      <p:cBhvr>
-                                        <p:cTn id="6" dur="1" fill="hold">
-                                          <p:stCondLst>
-                                            <p:cond delay="0"/>
-                                          </p:stCondLst>
-                                        </p:cTn>
-                                        <p:tgtEl>
-                                          <p:spTgt spid="179">
-                                            <p:txEl>
-                                              <p:pRg st="0" end="0"/>
-                                            </p:txEl>
-                                          </p:spTgt>
-                                        </p:tgtEl>
-                                        <p:attrNameLst>
-                                          <p:attrName>style.visibility</p:attrName>
-                                        </p:attrNameLst>
-                                      </p:cBhvr>
-                                      <p:to>
-                                        <p:strVal val="visible"/>
-                                      </p:to>
-                                    </p:set>
-                                  </p:childTnLst>
-                                </p:cTn>
-                              </p:par>
-                            </p:childTnLst>
-                          </p:cTn>
-                        </p:par>
-                      </p:childTnLst>
-                    </p:cTn>
-                  </p:par>
-                  <p:par>
-                    <p:cTn id="7" fill="hold">
-                      <p:stCondLst>
-                        <p:cond delay="indefinite"/>
-                      </p:stCondLst>
-                      <p:childTnLst>
-                        <p:par>
-                          <p:cTn id="8" fill="hold">
-                            <p:stCondLst>
-                              <p:cond delay="0"/>
-                            </p:stCondLst>
-                            <p:childTnLst>
-                              <p:par>
-                                <p:cTn id="9" presetID="1" presetClass="entr" presetSubtype="0" fill="hold" nodeType="clickEffect">
-                                  <p:stCondLst>
-                                    <p:cond delay="0"/>
-                                  </p:stCondLst>
-                                  <p:childTnLst>
-                                    <p:set>
-                                      <p:cBhvr>
-                                        <p:cTn id="10" dur="1" fill="hold">
-                                          <p:stCondLst>
-                                            <p:cond delay="0"/>
-                                          </p:stCondLst>
-                                        </p:cTn>
-                                        <p:tgtEl>
-                                          <p:spTgt spid="179">
-                                            <p:txEl>
-                                              <p:pRg st="1" end="1"/>
-                                            </p:txEl>
-                                          </p:spTgt>
-                                        </p:tgtEl>
-                                        <p:attrNameLst>
-                                          <p:attrName>style.visibility</p:attrName>
-                                        </p:attrNameLst>
-                                      </p:cBhvr>
-                                      <p:to>
-                                        <p:strVal val="visible"/>
-                                      </p:to>
-                                    </p:set>
-                                  </p:childTnLst>
-                                </p:cTn>
-                              </p:par>
-                            </p:childTnLst>
-                          </p:cTn>
-                        </p:par>
-                      </p:childTnLst>
-                    </p:cTn>
-                  </p:par>
-                  <p:par>
-                    <p:cTn id="11" fill="hold">
-                      <p:stCondLst>
-                        <p:cond delay="indefinite"/>
-                      </p:stCondLst>
-                      <p:childTnLst>
-                        <p:par>
-                          <p:cTn id="12" fill="hold">
-                            <p:stCondLst>
-                              <p:cond delay="0"/>
-                            </p:stCondLst>
-                            <p:childTnLst>
-                              <p:par>
-                                <p:cTn id="13" presetID="1" presetClass="entr" presetSubtype="0" fill="hold" nodeType="clickEffect">
-                                  <p:stCondLst>
-                                    <p:cond delay="0"/>
-                                  </p:stCondLst>
-                                  <p:childTnLst>
-                                    <p:set>
-                                      <p:cBhvr>
-                                        <p:cTn id="14" dur="1" fill="hold">
-                                          <p:stCondLst>
-                                            <p:cond delay="0"/>
-                                          </p:stCondLst>
-                                        </p:cTn>
-                                        <p:tgtEl>
-                                          <p:spTgt spid="179">
-                                            <p:txEl>
-                                              <p:pRg st="2" end="2"/>
-                                            </p:txEl>
-                                          </p:spTgt>
-                                        </p:tgtEl>
-                                        <p:attrNameLst>
-                                          <p:attrName>style.visibility</p:attrName>
-                                        </p:attrNameLst>
-                                      </p:cBhvr>
-                                      <p:to>
-                                        <p:strVal val="visible"/>
-                                      </p:to>
-                                    </p:set>
-                                  </p:childTnLst>
-                                </p:cTn>
-                              </p:par>
-                            </p:childTnLst>
-                          </p:cTn>
-                        </p:par>
-                      </p:childTnLst>
-                    </p:cTn>
-                  </p:par>
-                  <p:par>
-                    <p:cTn id="15" fill="hold">
-                      <p:stCondLst>
-                        <p:cond delay="indefinite"/>
-                      </p:stCondLst>
-                      <p:childTnLst>
-                        <p:par>
-                          <p:cTn id="16" fill="hold">
-                            <p:stCondLst>
-                              <p:cond delay="0"/>
-                            </p:stCondLst>
-                            <p:childTnLst>
-                              <p:par>
-                                <p:cTn id="17" presetID="1" presetClass="entr" presetSubtype="0" fill="hold" nodeType="clickEffect">
-                                  <p:stCondLst>
-                                    <p:cond delay="0"/>
-                                  </p:stCondLst>
-                                  <p:childTnLst>
-                                    <p:set>
-                                      <p:cBhvr>
-                                        <p:cTn id="18" dur="1" fill="hold">
-                                          <p:stCondLst>
-                                            <p:cond delay="0"/>
-                                          </p:stCondLst>
-                                        </p:cTn>
-                                        <p:tgtEl>
-                                          <p:spTgt spid="179">
-                                            <p:txEl>
-                                              <p:pRg st="3" end="3"/>
-                                            </p:txEl>
-                                          </p:spTgt>
-                                        </p:tgtEl>
-                                        <p:attrNameLst>
-                                          <p:attrName>style.visibility</p:attrName>
-                                        </p:attrNameLst>
-                                      </p:cBhvr>
-                                      <p:to>
-                                        <p:strVal val="visible"/>
-                                      </p:to>
-                                    </p:set>
-                                  </p:childTnLst>
-                                </p:cTn>
-                              </p:par>
-                            </p:childTnLst>
-                          </p:cTn>
-                        </p:par>
-                      </p:childTnLst>
-                    </p:cTn>
-                  </p:par>
-                </p:childTnLst>
-              </p:cTn>
-              <p:prevCondLst>
-                <p:cond evt="onPrev" delay="0">
-                  <p:tgtEl>
-                    <p:sldTgt/>
-                  </p:tgtEl>
-                </p:cond>
-              </p:prevCondLst>
-              <p:nextCondLst>
-                <p:cond evt="onNext" delay="0">
-                  <p:tgtEl>
-                    <p:sldTgt/>
-                  </p:tgtEl>
-                </p:cond>
-              </p:nextCondLst>
-            </p:seq>
-          </p:childTnLst>
-        </p:cTn>
-      </p:par>
-    </p:tnLst>
-  </p:timing>
 </p:sld>
 </file>
 
@@ -19190,7 +18430,7 @@
         <p:spPr>
           <a:xfrm>
             <a:off x="198500" y="1246825"/>
-            <a:ext cx="8520600" cy="1592700"/>
+            <a:ext cx="8520600" cy="1014850"/>
           </a:xfrm>
           <a:prstGeom prst="rect">
             <a:avLst/>
@@ -19213,10 +18453,10 @@
               <a:buChar char="●"/>
             </a:pPr>
             <a:r>
-              <a:rPr lang="en"/>
-              <a:t>Recall: Domains</a:t>
-            </a:r>
-            <a:endParaRPr/>
+              <a:rPr lang="en" dirty="0"/>
+              <a:t>Domains can be sorted into a hierarchy</a:t>
+            </a:r>
+            <a:endParaRPr dirty="0"/>
           </a:p>
           <a:p>
             <a:pPr marL="914400" lvl="1" indent="-317500" algn="l" rtl="0">
@@ -19230,61 +18470,10 @@
               <a:buChar char="○"/>
             </a:pPr>
             <a:r>
-              <a:rPr lang="en"/>
-              <a:t>Located after the double slashes, but before the next single slash</a:t>
-            </a:r>
-            <a:endParaRPr/>
-          </a:p>
-          <a:p>
-            <a:pPr marL="914400" lvl="1" indent="-317500" algn="l" rtl="0">
-              <a:spcBef>
-                <a:spcPts val="0"/>
-              </a:spcBef>
-              <a:spcAft>
-                <a:spcPts val="0"/>
-              </a:spcAft>
-              <a:buSzPts val="1400"/>
-              <a:buChar char="○"/>
-            </a:pPr>
-            <a:r>
-              <a:rPr lang="en"/>
-              <a:t>Written as several phrases separated by dots</a:t>
-            </a:r>
-            <a:endParaRPr/>
-          </a:p>
-          <a:p>
-            <a:pPr marL="457200" lvl="0" indent="-342900" algn="l" rtl="0">
-              <a:spcBef>
-                <a:spcPts val="0"/>
-              </a:spcBef>
-              <a:spcAft>
-                <a:spcPts val="0"/>
-              </a:spcAft>
-              <a:buSzPts val="1800"/>
-              <a:buChar char="●"/>
-            </a:pPr>
-            <a:r>
-              <a:rPr lang="en"/>
-              <a:t>Domains can be sorted into a hierarchy</a:t>
-            </a:r>
-            <a:endParaRPr/>
-          </a:p>
-          <a:p>
-            <a:pPr marL="914400" lvl="1" indent="-317500" algn="l" rtl="0">
-              <a:spcBef>
-                <a:spcPts val="0"/>
-              </a:spcBef>
-              <a:spcAft>
-                <a:spcPts val="0"/>
-              </a:spcAft>
-              <a:buSzPts val="1400"/>
-              <a:buChar char="○"/>
-            </a:pPr>
-            <a:r>
-              <a:rPr lang="en"/>
+              <a:rPr lang="en" dirty="0"/>
               <a:t>The hierarchy is separated by dots</a:t>
             </a:r>
-            <a:endParaRPr/>
+            <a:endParaRPr dirty="0"/>
           </a:p>
         </p:txBody>
       </p:sp>
@@ -20107,326 +19296,6 @@
   <p:clrMapOvr>
     <a:masterClrMapping/>
   </p:clrMapOvr>
-  <p:timing>
-    <p:tnLst>
-      <p:par>
-        <p:cTn id="1" dur="indefinite" restart="never" nodeType="tmRoot">
-          <p:childTnLst>
-            <p:seq concurrent="1" nextAc="seek">
-              <p:cTn id="2" dur="indefinite" nodeType="mainSeq">
-                <p:childTnLst>
-                  <p:par>
-                    <p:cTn id="3" fill="hold">
-                      <p:stCondLst>
-                        <p:cond delay="indefinite"/>
-                      </p:stCondLst>
-                      <p:childTnLst>
-                        <p:par>
-                          <p:cTn id="4" fill="hold">
-                            <p:stCondLst>
-                              <p:cond delay="0"/>
-                            </p:stCondLst>
-                            <p:childTnLst>
-                              <p:par>
-                                <p:cTn id="5" presetID="1" presetClass="entr" presetSubtype="0" fill="hold" nodeType="clickEffect">
-                                  <p:stCondLst>
-                                    <p:cond delay="0"/>
-                                  </p:stCondLst>
-                                  <p:childTnLst>
-                                    <p:set>
-                                      <p:cBhvr>
-                                        <p:cTn id="6" dur="1" fill="hold">
-                                          <p:stCondLst>
-                                            <p:cond delay="0"/>
-                                          </p:stCondLst>
-                                        </p:cTn>
-                                        <p:tgtEl>
-                                          <p:spTgt spid="186">
-                                            <p:txEl>
-                                              <p:pRg st="0" end="0"/>
-                                            </p:txEl>
-                                          </p:spTgt>
-                                        </p:tgtEl>
-                                        <p:attrNameLst>
-                                          <p:attrName>style.visibility</p:attrName>
-                                        </p:attrNameLst>
-                                      </p:cBhvr>
-                                      <p:to>
-                                        <p:strVal val="visible"/>
-                                      </p:to>
-                                    </p:set>
-                                  </p:childTnLst>
-                                </p:cTn>
-                              </p:par>
-                            </p:childTnLst>
-                          </p:cTn>
-                        </p:par>
-                      </p:childTnLst>
-                    </p:cTn>
-                  </p:par>
-                  <p:par>
-                    <p:cTn id="7" fill="hold">
-                      <p:stCondLst>
-                        <p:cond delay="indefinite"/>
-                      </p:stCondLst>
-                      <p:childTnLst>
-                        <p:par>
-                          <p:cTn id="8" fill="hold">
-                            <p:stCondLst>
-                              <p:cond delay="0"/>
-                            </p:stCondLst>
-                            <p:childTnLst>
-                              <p:par>
-                                <p:cTn id="9" presetID="1" presetClass="entr" presetSubtype="0" fill="hold" nodeType="clickEffect">
-                                  <p:stCondLst>
-                                    <p:cond delay="0"/>
-                                  </p:stCondLst>
-                                  <p:childTnLst>
-                                    <p:set>
-                                      <p:cBhvr>
-                                        <p:cTn id="10" dur="1" fill="hold">
-                                          <p:stCondLst>
-                                            <p:cond delay="0"/>
-                                          </p:stCondLst>
-                                        </p:cTn>
-                                        <p:tgtEl>
-                                          <p:spTgt spid="186">
-                                            <p:txEl>
-                                              <p:pRg st="1" end="1"/>
-                                            </p:txEl>
-                                          </p:spTgt>
-                                        </p:tgtEl>
-                                        <p:attrNameLst>
-                                          <p:attrName>style.visibility</p:attrName>
-                                        </p:attrNameLst>
-                                      </p:cBhvr>
-                                      <p:to>
-                                        <p:strVal val="visible"/>
-                                      </p:to>
-                                    </p:set>
-                                  </p:childTnLst>
-                                </p:cTn>
-                              </p:par>
-                            </p:childTnLst>
-                          </p:cTn>
-                        </p:par>
-                      </p:childTnLst>
-                    </p:cTn>
-                  </p:par>
-                  <p:par>
-                    <p:cTn id="11" fill="hold">
-                      <p:stCondLst>
-                        <p:cond delay="indefinite"/>
-                      </p:stCondLst>
-                      <p:childTnLst>
-                        <p:par>
-                          <p:cTn id="12" fill="hold">
-                            <p:stCondLst>
-                              <p:cond delay="0"/>
-                            </p:stCondLst>
-                            <p:childTnLst>
-                              <p:par>
-                                <p:cTn id="13" presetID="1" presetClass="entr" presetSubtype="0" fill="hold" nodeType="clickEffect">
-                                  <p:stCondLst>
-                                    <p:cond delay="0"/>
-                                  </p:stCondLst>
-                                  <p:childTnLst>
-                                    <p:set>
-                                      <p:cBhvr>
-                                        <p:cTn id="14" dur="1" fill="hold">
-                                          <p:stCondLst>
-                                            <p:cond delay="0"/>
-                                          </p:stCondLst>
-                                        </p:cTn>
-                                        <p:tgtEl>
-                                          <p:spTgt spid="186">
-                                            <p:txEl>
-                                              <p:pRg st="2" end="2"/>
-                                            </p:txEl>
-                                          </p:spTgt>
-                                        </p:tgtEl>
-                                        <p:attrNameLst>
-                                          <p:attrName>style.visibility</p:attrName>
-                                        </p:attrNameLst>
-                                      </p:cBhvr>
-                                      <p:to>
-                                        <p:strVal val="visible"/>
-                                      </p:to>
-                                    </p:set>
-                                  </p:childTnLst>
-                                </p:cTn>
-                              </p:par>
-                            </p:childTnLst>
-                          </p:cTn>
-                        </p:par>
-                      </p:childTnLst>
-                    </p:cTn>
-                  </p:par>
-                  <p:par>
-                    <p:cTn id="15" fill="hold">
-                      <p:stCondLst>
-                        <p:cond delay="indefinite"/>
-                      </p:stCondLst>
-                      <p:childTnLst>
-                        <p:par>
-                          <p:cTn id="16" fill="hold">
-                            <p:stCondLst>
-                              <p:cond delay="0"/>
-                            </p:stCondLst>
-                            <p:childTnLst>
-                              <p:par>
-                                <p:cTn id="17" presetID="1" presetClass="entr" presetSubtype="0" fill="hold" nodeType="clickEffect">
-                                  <p:stCondLst>
-                                    <p:cond delay="0"/>
-                                  </p:stCondLst>
-                                  <p:childTnLst>
-                                    <p:set>
-                                      <p:cBhvr>
-                                        <p:cTn id="18" dur="1" fill="hold">
-                                          <p:stCondLst>
-                                            <p:cond delay="0"/>
-                                          </p:stCondLst>
-                                        </p:cTn>
-                                        <p:tgtEl>
-                                          <p:spTgt spid="186">
-                                            <p:txEl>
-                                              <p:pRg st="3" end="3"/>
-                                            </p:txEl>
-                                          </p:spTgt>
-                                        </p:tgtEl>
-                                        <p:attrNameLst>
-                                          <p:attrName>style.visibility</p:attrName>
-                                        </p:attrNameLst>
-                                      </p:cBhvr>
-                                      <p:to>
-                                        <p:strVal val="visible"/>
-                                      </p:to>
-                                    </p:set>
-                                  </p:childTnLst>
-                                </p:cTn>
-                              </p:par>
-                            </p:childTnLst>
-                          </p:cTn>
-                        </p:par>
-                      </p:childTnLst>
-                    </p:cTn>
-                  </p:par>
-                  <p:par>
-                    <p:cTn id="19" fill="hold">
-                      <p:stCondLst>
-                        <p:cond delay="indefinite"/>
-                      </p:stCondLst>
-                      <p:childTnLst>
-                        <p:par>
-                          <p:cTn id="20" fill="hold">
-                            <p:stCondLst>
-                              <p:cond delay="0"/>
-                            </p:stCondLst>
-                            <p:childTnLst>
-                              <p:par>
-                                <p:cTn id="21" presetID="1" presetClass="entr" presetSubtype="0" fill="hold" nodeType="clickEffect">
-                                  <p:stCondLst>
-                                    <p:cond delay="0"/>
-                                  </p:stCondLst>
-                                  <p:childTnLst>
-                                    <p:set>
-                                      <p:cBhvr>
-                                        <p:cTn id="22" dur="1" fill="hold">
-                                          <p:stCondLst>
-                                            <p:cond delay="0"/>
-                                          </p:stCondLst>
-                                        </p:cTn>
-                                        <p:tgtEl>
-                                          <p:spTgt spid="186">
-                                            <p:txEl>
-                                              <p:pRg st="4" end="4"/>
-                                            </p:txEl>
-                                          </p:spTgt>
-                                        </p:tgtEl>
-                                        <p:attrNameLst>
-                                          <p:attrName>style.visibility</p:attrName>
-                                        </p:attrNameLst>
-                                      </p:cBhvr>
-                                      <p:to>
-                                        <p:strVal val="visible"/>
-                                      </p:to>
-                                    </p:set>
-                                  </p:childTnLst>
-                                </p:cTn>
-                              </p:par>
-                            </p:childTnLst>
-                          </p:cTn>
-                        </p:par>
-                      </p:childTnLst>
-                    </p:cTn>
-                  </p:par>
-                  <p:par>
-                    <p:cTn id="23" fill="hold">
-                      <p:stCondLst>
-                        <p:cond delay="indefinite"/>
-                      </p:stCondLst>
-                      <p:childTnLst>
-                        <p:par>
-                          <p:cTn id="24" fill="hold">
-                            <p:stCondLst>
-                              <p:cond delay="0"/>
-                            </p:stCondLst>
-                            <p:childTnLst>
-                              <p:par>
-                                <p:cTn id="25" presetID="1" presetClass="entr" presetSubtype="0" fill="hold" nodeType="clickEffect">
-                                  <p:stCondLst>
-                                    <p:cond delay="0"/>
-                                  </p:stCondLst>
-                                  <p:childTnLst>
-                                    <p:set>
-                                      <p:cBhvr>
-                                        <p:cTn id="26" dur="1" fill="hold">
-                                          <p:stCondLst>
-                                            <p:cond delay="0"/>
-                                          </p:stCondLst>
-                                        </p:cTn>
-                                        <p:tgtEl>
-                                          <p:spTgt spid="188"/>
-                                        </p:tgtEl>
-                                        <p:attrNameLst>
-                                          <p:attrName>style.visibility</p:attrName>
-                                        </p:attrNameLst>
-                                      </p:cBhvr>
-                                      <p:to>
-                                        <p:strVal val="visible"/>
-                                      </p:to>
-                                    </p:set>
-                                  </p:childTnLst>
-                                </p:cTn>
-                              </p:par>
-                            </p:childTnLst>
-                          </p:cTn>
-                        </p:par>
-                      </p:childTnLst>
-                    </p:cTn>
-                  </p:par>
-                </p:childTnLst>
-              </p:cTn>
-              <p:prevCondLst>
-                <p:cond evt="onPrev" delay="0">
-                  <p:tgtEl>
-                    <p:sldTgt/>
-                  </p:tgtEl>
-                </p:cond>
-              </p:prevCondLst>
-              <p:nextCondLst>
-                <p:cond evt="onNext" delay="0">
-                  <p:tgtEl>
-                    <p:sldTgt/>
-                  </p:tgtEl>
-                </p:cond>
-              </p:nextCondLst>
-            </p:seq>
-          </p:childTnLst>
-        </p:cTn>
-      </p:par>
-    </p:tnLst>
-  </p:timing>
 </p:sld>
 </file>
 
@@ -21591,104 +20460,6 @@
                                         <p:tgtEl>
                                           <p:spTgt spid="225">
                                             <p:txEl>
-                                              <p:pRg st="0" end="0"/>
-                                            </p:txEl>
-                                          </p:spTgt>
-                                        </p:tgtEl>
-                                        <p:attrNameLst>
-                                          <p:attrName>style.visibility</p:attrName>
-                                        </p:attrNameLst>
-                                      </p:cBhvr>
-                                      <p:to>
-                                        <p:strVal val="visible"/>
-                                      </p:to>
-                                    </p:set>
-                                  </p:childTnLst>
-                                </p:cTn>
-                              </p:par>
-                            </p:childTnLst>
-                          </p:cTn>
-                        </p:par>
-                      </p:childTnLst>
-                    </p:cTn>
-                  </p:par>
-                  <p:par>
-                    <p:cTn id="7" fill="hold">
-                      <p:stCondLst>
-                        <p:cond delay="indefinite"/>
-                      </p:stCondLst>
-                      <p:childTnLst>
-                        <p:par>
-                          <p:cTn id="8" fill="hold">
-                            <p:stCondLst>
-                              <p:cond delay="0"/>
-                            </p:stCondLst>
-                            <p:childTnLst>
-                              <p:par>
-                                <p:cTn id="9" presetID="1" presetClass="entr" presetSubtype="0" fill="hold" nodeType="clickEffect">
-                                  <p:stCondLst>
-                                    <p:cond delay="0"/>
-                                  </p:stCondLst>
-                                  <p:childTnLst>
-                                    <p:set>
-                                      <p:cBhvr>
-                                        <p:cTn id="10" dur="1" fill="hold">
-                                          <p:stCondLst>
-                                            <p:cond delay="0"/>
-                                          </p:stCondLst>
-                                        </p:cTn>
-                                        <p:tgtEl>
-                                          <p:spTgt spid="225">
-                                            <p:txEl>
-                                              <p:pRg st="1" end="1"/>
-                                            </p:txEl>
-                                          </p:spTgt>
-                                        </p:tgtEl>
-                                        <p:attrNameLst>
-                                          <p:attrName>style.visibility</p:attrName>
-                                        </p:attrNameLst>
-                                      </p:cBhvr>
-                                      <p:to>
-                                        <p:strVal val="visible"/>
-                                      </p:to>
-                                    </p:set>
-                                  </p:childTnLst>
-                                </p:cTn>
-                              </p:par>
-                            </p:childTnLst>
-                          </p:cTn>
-                        </p:par>
-                      </p:childTnLst>
-                    </p:cTn>
-                  </p:par>
-                  <p:par>
-                    <p:cTn id="11" fill="hold">
-                      <p:stCondLst>
-                        <p:cond delay="indefinite"/>
-                      </p:stCondLst>
-                      <p:childTnLst>
-                        <p:par>
-                          <p:cTn id="12" fill="hold">
-                            <p:stCondLst>
-                              <p:cond delay="0"/>
-                            </p:stCondLst>
-                            <p:childTnLst>
-                              <p:par>
-                                <p:cTn id="13" presetID="1" presetClass="entr" presetSubtype="0" fill="hold" nodeType="clickEffect">
-                                  <p:stCondLst>
-                                    <p:cond delay="0"/>
-                                  </p:stCondLst>
-                                  <p:childTnLst>
-                                    <p:set>
-                                      <p:cBhvr>
-                                        <p:cTn id="14" dur="1" fill="hold">
-                                          <p:stCondLst>
-                                            <p:cond delay="0"/>
-                                          </p:stCondLst>
-                                        </p:cTn>
-                                        <p:tgtEl>
-                                          <p:spTgt spid="225">
-                                            <p:txEl>
                                               <p:pRg st="2" end="2"/>
                                             </p:txEl>
                                           </p:spTgt>
@@ -21704,33 +20475,15 @@
                                   </p:childTnLst>
                                 </p:cTn>
                               </p:par>
-                            </p:childTnLst>
-                          </p:cTn>
-                        </p:par>
-                      </p:childTnLst>
-                    </p:cTn>
-                  </p:par>
-                  <p:par>
-                    <p:cTn id="15" fill="hold">
-                      <p:stCondLst>
-                        <p:cond delay="indefinite"/>
-                      </p:stCondLst>
-                      <p:childTnLst>
-                        <p:par>
-                          <p:cTn id="16" fill="hold">
-                            <p:stCondLst>
-                              <p:cond delay="0"/>
-                            </p:stCondLst>
-                            <p:childTnLst>
                               <p:par>
-                                <p:cTn id="17" presetID="1" presetClass="entr" presetSubtype="0" fill="hold" nodeType="clickEffect">
+                                <p:cTn id="7" presetID="1" presetClass="entr" presetSubtype="0" fill="hold" nodeType="withEffect">
                                   <p:stCondLst>
                                     <p:cond delay="0"/>
                                   </p:stCondLst>
                                   <p:childTnLst>
                                     <p:set>
                                       <p:cBhvr>
-                                        <p:cTn id="18" dur="1" fill="hold">
+                                        <p:cTn id="8" dur="1" fill="hold">
                                           <p:stCondLst>
                                             <p:cond delay="0"/>
                                           </p:stCondLst>
@@ -21753,33 +20506,15 @@
                                   </p:childTnLst>
                                 </p:cTn>
                               </p:par>
-                            </p:childTnLst>
-                          </p:cTn>
-                        </p:par>
-                      </p:childTnLst>
-                    </p:cTn>
-                  </p:par>
-                  <p:par>
-                    <p:cTn id="19" fill="hold">
-                      <p:stCondLst>
-                        <p:cond delay="indefinite"/>
-                      </p:stCondLst>
-                      <p:childTnLst>
-                        <p:par>
-                          <p:cTn id="20" fill="hold">
-                            <p:stCondLst>
-                              <p:cond delay="0"/>
-                            </p:stCondLst>
-                            <p:childTnLst>
                               <p:par>
-                                <p:cTn id="21" presetID="1" presetClass="entr" presetSubtype="0" fill="hold" nodeType="clickEffect">
+                                <p:cTn id="9" presetID="1" presetClass="entr" presetSubtype="0" fill="hold" nodeType="withEffect">
                                   <p:stCondLst>
                                     <p:cond delay="0"/>
                                   </p:stCondLst>
                                   <p:childTnLst>
                                     <p:set>
                                       <p:cBhvr>
-                                        <p:cTn id="22" dur="1" fill="hold">
+                                        <p:cTn id="10" dur="1" fill="hold">
                                           <p:stCondLst>
                                             <p:cond delay="0"/>
                                           </p:stCondLst>
@@ -21802,33 +20537,15 @@
                                   </p:childTnLst>
                                 </p:cTn>
                               </p:par>
-                            </p:childTnLst>
-                          </p:cTn>
-                        </p:par>
-                      </p:childTnLst>
-                    </p:cTn>
-                  </p:par>
-                  <p:par>
-                    <p:cTn id="23" fill="hold">
-                      <p:stCondLst>
-                        <p:cond delay="indefinite"/>
-                      </p:stCondLst>
-                      <p:childTnLst>
-                        <p:par>
-                          <p:cTn id="24" fill="hold">
-                            <p:stCondLst>
-                              <p:cond delay="0"/>
-                            </p:stCondLst>
-                            <p:childTnLst>
                               <p:par>
-                                <p:cTn id="25" presetID="1" presetClass="entr" presetSubtype="0" fill="hold" nodeType="clickEffect">
+                                <p:cTn id="11" presetID="1" presetClass="entr" presetSubtype="0" fill="hold" nodeType="withEffect">
                                   <p:stCondLst>
                                     <p:cond delay="0"/>
                                   </p:stCondLst>
                                   <p:childTnLst>
                                     <p:set>
                                       <p:cBhvr>
-                                        <p:cTn id="26" dur="1" fill="hold">
+                                        <p:cTn id="12" dur="1" fill="hold">
                                           <p:stCondLst>
                                             <p:cond delay="0"/>
                                           </p:stCondLst>
@@ -21851,33 +20568,15 @@
                                   </p:childTnLst>
                                 </p:cTn>
                               </p:par>
-                            </p:childTnLst>
-                          </p:cTn>
-                        </p:par>
-                      </p:childTnLst>
-                    </p:cTn>
-                  </p:par>
-                  <p:par>
-                    <p:cTn id="27" fill="hold">
-                      <p:stCondLst>
-                        <p:cond delay="indefinite"/>
-                      </p:stCondLst>
-                      <p:childTnLst>
-                        <p:par>
-                          <p:cTn id="28" fill="hold">
-                            <p:stCondLst>
-                              <p:cond delay="0"/>
-                            </p:stCondLst>
-                            <p:childTnLst>
                               <p:par>
-                                <p:cTn id="29" presetID="1" presetClass="entr" presetSubtype="0" fill="hold" nodeType="clickEffect">
+                                <p:cTn id="13" presetID="1" presetClass="entr" presetSubtype="0" fill="hold" nodeType="withEffect">
                                   <p:stCondLst>
                                     <p:cond delay="0"/>
                                   </p:stCondLst>
                                   <p:childTnLst>
                                     <p:set>
                                       <p:cBhvr>
-                                        <p:cTn id="30" dur="1" fill="hold">
+                                        <p:cTn id="14" dur="1" fill="hold">
                                           <p:stCondLst>
                                             <p:cond delay="0"/>
                                           </p:stCondLst>
@@ -21900,33 +20599,15 @@
                                   </p:childTnLst>
                                 </p:cTn>
                               </p:par>
-                            </p:childTnLst>
-                          </p:cTn>
-                        </p:par>
-                      </p:childTnLst>
-                    </p:cTn>
-                  </p:par>
-                  <p:par>
-                    <p:cTn id="31" fill="hold">
-                      <p:stCondLst>
-                        <p:cond delay="indefinite"/>
-                      </p:stCondLst>
-                      <p:childTnLst>
-                        <p:par>
-                          <p:cTn id="32" fill="hold">
-                            <p:stCondLst>
-                              <p:cond delay="0"/>
-                            </p:stCondLst>
-                            <p:childTnLst>
                               <p:par>
-                                <p:cTn id="33" presetID="1" presetClass="entr" presetSubtype="0" fill="hold" nodeType="clickEffect">
+                                <p:cTn id="15" presetID="1" presetClass="entr" presetSubtype="0" fill="hold" nodeType="withEffect">
                                   <p:stCondLst>
                                     <p:cond delay="0"/>
                                   </p:stCondLst>
                                   <p:childTnLst>
                                     <p:set>
                                       <p:cBhvr>
-                                        <p:cTn id="34" dur="1" fill="hold">
+                                        <p:cTn id="16" dur="1" fill="hold">
                                           <p:stCondLst>
                                             <p:cond delay="0"/>
                                           </p:stCondLst>
@@ -21956,26 +20637,26 @@
                     </p:cTn>
                   </p:par>
                   <p:par>
-                    <p:cTn id="35" fill="hold">
+                    <p:cTn id="17" fill="hold">
                       <p:stCondLst>
                         <p:cond delay="indefinite"/>
                       </p:stCondLst>
                       <p:childTnLst>
                         <p:par>
-                          <p:cTn id="36" fill="hold">
+                          <p:cTn id="18" fill="hold">
                             <p:stCondLst>
                               <p:cond delay="0"/>
                             </p:stCondLst>
                             <p:childTnLst>
                               <p:par>
-                                <p:cTn id="37" presetID="1" presetClass="entr" presetSubtype="0" fill="hold" nodeType="clickEffect">
+                                <p:cTn id="19" presetID="1" presetClass="entr" presetSubtype="0" fill="hold" nodeType="clickEffect">
                                   <p:stCondLst>
                                     <p:cond delay="0"/>
                                   </p:stCondLst>
                                   <p:childTnLst>
                                     <p:set>
                                       <p:cBhvr>
-                                        <p:cTn id="38" dur="1" fill="hold">
+                                        <p:cTn id="20" dur="1" fill="hold">
                                           <p:stCondLst>
                                             <p:cond delay="0"/>
                                           </p:stCondLst>
@@ -21998,33 +20679,15 @@
                                   </p:childTnLst>
                                 </p:cTn>
                               </p:par>
-                            </p:childTnLst>
-                          </p:cTn>
-                        </p:par>
-                      </p:childTnLst>
-                    </p:cTn>
-                  </p:par>
-                  <p:par>
-                    <p:cTn id="39" fill="hold">
-                      <p:stCondLst>
-                        <p:cond delay="indefinite"/>
-                      </p:stCondLst>
-                      <p:childTnLst>
-                        <p:par>
-                          <p:cTn id="40" fill="hold">
-                            <p:stCondLst>
-                              <p:cond delay="0"/>
-                            </p:stCondLst>
-                            <p:childTnLst>
                               <p:par>
-                                <p:cTn id="41" presetID="1" presetClass="entr" presetSubtype="0" fill="hold" nodeType="clickEffect">
+                                <p:cTn id="21" presetID="1" presetClass="entr" presetSubtype="0" fill="hold" nodeType="withEffect">
                                   <p:stCondLst>
                                     <p:cond delay="0"/>
                                   </p:stCondLst>
                                   <p:childTnLst>
                                     <p:set>
                                       <p:cBhvr>
-                                        <p:cTn id="42" dur="1" fill="hold">
+                                        <p:cTn id="22" dur="1" fill="hold">
                                           <p:stCondLst>
                                             <p:cond delay="0"/>
                                           </p:stCondLst>
@@ -22047,33 +20710,15 @@
                                   </p:childTnLst>
                                 </p:cTn>
                               </p:par>
-                            </p:childTnLst>
-                          </p:cTn>
-                        </p:par>
-                      </p:childTnLst>
-                    </p:cTn>
-                  </p:par>
-                  <p:par>
-                    <p:cTn id="43" fill="hold">
-                      <p:stCondLst>
-                        <p:cond delay="indefinite"/>
-                      </p:stCondLst>
-                      <p:childTnLst>
-                        <p:par>
-                          <p:cTn id="44" fill="hold">
-                            <p:stCondLst>
-                              <p:cond delay="0"/>
-                            </p:stCondLst>
-                            <p:childTnLst>
                               <p:par>
-                                <p:cTn id="45" presetID="1" presetClass="entr" presetSubtype="0" fill="hold" nodeType="clickEffect">
+                                <p:cTn id="23" presetID="1" presetClass="entr" presetSubtype="0" fill="hold" nodeType="withEffect">
                                   <p:stCondLst>
                                     <p:cond delay="0"/>
                                   </p:stCondLst>
                                   <p:childTnLst>
                                     <p:set>
                                       <p:cBhvr>
-                                        <p:cTn id="46" dur="1" fill="hold">
+                                        <p:cTn id="24" dur="1" fill="hold">
                                           <p:stCondLst>
                                             <p:cond delay="0"/>
                                           </p:stCondLst>
@@ -22096,33 +20741,15 @@
                                   </p:childTnLst>
                                 </p:cTn>
                               </p:par>
-                            </p:childTnLst>
-                          </p:cTn>
-                        </p:par>
-                      </p:childTnLst>
-                    </p:cTn>
-                  </p:par>
-                  <p:par>
-                    <p:cTn id="47" fill="hold">
-                      <p:stCondLst>
-                        <p:cond delay="indefinite"/>
-                      </p:stCondLst>
-                      <p:childTnLst>
-                        <p:par>
-                          <p:cTn id="48" fill="hold">
-                            <p:stCondLst>
-                              <p:cond delay="0"/>
-                            </p:stCondLst>
-                            <p:childTnLst>
                               <p:par>
-                                <p:cTn id="49" presetID="1" presetClass="entr" presetSubtype="0" fill="hold" nodeType="clickEffect">
+                                <p:cTn id="25" presetID="1" presetClass="entr" presetSubtype="0" fill="hold" nodeType="withEffect">
                                   <p:stCondLst>
                                     <p:cond delay="0"/>
                                   </p:stCondLst>
                                   <p:childTnLst>
                                     <p:set>
                                       <p:cBhvr>
-                                        <p:cTn id="50" dur="1" fill="hold">
+                                        <p:cTn id="26" dur="1" fill="hold">
                                           <p:stCondLst>
                                             <p:cond delay="0"/>
                                           </p:stCondLst>
@@ -22739,55 +21366,6 @@
                                         <p:tgtEl>
                                           <p:spTgt spid="233">
                                             <p:txEl>
-                                              <p:pRg st="0" end="0"/>
-                                            </p:txEl>
-                                          </p:spTgt>
-                                        </p:tgtEl>
-                                        <p:attrNameLst>
-                                          <p:attrName>style.visibility</p:attrName>
-                                        </p:attrNameLst>
-                                      </p:cBhvr>
-                                      <p:to>
-                                        <p:strVal val="visible"/>
-                                      </p:to>
-                                    </p:set>
-                                  </p:childTnLst>
-                                </p:cTn>
-                              </p:par>
-                            </p:childTnLst>
-                          </p:cTn>
-                        </p:par>
-                      </p:childTnLst>
-                    </p:cTn>
-                  </p:par>
-                  <p:par>
-                    <p:cTn id="7" fill="hold">
-                      <p:stCondLst>
-                        <p:cond delay="indefinite"/>
-                      </p:stCondLst>
-                      <p:childTnLst>
-                        <p:par>
-                          <p:cTn id="8" fill="hold">
-                            <p:stCondLst>
-                              <p:cond delay="0"/>
-                            </p:stCondLst>
-                            <p:childTnLst>
-                              <p:par>
-                                <p:cTn id="9" presetID="1" presetClass="entr" presetSubtype="0" fill="hold" nodeType="clickEffect">
-                                  <p:stCondLst>
-                                    <p:cond delay="0"/>
-                                  </p:stCondLst>
-                                  <p:childTnLst>
-                                    <p:set>
-                                      <p:cBhvr>
-                                        <p:cTn id="10" dur="1" fill="hold">
-                                          <p:stCondLst>
-                                            <p:cond delay="0"/>
-                                          </p:stCondLst>
-                                        </p:cTn>
-                                        <p:tgtEl>
-                                          <p:spTgt spid="233">
-                                            <p:txEl>
                                               <p:pRg st="1" end="1"/>
                                             </p:txEl>
                                           </p:spTgt>
@@ -22803,33 +21381,15 @@
                                   </p:childTnLst>
                                 </p:cTn>
                               </p:par>
-                            </p:childTnLst>
-                          </p:cTn>
-                        </p:par>
-                      </p:childTnLst>
-                    </p:cTn>
-                  </p:par>
-                  <p:par>
-                    <p:cTn id="11" fill="hold">
-                      <p:stCondLst>
-                        <p:cond delay="indefinite"/>
-                      </p:stCondLst>
-                      <p:childTnLst>
-                        <p:par>
-                          <p:cTn id="12" fill="hold">
-                            <p:stCondLst>
-                              <p:cond delay="0"/>
-                            </p:stCondLst>
-                            <p:childTnLst>
                               <p:par>
-                                <p:cTn id="13" presetID="1" presetClass="entr" presetSubtype="0" fill="hold" nodeType="clickEffect">
+                                <p:cTn id="7" presetID="1" presetClass="entr" presetSubtype="0" fill="hold" nodeType="withEffect">
                                   <p:stCondLst>
                                     <p:cond delay="0"/>
                                   </p:stCondLst>
                                   <p:childTnLst>
                                     <p:set>
                                       <p:cBhvr>
-                                        <p:cTn id="14" dur="1" fill="hold">
+                                        <p:cTn id="8" dur="1" fill="hold">
                                           <p:stCondLst>
                                             <p:cond delay="0"/>
                                           </p:stCondLst>
@@ -22852,33 +21412,15 @@
                                   </p:childTnLst>
                                 </p:cTn>
                               </p:par>
-                            </p:childTnLst>
-                          </p:cTn>
-                        </p:par>
-                      </p:childTnLst>
-                    </p:cTn>
-                  </p:par>
-                  <p:par>
-                    <p:cTn id="15" fill="hold">
-                      <p:stCondLst>
-                        <p:cond delay="indefinite"/>
-                      </p:stCondLst>
-                      <p:childTnLst>
-                        <p:par>
-                          <p:cTn id="16" fill="hold">
-                            <p:stCondLst>
-                              <p:cond delay="0"/>
-                            </p:stCondLst>
-                            <p:childTnLst>
                               <p:par>
-                                <p:cTn id="17" presetID="1" presetClass="entr" presetSubtype="0" fill="hold" nodeType="clickEffect">
+                                <p:cTn id="9" presetID="1" presetClass="entr" presetSubtype="0" fill="hold" nodeType="withEffect">
                                   <p:stCondLst>
                                     <p:cond delay="0"/>
                                   </p:stCondLst>
                                   <p:childTnLst>
                                     <p:set>
                                       <p:cBhvr>
-                                        <p:cTn id="18" dur="1" fill="hold">
+                                        <p:cTn id="10" dur="1" fill="hold">
                                           <p:stCondLst>
                                             <p:cond delay="0"/>
                                           </p:stCondLst>
@@ -23810,7 +22352,7 @@
         </p:nvSpPr>
         <p:spPr>
           <a:xfrm>
-            <a:off x="3676050" y="2312550"/>
+            <a:off x="3521067" y="2312550"/>
             <a:ext cx="1791900" cy="355500"/>
           </a:xfrm>
           <a:prstGeom prst="rect">
@@ -24061,7 +22603,7 @@
 </file>
 
 <file path=ppt/slides/slide23.xml><?xml version="1.0" encoding="utf-8"?>
-<p:sld xmlns:a="http://schemas.openxmlformats.org/drawingml/2006/main" xmlns:r="http://schemas.openxmlformats.org/officeDocument/2006/relationships" xmlns:p="http://schemas.openxmlformats.org/presentationml/2006/main">
+<p:sld xmlns:a="http://schemas.openxmlformats.org/drawingml/2006/main" xmlns:r="http://schemas.openxmlformats.org/officeDocument/2006/relationships" xmlns:p="http://schemas.openxmlformats.org/presentationml/2006/main" show="0">
   <p:cSld>
     <p:spTree>
       <p:nvGrpSpPr>
@@ -24170,7 +22712,7 @@
 </file>
 
 <file path=ppt/slides/slide24.xml><?xml version="1.0" encoding="utf-8"?>
-<p:sld xmlns:a="http://schemas.openxmlformats.org/drawingml/2006/main" xmlns:r="http://schemas.openxmlformats.org/officeDocument/2006/relationships" xmlns:p="http://schemas.openxmlformats.org/presentationml/2006/main">
+<p:sld xmlns:a="http://schemas.openxmlformats.org/drawingml/2006/main" xmlns:r="http://schemas.openxmlformats.org/officeDocument/2006/relationships" xmlns:p="http://schemas.openxmlformats.org/presentationml/2006/main" show="0">
   <p:cSld>
     <p:spTree>
       <p:nvGrpSpPr>
@@ -24514,33 +23056,15 @@
                                   </p:childTnLst>
                                 </p:cTn>
                               </p:par>
-                            </p:childTnLst>
-                          </p:cTn>
-                        </p:par>
-                      </p:childTnLst>
-                    </p:cTn>
-                  </p:par>
-                  <p:par>
-                    <p:cTn id="7" fill="hold">
-                      <p:stCondLst>
-                        <p:cond delay="indefinite"/>
-                      </p:stCondLst>
-                      <p:childTnLst>
-                        <p:par>
-                          <p:cTn id="8" fill="hold">
-                            <p:stCondLst>
-                              <p:cond delay="0"/>
-                            </p:stCondLst>
-                            <p:childTnLst>
                               <p:par>
-                                <p:cTn id="9" presetID="1" presetClass="entr" presetSubtype="0" fill="hold" nodeType="clickEffect">
+                                <p:cTn id="7" presetID="1" presetClass="entr" presetSubtype="0" fill="hold" nodeType="withEffect">
                                   <p:stCondLst>
                                     <p:cond delay="0"/>
                                   </p:stCondLst>
                                   <p:childTnLst>
                                     <p:set>
                                       <p:cBhvr>
-                                        <p:cTn id="10" dur="1" fill="hold">
+                                        <p:cTn id="8" dur="1" fill="hold">
                                           <p:stCondLst>
                                             <p:cond delay="0"/>
                                           </p:stCondLst>
@@ -24563,33 +23087,15 @@
                                   </p:childTnLst>
                                 </p:cTn>
                               </p:par>
-                            </p:childTnLst>
-                          </p:cTn>
-                        </p:par>
-                      </p:childTnLst>
-                    </p:cTn>
-                  </p:par>
-                  <p:par>
-                    <p:cTn id="11" fill="hold">
-                      <p:stCondLst>
-                        <p:cond delay="indefinite"/>
-                      </p:stCondLst>
-                      <p:childTnLst>
-                        <p:par>
-                          <p:cTn id="12" fill="hold">
-                            <p:stCondLst>
-                              <p:cond delay="0"/>
-                            </p:stCondLst>
-                            <p:childTnLst>
                               <p:par>
-                                <p:cTn id="13" presetID="1" presetClass="entr" presetSubtype="0" fill="hold" nodeType="clickEffect">
+                                <p:cTn id="9" presetID="1" presetClass="entr" presetSubtype="0" fill="hold" nodeType="withEffect">
                                   <p:stCondLst>
                                     <p:cond delay="0"/>
                                   </p:stCondLst>
                                   <p:childTnLst>
                                     <p:set>
                                       <p:cBhvr>
-                                        <p:cTn id="14" dur="1" fill="hold">
+                                        <p:cTn id="10" dur="1" fill="hold">
                                           <p:stCondLst>
                                             <p:cond delay="0"/>
                                           </p:stCondLst>
@@ -24612,33 +23118,15 @@
                                   </p:childTnLst>
                                 </p:cTn>
                               </p:par>
-                            </p:childTnLst>
-                          </p:cTn>
-                        </p:par>
-                      </p:childTnLst>
-                    </p:cTn>
-                  </p:par>
-                  <p:par>
-                    <p:cTn id="15" fill="hold">
-                      <p:stCondLst>
-                        <p:cond delay="indefinite"/>
-                      </p:stCondLst>
-                      <p:childTnLst>
-                        <p:par>
-                          <p:cTn id="16" fill="hold">
-                            <p:stCondLst>
-                              <p:cond delay="0"/>
-                            </p:stCondLst>
-                            <p:childTnLst>
                               <p:par>
-                                <p:cTn id="17" presetID="1" presetClass="entr" presetSubtype="0" fill="hold" nodeType="clickEffect">
+                                <p:cTn id="11" presetID="1" presetClass="entr" presetSubtype="0" fill="hold" nodeType="withEffect">
                                   <p:stCondLst>
                                     <p:cond delay="0"/>
                                   </p:stCondLst>
                                   <p:childTnLst>
                                     <p:set>
                                       <p:cBhvr>
-                                        <p:cTn id="18" dur="1" fill="hold">
+                                        <p:cTn id="12" dur="1" fill="hold">
                                           <p:stCondLst>
                                             <p:cond delay="0"/>
                                           </p:stCondLst>
@@ -24668,26 +23156,26 @@
                     </p:cTn>
                   </p:par>
                   <p:par>
-                    <p:cTn id="19" fill="hold">
+                    <p:cTn id="13" fill="hold">
                       <p:stCondLst>
                         <p:cond delay="indefinite"/>
                       </p:stCondLst>
                       <p:childTnLst>
                         <p:par>
-                          <p:cTn id="20" fill="hold">
+                          <p:cTn id="14" fill="hold">
                             <p:stCondLst>
                               <p:cond delay="0"/>
                             </p:stCondLst>
                             <p:childTnLst>
                               <p:par>
-                                <p:cTn id="21" presetID="1" presetClass="entr" presetSubtype="0" fill="hold" nodeType="clickEffect">
+                                <p:cTn id="15" presetID="1" presetClass="entr" presetSubtype="0" fill="hold" nodeType="clickEffect">
                                   <p:stCondLst>
                                     <p:cond delay="0"/>
                                   </p:stCondLst>
                                   <p:childTnLst>
                                     <p:set>
                                       <p:cBhvr>
-                                        <p:cTn id="22" dur="1" fill="hold">
+                                        <p:cTn id="16" dur="1" fill="hold">
                                           <p:stCondLst>
                                             <p:cond delay="0"/>
                                           </p:stCondLst>
@@ -24710,33 +23198,15 @@
                                   </p:childTnLst>
                                 </p:cTn>
                               </p:par>
-                            </p:childTnLst>
-                          </p:cTn>
-                        </p:par>
-                      </p:childTnLst>
-                    </p:cTn>
-                  </p:par>
-                  <p:par>
-                    <p:cTn id="23" fill="hold">
-                      <p:stCondLst>
-                        <p:cond delay="indefinite"/>
-                      </p:stCondLst>
-                      <p:childTnLst>
-                        <p:par>
-                          <p:cTn id="24" fill="hold">
-                            <p:stCondLst>
-                              <p:cond delay="0"/>
-                            </p:stCondLst>
-                            <p:childTnLst>
                               <p:par>
-                                <p:cTn id="25" presetID="1" presetClass="entr" presetSubtype="0" fill="hold" nodeType="clickEffect">
+                                <p:cTn id="17" presetID="1" presetClass="entr" presetSubtype="0" fill="hold" nodeType="withEffect">
                                   <p:stCondLst>
                                     <p:cond delay="0"/>
                                   </p:stCondLst>
                                   <p:childTnLst>
                                     <p:set>
                                       <p:cBhvr>
-                                        <p:cTn id="26" dur="1" fill="hold">
+                                        <p:cTn id="18" dur="1" fill="hold">
                                           <p:stCondLst>
                                             <p:cond delay="0"/>
                                           </p:stCondLst>
@@ -24759,33 +23229,15 @@
                                   </p:childTnLst>
                                 </p:cTn>
                               </p:par>
-                            </p:childTnLst>
-                          </p:cTn>
-                        </p:par>
-                      </p:childTnLst>
-                    </p:cTn>
-                  </p:par>
-                  <p:par>
-                    <p:cTn id="27" fill="hold">
-                      <p:stCondLst>
-                        <p:cond delay="indefinite"/>
-                      </p:stCondLst>
-                      <p:childTnLst>
-                        <p:par>
-                          <p:cTn id="28" fill="hold">
-                            <p:stCondLst>
-                              <p:cond delay="0"/>
-                            </p:stCondLst>
-                            <p:childTnLst>
                               <p:par>
-                                <p:cTn id="29" presetID="1" presetClass="entr" presetSubtype="0" fill="hold" nodeType="clickEffect">
+                                <p:cTn id="19" presetID="1" presetClass="entr" presetSubtype="0" fill="hold" nodeType="withEffect">
                                   <p:stCondLst>
                                     <p:cond delay="0"/>
                                   </p:stCondLst>
                                   <p:childTnLst>
                                     <p:set>
                                       <p:cBhvr>
-                                        <p:cTn id="30" dur="1" fill="hold">
+                                        <p:cTn id="20" dur="1" fill="hold">
                                           <p:stCondLst>
                                             <p:cond delay="0"/>
                                           </p:stCondLst>
@@ -24840,7 +23292,7 @@
 </file>
 
 <file path=ppt/slides/slide25.xml><?xml version="1.0" encoding="utf-8"?>
-<p:sld xmlns:a="http://schemas.openxmlformats.org/drawingml/2006/main" xmlns:r="http://schemas.openxmlformats.org/officeDocument/2006/relationships" xmlns:p="http://schemas.openxmlformats.org/presentationml/2006/main">
+<p:sld xmlns:a="http://schemas.openxmlformats.org/drawingml/2006/main" xmlns:r="http://schemas.openxmlformats.org/officeDocument/2006/relationships" xmlns:p="http://schemas.openxmlformats.org/presentationml/2006/main" show="0">
   <p:cSld>
     <p:spTree>
       <p:nvGrpSpPr>
@@ -24981,7 +23433,15 @@
             </a:pPr>
             <a:r>
               <a:rPr lang="en" dirty="0"/>
-              <a:t>Original browser design: Chrome isolated each tab in its own Unix process</a:t>
+              <a:t>Original browser design: Chrome isolated </a:t>
+            </a:r>
+            <a:r>
+              <a:rPr lang="en" b="1" dirty="0"/>
+              <a:t>each tab </a:t>
+            </a:r>
+            <a:r>
+              <a:rPr lang="en" dirty="0"/>
+              <a:t>in its own Unix process</a:t>
             </a:r>
             <a:endParaRPr dirty="0"/>
           </a:p>
@@ -25016,23 +23476,6 @@
             <a:r>
               <a:rPr lang="en" dirty="0"/>
               <a:t>Makes attacks harder: To compromise another tab, you have to exploit the browser code and escape the Unix sandbox</a:t>
-            </a:r>
-            <a:endParaRPr dirty="0"/>
-          </a:p>
-          <a:p>
-            <a:pPr marL="914400" lvl="1" indent="-317500" algn="l" rtl="0">
-              <a:spcBef>
-                <a:spcPts val="0"/>
-              </a:spcBef>
-              <a:spcAft>
-                <a:spcPts val="0"/>
-              </a:spcAft>
-              <a:buSzPts val="1400"/>
-              <a:buChar char="○"/>
-            </a:pPr>
-            <a:r>
-              <a:rPr lang="en" dirty="0"/>
-              <a:t>Usability: If one tab crashes, the rest of the browser won’t crash</a:t>
             </a:r>
             <a:endParaRPr dirty="0"/>
           </a:p>
@@ -25138,55 +23581,6 @@
                                         <p:tgtEl>
                                           <p:spTgt spid="278">
                                             <p:txEl>
-                                              <p:pRg st="0" end="0"/>
-                                            </p:txEl>
-                                          </p:spTgt>
-                                        </p:tgtEl>
-                                        <p:attrNameLst>
-                                          <p:attrName>style.visibility</p:attrName>
-                                        </p:attrNameLst>
-                                      </p:cBhvr>
-                                      <p:to>
-                                        <p:strVal val="visible"/>
-                                      </p:to>
-                                    </p:set>
-                                  </p:childTnLst>
-                                </p:cTn>
-                              </p:par>
-                            </p:childTnLst>
-                          </p:cTn>
-                        </p:par>
-                      </p:childTnLst>
-                    </p:cTn>
-                  </p:par>
-                  <p:par>
-                    <p:cTn id="7" fill="hold">
-                      <p:stCondLst>
-                        <p:cond delay="indefinite"/>
-                      </p:stCondLst>
-                      <p:childTnLst>
-                        <p:par>
-                          <p:cTn id="8" fill="hold">
-                            <p:stCondLst>
-                              <p:cond delay="0"/>
-                            </p:stCondLst>
-                            <p:childTnLst>
-                              <p:par>
-                                <p:cTn id="9" presetID="1" presetClass="entr" presetSubtype="0" fill="hold" nodeType="clickEffect">
-                                  <p:stCondLst>
-                                    <p:cond delay="0"/>
-                                  </p:stCondLst>
-                                  <p:childTnLst>
-                                    <p:set>
-                                      <p:cBhvr>
-                                        <p:cTn id="10" dur="1" fill="hold">
-                                          <p:stCondLst>
-                                            <p:cond delay="0"/>
-                                          </p:stCondLst>
-                                        </p:cTn>
-                                        <p:tgtEl>
-                                          <p:spTgt spid="278">
-                                            <p:txEl>
                                               <p:pRg st="1" end="1"/>
                                             </p:txEl>
                                           </p:spTgt>
@@ -25202,33 +23596,15 @@
                                   </p:childTnLst>
                                 </p:cTn>
                               </p:par>
-                            </p:childTnLst>
-                          </p:cTn>
-                        </p:par>
-                      </p:childTnLst>
-                    </p:cTn>
-                  </p:par>
-                  <p:par>
-                    <p:cTn id="11" fill="hold">
-                      <p:stCondLst>
-                        <p:cond delay="indefinite"/>
-                      </p:stCondLst>
-                      <p:childTnLst>
-                        <p:par>
-                          <p:cTn id="12" fill="hold">
-                            <p:stCondLst>
-                              <p:cond delay="0"/>
-                            </p:stCondLst>
-                            <p:childTnLst>
                               <p:par>
-                                <p:cTn id="13" presetID="1" presetClass="entr" presetSubtype="0" fill="hold" nodeType="clickEffect">
+                                <p:cTn id="7" presetID="1" presetClass="entr" presetSubtype="0" fill="hold" nodeType="withEffect">
                                   <p:stCondLst>
                                     <p:cond delay="0"/>
                                   </p:stCondLst>
                                   <p:childTnLst>
                                     <p:set>
                                       <p:cBhvr>
-                                        <p:cTn id="14" dur="1" fill="hold">
+                                        <p:cTn id="8" dur="1" fill="hold">
                                           <p:stCondLst>
                                             <p:cond delay="0"/>
                                           </p:stCondLst>
@@ -25258,26 +23634,26 @@
                     </p:cTn>
                   </p:par>
                   <p:par>
-                    <p:cTn id="15" fill="hold">
+                    <p:cTn id="9" fill="hold">
                       <p:stCondLst>
                         <p:cond delay="indefinite"/>
                       </p:stCondLst>
                       <p:childTnLst>
                         <p:par>
-                          <p:cTn id="16" fill="hold">
+                          <p:cTn id="10" fill="hold">
                             <p:stCondLst>
                               <p:cond delay="0"/>
                             </p:stCondLst>
                             <p:childTnLst>
                               <p:par>
-                                <p:cTn id="17" presetID="1" presetClass="entr" presetSubtype="0" fill="hold" nodeType="clickEffect">
+                                <p:cTn id="11" presetID="1" presetClass="entr" presetSubtype="0" fill="hold" nodeType="clickEffect">
                                   <p:stCondLst>
                                     <p:cond delay="0"/>
                                   </p:stCondLst>
                                   <p:childTnLst>
                                     <p:set>
                                       <p:cBhvr>
-                                        <p:cTn id="18" dur="1" fill="hold">
+                                        <p:cTn id="12" dur="1" fill="hold">
                                           <p:stCondLst>
                                             <p:cond delay="0"/>
                                           </p:stCondLst>
@@ -25300,33 +23676,15 @@
                                   </p:childTnLst>
                                 </p:cTn>
                               </p:par>
-                            </p:childTnLst>
-                          </p:cTn>
-                        </p:par>
-                      </p:childTnLst>
-                    </p:cTn>
-                  </p:par>
-                  <p:par>
-                    <p:cTn id="19" fill="hold">
-                      <p:stCondLst>
-                        <p:cond delay="indefinite"/>
-                      </p:stCondLst>
-                      <p:childTnLst>
-                        <p:par>
-                          <p:cTn id="20" fill="hold">
-                            <p:stCondLst>
-                              <p:cond delay="0"/>
-                            </p:stCondLst>
-                            <p:childTnLst>
                               <p:par>
-                                <p:cTn id="21" presetID="1" presetClass="entr" presetSubtype="0" fill="hold" nodeType="clickEffect">
+                                <p:cTn id="13" presetID="1" presetClass="entr" presetSubtype="0" fill="hold" nodeType="withEffect">
                                   <p:stCondLst>
                                     <p:cond delay="0"/>
                                   </p:stCondLst>
                                   <p:childTnLst>
                                     <p:set>
                                       <p:cBhvr>
-                                        <p:cTn id="22" dur="1" fill="hold">
+                                        <p:cTn id="14" dur="1" fill="hold">
                                           <p:stCondLst>
                                             <p:cond delay="0"/>
                                           </p:stCondLst>
@@ -25349,33 +23707,15 @@
                                   </p:childTnLst>
                                 </p:cTn>
                               </p:par>
-                            </p:childTnLst>
-                          </p:cTn>
-                        </p:par>
-                      </p:childTnLst>
-                    </p:cTn>
-                  </p:par>
-                  <p:par>
-                    <p:cTn id="23" fill="hold">
-                      <p:stCondLst>
-                        <p:cond delay="indefinite"/>
-                      </p:stCondLst>
-                      <p:childTnLst>
-                        <p:par>
-                          <p:cTn id="24" fill="hold">
-                            <p:stCondLst>
-                              <p:cond delay="0"/>
-                            </p:stCondLst>
-                            <p:childTnLst>
                               <p:par>
-                                <p:cTn id="25" presetID="1" presetClass="entr" presetSubtype="0" fill="hold" nodeType="clickEffect">
+                                <p:cTn id="15" presetID="1" presetClass="entr" presetSubtype="0" fill="hold" nodeType="withEffect">
                                   <p:stCondLst>
                                     <p:cond delay="0"/>
                                   </p:stCondLst>
                                   <p:childTnLst>
                                     <p:set>
                                       <p:cBhvr>
-                                        <p:cTn id="26" dur="1" fill="hold">
+                                        <p:cTn id="16" dur="1" fill="hold">
                                           <p:stCondLst>
                                             <p:cond delay="0"/>
                                           </p:stCondLst>
@@ -25384,55 +23724,6 @@
                                           <p:spTgt spid="278">
                                             <p:txEl>
                                               <p:pRg st="5" end="5"/>
-                                            </p:txEl>
-                                          </p:spTgt>
-                                        </p:tgtEl>
-                                        <p:attrNameLst>
-                                          <p:attrName>style.visibility</p:attrName>
-                                        </p:attrNameLst>
-                                      </p:cBhvr>
-                                      <p:to>
-                                        <p:strVal val="visible"/>
-                                      </p:to>
-                                    </p:set>
-                                  </p:childTnLst>
-                                </p:cTn>
-                              </p:par>
-                            </p:childTnLst>
-                          </p:cTn>
-                        </p:par>
-                      </p:childTnLst>
-                    </p:cTn>
-                  </p:par>
-                  <p:par>
-                    <p:cTn id="27" fill="hold">
-                      <p:stCondLst>
-                        <p:cond delay="indefinite"/>
-                      </p:stCondLst>
-                      <p:childTnLst>
-                        <p:par>
-                          <p:cTn id="28" fill="hold">
-                            <p:stCondLst>
-                              <p:cond delay="0"/>
-                            </p:stCondLst>
-                            <p:childTnLst>
-                              <p:par>
-                                <p:cTn id="29" presetID="1" presetClass="entr" presetSubtype="0" fill="hold" nodeType="clickEffect">
-                                  <p:stCondLst>
-                                    <p:cond delay="0"/>
-                                  </p:stCondLst>
-                                  <p:childTnLst>
-                                    <p:set>
-                                      <p:cBhvr>
-                                        <p:cTn id="30" dur="1" fill="hold">
-                                          <p:stCondLst>
-                                            <p:cond delay="0"/>
-                                          </p:stCondLst>
-                                        </p:cTn>
-                                        <p:tgtEl>
-                                          <p:spTgt spid="278">
-                                            <p:txEl>
-                                              <p:pRg st="6" end="6"/>
                                             </p:txEl>
                                           </p:spTgt>
                                         </p:tgtEl>
@@ -25479,7 +23770,7 @@
 </file>
 
 <file path=ppt/slides/slide26.xml><?xml version="1.0" encoding="utf-8"?>
-<p:sld xmlns:a="http://schemas.openxmlformats.org/drawingml/2006/main" xmlns:r="http://schemas.openxmlformats.org/officeDocument/2006/relationships" xmlns:p="http://schemas.openxmlformats.org/presentationml/2006/main">
+<p:sld xmlns:a="http://schemas.openxmlformats.org/drawingml/2006/main" xmlns:r="http://schemas.openxmlformats.org/officeDocument/2006/relationships" xmlns:p="http://schemas.openxmlformats.org/presentationml/2006/main" show="0">
   <p:cSld>
     <p:spTree>
       <p:nvGrpSpPr>
@@ -25615,10 +23906,14 @@
               <a:buChar char="●"/>
             </a:pPr>
             <a:r>
-              <a:rPr lang="en"/>
-              <a:t>Spectre: An attack exploiting this browser design</a:t>
-            </a:r>
-            <a:endParaRPr/>
+              <a:rPr lang="en" dirty="0" err="1"/>
+              <a:t>Spectre</a:t>
+            </a:r>
+            <a:r>
+              <a:rPr lang="en" dirty="0"/>
+              <a:t>: An attack exploiting this browser design</a:t>
+            </a:r>
+            <a:endParaRPr dirty="0"/>
           </a:p>
           <a:p>
             <a:pPr marL="914400" lvl="1" indent="-317500" algn="l" rtl="0">
@@ -25632,11 +23927,11 @@
               <a:buChar char="○"/>
             </a:pPr>
             <a:r>
-              <a:rPr lang="en"/>
+              <a:rPr lang="en" dirty="0"/>
               <a:t>The victim visits </a:t>
             </a:r>
             <a:r>
-              <a:rPr lang="en" b="1">
+              <a:rPr lang="en" b="1" dirty="0" err="1">
                 <a:latin typeface="Courier New"/>
                 <a:ea typeface="Courier New"/>
                 <a:cs typeface="Courier New"/>
@@ -25645,10 +23940,10 @@
               <a:t>evil.com</a:t>
             </a:r>
             <a:r>
-              <a:rPr lang="en"/>
+              <a:rPr lang="en" dirty="0"/>
               <a:t> in a browser tab</a:t>
             </a:r>
-            <a:endParaRPr/>
+            <a:endParaRPr dirty="0"/>
           </a:p>
           <a:p>
             <a:pPr marL="914400" lvl="1" indent="-317500" algn="l" rtl="0">
@@ -25662,7 +23957,7 @@
               <a:buChar char="○"/>
             </a:pPr>
             <a:r>
-              <a:rPr lang="en" b="1">
+              <a:rPr lang="en" b="1" dirty="0" err="1">
                 <a:latin typeface="Courier New"/>
                 <a:ea typeface="Courier New"/>
                 <a:cs typeface="Courier New"/>
@@ -25671,11 +23966,19 @@
               <a:t>evil.com</a:t>
             </a:r>
             <a:r>
-              <a:rPr lang="en"/>
-              <a:t> opens an iframe with </a:t>
-            </a:r>
-            <a:r>
-              <a:rPr lang="en" b="1">
+              <a:rPr lang="en" dirty="0"/>
+              <a:t> opens an </a:t>
+            </a:r>
+            <a:r>
+              <a:rPr lang="en" dirty="0" err="1"/>
+              <a:t>iframe</a:t>
+            </a:r>
+            <a:r>
+              <a:rPr lang="en" dirty="0"/>
+              <a:t> with </a:t>
+            </a:r>
+            <a:r>
+              <a:rPr lang="en" b="1" dirty="0" err="1">
                 <a:latin typeface="Courier New"/>
                 <a:ea typeface="Courier New"/>
                 <a:cs typeface="Courier New"/>
@@ -25683,7 +23986,7 @@
               </a:rPr>
               <a:t>victim.com</a:t>
             </a:r>
-            <a:endParaRPr b="1">
+            <a:endParaRPr b="1" dirty="0">
               <a:latin typeface="Courier New"/>
               <a:ea typeface="Courier New"/>
               <a:cs typeface="Courier New"/>
@@ -25702,11 +24005,11 @@
               <a:buChar char="○"/>
             </a:pPr>
             <a:r>
-              <a:rPr lang="en"/>
+              <a:rPr lang="en" dirty="0"/>
               <a:t>Recall: JavaScript in </a:t>
             </a:r>
             <a:r>
-              <a:rPr lang="en" b="1">
+              <a:rPr lang="en" b="1" dirty="0" err="1">
                 <a:latin typeface="Courier New"/>
                 <a:ea typeface="Courier New"/>
                 <a:cs typeface="Courier New"/>
@@ -25715,11 +24018,11 @@
               <a:t>evil.com</a:t>
             </a:r>
             <a:r>
-              <a:rPr lang="en"/>
+              <a:rPr lang="en" dirty="0"/>
               <a:t> should not be able to read any cookies from </a:t>
             </a:r>
             <a:r>
-              <a:rPr lang="en" b="1">
+              <a:rPr lang="en" b="1" dirty="0" err="1">
                 <a:latin typeface="Courier New"/>
                 <a:ea typeface="Courier New"/>
                 <a:cs typeface="Courier New"/>
@@ -25727,7 +24030,7 @@
               </a:rPr>
               <a:t>victim.com</a:t>
             </a:r>
-            <a:endParaRPr/>
+            <a:endParaRPr dirty="0"/>
           </a:p>
           <a:p>
             <a:pPr marL="914400" lvl="1" indent="-317500" algn="l" rtl="0">
@@ -25741,7 +24044,7 @@
               <a:buChar char="○"/>
             </a:pPr>
             <a:r>
-              <a:rPr lang="en" b="1">
+              <a:rPr lang="en" b="1" dirty="0" err="1">
                 <a:latin typeface="Courier New"/>
                 <a:ea typeface="Courier New"/>
                 <a:cs typeface="Courier New"/>
@@ -25750,11 +24053,11 @@
               <a:t>evil.com</a:t>
             </a:r>
             <a:r>
-              <a:rPr lang="en"/>
+              <a:rPr lang="en" dirty="0"/>
               <a:t> and </a:t>
             </a:r>
             <a:r>
-              <a:rPr lang="en" b="1">
+              <a:rPr lang="en" b="1" dirty="0" err="1">
                 <a:latin typeface="Courier New"/>
                 <a:ea typeface="Courier New"/>
                 <a:cs typeface="Courier New"/>
@@ -25763,14 +24066,14 @@
               <a:t>victim.com</a:t>
             </a:r>
             <a:r>
-              <a:rPr lang="en" b="1"/>
+              <a:rPr lang="en" b="1" dirty="0"/>
               <a:t> </a:t>
             </a:r>
             <a:r>
-              <a:rPr lang="en"/>
+              <a:rPr lang="en" dirty="0"/>
               <a:t>are now running in the same operating system process</a:t>
             </a:r>
-            <a:endParaRPr/>
+            <a:endParaRPr dirty="0"/>
           </a:p>
           <a:p>
             <a:pPr marL="914400" lvl="1" indent="-317500" algn="l" rtl="0">
@@ -25784,10 +24087,10 @@
               <a:buChar char="○"/>
             </a:pPr>
             <a:r>
-              <a:rPr lang="en"/>
+              <a:rPr lang="en" dirty="0"/>
               <a:t>No operating system sandboxing is active! The only memory protection is enforced by the JavaScript compiler</a:t>
             </a:r>
-            <a:endParaRPr/>
+            <a:endParaRPr dirty="0"/>
           </a:p>
           <a:p>
             <a:pPr marL="914400" lvl="1" indent="-317500" algn="l" rtl="0">
@@ -25801,11 +24104,11 @@
               <a:buChar char="○"/>
             </a:pPr>
             <a:r>
-              <a:rPr lang="en"/>
+              <a:rPr lang="en" dirty="0"/>
               <a:t>If we can break the JavaScript compiler, we can read memory from </a:t>
             </a:r>
             <a:r>
-              <a:rPr lang="en" b="1">
+              <a:rPr lang="en" b="1" dirty="0" err="1">
                 <a:latin typeface="Courier New"/>
                 <a:ea typeface="Courier New"/>
                 <a:cs typeface="Courier New"/>
@@ -25813,7 +24116,7 @@
               </a:rPr>
               <a:t>victim.com</a:t>
             </a:r>
-            <a:endParaRPr/>
+            <a:endParaRPr dirty="0"/>
           </a:p>
         </p:txBody>
       </p:sp>
@@ -25858,7 +24161,7 @@
                                         <p:tgtEl>
                                           <p:spTgt spid="285">
                                             <p:txEl>
-                                              <p:pRg st="0" end="0"/>
+                                              <p:pRg st="1" end="1"/>
                                             </p:txEl>
                                           </p:spTgt>
                                         </p:tgtEl>
@@ -25907,7 +24210,7 @@
                                         <p:tgtEl>
                                           <p:spTgt spid="285">
                                             <p:txEl>
-                                              <p:pRg st="1" end="1"/>
+                                              <p:pRg st="2" end="2"/>
                                             </p:txEl>
                                           </p:spTgt>
                                         </p:tgtEl>
@@ -25956,7 +24259,7 @@
                                         <p:tgtEl>
                                           <p:spTgt spid="285">
                                             <p:txEl>
-                                              <p:pRg st="2" end="2"/>
+                                              <p:pRg st="3" end="3"/>
                                             </p:txEl>
                                           </p:spTgt>
                                         </p:tgtEl>
@@ -26005,7 +24308,7 @@
                                         <p:tgtEl>
                                           <p:spTgt spid="285">
                                             <p:txEl>
-                                              <p:pRg st="3" end="3"/>
+                                              <p:pRg st="4" end="4"/>
                                             </p:txEl>
                                           </p:spTgt>
                                         </p:tgtEl>
@@ -26054,7 +24357,7 @@
                                         <p:tgtEl>
                                           <p:spTgt spid="285">
                                             <p:txEl>
-                                              <p:pRg st="4" end="4"/>
+                                              <p:pRg st="5" end="5"/>
                                             </p:txEl>
                                           </p:spTgt>
                                         </p:tgtEl>
@@ -26096,55 +24399,6 @@
                                     <p:set>
                                       <p:cBhvr>
                                         <p:cTn id="26" dur="1" fill="hold">
-                                          <p:stCondLst>
-                                            <p:cond delay="0"/>
-                                          </p:stCondLst>
-                                        </p:cTn>
-                                        <p:tgtEl>
-                                          <p:spTgt spid="285">
-                                            <p:txEl>
-                                              <p:pRg st="5" end="5"/>
-                                            </p:txEl>
-                                          </p:spTgt>
-                                        </p:tgtEl>
-                                        <p:attrNameLst>
-                                          <p:attrName>style.visibility</p:attrName>
-                                        </p:attrNameLst>
-                                      </p:cBhvr>
-                                      <p:to>
-                                        <p:strVal val="visible"/>
-                                      </p:to>
-                                    </p:set>
-                                  </p:childTnLst>
-                                </p:cTn>
-                              </p:par>
-                            </p:childTnLst>
-                          </p:cTn>
-                        </p:par>
-                      </p:childTnLst>
-                    </p:cTn>
-                  </p:par>
-                  <p:par>
-                    <p:cTn id="27" fill="hold">
-                      <p:stCondLst>
-                        <p:cond delay="indefinite"/>
-                      </p:stCondLst>
-                      <p:childTnLst>
-                        <p:par>
-                          <p:cTn id="28" fill="hold">
-                            <p:stCondLst>
-                              <p:cond delay="0"/>
-                            </p:stCondLst>
-                            <p:childTnLst>
-                              <p:par>
-                                <p:cTn id="29" presetID="1" presetClass="entr" presetSubtype="0" fill="hold" nodeType="clickEffect">
-                                  <p:stCondLst>
-                                    <p:cond delay="0"/>
-                                  </p:stCondLst>
-                                  <p:childTnLst>
-                                    <p:set>
-                                      <p:cBhvr>
-                                        <p:cTn id="30" dur="1" fill="hold">
                                           <p:stCondLst>
                                             <p:cond delay="0"/>
                                           </p:stCondLst>
@@ -26199,7 +24453,7 @@
 </file>
 
 <file path=ppt/slides/slide27.xml><?xml version="1.0" encoding="utf-8"?>
-<p:sld xmlns:a="http://schemas.openxmlformats.org/drawingml/2006/main" xmlns:r="http://schemas.openxmlformats.org/officeDocument/2006/relationships" xmlns:p="http://schemas.openxmlformats.org/presentationml/2006/main">
+<p:sld xmlns:a="http://schemas.openxmlformats.org/drawingml/2006/main" xmlns:r="http://schemas.openxmlformats.org/officeDocument/2006/relationships" xmlns:p="http://schemas.openxmlformats.org/presentationml/2006/main" show="0">
   <p:cSld>
     <p:spTree>
       <p:nvGrpSpPr>
@@ -26335,10 +24589,10 @@
               <a:buChar char="●"/>
             </a:pPr>
             <a:r>
-              <a:rPr lang="en"/>
+              <a:rPr lang="en" dirty="0"/>
               <a:t>Quick review: Modern processors</a:t>
             </a:r>
-            <a:endParaRPr/>
+            <a:endParaRPr dirty="0"/>
           </a:p>
           <a:p>
             <a:pPr marL="914400" lvl="1" indent="-317500" algn="l" rtl="0">
@@ -26352,10 +24606,10 @@
               <a:buChar char="○"/>
             </a:pPr>
             <a:r>
-              <a:rPr lang="en"/>
+              <a:rPr lang="en" dirty="0"/>
               <a:t>Designed to be very fast: High instructions per cycle (IPC)</a:t>
             </a:r>
-            <a:endParaRPr/>
+            <a:endParaRPr dirty="0"/>
           </a:p>
           <a:p>
             <a:pPr marL="914400" lvl="1" indent="-317500" algn="l" rtl="0">
@@ -26369,10 +24623,10 @@
               <a:buChar char="○"/>
             </a:pPr>
             <a:r>
-              <a:rPr lang="en"/>
+              <a:rPr lang="en" dirty="0"/>
               <a:t>Uses aggressive behavior to achieve high IPC</a:t>
             </a:r>
-            <a:endParaRPr/>
+            <a:endParaRPr dirty="0"/>
           </a:p>
           <a:p>
             <a:pPr marL="1371600" lvl="2" indent="-317500" algn="l" rtl="0">
@@ -26386,10 +24640,10 @@
               <a:buChar char="■"/>
             </a:pPr>
             <a:r>
-              <a:rPr lang="en"/>
+              <a:rPr lang="en" dirty="0"/>
               <a:t>Aggressive caching</a:t>
             </a:r>
-            <a:endParaRPr/>
+            <a:endParaRPr dirty="0"/>
           </a:p>
           <a:p>
             <a:pPr marL="1371600" lvl="2" indent="-317500" algn="l" rtl="0">
@@ -26403,10 +24657,10 @@
               <a:buChar char="■"/>
             </a:pPr>
             <a:r>
-              <a:rPr lang="en"/>
+              <a:rPr lang="en" dirty="0"/>
               <a:t>Branch prediction: Guess the outcome of a branch and start executing that branch before the outcome is known</a:t>
             </a:r>
-            <a:endParaRPr/>
+            <a:endParaRPr dirty="0"/>
           </a:p>
           <a:p>
             <a:pPr marL="1371600" lvl="2" indent="-317500" algn="l" rtl="0">
@@ -26420,10 +24674,10 @@
               <a:buChar char="■"/>
             </a:pPr>
             <a:r>
-              <a:rPr lang="en"/>
+              <a:rPr lang="en" dirty="0"/>
               <a:t>Speculative execution: Execute some code if the processor thinks it’ll be executed later</a:t>
             </a:r>
-            <a:endParaRPr/>
+            <a:endParaRPr dirty="0"/>
           </a:p>
           <a:p>
             <a:pPr marL="914400" lvl="1" indent="-317500" algn="l" rtl="0">
@@ -26437,10 +24691,10 @@
               <a:buChar char="○"/>
             </a:pPr>
             <a:r>
-              <a:rPr lang="en"/>
+              <a:rPr lang="en" dirty="0"/>
               <a:t>Note: Predictions are not always correct</a:t>
             </a:r>
-            <a:endParaRPr/>
+            <a:endParaRPr dirty="0"/>
           </a:p>
           <a:p>
             <a:pPr marL="457200" lvl="0" indent="-342900" algn="l" rtl="0">
@@ -26454,10 +24708,14 @@
               <a:buChar char="●"/>
             </a:pPr>
             <a:r>
-              <a:rPr lang="en"/>
-              <a:t>Spectre: Exploits a hardware side-channel attack</a:t>
-            </a:r>
-            <a:endParaRPr/>
+              <a:rPr lang="en" dirty="0" err="1"/>
+              <a:t>Spectre</a:t>
+            </a:r>
+            <a:r>
+              <a:rPr lang="en" dirty="0"/>
+              <a:t>: Exploits a hardware side-channel attack</a:t>
+            </a:r>
+            <a:endParaRPr dirty="0"/>
           </a:p>
           <a:p>
             <a:pPr marL="914400" lvl="1" indent="-317500" algn="l" rtl="0">
@@ -26471,10 +24729,10 @@
               <a:buChar char="○"/>
             </a:pPr>
             <a:r>
-              <a:rPr lang="en"/>
+              <a:rPr lang="en" dirty="0"/>
               <a:t>Use a side channel (e.g. timing, cache state) to detect the results of failed speculative execution</a:t>
             </a:r>
-            <a:endParaRPr/>
+            <a:endParaRPr dirty="0"/>
           </a:p>
           <a:p>
             <a:pPr marL="914400" lvl="1" indent="-317500" algn="l" rtl="0">
@@ -26488,10 +24746,10 @@
               <a:buChar char="○"/>
             </a:pPr>
             <a:r>
-              <a:rPr lang="en"/>
+              <a:rPr lang="en" dirty="0"/>
               <a:t>Use a side channel to see what the input to the speculative execution was</a:t>
             </a:r>
-            <a:endParaRPr/>
+            <a:endParaRPr dirty="0"/>
           </a:p>
           <a:p>
             <a:pPr marL="914400" lvl="1" indent="-317500" algn="l" rtl="0">
@@ -26505,10 +24763,10 @@
               <a:buChar char="○"/>
             </a:pPr>
             <a:r>
-              <a:rPr lang="en"/>
+              <a:rPr lang="en" dirty="0"/>
               <a:t>Idea: Force speculative execution by forcing the processor to make wrong predictions</a:t>
             </a:r>
-            <a:endParaRPr/>
+            <a:endParaRPr dirty="0"/>
           </a:p>
           <a:p>
             <a:pPr marL="914400" lvl="1" indent="-317500" algn="l" rtl="0">
@@ -26522,10 +24780,10 @@
               <a:buChar char="○"/>
             </a:pPr>
             <a:r>
-              <a:rPr lang="en"/>
+              <a:rPr lang="en" dirty="0"/>
               <a:t>Idea: Read the side channel to see the results of the speculative execution</a:t>
             </a:r>
-            <a:endParaRPr/>
+            <a:endParaRPr dirty="0"/>
           </a:p>
         </p:txBody>
       </p:sp>
@@ -26570,7 +24828,7 @@
                                         <p:tgtEl>
                                           <p:spTgt spid="292">
                                             <p:txEl>
-                                              <p:pRg st="0" end="0"/>
+                                              <p:pRg st="1" end="1"/>
                                             </p:txEl>
                                           </p:spTgt>
                                         </p:tgtEl>
@@ -26619,7 +24877,7 @@
                                         <p:tgtEl>
                                           <p:spTgt spid="292">
                                             <p:txEl>
-                                              <p:pRg st="1" end="1"/>
+                                              <p:pRg st="2" end="2"/>
                                             </p:txEl>
                                           </p:spTgt>
                                         </p:tgtEl>
@@ -26668,7 +24926,7 @@
                                         <p:tgtEl>
                                           <p:spTgt spid="292">
                                             <p:txEl>
-                                              <p:pRg st="2" end="2"/>
+                                              <p:pRg st="3" end="3"/>
                                             </p:txEl>
                                           </p:spTgt>
                                         </p:tgtEl>
@@ -26717,7 +24975,7 @@
                                         <p:tgtEl>
                                           <p:spTgt spid="292">
                                             <p:txEl>
-                                              <p:pRg st="3" end="3"/>
+                                              <p:pRg st="4" end="4"/>
                                             </p:txEl>
                                           </p:spTgt>
                                         </p:tgtEl>
@@ -26766,7 +25024,7 @@
                                         <p:tgtEl>
                                           <p:spTgt spid="292">
                                             <p:txEl>
-                                              <p:pRg st="4" end="4"/>
+                                              <p:pRg st="5" end="5"/>
                                             </p:txEl>
                                           </p:spTgt>
                                         </p:tgtEl>
@@ -26815,7 +25073,7 @@
                                         <p:tgtEl>
                                           <p:spTgt spid="292">
                                             <p:txEl>
-                                              <p:pRg st="5" end="5"/>
+                                              <p:pRg st="6" end="6"/>
                                             </p:txEl>
                                           </p:spTgt>
                                         </p:tgtEl>
@@ -26864,7 +25122,7 @@
                                         <p:tgtEl>
                                           <p:spTgt spid="292">
                                             <p:txEl>
-                                              <p:pRg st="6" end="6"/>
+                                              <p:pRg st="7" end="7"/>
                                             </p:txEl>
                                           </p:spTgt>
                                         </p:tgtEl>
@@ -26913,7 +25171,7 @@
                                         <p:tgtEl>
                                           <p:spTgt spid="292">
                                             <p:txEl>
-                                              <p:pRg st="7" end="7"/>
+                                              <p:pRg st="8" end="8"/>
                                             </p:txEl>
                                           </p:spTgt>
                                         </p:tgtEl>
@@ -26962,7 +25220,7 @@
                                         <p:tgtEl>
                                           <p:spTgt spid="292">
                                             <p:txEl>
-                                              <p:pRg st="8" end="8"/>
+                                              <p:pRg st="9" end="9"/>
                                             </p:txEl>
                                           </p:spTgt>
                                         </p:tgtEl>
@@ -27011,7 +25269,7 @@
                                         <p:tgtEl>
                                           <p:spTgt spid="292">
                                             <p:txEl>
-                                              <p:pRg st="9" end="9"/>
+                                              <p:pRg st="10" end="10"/>
                                             </p:txEl>
                                           </p:spTgt>
                                         </p:tgtEl>
@@ -27053,55 +25311,6 @@
                                     <p:set>
                                       <p:cBhvr>
                                         <p:cTn id="46" dur="1" fill="hold">
-                                          <p:stCondLst>
-                                            <p:cond delay="0"/>
-                                          </p:stCondLst>
-                                        </p:cTn>
-                                        <p:tgtEl>
-                                          <p:spTgt spid="292">
-                                            <p:txEl>
-                                              <p:pRg st="10" end="10"/>
-                                            </p:txEl>
-                                          </p:spTgt>
-                                        </p:tgtEl>
-                                        <p:attrNameLst>
-                                          <p:attrName>style.visibility</p:attrName>
-                                        </p:attrNameLst>
-                                      </p:cBhvr>
-                                      <p:to>
-                                        <p:strVal val="visible"/>
-                                      </p:to>
-                                    </p:set>
-                                  </p:childTnLst>
-                                </p:cTn>
-                              </p:par>
-                            </p:childTnLst>
-                          </p:cTn>
-                        </p:par>
-                      </p:childTnLst>
-                    </p:cTn>
-                  </p:par>
-                  <p:par>
-                    <p:cTn id="47" fill="hold">
-                      <p:stCondLst>
-                        <p:cond delay="indefinite"/>
-                      </p:stCondLst>
-                      <p:childTnLst>
-                        <p:par>
-                          <p:cTn id="48" fill="hold">
-                            <p:stCondLst>
-                              <p:cond delay="0"/>
-                            </p:stCondLst>
-                            <p:childTnLst>
-                              <p:par>
-                                <p:cTn id="49" presetID="1" presetClass="entr" presetSubtype="0" fill="hold" nodeType="clickEffect">
-                                  <p:stCondLst>
-                                    <p:cond delay="0"/>
-                                  </p:stCondLst>
-                                  <p:childTnLst>
-                                    <p:set>
-                                      <p:cBhvr>
-                                        <p:cTn id="50" dur="1" fill="hold">
                                           <p:stCondLst>
                                             <p:cond delay="0"/>
                                           </p:stCondLst>
@@ -27156,7 +25365,7 @@
 </file>
 
 <file path=ppt/slides/slide28.xml><?xml version="1.0" encoding="utf-8"?>
-<p:sld xmlns:a="http://schemas.openxmlformats.org/drawingml/2006/main" xmlns:r="http://schemas.openxmlformats.org/officeDocument/2006/relationships" xmlns:p="http://schemas.openxmlformats.org/presentationml/2006/main">
+<p:sld xmlns:a="http://schemas.openxmlformats.org/drawingml/2006/main" xmlns:r="http://schemas.openxmlformats.org/officeDocument/2006/relationships" xmlns:p="http://schemas.openxmlformats.org/presentationml/2006/main" show="0">
   <p:cSld>
     <p:spTree>
       <p:nvGrpSpPr>
@@ -27771,7 +25980,7 @@
                                         <p:tgtEl>
                                           <p:spTgt spid="299">
                                             <p:txEl>
-                                              <p:pRg st="0" end="0"/>
+                                              <p:pRg st="1" end="1"/>
                                             </p:txEl>
                                           </p:spTgt>
                                         </p:tgtEl>
@@ -27820,7 +26029,7 @@
                                         <p:tgtEl>
                                           <p:spTgt spid="299">
                                             <p:txEl>
-                                              <p:pRg st="1" end="1"/>
+                                              <p:pRg st="2" end="2"/>
                                             </p:txEl>
                                           </p:spTgt>
                                         </p:tgtEl>
@@ -27869,7 +26078,7 @@
                                         <p:tgtEl>
                                           <p:spTgt spid="299">
                                             <p:txEl>
-                                              <p:pRg st="2" end="2"/>
+                                              <p:pRg st="3" end="3"/>
                                             </p:txEl>
                                           </p:spTgt>
                                         </p:tgtEl>
@@ -27918,7 +26127,7 @@
                                         <p:tgtEl>
                                           <p:spTgt spid="299">
                                             <p:txEl>
-                                              <p:pRg st="3" end="3"/>
+                                              <p:pRg st="4" end="4"/>
                                             </p:txEl>
                                           </p:spTgt>
                                         </p:tgtEl>
@@ -27967,7 +26176,7 @@
                                         <p:tgtEl>
                                           <p:spTgt spid="299">
                                             <p:txEl>
-                                              <p:pRg st="4" end="4"/>
+                                              <p:pRg st="5" end="5"/>
                                             </p:txEl>
                                           </p:spTgt>
                                         </p:tgtEl>
@@ -28016,7 +26225,7 @@
                                         <p:tgtEl>
                                           <p:spTgt spid="299">
                                             <p:txEl>
-                                              <p:pRg st="5" end="5"/>
+                                              <p:pRg st="6" end="6"/>
                                             </p:txEl>
                                           </p:spTgt>
                                         </p:tgtEl>
@@ -28058,55 +26267,6 @@
                                     <p:set>
                                       <p:cBhvr>
                                         <p:cTn id="30" dur="1" fill="hold">
-                                          <p:stCondLst>
-                                            <p:cond delay="0"/>
-                                          </p:stCondLst>
-                                        </p:cTn>
-                                        <p:tgtEl>
-                                          <p:spTgt spid="299">
-                                            <p:txEl>
-                                              <p:pRg st="6" end="6"/>
-                                            </p:txEl>
-                                          </p:spTgt>
-                                        </p:tgtEl>
-                                        <p:attrNameLst>
-                                          <p:attrName>style.visibility</p:attrName>
-                                        </p:attrNameLst>
-                                      </p:cBhvr>
-                                      <p:to>
-                                        <p:strVal val="visible"/>
-                                      </p:to>
-                                    </p:set>
-                                  </p:childTnLst>
-                                </p:cTn>
-                              </p:par>
-                            </p:childTnLst>
-                          </p:cTn>
-                        </p:par>
-                      </p:childTnLst>
-                    </p:cTn>
-                  </p:par>
-                  <p:par>
-                    <p:cTn id="31" fill="hold">
-                      <p:stCondLst>
-                        <p:cond delay="indefinite"/>
-                      </p:stCondLst>
-                      <p:childTnLst>
-                        <p:par>
-                          <p:cTn id="32" fill="hold">
-                            <p:stCondLst>
-                              <p:cond delay="0"/>
-                            </p:stCondLst>
-                            <p:childTnLst>
-                              <p:par>
-                                <p:cTn id="33" presetID="1" presetClass="entr" presetSubtype="0" fill="hold" nodeType="clickEffect">
-                                  <p:stCondLst>
-                                    <p:cond delay="0"/>
-                                  </p:stCondLst>
-                                  <p:childTnLst>
-                                    <p:set>
-                                      <p:cBhvr>
-                                        <p:cTn id="34" dur="1" fill="hold">
                                           <p:stCondLst>
                                             <p:cond delay="0"/>
                                           </p:stCondLst>
@@ -28161,7 +26321,7 @@
 </file>
 
 <file path=ppt/slides/slide29.xml><?xml version="1.0" encoding="utf-8"?>
-<p:sld xmlns:a="http://schemas.openxmlformats.org/drawingml/2006/main" xmlns:r="http://schemas.openxmlformats.org/officeDocument/2006/relationships" xmlns:p="http://schemas.openxmlformats.org/presentationml/2006/main">
+<p:sld xmlns:a="http://schemas.openxmlformats.org/drawingml/2006/main" xmlns:r="http://schemas.openxmlformats.org/officeDocument/2006/relationships" xmlns:p="http://schemas.openxmlformats.org/presentationml/2006/main" show="0">
   <p:cSld>
     <p:spTree>
       <p:nvGrpSpPr>
@@ -28297,18 +26457,18 @@
               <a:buChar char="●"/>
             </a:pPr>
             <a:r>
-              <a:rPr lang="en"/>
+              <a:rPr lang="en" dirty="0"/>
               <a:t>Chrome and Firefox now run each </a:t>
             </a:r>
             <a:r>
-              <a:rPr lang="en" i="1"/>
+              <a:rPr lang="en" i="1" dirty="0"/>
               <a:t>origin</a:t>
             </a:r>
             <a:r>
-              <a:rPr lang="en"/>
+              <a:rPr lang="en" dirty="0"/>
               <a:t>, not tab, in its own process</a:t>
             </a:r>
-            <a:endParaRPr/>
+            <a:endParaRPr dirty="0"/>
           </a:p>
           <a:p>
             <a:pPr marL="914400" lvl="1" indent="-317500" algn="l" rtl="0">
@@ -28322,10 +26482,10 @@
               <a:buChar char="○"/>
             </a:pPr>
             <a:r>
-              <a:rPr lang="en"/>
+              <a:rPr lang="en" dirty="0"/>
               <a:t>Known as "Site Isolation"</a:t>
             </a:r>
-            <a:endParaRPr/>
+            <a:endParaRPr dirty="0"/>
           </a:p>
           <a:p>
             <a:pPr marL="914400" lvl="1" indent="-317500" algn="l" rtl="0">
@@ -28339,10 +26499,10 @@
               <a:buChar char="○"/>
             </a:pPr>
             <a:r>
-              <a:rPr lang="en"/>
+              <a:rPr lang="en" dirty="0"/>
               <a:t>Recall: The operating system (OS) makes sure that one process cannot access other processes</a:t>
             </a:r>
-            <a:endParaRPr/>
+            <a:endParaRPr dirty="0"/>
           </a:p>
           <a:p>
             <a:pPr marL="457200" lvl="0" indent="-342900" algn="l" rtl="0">
@@ -28356,10 +26516,18 @@
               <a:buChar char="●"/>
             </a:pPr>
             <a:r>
-              <a:rPr lang="en"/>
-              <a:t>Security: Spectre attack is defeated</a:t>
-            </a:r>
-            <a:endParaRPr/>
+              <a:rPr lang="en" dirty="0"/>
+              <a:t>Security: </a:t>
+            </a:r>
+            <a:r>
+              <a:rPr lang="en" dirty="0" err="1"/>
+              <a:t>Spectre</a:t>
+            </a:r>
+            <a:r>
+              <a:rPr lang="en" dirty="0"/>
+              <a:t> attack is defeated</a:t>
+            </a:r>
+            <a:endParaRPr dirty="0"/>
           </a:p>
           <a:p>
             <a:pPr marL="914400" lvl="1" indent="-317500" algn="l" rtl="0">
@@ -28373,11 +26541,11 @@
               <a:buChar char="○"/>
             </a:pPr>
             <a:r>
-              <a:rPr lang="en"/>
+              <a:rPr lang="en" dirty="0"/>
               <a:t>When </a:t>
             </a:r>
             <a:r>
-              <a:rPr lang="en" b="1">
+              <a:rPr lang="en" b="1" dirty="0" err="1">
                 <a:latin typeface="Courier New"/>
                 <a:ea typeface="Courier New"/>
                 <a:cs typeface="Courier New"/>
@@ -28386,11 +26554,19 @@
               <a:t>evil.com</a:t>
             </a:r>
             <a:r>
-              <a:rPr lang="en"/>
-              <a:t> loads an iframe with </a:t>
-            </a:r>
-            <a:r>
-              <a:rPr lang="en" b="1">
+              <a:rPr lang="en" dirty="0"/>
+              <a:t> loads an </a:t>
+            </a:r>
+            <a:r>
+              <a:rPr lang="en" dirty="0" err="1"/>
+              <a:t>iframe</a:t>
+            </a:r>
+            <a:r>
+              <a:rPr lang="en" dirty="0"/>
+              <a:t> with </a:t>
+            </a:r>
+            <a:r>
+              <a:rPr lang="en" b="1" dirty="0" err="1">
                 <a:latin typeface="Courier New"/>
                 <a:ea typeface="Courier New"/>
                 <a:cs typeface="Courier New"/>
@@ -28399,10 +26575,10 @@
               <a:t>victim.com</a:t>
             </a:r>
             <a:r>
-              <a:rPr lang="en"/>
+              <a:rPr lang="en" dirty="0"/>
               <a:t>, the two frames are run in different processes</a:t>
             </a:r>
-            <a:endParaRPr/>
+            <a:endParaRPr dirty="0"/>
           </a:p>
           <a:p>
             <a:pPr marL="914400" lvl="1" indent="-317500" algn="l" rtl="0">
@@ -28416,11 +26592,11 @@
               <a:buChar char="○"/>
             </a:pPr>
             <a:r>
-              <a:rPr lang="en"/>
+              <a:rPr lang="en" dirty="0"/>
               <a:t>Speculative execution no longer works: the OS prevents the </a:t>
             </a:r>
             <a:r>
-              <a:rPr lang="en" b="1">
+              <a:rPr lang="en" b="1" dirty="0" err="1">
                 <a:latin typeface="Courier New"/>
                 <a:ea typeface="Courier New"/>
                 <a:cs typeface="Courier New"/>
@@ -28429,11 +26605,11 @@
               <a:t>evil.com</a:t>
             </a:r>
             <a:r>
-              <a:rPr lang="en"/>
+              <a:rPr lang="en" dirty="0"/>
               <a:t> process from accessing memory of the </a:t>
             </a:r>
             <a:r>
-              <a:rPr lang="en" b="1">
+              <a:rPr lang="en" b="1" dirty="0" err="1">
                 <a:latin typeface="Courier New"/>
                 <a:ea typeface="Courier New"/>
                 <a:cs typeface="Courier New"/>
@@ -28442,10 +26618,10 @@
               <a:t>victim.com</a:t>
             </a:r>
             <a:r>
-              <a:rPr lang="en"/>
+              <a:rPr lang="en" dirty="0"/>
               <a:t> process</a:t>
             </a:r>
-            <a:endParaRPr/>
+            <a:endParaRPr dirty="0"/>
           </a:p>
           <a:p>
             <a:pPr marL="914400" lvl="1" indent="-317500" algn="l" rtl="0">
@@ -28459,10 +26635,9 @@
               <a:buChar char="○"/>
             </a:pPr>
             <a:r>
-              <a:rPr lang="en"/>
+              <a:rPr lang="en" dirty="0"/>
               <a:t>The attack now requires breaking the OS isolation (much harder)</a:t>
             </a:r>
-            <a:endParaRPr/>
           </a:p>
           <a:p>
             <a:pPr marL="457200" lvl="0" indent="-342900" algn="l" rtl="0">
@@ -28476,10 +26651,10 @@
               <a:buChar char="●"/>
             </a:pPr>
             <a:r>
-              <a:rPr lang="en"/>
+              <a:rPr lang="en" dirty="0"/>
               <a:t>Cost: Processes are expensive</a:t>
             </a:r>
-            <a:endParaRPr/>
+            <a:endParaRPr dirty="0"/>
           </a:p>
           <a:p>
             <a:pPr marL="914400" lvl="1" indent="-317500" algn="l" rtl="0">
@@ -28493,10 +26668,10 @@
               <a:buChar char="○"/>
             </a:pPr>
             <a:r>
-              <a:rPr lang="en"/>
+              <a:rPr lang="en" dirty="0"/>
               <a:t>Lots of memory overhead</a:t>
             </a:r>
-            <a:endParaRPr/>
+            <a:endParaRPr dirty="0"/>
           </a:p>
           <a:p>
             <a:pPr marL="914400" lvl="1" indent="-317500" algn="l" rtl="0">
@@ -28510,10 +26685,10 @@
               <a:buChar char="○"/>
             </a:pPr>
             <a:r>
-              <a:rPr lang="en"/>
+              <a:rPr lang="en" dirty="0"/>
               <a:t>Switching between processes is expensive: optimizations (e.g. caches) must be wiped</a:t>
             </a:r>
-            <a:endParaRPr/>
+            <a:endParaRPr dirty="0"/>
           </a:p>
         </p:txBody>
       </p:sp>
@@ -28558,55 +26733,6 @@
                                         <p:tgtEl>
                                           <p:spTgt spid="308">
                                             <p:txEl>
-                                              <p:pRg st="0" end="0"/>
-                                            </p:txEl>
-                                          </p:spTgt>
-                                        </p:tgtEl>
-                                        <p:attrNameLst>
-                                          <p:attrName>style.visibility</p:attrName>
-                                        </p:attrNameLst>
-                                      </p:cBhvr>
-                                      <p:to>
-                                        <p:strVal val="visible"/>
-                                      </p:to>
-                                    </p:set>
-                                  </p:childTnLst>
-                                </p:cTn>
-                              </p:par>
-                            </p:childTnLst>
-                          </p:cTn>
-                        </p:par>
-                      </p:childTnLst>
-                    </p:cTn>
-                  </p:par>
-                  <p:par>
-                    <p:cTn id="7" fill="hold">
-                      <p:stCondLst>
-                        <p:cond delay="indefinite"/>
-                      </p:stCondLst>
-                      <p:childTnLst>
-                        <p:par>
-                          <p:cTn id="8" fill="hold">
-                            <p:stCondLst>
-                              <p:cond delay="0"/>
-                            </p:stCondLst>
-                            <p:childTnLst>
-                              <p:par>
-                                <p:cTn id="9" presetID="1" presetClass="entr" presetSubtype="0" fill="hold" nodeType="clickEffect">
-                                  <p:stCondLst>
-                                    <p:cond delay="0"/>
-                                  </p:stCondLst>
-                                  <p:childTnLst>
-                                    <p:set>
-                                      <p:cBhvr>
-                                        <p:cTn id="10" dur="1" fill="hold">
-                                          <p:stCondLst>
-                                            <p:cond delay="0"/>
-                                          </p:stCondLst>
-                                        </p:cTn>
-                                        <p:tgtEl>
-                                          <p:spTgt spid="308">
-                                            <p:txEl>
                                               <p:pRg st="1" end="1"/>
                                             </p:txEl>
                                           </p:spTgt>
@@ -28622,33 +26748,15 @@
                                   </p:childTnLst>
                                 </p:cTn>
                               </p:par>
-                            </p:childTnLst>
-                          </p:cTn>
-                        </p:par>
-                      </p:childTnLst>
-                    </p:cTn>
-                  </p:par>
-                  <p:par>
-                    <p:cTn id="11" fill="hold">
-                      <p:stCondLst>
-                        <p:cond delay="indefinite"/>
-                      </p:stCondLst>
-                      <p:childTnLst>
-                        <p:par>
-                          <p:cTn id="12" fill="hold">
-                            <p:stCondLst>
-                              <p:cond delay="0"/>
-                            </p:stCondLst>
-                            <p:childTnLst>
                               <p:par>
-                                <p:cTn id="13" presetID="1" presetClass="entr" presetSubtype="0" fill="hold" nodeType="clickEffect">
+                                <p:cTn id="7" presetID="1" presetClass="entr" presetSubtype="0" fill="hold" nodeType="withEffect">
                                   <p:stCondLst>
                                     <p:cond delay="0"/>
                                   </p:stCondLst>
                                   <p:childTnLst>
                                     <p:set>
                                       <p:cBhvr>
-                                        <p:cTn id="14" dur="1" fill="hold">
+                                        <p:cTn id="8" dur="1" fill="hold">
                                           <p:stCondLst>
                                             <p:cond delay="0"/>
                                           </p:stCondLst>
@@ -28678,19 +26786,112 @@
                     </p:cTn>
                   </p:par>
                   <p:par>
-                    <p:cTn id="15" fill="hold">
+                    <p:cTn id="9" fill="hold">
                       <p:stCondLst>
                         <p:cond delay="indefinite"/>
                       </p:stCondLst>
                       <p:childTnLst>
                         <p:par>
-                          <p:cTn id="16" fill="hold">
+                          <p:cTn id="10" fill="hold">
                             <p:stCondLst>
                               <p:cond delay="0"/>
                             </p:stCondLst>
                             <p:childTnLst>
                               <p:par>
-                                <p:cTn id="17" presetID="1" presetClass="entr" presetSubtype="0" fill="hold" nodeType="clickEffect">
+                                <p:cTn id="11" presetID="1" presetClass="entr" presetSubtype="0" fill="hold" nodeType="clickEffect">
+                                  <p:stCondLst>
+                                    <p:cond delay="0"/>
+                                  </p:stCondLst>
+                                  <p:childTnLst>
+                                    <p:set>
+                                      <p:cBhvr>
+                                        <p:cTn id="12" dur="1" fill="hold">
+                                          <p:stCondLst>
+                                            <p:cond delay="0"/>
+                                          </p:stCondLst>
+                                        </p:cTn>
+                                        <p:tgtEl>
+                                          <p:spTgt spid="308">
+                                            <p:txEl>
+                                              <p:pRg st="3" end="3"/>
+                                            </p:txEl>
+                                          </p:spTgt>
+                                        </p:tgtEl>
+                                        <p:attrNameLst>
+                                          <p:attrName>style.visibility</p:attrName>
+                                        </p:attrNameLst>
+                                      </p:cBhvr>
+                                      <p:to>
+                                        <p:strVal val="visible"/>
+                                      </p:to>
+                                    </p:set>
+                                  </p:childTnLst>
+                                </p:cTn>
+                              </p:par>
+                              <p:par>
+                                <p:cTn id="13" presetID="1" presetClass="entr" presetSubtype="0" fill="hold" nodeType="withEffect">
+                                  <p:stCondLst>
+                                    <p:cond delay="0"/>
+                                  </p:stCondLst>
+                                  <p:childTnLst>
+                                    <p:set>
+                                      <p:cBhvr>
+                                        <p:cTn id="14" dur="1" fill="hold">
+                                          <p:stCondLst>
+                                            <p:cond delay="0"/>
+                                          </p:stCondLst>
+                                        </p:cTn>
+                                        <p:tgtEl>
+                                          <p:spTgt spid="308">
+                                            <p:txEl>
+                                              <p:pRg st="4" end="4"/>
+                                            </p:txEl>
+                                          </p:spTgt>
+                                        </p:tgtEl>
+                                        <p:attrNameLst>
+                                          <p:attrName>style.visibility</p:attrName>
+                                        </p:attrNameLst>
+                                      </p:cBhvr>
+                                      <p:to>
+                                        <p:strVal val="visible"/>
+                                      </p:to>
+                                    </p:set>
+                                  </p:childTnLst>
+                                </p:cTn>
+                              </p:par>
+                              <p:par>
+                                <p:cTn id="15" presetID="1" presetClass="entr" presetSubtype="0" fill="hold" nodeType="withEffect">
+                                  <p:stCondLst>
+                                    <p:cond delay="0"/>
+                                  </p:stCondLst>
+                                  <p:childTnLst>
+                                    <p:set>
+                                      <p:cBhvr>
+                                        <p:cTn id="16" dur="1" fill="hold">
+                                          <p:stCondLst>
+                                            <p:cond delay="0"/>
+                                          </p:stCondLst>
+                                        </p:cTn>
+                                        <p:tgtEl>
+                                          <p:spTgt spid="308">
+                                            <p:txEl>
+                                              <p:pRg st="5" end="5"/>
+                                            </p:txEl>
+                                          </p:spTgt>
+                                        </p:tgtEl>
+                                        <p:attrNameLst>
+                                          <p:attrName>style.visibility</p:attrName>
+                                        </p:attrNameLst>
+                                      </p:cBhvr>
+                                      <p:to>
+                                        <p:strVal val="visible"/>
+                                      </p:to>
+                                    </p:set>
+                                  </p:childTnLst>
+                                </p:cTn>
+                              </p:par>
+                              <p:par>
+                                <p:cTn id="17" presetID="1" presetClass="entr" presetSubtype="0" fill="hold" nodeType="withEffect">
                                   <p:stCondLst>
                                     <p:cond delay="0"/>
                                   </p:stCondLst>
@@ -28705,7 +26906,7 @@
                                         <p:tgtEl>
                                           <p:spTgt spid="308">
                                             <p:txEl>
-                                              <p:pRg st="3" end="3"/>
+                                              <p:pRg st="6" end="6"/>
                                             </p:txEl>
                                           </p:spTgt>
                                         </p:tgtEl>
@@ -28754,153 +26955,6 @@
                                         <p:tgtEl>
                                           <p:spTgt spid="308">
                                             <p:txEl>
-                                              <p:pRg st="4" end="4"/>
-                                            </p:txEl>
-                                          </p:spTgt>
-                                        </p:tgtEl>
-                                        <p:attrNameLst>
-                                          <p:attrName>style.visibility</p:attrName>
-                                        </p:attrNameLst>
-                                      </p:cBhvr>
-                                      <p:to>
-                                        <p:strVal val="visible"/>
-                                      </p:to>
-                                    </p:set>
-                                  </p:childTnLst>
-                                </p:cTn>
-                              </p:par>
-                            </p:childTnLst>
-                          </p:cTn>
-                        </p:par>
-                      </p:childTnLst>
-                    </p:cTn>
-                  </p:par>
-                  <p:par>
-                    <p:cTn id="23" fill="hold">
-                      <p:stCondLst>
-                        <p:cond delay="indefinite"/>
-                      </p:stCondLst>
-                      <p:childTnLst>
-                        <p:par>
-                          <p:cTn id="24" fill="hold">
-                            <p:stCondLst>
-                              <p:cond delay="0"/>
-                            </p:stCondLst>
-                            <p:childTnLst>
-                              <p:par>
-                                <p:cTn id="25" presetID="1" presetClass="entr" presetSubtype="0" fill="hold" nodeType="clickEffect">
-                                  <p:stCondLst>
-                                    <p:cond delay="0"/>
-                                  </p:stCondLst>
-                                  <p:childTnLst>
-                                    <p:set>
-                                      <p:cBhvr>
-                                        <p:cTn id="26" dur="1" fill="hold">
-                                          <p:stCondLst>
-                                            <p:cond delay="0"/>
-                                          </p:stCondLst>
-                                        </p:cTn>
-                                        <p:tgtEl>
-                                          <p:spTgt spid="308">
-                                            <p:txEl>
-                                              <p:pRg st="5" end="5"/>
-                                            </p:txEl>
-                                          </p:spTgt>
-                                        </p:tgtEl>
-                                        <p:attrNameLst>
-                                          <p:attrName>style.visibility</p:attrName>
-                                        </p:attrNameLst>
-                                      </p:cBhvr>
-                                      <p:to>
-                                        <p:strVal val="visible"/>
-                                      </p:to>
-                                    </p:set>
-                                  </p:childTnLst>
-                                </p:cTn>
-                              </p:par>
-                            </p:childTnLst>
-                          </p:cTn>
-                        </p:par>
-                      </p:childTnLst>
-                    </p:cTn>
-                  </p:par>
-                  <p:par>
-                    <p:cTn id="27" fill="hold">
-                      <p:stCondLst>
-                        <p:cond delay="indefinite"/>
-                      </p:stCondLst>
-                      <p:childTnLst>
-                        <p:par>
-                          <p:cTn id="28" fill="hold">
-                            <p:stCondLst>
-                              <p:cond delay="0"/>
-                            </p:stCondLst>
-                            <p:childTnLst>
-                              <p:par>
-                                <p:cTn id="29" presetID="1" presetClass="entr" presetSubtype="0" fill="hold" nodeType="clickEffect">
-                                  <p:stCondLst>
-                                    <p:cond delay="0"/>
-                                  </p:stCondLst>
-                                  <p:childTnLst>
-                                    <p:set>
-                                      <p:cBhvr>
-                                        <p:cTn id="30" dur="1" fill="hold">
-                                          <p:stCondLst>
-                                            <p:cond delay="0"/>
-                                          </p:stCondLst>
-                                        </p:cTn>
-                                        <p:tgtEl>
-                                          <p:spTgt spid="308">
-                                            <p:txEl>
-                                              <p:pRg st="6" end="6"/>
-                                            </p:txEl>
-                                          </p:spTgt>
-                                        </p:tgtEl>
-                                        <p:attrNameLst>
-                                          <p:attrName>style.visibility</p:attrName>
-                                        </p:attrNameLst>
-                                      </p:cBhvr>
-                                      <p:to>
-                                        <p:strVal val="visible"/>
-                                      </p:to>
-                                    </p:set>
-                                  </p:childTnLst>
-                                </p:cTn>
-                              </p:par>
-                            </p:childTnLst>
-                          </p:cTn>
-                        </p:par>
-                      </p:childTnLst>
-                    </p:cTn>
-                  </p:par>
-                  <p:par>
-                    <p:cTn id="31" fill="hold">
-                      <p:stCondLst>
-                        <p:cond delay="indefinite"/>
-                      </p:stCondLst>
-                      <p:childTnLst>
-                        <p:par>
-                          <p:cTn id="32" fill="hold">
-                            <p:stCondLst>
-                              <p:cond delay="0"/>
-                            </p:stCondLst>
-                            <p:childTnLst>
-                              <p:par>
-                                <p:cTn id="33" presetID="1" presetClass="entr" presetSubtype="0" fill="hold" nodeType="clickEffect">
-                                  <p:stCondLst>
-                                    <p:cond delay="0"/>
-                                  </p:stCondLst>
-                                  <p:childTnLst>
-                                    <p:set>
-                                      <p:cBhvr>
-                                        <p:cTn id="34" dur="1" fill="hold">
-                                          <p:stCondLst>
-                                            <p:cond delay="0"/>
-                                          </p:stCondLst>
-                                        </p:cTn>
-                                        <p:tgtEl>
-                                          <p:spTgt spid="308">
-                                            <p:txEl>
                                               <p:pRg st="7" end="7"/>
                                             </p:txEl>
                                           </p:spTgt>
@@ -28916,33 +26970,15 @@
                                   </p:childTnLst>
                                 </p:cTn>
                               </p:par>
-                            </p:childTnLst>
-                          </p:cTn>
-                        </p:par>
-                      </p:childTnLst>
-                    </p:cTn>
-                  </p:par>
-                  <p:par>
-                    <p:cTn id="35" fill="hold">
-                      <p:stCondLst>
-                        <p:cond delay="indefinite"/>
-                      </p:stCondLst>
-                      <p:childTnLst>
-                        <p:par>
-                          <p:cTn id="36" fill="hold">
-                            <p:stCondLst>
-                              <p:cond delay="0"/>
-                            </p:stCondLst>
-                            <p:childTnLst>
                               <p:par>
-                                <p:cTn id="37" presetID="1" presetClass="entr" presetSubtype="0" fill="hold" nodeType="clickEffect">
+                                <p:cTn id="23" presetID="1" presetClass="entr" presetSubtype="0" fill="hold" nodeType="withEffect">
                                   <p:stCondLst>
                                     <p:cond delay="0"/>
                                   </p:stCondLst>
                                   <p:childTnLst>
                                     <p:set>
                                       <p:cBhvr>
-                                        <p:cTn id="38" dur="1" fill="hold">
+                                        <p:cTn id="24" dur="1" fill="hold">
                                           <p:stCondLst>
                                             <p:cond delay="0"/>
                                           </p:stCondLst>
@@ -28965,33 +27001,15 @@
                                   </p:childTnLst>
                                 </p:cTn>
                               </p:par>
-                            </p:childTnLst>
-                          </p:cTn>
-                        </p:par>
-                      </p:childTnLst>
-                    </p:cTn>
-                  </p:par>
-                  <p:par>
-                    <p:cTn id="39" fill="hold">
-                      <p:stCondLst>
-                        <p:cond delay="indefinite"/>
-                      </p:stCondLst>
-                      <p:childTnLst>
-                        <p:par>
-                          <p:cTn id="40" fill="hold">
-                            <p:stCondLst>
-                              <p:cond delay="0"/>
-                            </p:stCondLst>
-                            <p:childTnLst>
                               <p:par>
-                                <p:cTn id="41" presetID="1" presetClass="entr" presetSubtype="0" fill="hold" nodeType="clickEffect">
+                                <p:cTn id="25" presetID="1" presetClass="entr" presetSubtype="0" fill="hold" nodeType="withEffect">
                                   <p:stCondLst>
                                     <p:cond delay="0"/>
                                   </p:stCondLst>
                                   <p:childTnLst>
                                     <p:set>
                                       <p:cBhvr>
-                                        <p:cTn id="42" dur="1" fill="hold">
+                                        <p:cTn id="26" dur="1" fill="hold">
                                           <p:stCondLst>
                                             <p:cond delay="0"/>
                                           </p:stCondLst>
@@ -29393,7 +27411,7 @@
 </file>
 
 <file path=ppt/slides/slide30.xml><?xml version="1.0" encoding="utf-8"?>
-<p:sld xmlns:a="http://schemas.openxmlformats.org/drawingml/2006/main" xmlns:r="http://schemas.openxmlformats.org/officeDocument/2006/relationships" xmlns:p="http://schemas.openxmlformats.org/presentationml/2006/main">
+<p:sld xmlns:a="http://schemas.openxmlformats.org/drawingml/2006/main" xmlns:r="http://schemas.openxmlformats.org/officeDocument/2006/relationships" xmlns:p="http://schemas.openxmlformats.org/presentationml/2006/main" show="0">
   <p:cSld>
     <p:spTree>
       <p:nvGrpSpPr>
@@ -29566,134 +27584,6 @@
   <p:clrMapOvr>
     <a:masterClrMapping/>
   </p:clrMapOvr>
-  <p:timing>
-    <p:tnLst>
-      <p:par>
-        <p:cTn id="1" dur="indefinite" restart="never" nodeType="tmRoot">
-          <p:childTnLst>
-            <p:seq concurrent="1" nextAc="seek">
-              <p:cTn id="2" dur="indefinite" nodeType="mainSeq">
-                <p:childTnLst>
-                  <p:par>
-                    <p:cTn id="3" fill="hold">
-                      <p:stCondLst>
-                        <p:cond delay="indefinite"/>
-                      </p:stCondLst>
-                      <p:childTnLst>
-                        <p:par>
-                          <p:cTn id="4" fill="hold">
-                            <p:stCondLst>
-                              <p:cond delay="0"/>
-                            </p:stCondLst>
-                            <p:childTnLst>
-                              <p:par>
-                                <p:cTn id="5" presetID="1" presetClass="entr" presetSubtype="0" fill="hold" nodeType="clickEffect">
-                                  <p:stCondLst>
-                                    <p:cond delay="0"/>
-                                  </p:stCondLst>
-                                  <p:childTnLst>
-                                    <p:set>
-                                      <p:cBhvr>
-                                        <p:cTn id="6" dur="1" fill="hold">
-                                          <p:stCondLst>
-                                            <p:cond delay="0"/>
-                                          </p:stCondLst>
-                                        </p:cTn>
-                                        <p:tgtEl>
-                                          <p:spTgt spid="315">
-                                            <p:txEl>
-                                              <p:pRg st="0" end="0"/>
-                                            </p:txEl>
-                                          </p:spTgt>
-                                        </p:tgtEl>
-                                        <p:attrNameLst>
-                                          <p:attrName>style.visibility</p:attrName>
-                                        </p:attrNameLst>
-                                      </p:cBhvr>
-                                      <p:to>
-                                        <p:strVal val="visible"/>
-                                      </p:to>
-                                    </p:set>
-                                  </p:childTnLst>
-                                </p:cTn>
-                              </p:par>
-                            </p:childTnLst>
-                          </p:cTn>
-                        </p:par>
-                      </p:childTnLst>
-                    </p:cTn>
-                  </p:par>
-                  <p:par>
-                    <p:cTn id="7" fill="hold">
-                      <p:stCondLst>
-                        <p:cond delay="indefinite"/>
-                      </p:stCondLst>
-                      <p:childTnLst>
-                        <p:par>
-                          <p:cTn id="8" fill="hold">
-                            <p:stCondLst>
-                              <p:cond delay="0"/>
-                            </p:stCondLst>
-                            <p:childTnLst>
-                              <p:par>
-                                <p:cTn id="9" presetID="1" presetClass="entr" presetSubtype="0" fill="hold" nodeType="clickEffect">
-                                  <p:stCondLst>
-                                    <p:cond delay="0"/>
-                                  </p:stCondLst>
-                                  <p:childTnLst>
-                                    <p:set>
-                                      <p:cBhvr>
-                                        <p:cTn id="10" dur="1" fill="hold">
-                                          <p:stCondLst>
-                                            <p:cond delay="0"/>
-                                          </p:stCondLst>
-                                        </p:cTn>
-                                        <p:tgtEl>
-                                          <p:spTgt spid="315">
-                                            <p:txEl>
-                                              <p:pRg st="1" end="1"/>
-                                            </p:txEl>
-                                          </p:spTgt>
-                                        </p:tgtEl>
-                                        <p:attrNameLst>
-                                          <p:attrName>style.visibility</p:attrName>
-                                        </p:attrNameLst>
-                                      </p:cBhvr>
-                                      <p:to>
-                                        <p:strVal val="visible"/>
-                                      </p:to>
-                                    </p:set>
-                                  </p:childTnLst>
-                                </p:cTn>
-                              </p:par>
-                            </p:childTnLst>
-                          </p:cTn>
-                        </p:par>
-                      </p:childTnLst>
-                    </p:cTn>
-                  </p:par>
-                </p:childTnLst>
-              </p:cTn>
-              <p:prevCondLst>
-                <p:cond evt="onPrev" delay="0">
-                  <p:tgtEl>
-                    <p:sldTgt/>
-                  </p:tgtEl>
-                </p:cond>
-              </p:prevCondLst>
-              <p:nextCondLst>
-                <p:cond evt="onNext" delay="0">
-                  <p:tgtEl>
-                    <p:sldTgt/>
-                  </p:tgtEl>
-                </p:cond>
-              </p:nextCondLst>
-            </p:seq>
-          </p:childTnLst>
-        </p:cTn>
-      </p:par>
-    </p:tnLst>
-  </p:timing>
 </p:sld>
 </file>
 
@@ -29943,14 +27833,14 @@
               <a:buChar char="●"/>
             </a:pPr>
             <a:r>
-              <a:rPr lang="en" b="1"/>
+              <a:rPr lang="en" b="1" dirty="0"/>
               <a:t>Session</a:t>
             </a:r>
             <a:r>
-              <a:rPr lang="en"/>
+              <a:rPr lang="en" dirty="0"/>
               <a:t>: A sequence of requests and responses associated with the same authenticated user</a:t>
             </a:r>
-            <a:endParaRPr/>
+            <a:endParaRPr dirty="0"/>
           </a:p>
           <a:p>
             <a:pPr marL="914400" lvl="1" indent="-317500" algn="l" rtl="0">
@@ -29964,10 +27854,10 @@
               <a:buChar char="○"/>
             </a:pPr>
             <a:r>
-              <a:rPr lang="en"/>
+              <a:rPr lang="en" dirty="0"/>
               <a:t>Example: When you check all your unread emails, you make many requests to Gmail. The Gmail server needs a way to know all these requests are from you</a:t>
             </a:r>
-            <a:endParaRPr/>
+            <a:endParaRPr dirty="0"/>
           </a:p>
           <a:p>
             <a:pPr marL="914400" lvl="1" indent="-317500" algn="l" rtl="0">
@@ -29981,10 +27871,10 @@
               <a:buChar char="○"/>
             </a:pPr>
             <a:r>
-              <a:rPr lang="en"/>
+              <a:rPr lang="en" dirty="0"/>
               <a:t>When the session is over (you log out, or the session expires), future requests are not associated with you</a:t>
             </a:r>
-            <a:endParaRPr/>
+            <a:endParaRPr dirty="0"/>
           </a:p>
           <a:p>
             <a:pPr marL="457200" lvl="0" indent="-342900" algn="l" rtl="0">
@@ -29998,10 +27888,10 @@
               <a:buChar char="●"/>
             </a:pPr>
             <a:r>
-              <a:rPr lang="en"/>
+              <a:rPr lang="en" dirty="0"/>
               <a:t>Naïve solution: Type your username and password before each request</a:t>
             </a:r>
-            <a:endParaRPr/>
+            <a:endParaRPr dirty="0"/>
           </a:p>
           <a:p>
             <a:pPr marL="914400" lvl="1" indent="-317500" algn="l" rtl="0">
@@ -30015,10 +27905,10 @@
               <a:buChar char="○"/>
             </a:pPr>
             <a:r>
-              <a:rPr lang="en"/>
+              <a:rPr lang="en" dirty="0"/>
               <a:t>Problem: Very inconvenient for the user!</a:t>
             </a:r>
-            <a:endParaRPr/>
+            <a:endParaRPr dirty="0"/>
           </a:p>
           <a:p>
             <a:pPr marL="457200" lvl="0" indent="-342900" algn="l" rtl="0">
@@ -30032,27 +27922,10 @@
               <a:buChar char="●"/>
             </a:pPr>
             <a:r>
-              <a:rPr lang="en"/>
+              <a:rPr lang="en" dirty="0"/>
               <a:t>Better solution: Is there a way the browser can automatically send some information in a request for us?</a:t>
             </a:r>
-            <a:endParaRPr/>
-          </a:p>
-          <a:p>
-            <a:pPr marL="914400" lvl="1" indent="-317500" algn="l" rtl="0">
-              <a:spcBef>
-                <a:spcPts val="0"/>
-              </a:spcBef>
-              <a:spcAft>
-                <a:spcPts val="0"/>
-              </a:spcAft>
-              <a:buSzPts val="1400"/>
-              <a:buChar char="○"/>
-            </a:pPr>
-            <a:r>
-              <a:rPr lang="en"/>
-              <a:t>Yes: Cookies!</a:t>
-            </a:r>
-            <a:endParaRPr/>
+            <a:endParaRPr dirty="0"/>
           </a:p>
         </p:txBody>
       </p:sp>
@@ -30097,153 +27970,6 @@
                                         <p:tgtEl>
                                           <p:spTgt spid="328">
                                             <p:txEl>
-                                              <p:pRg st="0" end="0"/>
-                                            </p:txEl>
-                                          </p:spTgt>
-                                        </p:tgtEl>
-                                        <p:attrNameLst>
-                                          <p:attrName>style.visibility</p:attrName>
-                                        </p:attrNameLst>
-                                      </p:cBhvr>
-                                      <p:to>
-                                        <p:strVal val="visible"/>
-                                      </p:to>
-                                    </p:set>
-                                  </p:childTnLst>
-                                </p:cTn>
-                              </p:par>
-                            </p:childTnLst>
-                          </p:cTn>
-                        </p:par>
-                      </p:childTnLst>
-                    </p:cTn>
-                  </p:par>
-                  <p:par>
-                    <p:cTn id="7" fill="hold">
-                      <p:stCondLst>
-                        <p:cond delay="indefinite"/>
-                      </p:stCondLst>
-                      <p:childTnLst>
-                        <p:par>
-                          <p:cTn id="8" fill="hold">
-                            <p:stCondLst>
-                              <p:cond delay="0"/>
-                            </p:stCondLst>
-                            <p:childTnLst>
-                              <p:par>
-                                <p:cTn id="9" presetID="1" presetClass="entr" presetSubtype="0" fill="hold" nodeType="clickEffect">
-                                  <p:stCondLst>
-                                    <p:cond delay="0"/>
-                                  </p:stCondLst>
-                                  <p:childTnLst>
-                                    <p:set>
-                                      <p:cBhvr>
-                                        <p:cTn id="10" dur="1" fill="hold">
-                                          <p:stCondLst>
-                                            <p:cond delay="0"/>
-                                          </p:stCondLst>
-                                        </p:cTn>
-                                        <p:tgtEl>
-                                          <p:spTgt spid="328">
-                                            <p:txEl>
-                                              <p:pRg st="1" end="1"/>
-                                            </p:txEl>
-                                          </p:spTgt>
-                                        </p:tgtEl>
-                                        <p:attrNameLst>
-                                          <p:attrName>style.visibility</p:attrName>
-                                        </p:attrNameLst>
-                                      </p:cBhvr>
-                                      <p:to>
-                                        <p:strVal val="visible"/>
-                                      </p:to>
-                                    </p:set>
-                                  </p:childTnLst>
-                                </p:cTn>
-                              </p:par>
-                            </p:childTnLst>
-                          </p:cTn>
-                        </p:par>
-                      </p:childTnLst>
-                    </p:cTn>
-                  </p:par>
-                  <p:par>
-                    <p:cTn id="11" fill="hold">
-                      <p:stCondLst>
-                        <p:cond delay="indefinite"/>
-                      </p:stCondLst>
-                      <p:childTnLst>
-                        <p:par>
-                          <p:cTn id="12" fill="hold">
-                            <p:stCondLst>
-                              <p:cond delay="0"/>
-                            </p:stCondLst>
-                            <p:childTnLst>
-                              <p:par>
-                                <p:cTn id="13" presetID="1" presetClass="entr" presetSubtype="0" fill="hold" nodeType="clickEffect">
-                                  <p:stCondLst>
-                                    <p:cond delay="0"/>
-                                  </p:stCondLst>
-                                  <p:childTnLst>
-                                    <p:set>
-                                      <p:cBhvr>
-                                        <p:cTn id="14" dur="1" fill="hold">
-                                          <p:stCondLst>
-                                            <p:cond delay="0"/>
-                                          </p:stCondLst>
-                                        </p:cTn>
-                                        <p:tgtEl>
-                                          <p:spTgt spid="328">
-                                            <p:txEl>
-                                              <p:pRg st="2" end="2"/>
-                                            </p:txEl>
-                                          </p:spTgt>
-                                        </p:tgtEl>
-                                        <p:attrNameLst>
-                                          <p:attrName>style.visibility</p:attrName>
-                                        </p:attrNameLst>
-                                      </p:cBhvr>
-                                      <p:to>
-                                        <p:strVal val="visible"/>
-                                      </p:to>
-                                    </p:set>
-                                  </p:childTnLst>
-                                </p:cTn>
-                              </p:par>
-                            </p:childTnLst>
-                          </p:cTn>
-                        </p:par>
-                      </p:childTnLst>
-                    </p:cTn>
-                  </p:par>
-                  <p:par>
-                    <p:cTn id="15" fill="hold">
-                      <p:stCondLst>
-                        <p:cond delay="indefinite"/>
-                      </p:stCondLst>
-                      <p:childTnLst>
-                        <p:par>
-                          <p:cTn id="16" fill="hold">
-                            <p:stCondLst>
-                              <p:cond delay="0"/>
-                            </p:stCondLst>
-                            <p:childTnLst>
-                              <p:par>
-                                <p:cTn id="17" presetID="1" presetClass="entr" presetSubtype="0" fill="hold" nodeType="clickEffect">
-                                  <p:stCondLst>
-                                    <p:cond delay="0"/>
-                                  </p:stCondLst>
-                                  <p:childTnLst>
-                                    <p:set>
-                                      <p:cBhvr>
-                                        <p:cTn id="18" dur="1" fill="hold">
-                                          <p:stCondLst>
-                                            <p:cond delay="0"/>
-                                          </p:stCondLst>
-                                        </p:cTn>
-                                        <p:tgtEl>
-                                          <p:spTgt spid="328">
-                                            <p:txEl>
                                               <p:pRg st="3" end="3"/>
                                             </p:txEl>
                                           </p:spTgt>
@@ -30259,33 +27985,15 @@
                                   </p:childTnLst>
                                 </p:cTn>
                               </p:par>
-                            </p:childTnLst>
-                          </p:cTn>
-                        </p:par>
-                      </p:childTnLst>
-                    </p:cTn>
-                  </p:par>
-                  <p:par>
-                    <p:cTn id="19" fill="hold">
-                      <p:stCondLst>
-                        <p:cond delay="indefinite"/>
-                      </p:stCondLst>
-                      <p:childTnLst>
-                        <p:par>
-                          <p:cTn id="20" fill="hold">
-                            <p:stCondLst>
-                              <p:cond delay="0"/>
-                            </p:stCondLst>
-                            <p:childTnLst>
                               <p:par>
-                                <p:cTn id="21" presetID="1" presetClass="entr" presetSubtype="0" fill="hold" nodeType="clickEffect">
+                                <p:cTn id="7" presetID="1" presetClass="entr" presetSubtype="0" fill="hold" nodeType="withEffect">
                                   <p:stCondLst>
                                     <p:cond delay="0"/>
                                   </p:stCondLst>
                                   <p:childTnLst>
                                     <p:set>
                                       <p:cBhvr>
-                                        <p:cTn id="22" dur="1" fill="hold">
+                                        <p:cTn id="8" dur="1" fill="hold">
                                           <p:stCondLst>
                                             <p:cond delay="0"/>
                                           </p:stCondLst>
@@ -30315,26 +28023,26 @@
                     </p:cTn>
                   </p:par>
                   <p:par>
-                    <p:cTn id="23" fill="hold">
+                    <p:cTn id="9" fill="hold">
                       <p:stCondLst>
                         <p:cond delay="indefinite"/>
                       </p:stCondLst>
                       <p:childTnLst>
                         <p:par>
-                          <p:cTn id="24" fill="hold">
+                          <p:cTn id="10" fill="hold">
                             <p:stCondLst>
                               <p:cond delay="0"/>
                             </p:stCondLst>
                             <p:childTnLst>
                               <p:par>
-                                <p:cTn id="25" presetID="1" presetClass="entr" presetSubtype="0" fill="hold" nodeType="clickEffect">
+                                <p:cTn id="11" presetID="1" presetClass="entr" presetSubtype="0" fill="hold" nodeType="clickEffect">
                                   <p:stCondLst>
                                     <p:cond delay="0"/>
                                   </p:stCondLst>
                                   <p:childTnLst>
                                     <p:set>
                                       <p:cBhvr>
-                                        <p:cTn id="26" dur="1" fill="hold">
+                                        <p:cTn id="12" dur="1" fill="hold">
                                           <p:stCondLst>
                                             <p:cond delay="0"/>
                                           </p:stCondLst>
@@ -30343,55 +28051,6 @@
                                           <p:spTgt spid="328">
                                             <p:txEl>
                                               <p:pRg st="5" end="5"/>
-                                            </p:txEl>
-                                          </p:spTgt>
-                                        </p:tgtEl>
-                                        <p:attrNameLst>
-                                          <p:attrName>style.visibility</p:attrName>
-                                        </p:attrNameLst>
-                                      </p:cBhvr>
-                                      <p:to>
-                                        <p:strVal val="visible"/>
-                                      </p:to>
-                                    </p:set>
-                                  </p:childTnLst>
-                                </p:cTn>
-                              </p:par>
-                            </p:childTnLst>
-                          </p:cTn>
-                        </p:par>
-                      </p:childTnLst>
-                    </p:cTn>
-                  </p:par>
-                  <p:par>
-                    <p:cTn id="27" fill="hold">
-                      <p:stCondLst>
-                        <p:cond delay="indefinite"/>
-                      </p:stCondLst>
-                      <p:childTnLst>
-                        <p:par>
-                          <p:cTn id="28" fill="hold">
-                            <p:stCondLst>
-                              <p:cond delay="0"/>
-                            </p:stCondLst>
-                            <p:childTnLst>
-                              <p:par>
-                                <p:cTn id="29" presetID="1" presetClass="entr" presetSubtype="0" fill="hold" nodeType="clickEffect">
-                                  <p:stCondLst>
-                                    <p:cond delay="0"/>
-                                  </p:stCondLst>
-                                  <p:childTnLst>
-                                    <p:set>
-                                      <p:cBhvr>
-                                        <p:cTn id="30" dur="1" fill="hold">
-                                          <p:stCondLst>
-                                            <p:cond delay="0"/>
-                                          </p:stCondLst>
-                                        </p:cTn>
-                                        <p:tgtEl>
-                                          <p:spTgt spid="328">
-                                            <p:txEl>
-                                              <p:pRg st="6" end="6"/>
                                             </p:txEl>
                                           </p:spTgt>
                                         </p:tgtEl>
@@ -30532,10 +28191,10 @@
               <a:buChar char="●"/>
             </a:pPr>
             <a:r>
-              <a:rPr lang="en"/>
+              <a:rPr lang="en" dirty="0"/>
               <a:t>Imagine you’re attending a concert</a:t>
             </a:r>
-            <a:endParaRPr/>
+            <a:endParaRPr dirty="0"/>
           </a:p>
           <a:p>
             <a:pPr marL="457200" lvl="0" indent="-342900" algn="l" rtl="0">
@@ -30549,10 +28208,10 @@
               <a:buChar char="●"/>
             </a:pPr>
             <a:r>
-              <a:rPr lang="en"/>
+              <a:rPr lang="en" dirty="0"/>
               <a:t>The first time you enter the venue:</a:t>
             </a:r>
-            <a:endParaRPr/>
+            <a:endParaRPr dirty="0"/>
           </a:p>
           <a:p>
             <a:pPr marL="914400" lvl="1" indent="-317500" algn="l" rtl="0">
@@ -30566,10 +28225,10 @@
               <a:buChar char="○"/>
             </a:pPr>
             <a:r>
-              <a:rPr lang="en"/>
+              <a:rPr lang="en" dirty="0"/>
               <a:t>Present your ticket and ID</a:t>
             </a:r>
-            <a:endParaRPr/>
+            <a:endParaRPr dirty="0"/>
           </a:p>
           <a:p>
             <a:pPr marL="914400" lvl="1" indent="-317500" algn="l" rtl="0">
@@ -30583,10 +28242,10 @@
               <a:buChar char="○"/>
             </a:pPr>
             <a:r>
-              <a:rPr lang="en"/>
+              <a:rPr lang="en" dirty="0"/>
               <a:t>The doorperson checks your ticket and ID</a:t>
             </a:r>
-            <a:endParaRPr/>
+            <a:endParaRPr dirty="0"/>
           </a:p>
           <a:p>
             <a:pPr marL="914400" lvl="1" indent="-317500" algn="l" rtl="0">
@@ -30600,10 +28259,10 @@
               <a:buChar char="○"/>
             </a:pPr>
             <a:r>
-              <a:rPr lang="en"/>
+              <a:rPr lang="en" dirty="0"/>
               <a:t>If they’re valid, you receive a wristband</a:t>
             </a:r>
-            <a:endParaRPr/>
+            <a:endParaRPr dirty="0"/>
           </a:p>
           <a:p>
             <a:pPr marL="457200" lvl="0" indent="-342900" algn="l" rtl="0">
@@ -30617,10 +28276,10 @@
               <a:buChar char="●"/>
             </a:pPr>
             <a:r>
-              <a:rPr lang="en"/>
+              <a:rPr lang="en" dirty="0"/>
               <a:t>If you leave and want to re-enter later</a:t>
             </a:r>
-            <a:endParaRPr/>
+            <a:endParaRPr dirty="0"/>
           </a:p>
           <a:p>
             <a:pPr marL="914400" lvl="1" indent="-317500" algn="l" rtl="0">
@@ -30634,10 +28293,10 @@
               <a:buChar char="○"/>
             </a:pPr>
             <a:r>
-              <a:rPr lang="en"/>
+              <a:rPr lang="en" dirty="0"/>
               <a:t>Just show your wristband!</a:t>
             </a:r>
-            <a:endParaRPr/>
+            <a:endParaRPr dirty="0"/>
           </a:p>
           <a:p>
             <a:pPr marL="914400" lvl="1" indent="-317500" algn="l" rtl="0">
@@ -30651,10 +28310,10 @@
               <a:buChar char="○"/>
             </a:pPr>
             <a:r>
-              <a:rPr lang="en"/>
+              <a:rPr lang="en" dirty="0"/>
               <a:t>No need to present your ticket and ID again</a:t>
             </a:r>
-            <a:endParaRPr/>
+            <a:endParaRPr dirty="0"/>
           </a:p>
         </p:txBody>
       </p:sp>
@@ -30769,55 +28428,6 @@
                                         <p:tgtEl>
                                           <p:spTgt spid="334">
                                             <p:txEl>
-                                              <p:pRg st="0" end="0"/>
-                                            </p:txEl>
-                                          </p:spTgt>
-                                        </p:tgtEl>
-                                        <p:attrNameLst>
-                                          <p:attrName>style.visibility</p:attrName>
-                                        </p:attrNameLst>
-                                      </p:cBhvr>
-                                      <p:to>
-                                        <p:strVal val="visible"/>
-                                      </p:to>
-                                    </p:set>
-                                  </p:childTnLst>
-                                </p:cTn>
-                              </p:par>
-                            </p:childTnLst>
-                          </p:cTn>
-                        </p:par>
-                      </p:childTnLst>
-                    </p:cTn>
-                  </p:par>
-                  <p:par>
-                    <p:cTn id="7" fill="hold">
-                      <p:stCondLst>
-                        <p:cond delay="indefinite"/>
-                      </p:stCondLst>
-                      <p:childTnLst>
-                        <p:par>
-                          <p:cTn id="8" fill="hold">
-                            <p:stCondLst>
-                              <p:cond delay="0"/>
-                            </p:stCondLst>
-                            <p:childTnLst>
-                              <p:par>
-                                <p:cTn id="9" presetID="1" presetClass="entr" presetSubtype="0" fill="hold" nodeType="clickEffect">
-                                  <p:stCondLst>
-                                    <p:cond delay="0"/>
-                                  </p:stCondLst>
-                                  <p:childTnLst>
-                                    <p:set>
-                                      <p:cBhvr>
-                                        <p:cTn id="10" dur="1" fill="hold">
-                                          <p:stCondLst>
-                                            <p:cond delay="0"/>
-                                          </p:stCondLst>
-                                        </p:cTn>
-                                        <p:tgtEl>
-                                          <p:spTgt spid="334">
-                                            <p:txEl>
                                               <p:pRg st="1" end="1"/>
                                             </p:txEl>
                                           </p:spTgt>
@@ -30833,33 +28443,15 @@
                                   </p:childTnLst>
                                 </p:cTn>
                               </p:par>
-                            </p:childTnLst>
-                          </p:cTn>
-                        </p:par>
-                      </p:childTnLst>
-                    </p:cTn>
-                  </p:par>
-                  <p:par>
-                    <p:cTn id="11" fill="hold">
-                      <p:stCondLst>
-                        <p:cond delay="indefinite"/>
-                      </p:stCondLst>
-                      <p:childTnLst>
-                        <p:par>
-                          <p:cTn id="12" fill="hold">
-                            <p:stCondLst>
-                              <p:cond delay="0"/>
-                            </p:stCondLst>
-                            <p:childTnLst>
                               <p:par>
-                                <p:cTn id="13" presetID="1" presetClass="entr" presetSubtype="0" fill="hold" nodeType="clickEffect">
+                                <p:cTn id="7" presetID="1" presetClass="entr" presetSubtype="0" fill="hold" nodeType="withEffect">
                                   <p:stCondLst>
                                     <p:cond delay="0"/>
                                   </p:stCondLst>
                                   <p:childTnLst>
                                     <p:set>
                                       <p:cBhvr>
-                                        <p:cTn id="14" dur="1" fill="hold">
+                                        <p:cTn id="8" dur="1" fill="hold">
                                           <p:stCondLst>
                                             <p:cond delay="0"/>
                                           </p:stCondLst>
@@ -30882,33 +28474,15 @@
                                   </p:childTnLst>
                                 </p:cTn>
                               </p:par>
-                            </p:childTnLst>
-                          </p:cTn>
-                        </p:par>
-                      </p:childTnLst>
-                    </p:cTn>
-                  </p:par>
-                  <p:par>
-                    <p:cTn id="15" fill="hold">
-                      <p:stCondLst>
-                        <p:cond delay="indefinite"/>
-                      </p:stCondLst>
-                      <p:childTnLst>
-                        <p:par>
-                          <p:cTn id="16" fill="hold">
-                            <p:stCondLst>
-                              <p:cond delay="0"/>
-                            </p:stCondLst>
-                            <p:childTnLst>
                               <p:par>
-                                <p:cTn id="17" presetID="1" presetClass="entr" presetSubtype="0" fill="hold" nodeType="clickEffect">
+                                <p:cTn id="9" presetID="1" presetClass="entr" presetSubtype="0" fill="hold" nodeType="withEffect">
                                   <p:stCondLst>
                                     <p:cond delay="0"/>
                                   </p:stCondLst>
                                   <p:childTnLst>
                                     <p:set>
                                       <p:cBhvr>
-                                        <p:cTn id="18" dur="1" fill="hold">
+                                        <p:cTn id="10" dur="1" fill="hold">
                                           <p:stCondLst>
                                             <p:cond delay="0"/>
                                           </p:stCondLst>
@@ -30931,33 +28505,15 @@
                                   </p:childTnLst>
                                 </p:cTn>
                               </p:par>
-                            </p:childTnLst>
-                          </p:cTn>
-                        </p:par>
-                      </p:childTnLst>
-                    </p:cTn>
-                  </p:par>
-                  <p:par>
-                    <p:cTn id="19" fill="hold">
-                      <p:stCondLst>
-                        <p:cond delay="indefinite"/>
-                      </p:stCondLst>
-                      <p:childTnLst>
-                        <p:par>
-                          <p:cTn id="20" fill="hold">
-                            <p:stCondLst>
-                              <p:cond delay="0"/>
-                            </p:stCondLst>
-                            <p:childTnLst>
                               <p:par>
-                                <p:cTn id="21" presetID="1" presetClass="entr" presetSubtype="0" fill="hold" nodeType="clickEffect">
+                                <p:cTn id="11" presetID="1" presetClass="entr" presetSubtype="0" fill="hold" nodeType="withEffect">
                                   <p:stCondLst>
                                     <p:cond delay="0"/>
                                   </p:stCondLst>
                                   <p:childTnLst>
                                     <p:set>
                                       <p:cBhvr>
-                                        <p:cTn id="22" dur="1" fill="hold">
+                                        <p:cTn id="12" dur="1" fill="hold">
                                           <p:stCondLst>
                                             <p:cond delay="0"/>
                                           </p:stCondLst>
@@ -30987,26 +28543,26 @@
                     </p:cTn>
                   </p:par>
                   <p:par>
-                    <p:cTn id="23" fill="hold">
+                    <p:cTn id="13" fill="hold">
                       <p:stCondLst>
                         <p:cond delay="indefinite"/>
                       </p:stCondLst>
                       <p:childTnLst>
                         <p:par>
-                          <p:cTn id="24" fill="hold">
+                          <p:cTn id="14" fill="hold">
                             <p:stCondLst>
                               <p:cond delay="0"/>
                             </p:stCondLst>
                             <p:childTnLst>
                               <p:par>
-                                <p:cTn id="25" presetID="1" presetClass="entr" presetSubtype="0" fill="hold" nodeType="clickEffect">
+                                <p:cTn id="15" presetID="1" presetClass="entr" presetSubtype="0" fill="hold" nodeType="clickEffect">
                                   <p:stCondLst>
                                     <p:cond delay="0"/>
                                   </p:stCondLst>
                                   <p:childTnLst>
                                     <p:set>
                                       <p:cBhvr>
-                                        <p:cTn id="26" dur="1" fill="hold">
+                                        <p:cTn id="16" dur="1" fill="hold">
                                           <p:stCondLst>
                                             <p:cond delay="0"/>
                                           </p:stCondLst>
@@ -31029,33 +28585,15 @@
                                   </p:childTnLst>
                                 </p:cTn>
                               </p:par>
-                            </p:childTnLst>
-                          </p:cTn>
-                        </p:par>
-                      </p:childTnLst>
-                    </p:cTn>
-                  </p:par>
-                  <p:par>
-                    <p:cTn id="27" fill="hold">
-                      <p:stCondLst>
-                        <p:cond delay="indefinite"/>
-                      </p:stCondLst>
-                      <p:childTnLst>
-                        <p:par>
-                          <p:cTn id="28" fill="hold">
-                            <p:stCondLst>
-                              <p:cond delay="0"/>
-                            </p:stCondLst>
-                            <p:childTnLst>
                               <p:par>
-                                <p:cTn id="29" presetID="1" presetClass="entr" presetSubtype="0" fill="hold" nodeType="clickEffect">
+                                <p:cTn id="17" presetID="1" presetClass="entr" presetSubtype="0" fill="hold" nodeType="withEffect">
                                   <p:stCondLst>
                                     <p:cond delay="0"/>
                                   </p:stCondLst>
                                   <p:childTnLst>
                                     <p:set>
                                       <p:cBhvr>
-                                        <p:cTn id="30" dur="1" fill="hold">
+                                        <p:cTn id="18" dur="1" fill="hold">
                                           <p:stCondLst>
                                             <p:cond delay="0"/>
                                           </p:stCondLst>
@@ -31078,33 +28616,15 @@
                                   </p:childTnLst>
                                 </p:cTn>
                               </p:par>
-                            </p:childTnLst>
-                          </p:cTn>
-                        </p:par>
-                      </p:childTnLst>
-                    </p:cTn>
-                  </p:par>
-                  <p:par>
-                    <p:cTn id="31" fill="hold">
-                      <p:stCondLst>
-                        <p:cond delay="indefinite"/>
-                      </p:stCondLst>
-                      <p:childTnLst>
-                        <p:par>
-                          <p:cTn id="32" fill="hold">
-                            <p:stCondLst>
-                              <p:cond delay="0"/>
-                            </p:stCondLst>
-                            <p:childTnLst>
                               <p:par>
-                                <p:cTn id="33" presetID="1" presetClass="entr" presetSubtype="0" fill="hold" nodeType="clickEffect">
+                                <p:cTn id="19" presetID="1" presetClass="entr" presetSubtype="0" fill="hold" nodeType="withEffect">
                                   <p:stCondLst>
                                     <p:cond delay="0"/>
                                   </p:stCondLst>
                                   <p:childTnLst>
                                     <p:set>
                                       <p:cBhvr>
-                                        <p:cTn id="34" dur="1" fill="hold">
+                                        <p:cTn id="20" dur="1" fill="hold">
                                           <p:stCondLst>
                                             <p:cond delay="0"/>
                                           </p:stCondLst>
@@ -31483,55 +29003,6 @@
                                         <p:tgtEl>
                                           <p:spTgt spid="343">
                                             <p:txEl>
-                                              <p:pRg st="0" end="0"/>
-                                            </p:txEl>
-                                          </p:spTgt>
-                                        </p:tgtEl>
-                                        <p:attrNameLst>
-                                          <p:attrName>style.visibility</p:attrName>
-                                        </p:attrNameLst>
-                                      </p:cBhvr>
-                                      <p:to>
-                                        <p:strVal val="visible"/>
-                                      </p:to>
-                                    </p:set>
-                                  </p:childTnLst>
-                                </p:cTn>
-                              </p:par>
-                            </p:childTnLst>
-                          </p:cTn>
-                        </p:par>
-                      </p:childTnLst>
-                    </p:cTn>
-                  </p:par>
-                  <p:par>
-                    <p:cTn id="7" fill="hold">
-                      <p:stCondLst>
-                        <p:cond delay="indefinite"/>
-                      </p:stCondLst>
-                      <p:childTnLst>
-                        <p:par>
-                          <p:cTn id="8" fill="hold">
-                            <p:stCondLst>
-                              <p:cond delay="0"/>
-                            </p:stCondLst>
-                            <p:childTnLst>
-                              <p:par>
-                                <p:cTn id="9" presetID="1" presetClass="entr" presetSubtype="0" fill="hold" nodeType="clickEffect">
-                                  <p:stCondLst>
-                                    <p:cond delay="0"/>
-                                  </p:stCondLst>
-                                  <p:childTnLst>
-                                    <p:set>
-                                      <p:cBhvr>
-                                        <p:cTn id="10" dur="1" fill="hold">
-                                          <p:stCondLst>
-                                            <p:cond delay="0"/>
-                                          </p:stCondLst>
-                                        </p:cTn>
-                                        <p:tgtEl>
-                                          <p:spTgt spid="343">
-                                            <p:txEl>
                                               <p:pRg st="1" end="1"/>
                                             </p:txEl>
                                           </p:spTgt>
@@ -31547,33 +29018,15 @@
                                   </p:childTnLst>
                                 </p:cTn>
                               </p:par>
-                            </p:childTnLst>
-                          </p:cTn>
-                        </p:par>
-                      </p:childTnLst>
-                    </p:cTn>
-                  </p:par>
-                  <p:par>
-                    <p:cTn id="11" fill="hold">
-                      <p:stCondLst>
-                        <p:cond delay="indefinite"/>
-                      </p:stCondLst>
-                      <p:childTnLst>
-                        <p:par>
-                          <p:cTn id="12" fill="hold">
-                            <p:stCondLst>
-                              <p:cond delay="0"/>
-                            </p:stCondLst>
-                            <p:childTnLst>
                               <p:par>
-                                <p:cTn id="13" presetID="1" presetClass="entr" presetSubtype="0" fill="hold" nodeType="clickEffect">
+                                <p:cTn id="7" presetID="1" presetClass="entr" presetSubtype="0" fill="hold" nodeType="withEffect">
                                   <p:stCondLst>
                                     <p:cond delay="0"/>
                                   </p:stCondLst>
                                   <p:childTnLst>
                                     <p:set>
                                       <p:cBhvr>
-                                        <p:cTn id="14" dur="1" fill="hold">
+                                        <p:cTn id="8" dur="1" fill="hold">
                                           <p:stCondLst>
                                             <p:cond delay="0"/>
                                           </p:stCondLst>
@@ -31596,33 +29049,15 @@
                                   </p:childTnLst>
                                 </p:cTn>
                               </p:par>
-                            </p:childTnLst>
-                          </p:cTn>
-                        </p:par>
-                      </p:childTnLst>
-                    </p:cTn>
-                  </p:par>
-                  <p:par>
-                    <p:cTn id="15" fill="hold">
-                      <p:stCondLst>
-                        <p:cond delay="indefinite"/>
-                      </p:stCondLst>
-                      <p:childTnLst>
-                        <p:par>
-                          <p:cTn id="16" fill="hold">
-                            <p:stCondLst>
-                              <p:cond delay="0"/>
-                            </p:stCondLst>
-                            <p:childTnLst>
                               <p:par>
-                                <p:cTn id="17" presetID="1" presetClass="entr" presetSubtype="0" fill="hold" nodeType="clickEffect">
+                                <p:cTn id="9" presetID="1" presetClass="entr" presetSubtype="0" fill="hold" nodeType="withEffect">
                                   <p:stCondLst>
                                     <p:cond delay="0"/>
                                   </p:stCondLst>
                                   <p:childTnLst>
                                     <p:set>
                                       <p:cBhvr>
-                                        <p:cTn id="18" dur="1" fill="hold">
+                                        <p:cTn id="10" dur="1" fill="hold">
                                           <p:stCondLst>
                                             <p:cond delay="0"/>
                                           </p:stCondLst>
@@ -31645,33 +29080,15 @@
                                   </p:childTnLst>
                                 </p:cTn>
                               </p:par>
-                            </p:childTnLst>
-                          </p:cTn>
-                        </p:par>
-                      </p:childTnLst>
-                    </p:cTn>
-                  </p:par>
-                  <p:par>
-                    <p:cTn id="19" fill="hold">
-                      <p:stCondLst>
-                        <p:cond delay="indefinite"/>
-                      </p:stCondLst>
-                      <p:childTnLst>
-                        <p:par>
-                          <p:cTn id="20" fill="hold">
-                            <p:stCondLst>
-                              <p:cond delay="0"/>
-                            </p:stCondLst>
-                            <p:childTnLst>
                               <p:par>
-                                <p:cTn id="21" presetID="1" presetClass="entr" presetSubtype="0" fill="hold" nodeType="clickEffect">
+                                <p:cTn id="11" presetID="1" presetClass="entr" presetSubtype="0" fill="hold" nodeType="withEffect">
                                   <p:stCondLst>
                                     <p:cond delay="0"/>
                                   </p:stCondLst>
                                   <p:childTnLst>
                                     <p:set>
                                       <p:cBhvr>
-                                        <p:cTn id="22" dur="1" fill="hold">
+                                        <p:cTn id="12" dur="1" fill="hold">
                                           <p:stCondLst>
                                             <p:cond delay="0"/>
                                           </p:stCondLst>
@@ -31701,26 +29118,26 @@
                     </p:cTn>
                   </p:par>
                   <p:par>
-                    <p:cTn id="23" fill="hold">
+                    <p:cTn id="13" fill="hold">
                       <p:stCondLst>
                         <p:cond delay="indefinite"/>
                       </p:stCondLst>
                       <p:childTnLst>
                         <p:par>
-                          <p:cTn id="24" fill="hold">
+                          <p:cTn id="14" fill="hold">
                             <p:stCondLst>
                               <p:cond delay="0"/>
                             </p:stCondLst>
                             <p:childTnLst>
                               <p:par>
-                                <p:cTn id="25" presetID="1" presetClass="entr" presetSubtype="0" fill="hold" nodeType="clickEffect">
+                                <p:cTn id="15" presetID="1" presetClass="entr" presetSubtype="0" fill="hold" nodeType="clickEffect">
                                   <p:stCondLst>
                                     <p:cond delay="0"/>
                                   </p:stCondLst>
                                   <p:childTnLst>
                                     <p:set>
                                       <p:cBhvr>
-                                        <p:cTn id="26" dur="1" fill="hold">
+                                        <p:cTn id="16" dur="1" fill="hold">
                                           <p:stCondLst>
                                             <p:cond delay="0"/>
                                           </p:stCondLst>
@@ -31743,33 +29160,15 @@
                                   </p:childTnLst>
                                 </p:cTn>
                               </p:par>
-                            </p:childTnLst>
-                          </p:cTn>
-                        </p:par>
-                      </p:childTnLst>
-                    </p:cTn>
-                  </p:par>
-                  <p:par>
-                    <p:cTn id="27" fill="hold">
-                      <p:stCondLst>
-                        <p:cond delay="indefinite"/>
-                      </p:stCondLst>
-                      <p:childTnLst>
-                        <p:par>
-                          <p:cTn id="28" fill="hold">
-                            <p:stCondLst>
-                              <p:cond delay="0"/>
-                            </p:stCondLst>
-                            <p:childTnLst>
                               <p:par>
-                                <p:cTn id="29" presetID="1" presetClass="entr" presetSubtype="0" fill="hold" nodeType="clickEffect">
+                                <p:cTn id="17" presetID="1" presetClass="entr" presetSubtype="0" fill="hold" nodeType="withEffect">
                                   <p:stCondLst>
                                     <p:cond delay="0"/>
                                   </p:stCondLst>
                                   <p:childTnLst>
                                     <p:set>
                                       <p:cBhvr>
-                                        <p:cTn id="30" dur="1" fill="hold">
+                                        <p:cTn id="18" dur="1" fill="hold">
                                           <p:stCondLst>
                                             <p:cond delay="0"/>
                                           </p:stCondLst>
@@ -31792,33 +29191,15 @@
                                   </p:childTnLst>
                                 </p:cTn>
                               </p:par>
-                            </p:childTnLst>
-                          </p:cTn>
-                        </p:par>
-                      </p:childTnLst>
-                    </p:cTn>
-                  </p:par>
-                  <p:par>
-                    <p:cTn id="31" fill="hold">
-                      <p:stCondLst>
-                        <p:cond delay="indefinite"/>
-                      </p:stCondLst>
-                      <p:childTnLst>
-                        <p:par>
-                          <p:cTn id="32" fill="hold">
-                            <p:stCondLst>
-                              <p:cond delay="0"/>
-                            </p:stCondLst>
-                            <p:childTnLst>
                               <p:par>
-                                <p:cTn id="33" presetID="1" presetClass="entr" presetSubtype="0" fill="hold" nodeType="clickEffect">
+                                <p:cTn id="19" presetID="1" presetClass="entr" presetSubtype="0" fill="hold" nodeType="withEffect">
                                   <p:stCondLst>
                                     <p:cond delay="0"/>
                                   </p:stCondLst>
                                   <p:childTnLst>
                                     <p:set>
                                       <p:cBhvr>
-                                        <p:cTn id="34" dur="1" fill="hold">
+                                        <p:cTn id="20" dur="1" fill="hold">
                                           <p:stCondLst>
                                             <p:cond delay="0"/>
                                           </p:stCondLst>
@@ -31841,33 +29222,15 @@
                                   </p:childTnLst>
                                 </p:cTn>
                               </p:par>
-                            </p:childTnLst>
-                          </p:cTn>
-                        </p:par>
-                      </p:childTnLst>
-                    </p:cTn>
-                  </p:par>
-                  <p:par>
-                    <p:cTn id="35" fill="hold">
-                      <p:stCondLst>
-                        <p:cond delay="indefinite"/>
-                      </p:stCondLst>
-                      <p:childTnLst>
-                        <p:par>
-                          <p:cTn id="36" fill="hold">
-                            <p:stCondLst>
-                              <p:cond delay="0"/>
-                            </p:stCondLst>
-                            <p:childTnLst>
                               <p:par>
-                                <p:cTn id="37" presetID="1" presetClass="entr" presetSubtype="0" fill="hold" nodeType="clickEffect">
+                                <p:cTn id="21" presetID="1" presetClass="entr" presetSubtype="0" fill="hold" nodeType="withEffect">
                                   <p:stCondLst>
                                     <p:cond delay="0"/>
                                   </p:stCondLst>
                                   <p:childTnLst>
                                     <p:set>
                                       <p:cBhvr>
-                                        <p:cTn id="38" dur="1" fill="hold">
+                                        <p:cTn id="22" dur="1" fill="hold">
                                           <p:stCondLst>
                                             <p:cond delay="0"/>
                                           </p:stCondLst>
@@ -32333,26 +29696,39 @@
                                   </p:childTnLst>
                                 </p:cTn>
                               </p:par>
-                            </p:childTnLst>
-                          </p:cTn>
-                        </p:par>
-                      </p:childTnLst>
-                    </p:cTn>
-                  </p:par>
-                  <p:par>
-                    <p:cTn id="7" fill="hold">
-                      <p:stCondLst>
-                        <p:cond delay="indefinite"/>
-                      </p:stCondLst>
-                      <p:childTnLst>
-                        <p:par>
-                          <p:cTn id="8" fill="hold">
-                            <p:stCondLst>
-                              <p:cond delay="0"/>
-                            </p:stCondLst>
-                            <p:childTnLst>
                               <p:par>
-                                <p:cTn id="9" presetID="1" presetClass="entr" presetSubtype="0" fill="hold" nodeType="clickEffect">
+                                <p:cTn id="7" presetID="1" presetClass="entr" presetSubtype="0" fill="hold" nodeType="withEffect">
+                                  <p:stCondLst>
+                                    <p:cond delay="0"/>
+                                  </p:stCondLst>
+                                  <p:childTnLst>
+                                    <p:set>
+                                      <p:cBhvr>
+                                        <p:cTn id="8" dur="1" fill="hold">
+                                          <p:stCondLst>
+                                            <p:cond delay="0"/>
+                                          </p:stCondLst>
+                                        </p:cTn>
+                                        <p:tgtEl>
+                                          <p:spTgt spid="349">
+                                            <p:txEl>
+                                              <p:pRg st="1" end="1"/>
+                                            </p:txEl>
+                                          </p:spTgt>
+                                        </p:tgtEl>
+                                        <p:attrNameLst>
+                                          <p:attrName>style.visibility</p:attrName>
+                                        </p:attrNameLst>
+                                      </p:cBhvr>
+                                      <p:to>
+                                        <p:strVal val="visible"/>
+                                      </p:to>
+                                    </p:set>
+                                  </p:childTnLst>
+                                </p:cTn>
+                              </p:par>
+                              <p:par>
+                                <p:cTn id="9" presetID="1" presetClass="entr" presetSubtype="0" fill="hold" nodeType="withEffect">
                                   <p:stCondLst>
                                     <p:cond delay="0"/>
                                   </p:stCondLst>
@@ -32367,7 +29743,7 @@
                                         <p:tgtEl>
                                           <p:spTgt spid="349">
                                             <p:txEl>
-                                              <p:pRg st="1" end="1"/>
+                                              <p:pRg st="2" end="2"/>
                                             </p:txEl>
                                           </p:spTgt>
                                         </p:tgtEl>
@@ -32416,55 +29792,6 @@
                                         <p:tgtEl>
                                           <p:spTgt spid="349">
                                             <p:txEl>
-                                              <p:pRg st="2" end="2"/>
-                                            </p:txEl>
-                                          </p:spTgt>
-                                        </p:tgtEl>
-                                        <p:attrNameLst>
-                                          <p:attrName>style.visibility</p:attrName>
-                                        </p:attrNameLst>
-                                      </p:cBhvr>
-                                      <p:to>
-                                        <p:strVal val="visible"/>
-                                      </p:to>
-                                    </p:set>
-                                  </p:childTnLst>
-                                </p:cTn>
-                              </p:par>
-                            </p:childTnLst>
-                          </p:cTn>
-                        </p:par>
-                      </p:childTnLst>
-                    </p:cTn>
-                  </p:par>
-                  <p:par>
-                    <p:cTn id="15" fill="hold">
-                      <p:stCondLst>
-                        <p:cond delay="indefinite"/>
-                      </p:stCondLst>
-                      <p:childTnLst>
-                        <p:par>
-                          <p:cTn id="16" fill="hold">
-                            <p:stCondLst>
-                              <p:cond delay="0"/>
-                            </p:stCondLst>
-                            <p:childTnLst>
-                              <p:par>
-                                <p:cTn id="17" presetID="1" presetClass="entr" presetSubtype="0" fill="hold" nodeType="clickEffect">
-                                  <p:stCondLst>
-                                    <p:cond delay="0"/>
-                                  </p:stCondLst>
-                                  <p:childTnLst>
-                                    <p:set>
-                                      <p:cBhvr>
-                                        <p:cTn id="18" dur="1" fill="hold">
-                                          <p:stCondLst>
-                                            <p:cond delay="0"/>
-                                          </p:stCondLst>
-                                        </p:cTn>
-                                        <p:tgtEl>
-                                          <p:spTgt spid="349">
-                                            <p:txEl>
                                               <p:pRg st="3" end="3"/>
                                             </p:txEl>
                                           </p:spTgt>
@@ -32480,33 +29807,15 @@
                                   </p:childTnLst>
                                 </p:cTn>
                               </p:par>
-                            </p:childTnLst>
-                          </p:cTn>
-                        </p:par>
-                      </p:childTnLst>
-                    </p:cTn>
-                  </p:par>
-                  <p:par>
-                    <p:cTn id="19" fill="hold">
-                      <p:stCondLst>
-                        <p:cond delay="indefinite"/>
-                      </p:stCondLst>
-                      <p:childTnLst>
-                        <p:par>
-                          <p:cTn id="20" fill="hold">
-                            <p:stCondLst>
-                              <p:cond delay="0"/>
-                            </p:stCondLst>
-                            <p:childTnLst>
                               <p:par>
-                                <p:cTn id="21" presetID="1" presetClass="entr" presetSubtype="0" fill="hold" nodeType="clickEffect">
+                                <p:cTn id="15" presetID="1" presetClass="entr" presetSubtype="0" fill="hold" nodeType="withEffect">
                                   <p:stCondLst>
                                     <p:cond delay="0"/>
                                   </p:stCondLst>
                                   <p:childTnLst>
                                     <p:set>
                                       <p:cBhvr>
-                                        <p:cTn id="22" dur="1" fill="hold">
+                                        <p:cTn id="16" dur="1" fill="hold">
                                           <p:stCondLst>
                                             <p:cond delay="0"/>
                                           </p:stCondLst>
@@ -32529,33 +29838,15 @@
                                   </p:childTnLst>
                                 </p:cTn>
                               </p:par>
-                            </p:childTnLst>
-                          </p:cTn>
-                        </p:par>
-                      </p:childTnLst>
-                    </p:cTn>
-                  </p:par>
-                  <p:par>
-                    <p:cTn id="23" fill="hold">
-                      <p:stCondLst>
-                        <p:cond delay="indefinite"/>
-                      </p:stCondLst>
-                      <p:childTnLst>
-                        <p:par>
-                          <p:cTn id="24" fill="hold">
-                            <p:stCondLst>
-                              <p:cond delay="0"/>
-                            </p:stCondLst>
-                            <p:childTnLst>
                               <p:par>
-                                <p:cTn id="25" presetID="1" presetClass="entr" presetSubtype="0" fill="hold" nodeType="clickEffect">
+                                <p:cTn id="17" presetID="1" presetClass="entr" presetSubtype="0" fill="hold" nodeType="withEffect">
                                   <p:stCondLst>
                                     <p:cond delay="0"/>
                                   </p:stCondLst>
                                   <p:childTnLst>
                                     <p:set>
                                       <p:cBhvr>
-                                        <p:cTn id="26" dur="1" fill="hold">
+                                        <p:cTn id="18" dur="1" fill="hold">
                                           <p:stCondLst>
                                             <p:cond delay="0"/>
                                           </p:stCondLst>
@@ -32578,6 +29869,37 @@
                                   </p:childTnLst>
                                 </p:cTn>
                               </p:par>
+                              <p:par>
+                                <p:cTn id="19" presetID="1" presetClass="entr" presetSubtype="0" fill="hold" nodeType="withEffect">
+                                  <p:stCondLst>
+                                    <p:cond delay="0"/>
+                                  </p:stCondLst>
+                                  <p:childTnLst>
+                                    <p:set>
+                                      <p:cBhvr>
+                                        <p:cTn id="20" dur="1" fill="hold">
+                                          <p:stCondLst>
+                                            <p:cond delay="0"/>
+                                          </p:stCondLst>
+                                        </p:cTn>
+                                        <p:tgtEl>
+                                          <p:spTgt spid="349">
+                                            <p:txEl>
+                                              <p:pRg st="6" end="6"/>
+                                            </p:txEl>
+                                          </p:spTgt>
+                                        </p:tgtEl>
+                                        <p:attrNameLst>
+                                          <p:attrName>style.visibility</p:attrName>
+                                        </p:attrNameLst>
+                                      </p:cBhvr>
+                                      <p:to>
+                                        <p:strVal val="visible"/>
+                                      </p:to>
+                                    </p:set>
+                                  </p:childTnLst>
+                                </p:cTn>
+                              </p:par>
                             </p:childTnLst>
                           </p:cTn>
                         </p:par>
@@ -32585,19 +29907,112 @@
                     </p:cTn>
                   </p:par>
                   <p:par>
-                    <p:cTn id="27" fill="hold">
+                    <p:cTn id="21" fill="hold">
                       <p:stCondLst>
                         <p:cond delay="indefinite"/>
                       </p:stCondLst>
                       <p:childTnLst>
                         <p:par>
-                          <p:cTn id="28" fill="hold">
+                          <p:cTn id="22" fill="hold">
                             <p:stCondLst>
                               <p:cond delay="0"/>
                             </p:stCondLst>
                             <p:childTnLst>
                               <p:par>
-                                <p:cTn id="29" presetID="1" presetClass="entr" presetSubtype="0" fill="hold" nodeType="clickEffect">
+                                <p:cTn id="23" presetID="1" presetClass="entr" presetSubtype="0" fill="hold" nodeType="clickEffect">
+                                  <p:stCondLst>
+                                    <p:cond delay="0"/>
+                                  </p:stCondLst>
+                                  <p:childTnLst>
+                                    <p:set>
+                                      <p:cBhvr>
+                                        <p:cTn id="24" dur="1" fill="hold">
+                                          <p:stCondLst>
+                                            <p:cond delay="0"/>
+                                          </p:stCondLst>
+                                        </p:cTn>
+                                        <p:tgtEl>
+                                          <p:spTgt spid="349">
+                                            <p:txEl>
+                                              <p:pRg st="7" end="7"/>
+                                            </p:txEl>
+                                          </p:spTgt>
+                                        </p:tgtEl>
+                                        <p:attrNameLst>
+                                          <p:attrName>style.visibility</p:attrName>
+                                        </p:attrNameLst>
+                                      </p:cBhvr>
+                                      <p:to>
+                                        <p:strVal val="visible"/>
+                                      </p:to>
+                                    </p:set>
+                                  </p:childTnLst>
+                                </p:cTn>
+                              </p:par>
+                              <p:par>
+                                <p:cTn id="25" presetID="1" presetClass="entr" presetSubtype="0" fill="hold" nodeType="withEffect">
+                                  <p:stCondLst>
+                                    <p:cond delay="0"/>
+                                  </p:stCondLst>
+                                  <p:childTnLst>
+                                    <p:set>
+                                      <p:cBhvr>
+                                        <p:cTn id="26" dur="1" fill="hold">
+                                          <p:stCondLst>
+                                            <p:cond delay="0"/>
+                                          </p:stCondLst>
+                                        </p:cTn>
+                                        <p:tgtEl>
+                                          <p:spTgt spid="349">
+                                            <p:txEl>
+                                              <p:pRg st="8" end="8"/>
+                                            </p:txEl>
+                                          </p:spTgt>
+                                        </p:tgtEl>
+                                        <p:attrNameLst>
+                                          <p:attrName>style.visibility</p:attrName>
+                                        </p:attrNameLst>
+                                      </p:cBhvr>
+                                      <p:to>
+                                        <p:strVal val="visible"/>
+                                      </p:to>
+                                    </p:set>
+                                  </p:childTnLst>
+                                </p:cTn>
+                              </p:par>
+                              <p:par>
+                                <p:cTn id="27" presetID="1" presetClass="entr" presetSubtype="0" fill="hold" nodeType="withEffect">
+                                  <p:stCondLst>
+                                    <p:cond delay="0"/>
+                                  </p:stCondLst>
+                                  <p:childTnLst>
+                                    <p:set>
+                                      <p:cBhvr>
+                                        <p:cTn id="28" dur="1" fill="hold">
+                                          <p:stCondLst>
+                                            <p:cond delay="0"/>
+                                          </p:stCondLst>
+                                        </p:cTn>
+                                        <p:tgtEl>
+                                          <p:spTgt spid="349">
+                                            <p:txEl>
+                                              <p:pRg st="9" end="9"/>
+                                            </p:txEl>
+                                          </p:spTgt>
+                                        </p:tgtEl>
+                                        <p:attrNameLst>
+                                          <p:attrName>style.visibility</p:attrName>
+                                        </p:attrNameLst>
+                                      </p:cBhvr>
+                                      <p:to>
+                                        <p:strVal val="visible"/>
+                                      </p:to>
+                                    </p:set>
+                                  </p:childTnLst>
+                                </p:cTn>
+                              </p:par>
+                              <p:par>
+                                <p:cTn id="29" presetID="1" presetClass="entr" presetSubtype="0" fill="hold" nodeType="withEffect">
                                   <p:stCondLst>
                                     <p:cond delay="0"/>
                                   </p:stCondLst>
@@ -32612,7 +30027,7 @@
                                         <p:tgtEl>
                                           <p:spTgt spid="349">
                                             <p:txEl>
-                                              <p:pRg st="6" end="6"/>
+                                              <p:pRg st="10" end="10"/>
                                             </p:txEl>
                                           </p:spTgt>
                                         </p:tgtEl>
@@ -32661,202 +30076,6 @@
                                         <p:tgtEl>
                                           <p:spTgt spid="349">
                                             <p:txEl>
-                                              <p:pRg st="7" end="7"/>
-                                            </p:txEl>
-                                          </p:spTgt>
-                                        </p:tgtEl>
-                                        <p:attrNameLst>
-                                          <p:attrName>style.visibility</p:attrName>
-                                        </p:attrNameLst>
-                                      </p:cBhvr>
-                                      <p:to>
-                                        <p:strVal val="visible"/>
-                                      </p:to>
-                                    </p:set>
-                                  </p:childTnLst>
-                                </p:cTn>
-                              </p:par>
-                            </p:childTnLst>
-                          </p:cTn>
-                        </p:par>
-                      </p:childTnLst>
-                    </p:cTn>
-                  </p:par>
-                  <p:par>
-                    <p:cTn id="35" fill="hold">
-                      <p:stCondLst>
-                        <p:cond delay="indefinite"/>
-                      </p:stCondLst>
-                      <p:childTnLst>
-                        <p:par>
-                          <p:cTn id="36" fill="hold">
-                            <p:stCondLst>
-                              <p:cond delay="0"/>
-                            </p:stCondLst>
-                            <p:childTnLst>
-                              <p:par>
-                                <p:cTn id="37" presetID="1" presetClass="entr" presetSubtype="0" fill="hold" nodeType="clickEffect">
-                                  <p:stCondLst>
-                                    <p:cond delay="0"/>
-                                  </p:stCondLst>
-                                  <p:childTnLst>
-                                    <p:set>
-                                      <p:cBhvr>
-                                        <p:cTn id="38" dur="1" fill="hold">
-                                          <p:stCondLst>
-                                            <p:cond delay="0"/>
-                                          </p:stCondLst>
-                                        </p:cTn>
-                                        <p:tgtEl>
-                                          <p:spTgt spid="349">
-                                            <p:txEl>
-                                              <p:pRg st="8" end="8"/>
-                                            </p:txEl>
-                                          </p:spTgt>
-                                        </p:tgtEl>
-                                        <p:attrNameLst>
-                                          <p:attrName>style.visibility</p:attrName>
-                                        </p:attrNameLst>
-                                      </p:cBhvr>
-                                      <p:to>
-                                        <p:strVal val="visible"/>
-                                      </p:to>
-                                    </p:set>
-                                  </p:childTnLst>
-                                </p:cTn>
-                              </p:par>
-                            </p:childTnLst>
-                          </p:cTn>
-                        </p:par>
-                      </p:childTnLst>
-                    </p:cTn>
-                  </p:par>
-                  <p:par>
-                    <p:cTn id="39" fill="hold">
-                      <p:stCondLst>
-                        <p:cond delay="indefinite"/>
-                      </p:stCondLst>
-                      <p:childTnLst>
-                        <p:par>
-                          <p:cTn id="40" fill="hold">
-                            <p:stCondLst>
-                              <p:cond delay="0"/>
-                            </p:stCondLst>
-                            <p:childTnLst>
-                              <p:par>
-                                <p:cTn id="41" presetID="1" presetClass="entr" presetSubtype="0" fill="hold" nodeType="clickEffect">
-                                  <p:stCondLst>
-                                    <p:cond delay="0"/>
-                                  </p:stCondLst>
-                                  <p:childTnLst>
-                                    <p:set>
-                                      <p:cBhvr>
-                                        <p:cTn id="42" dur="1" fill="hold">
-                                          <p:stCondLst>
-                                            <p:cond delay="0"/>
-                                          </p:stCondLst>
-                                        </p:cTn>
-                                        <p:tgtEl>
-                                          <p:spTgt spid="349">
-                                            <p:txEl>
-                                              <p:pRg st="9" end="9"/>
-                                            </p:txEl>
-                                          </p:spTgt>
-                                        </p:tgtEl>
-                                        <p:attrNameLst>
-                                          <p:attrName>style.visibility</p:attrName>
-                                        </p:attrNameLst>
-                                      </p:cBhvr>
-                                      <p:to>
-                                        <p:strVal val="visible"/>
-                                      </p:to>
-                                    </p:set>
-                                  </p:childTnLst>
-                                </p:cTn>
-                              </p:par>
-                            </p:childTnLst>
-                          </p:cTn>
-                        </p:par>
-                      </p:childTnLst>
-                    </p:cTn>
-                  </p:par>
-                  <p:par>
-                    <p:cTn id="43" fill="hold">
-                      <p:stCondLst>
-                        <p:cond delay="indefinite"/>
-                      </p:stCondLst>
-                      <p:childTnLst>
-                        <p:par>
-                          <p:cTn id="44" fill="hold">
-                            <p:stCondLst>
-                              <p:cond delay="0"/>
-                            </p:stCondLst>
-                            <p:childTnLst>
-                              <p:par>
-                                <p:cTn id="45" presetID="1" presetClass="entr" presetSubtype="0" fill="hold" nodeType="clickEffect">
-                                  <p:stCondLst>
-                                    <p:cond delay="0"/>
-                                  </p:stCondLst>
-                                  <p:childTnLst>
-                                    <p:set>
-                                      <p:cBhvr>
-                                        <p:cTn id="46" dur="1" fill="hold">
-                                          <p:stCondLst>
-                                            <p:cond delay="0"/>
-                                          </p:stCondLst>
-                                        </p:cTn>
-                                        <p:tgtEl>
-                                          <p:spTgt spid="349">
-                                            <p:txEl>
-                                              <p:pRg st="10" end="10"/>
-                                            </p:txEl>
-                                          </p:spTgt>
-                                        </p:tgtEl>
-                                        <p:attrNameLst>
-                                          <p:attrName>style.visibility</p:attrName>
-                                        </p:attrNameLst>
-                                      </p:cBhvr>
-                                      <p:to>
-                                        <p:strVal val="visible"/>
-                                      </p:to>
-                                    </p:set>
-                                  </p:childTnLst>
-                                </p:cTn>
-                              </p:par>
-                            </p:childTnLst>
-                          </p:cTn>
-                        </p:par>
-                      </p:childTnLst>
-                    </p:cTn>
-                  </p:par>
-                  <p:par>
-                    <p:cTn id="47" fill="hold">
-                      <p:stCondLst>
-                        <p:cond delay="indefinite"/>
-                      </p:stCondLst>
-                      <p:childTnLst>
-                        <p:par>
-                          <p:cTn id="48" fill="hold">
-                            <p:stCondLst>
-                              <p:cond delay="0"/>
-                            </p:stCondLst>
-                            <p:childTnLst>
-                              <p:par>
-                                <p:cTn id="49" presetID="1" presetClass="entr" presetSubtype="0" fill="hold" nodeType="clickEffect">
-                                  <p:stCondLst>
-                                    <p:cond delay="0"/>
-                                  </p:stCondLst>
-                                  <p:childTnLst>
-                                    <p:set>
-                                      <p:cBhvr>
-                                        <p:cTn id="50" dur="1" fill="hold">
-                                          <p:stCondLst>
-                                            <p:cond delay="0"/>
-                                          </p:stCondLst>
-                                        </p:cTn>
-                                        <p:tgtEl>
-                                          <p:spTgt spid="349">
-                                            <p:txEl>
                                               <p:pRg st="11" end="11"/>
                                             </p:txEl>
                                           </p:spTgt>
@@ -32872,33 +30091,15 @@
                                   </p:childTnLst>
                                 </p:cTn>
                               </p:par>
-                            </p:childTnLst>
-                          </p:cTn>
-                        </p:par>
-                      </p:childTnLst>
-                    </p:cTn>
-                  </p:par>
-                  <p:par>
-                    <p:cTn id="51" fill="hold">
-                      <p:stCondLst>
-                        <p:cond delay="indefinite"/>
-                      </p:stCondLst>
-                      <p:childTnLst>
-                        <p:par>
-                          <p:cTn id="52" fill="hold">
-                            <p:stCondLst>
-                              <p:cond delay="0"/>
-                            </p:stCondLst>
-                            <p:childTnLst>
                               <p:par>
-                                <p:cTn id="53" presetID="1" presetClass="entr" presetSubtype="0" fill="hold" nodeType="clickEffect">
+                                <p:cTn id="35" presetID="1" presetClass="entr" presetSubtype="0" fill="hold" nodeType="withEffect">
                                   <p:stCondLst>
                                     <p:cond delay="0"/>
                                   </p:stCondLst>
                                   <p:childTnLst>
                                     <p:set>
                                       <p:cBhvr>
-                                        <p:cTn id="54" dur="1" fill="hold">
+                                        <p:cTn id="36" dur="1" fill="hold">
                                           <p:stCondLst>
                                             <p:cond delay="0"/>
                                           </p:stCondLst>
@@ -33283,26 +30484,39 @@
                                   </p:childTnLst>
                                 </p:cTn>
                               </p:par>
-                            </p:childTnLst>
-                          </p:cTn>
-                        </p:par>
-                      </p:childTnLst>
-                    </p:cTn>
-                  </p:par>
-                  <p:par>
-                    <p:cTn id="7" fill="hold">
-                      <p:stCondLst>
-                        <p:cond delay="indefinite"/>
-                      </p:stCondLst>
-                      <p:childTnLst>
-                        <p:par>
-                          <p:cTn id="8" fill="hold">
-                            <p:stCondLst>
-                              <p:cond delay="0"/>
-                            </p:stCondLst>
-                            <p:childTnLst>
                               <p:par>
-                                <p:cTn id="9" presetID="1" presetClass="entr" presetSubtype="0" fill="hold" nodeType="clickEffect">
+                                <p:cTn id="7" presetID="1" presetClass="entr" presetSubtype="0" fill="hold" nodeType="withEffect">
+                                  <p:stCondLst>
+                                    <p:cond delay="0"/>
+                                  </p:stCondLst>
+                                  <p:childTnLst>
+                                    <p:set>
+                                      <p:cBhvr>
+                                        <p:cTn id="8" dur="1" fill="hold">
+                                          <p:stCondLst>
+                                            <p:cond delay="0"/>
+                                          </p:stCondLst>
+                                        </p:cTn>
+                                        <p:tgtEl>
+                                          <p:spTgt spid="356">
+                                            <p:txEl>
+                                              <p:pRg st="1" end="1"/>
+                                            </p:txEl>
+                                          </p:spTgt>
+                                        </p:tgtEl>
+                                        <p:attrNameLst>
+                                          <p:attrName>style.visibility</p:attrName>
+                                        </p:attrNameLst>
+                                      </p:cBhvr>
+                                      <p:to>
+                                        <p:strVal val="visible"/>
+                                      </p:to>
+                                    </p:set>
+                                  </p:childTnLst>
+                                </p:cTn>
+                              </p:par>
+                              <p:par>
+                                <p:cTn id="9" presetID="1" presetClass="entr" presetSubtype="0" fill="hold" nodeType="withEffect">
                                   <p:stCondLst>
                                     <p:cond delay="0"/>
                                   </p:stCondLst>
@@ -33317,7 +30531,7 @@
                                         <p:tgtEl>
                                           <p:spTgt spid="356">
                                             <p:txEl>
-                                              <p:pRg st="1" end="1"/>
+                                              <p:pRg st="2" end="2"/>
                                             </p:txEl>
                                           </p:spTgt>
                                         </p:tgtEl>
@@ -33366,7 +30580,7 @@
                                         <p:tgtEl>
                                           <p:spTgt spid="356">
                                             <p:txEl>
-                                              <p:pRg st="2" end="2"/>
+                                              <p:pRg st="3" end="3"/>
                                             </p:txEl>
                                           </p:spTgt>
                                         </p:tgtEl>
@@ -33415,55 +30629,6 @@
                                         <p:tgtEl>
                                           <p:spTgt spid="356">
                                             <p:txEl>
-                                              <p:pRg st="3" end="3"/>
-                                            </p:txEl>
-                                          </p:spTgt>
-                                        </p:tgtEl>
-                                        <p:attrNameLst>
-                                          <p:attrName>style.visibility</p:attrName>
-                                        </p:attrNameLst>
-                                      </p:cBhvr>
-                                      <p:to>
-                                        <p:strVal val="visible"/>
-                                      </p:to>
-                                    </p:set>
-                                  </p:childTnLst>
-                                </p:cTn>
-                              </p:par>
-                            </p:childTnLst>
-                          </p:cTn>
-                        </p:par>
-                      </p:childTnLst>
-                    </p:cTn>
-                  </p:par>
-                  <p:par>
-                    <p:cTn id="19" fill="hold">
-                      <p:stCondLst>
-                        <p:cond delay="indefinite"/>
-                      </p:stCondLst>
-                      <p:childTnLst>
-                        <p:par>
-                          <p:cTn id="20" fill="hold">
-                            <p:stCondLst>
-                              <p:cond delay="0"/>
-                            </p:stCondLst>
-                            <p:childTnLst>
-                              <p:par>
-                                <p:cTn id="21" presetID="1" presetClass="entr" presetSubtype="0" fill="hold" nodeType="clickEffect">
-                                  <p:stCondLst>
-                                    <p:cond delay="0"/>
-                                  </p:stCondLst>
-                                  <p:childTnLst>
-                                    <p:set>
-                                      <p:cBhvr>
-                                        <p:cTn id="22" dur="1" fill="hold">
-                                          <p:stCondLst>
-                                            <p:cond delay="0"/>
-                                          </p:stCondLst>
-                                        </p:cTn>
-                                        <p:tgtEl>
-                                          <p:spTgt spid="356">
-                                            <p:txEl>
                                               <p:pRg st="4" end="4"/>
                                             </p:txEl>
                                           </p:spTgt>
@@ -33479,33 +30644,15 @@
                                   </p:childTnLst>
                                 </p:cTn>
                               </p:par>
-                            </p:childTnLst>
-                          </p:cTn>
-                        </p:par>
-                      </p:childTnLst>
-                    </p:cTn>
-                  </p:par>
-                  <p:par>
-                    <p:cTn id="23" fill="hold">
-                      <p:stCondLst>
-                        <p:cond delay="indefinite"/>
-                      </p:stCondLst>
-                      <p:childTnLst>
-                        <p:par>
-                          <p:cTn id="24" fill="hold">
-                            <p:stCondLst>
-                              <p:cond delay="0"/>
-                            </p:stCondLst>
-                            <p:childTnLst>
                               <p:par>
-                                <p:cTn id="25" presetID="1" presetClass="entr" presetSubtype="0" fill="hold" nodeType="clickEffect">
+                                <p:cTn id="19" presetID="1" presetClass="entr" presetSubtype="0" fill="hold" nodeType="withEffect">
                                   <p:stCondLst>
                                     <p:cond delay="0"/>
                                   </p:stCondLst>
                                   <p:childTnLst>
                                     <p:set>
                                       <p:cBhvr>
-                                        <p:cTn id="26" dur="1" fill="hold">
+                                        <p:cTn id="20" dur="1" fill="hold">
                                           <p:stCondLst>
                                             <p:cond delay="0"/>
                                           </p:stCondLst>
@@ -33535,26 +30682,26 @@
                     </p:cTn>
                   </p:par>
                   <p:par>
-                    <p:cTn id="27" fill="hold">
+                    <p:cTn id="21" fill="hold">
                       <p:stCondLst>
                         <p:cond delay="indefinite"/>
                       </p:stCondLst>
                       <p:childTnLst>
                         <p:par>
-                          <p:cTn id="28" fill="hold">
+                          <p:cTn id="22" fill="hold">
                             <p:stCondLst>
                               <p:cond delay="0"/>
                             </p:stCondLst>
                             <p:childTnLst>
                               <p:par>
-                                <p:cTn id="29" presetID="1" presetClass="entr" presetSubtype="0" fill="hold" nodeType="clickEffect">
+                                <p:cTn id="23" presetID="1" presetClass="entr" presetSubtype="0" fill="hold" nodeType="clickEffect">
                                   <p:stCondLst>
                                     <p:cond delay="0"/>
                                   </p:stCondLst>
                                   <p:childTnLst>
                                     <p:set>
                                       <p:cBhvr>
-                                        <p:cTn id="30" dur="1" fill="hold">
+                                        <p:cTn id="24" dur="1" fill="hold">
                                           <p:stCondLst>
                                             <p:cond delay="0"/>
                                           </p:stCondLst>
@@ -33577,33 +30724,15 @@
                                   </p:childTnLst>
                                 </p:cTn>
                               </p:par>
-                            </p:childTnLst>
-                          </p:cTn>
-                        </p:par>
-                      </p:childTnLst>
-                    </p:cTn>
-                  </p:par>
-                  <p:par>
-                    <p:cTn id="31" fill="hold">
-                      <p:stCondLst>
-                        <p:cond delay="indefinite"/>
-                      </p:stCondLst>
-                      <p:childTnLst>
-                        <p:par>
-                          <p:cTn id="32" fill="hold">
-                            <p:stCondLst>
-                              <p:cond delay="0"/>
-                            </p:stCondLst>
-                            <p:childTnLst>
                               <p:par>
-                                <p:cTn id="33" presetID="1" presetClass="entr" presetSubtype="0" fill="hold" nodeType="clickEffect">
+                                <p:cTn id="25" presetID="1" presetClass="entr" presetSubtype="0" fill="hold" nodeType="withEffect">
                                   <p:stCondLst>
                                     <p:cond delay="0"/>
                                   </p:stCondLst>
                                   <p:childTnLst>
                                     <p:set>
                                       <p:cBhvr>
-                                        <p:cTn id="34" dur="1" fill="hold">
+                                        <p:cTn id="26" dur="1" fill="hold">
                                           <p:stCondLst>
                                             <p:cond delay="0"/>
                                           </p:stCondLst>
@@ -34436,7 +31565,7 @@
                                         <p:tgtEl>
                                           <p:spTgt spid="363">
                                             <p:txEl>
-                                              <p:pRg st="0" end="0"/>
+                                              <p:pRg st="1" end="1"/>
                                             </p:txEl>
                                           </p:spTgt>
                                         </p:tgtEl>
@@ -34485,7 +31614,7 @@
                                         <p:tgtEl>
                                           <p:spTgt spid="363">
                                             <p:txEl>
-                                              <p:pRg st="1" end="1"/>
+                                              <p:pRg st="2" end="2"/>
                                             </p:txEl>
                                           </p:spTgt>
                                         </p:tgtEl>
@@ -34534,7 +31663,7 @@
                                         <p:tgtEl>
                                           <p:spTgt spid="363">
                                             <p:txEl>
-                                              <p:pRg st="2" end="2"/>
+                                              <p:pRg st="3" end="3"/>
                                             </p:txEl>
                                           </p:spTgt>
                                         </p:tgtEl>
@@ -34576,55 +31705,6 @@
                                     <p:set>
                                       <p:cBhvr>
                                         <p:cTn id="18" dur="1" fill="hold">
-                                          <p:stCondLst>
-                                            <p:cond delay="0"/>
-                                          </p:stCondLst>
-                                        </p:cTn>
-                                        <p:tgtEl>
-                                          <p:spTgt spid="363">
-                                            <p:txEl>
-                                              <p:pRg st="3" end="3"/>
-                                            </p:txEl>
-                                          </p:spTgt>
-                                        </p:tgtEl>
-                                        <p:attrNameLst>
-                                          <p:attrName>style.visibility</p:attrName>
-                                        </p:attrNameLst>
-                                      </p:cBhvr>
-                                      <p:to>
-                                        <p:strVal val="visible"/>
-                                      </p:to>
-                                    </p:set>
-                                  </p:childTnLst>
-                                </p:cTn>
-                              </p:par>
-                            </p:childTnLst>
-                          </p:cTn>
-                        </p:par>
-                      </p:childTnLst>
-                    </p:cTn>
-                  </p:par>
-                  <p:par>
-                    <p:cTn id="19" fill="hold">
-                      <p:stCondLst>
-                        <p:cond delay="indefinite"/>
-                      </p:stCondLst>
-                      <p:childTnLst>
-                        <p:par>
-                          <p:cTn id="20" fill="hold">
-                            <p:stCondLst>
-                              <p:cond delay="0"/>
-                            </p:stCondLst>
-                            <p:childTnLst>
-                              <p:par>
-                                <p:cTn id="21" presetID="1" presetClass="entr" presetSubtype="0" fill="hold" nodeType="clickEffect">
-                                  <p:stCondLst>
-                                    <p:cond delay="0"/>
-                                  </p:stCondLst>
-                                  <p:childTnLst>
-                                    <p:set>
-                                      <p:cBhvr>
-                                        <p:cTn id="22" dur="1" fill="hold">
                                           <p:stCondLst>
                                             <p:cond delay="0"/>
                                           </p:stCondLst>
@@ -34779,34 +31859,6 @@
           </a:p>
         </p:txBody>
       </p:sp>
-      <p:pic>
-        <p:nvPicPr>
-          <p:cNvPr id="372" name="Google Shape;372;p53"/>
-          <p:cNvPicPr preferRelativeResize="0"/>
-          <p:nvPr/>
-        </p:nvPicPr>
-        <p:blipFill>
-          <a:blip r:embed="rId3">
-            <a:alphaModFix/>
-          </a:blip>
-          <a:stretch>
-            <a:fillRect/>
-          </a:stretch>
-        </p:blipFill>
-        <p:spPr>
-          <a:xfrm>
-            <a:off x="2693763" y="3095025"/>
-            <a:ext cx="3756464" cy="1846050"/>
-          </a:xfrm>
-          <a:prstGeom prst="rect">
-            <a:avLst/>
-          </a:prstGeom>
-          <a:noFill/>
-          <a:ln>
-            <a:noFill/>
-          </a:ln>
-        </p:spPr>
-      </p:pic>
     </p:spTree>
   </p:cSld>
   <p:clrMapOvr>
@@ -35079,10 +32131,10 @@
               <a:buChar char="●"/>
             </a:pPr>
             <a:r>
-              <a:rPr lang="en"/>
+              <a:rPr lang="en" dirty="0"/>
               <a:t>Rule enforced by the browser: Two websites with different origins cannot interact with each other</a:t>
             </a:r>
-            <a:endParaRPr/>
+            <a:endParaRPr dirty="0"/>
           </a:p>
           <a:p>
             <a:pPr marL="457200" lvl="0" indent="-342900" algn="l" rtl="0">
@@ -35096,18 +32148,18 @@
               <a:buChar char="●"/>
             </a:pPr>
             <a:r>
-              <a:rPr lang="en"/>
+              <a:rPr lang="en" dirty="0"/>
               <a:t>Two webpages have the same origin </a:t>
             </a:r>
             <a:r>
-              <a:rPr lang="en" i="1"/>
+              <a:rPr lang="en" i="1" dirty="0"/>
               <a:t>if and only if</a:t>
             </a:r>
             <a:r>
-              <a:rPr lang="en"/>
+              <a:rPr lang="en" dirty="0"/>
               <a:t> the protocol, domain, and port of the URL all match exactly (string matching)</a:t>
             </a:r>
-            <a:endParaRPr/>
+            <a:endParaRPr dirty="0"/>
           </a:p>
           <a:p>
             <a:pPr marL="457200" lvl="0" indent="-342900" algn="l" rtl="0">
@@ -35121,10 +32173,10 @@
               <a:buChar char="●"/>
             </a:pPr>
             <a:r>
-              <a:rPr lang="en"/>
+              <a:rPr lang="en" dirty="0"/>
               <a:t>Exceptions</a:t>
             </a:r>
-            <a:endParaRPr/>
+            <a:endParaRPr dirty="0"/>
           </a:p>
           <a:p>
             <a:pPr marL="914400" lvl="1" indent="-317500" algn="l" rtl="0">
@@ -35138,10 +32190,10 @@
               <a:buChar char="○"/>
             </a:pPr>
             <a:r>
-              <a:rPr lang="en"/>
+              <a:rPr lang="en" dirty="0"/>
               <a:t>JavaScript runs with the origin of the page that loads it</a:t>
             </a:r>
-            <a:endParaRPr/>
+            <a:endParaRPr dirty="0"/>
           </a:p>
           <a:p>
             <a:pPr marL="914400" lvl="1" indent="-317500" algn="l" rtl="0">
@@ -35155,10 +32207,10 @@
               <a:buChar char="○"/>
             </a:pPr>
             <a:r>
-              <a:rPr lang="en"/>
+              <a:rPr lang="en" dirty="0"/>
               <a:t>Websites can fetch and display images from other origins</a:t>
             </a:r>
-            <a:endParaRPr/>
+            <a:endParaRPr dirty="0"/>
           </a:p>
           <a:p>
             <a:pPr marL="914400" lvl="1" indent="-317500" algn="l" rtl="0">
@@ -35172,10 +32224,20 @@
               <a:buChar char="○"/>
             </a:pPr>
             <a:r>
-              <a:rPr lang="en"/>
+              <a:rPr lang="en" dirty="0"/>
               <a:t>Websites can agree to allow some limited sharing</a:t>
             </a:r>
-            <a:endParaRPr/>
+          </a:p>
+          <a:p>
+            <a:pPr indent="-317500">
+              <a:buSzPts val="1400"/>
+              <a:buChar char="○"/>
+            </a:pPr>
+            <a:r>
+              <a:rPr lang="en" dirty="0"/>
+              <a:t>Q: Why do we need Same-Origin Policy? </a:t>
+            </a:r>
+            <a:endParaRPr dirty="0"/>
           </a:p>
         </p:txBody>
       </p:sp>
@@ -35226,6 +32288,85 @@
   <p:clrMapOvr>
     <a:masterClrMapping/>
   </p:clrMapOvr>
+  <p:timing>
+    <p:tnLst>
+      <p:par>
+        <p:cTn id="1" dur="indefinite" restart="never" nodeType="tmRoot">
+          <p:childTnLst>
+            <p:seq concurrent="1" nextAc="seek">
+              <p:cTn id="2" dur="indefinite" nodeType="mainSeq">
+                <p:childTnLst>
+                  <p:par>
+                    <p:cTn id="3" fill="hold">
+                      <p:stCondLst>
+                        <p:cond delay="indefinite"/>
+                      </p:stCondLst>
+                      <p:childTnLst>
+                        <p:par>
+                          <p:cTn id="4" fill="hold">
+                            <p:stCondLst>
+                              <p:cond delay="0"/>
+                            </p:stCondLst>
+                            <p:childTnLst>
+                              <p:par>
+                                <p:cTn id="5" presetID="1" presetClass="entr" presetSubtype="0" fill="hold" nodeType="clickEffect">
+                                  <p:stCondLst>
+                                    <p:cond delay="0"/>
+                                  </p:stCondLst>
+                                  <p:childTnLst>
+                                    <p:set>
+                                      <p:cBhvr>
+                                        <p:cTn id="6" dur="1" fill="hold">
+                                          <p:stCondLst>
+                                            <p:cond delay="0"/>
+                                          </p:stCondLst>
+                                        </p:cTn>
+                                        <p:tgtEl>
+                                          <p:spTgt spid="93">
+                                            <p:txEl>
+                                              <p:pRg st="6" end="6"/>
+                                            </p:txEl>
+                                          </p:spTgt>
+                                        </p:tgtEl>
+                                        <p:attrNameLst>
+                                          <p:attrName>style.visibility</p:attrName>
+                                        </p:attrNameLst>
+                                      </p:cBhvr>
+                                      <p:to>
+                                        <p:strVal val="visible"/>
+                                      </p:to>
+                                    </p:set>
+                                  </p:childTnLst>
+                                </p:cTn>
+                              </p:par>
+                            </p:childTnLst>
+                          </p:cTn>
+                        </p:par>
+                      </p:childTnLst>
+                    </p:cTn>
+                  </p:par>
+                </p:childTnLst>
+              </p:cTn>
+              <p:prevCondLst>
+                <p:cond evt="onPrev" delay="0">
+                  <p:tgtEl>
+                    <p:sldTgt/>
+                  </p:tgtEl>
+                </p:cond>
+              </p:prevCondLst>
+              <p:nextCondLst>
+                <p:cond evt="onNext" delay="0">
+                  <p:tgtEl>
+                    <p:sldTgt/>
+                  </p:tgtEl>
+                </p:cond>
+              </p:nextCondLst>
+            </p:seq>
+          </p:childTnLst>
+        </p:cTn>
+      </p:par>
+    </p:tnLst>
+  </p:timing>
 </p:sld>
 </file>
 
@@ -39278,7 +36419,7 @@
 </file>
 
 <file path=ppt/slides/slide48.xml><?xml version="1.0" encoding="utf-8"?>
-<p:sld xmlns:a="http://schemas.openxmlformats.org/drawingml/2006/main" xmlns:r="http://schemas.openxmlformats.org/officeDocument/2006/relationships" xmlns:p="http://schemas.openxmlformats.org/presentationml/2006/main">
+<p:sld xmlns:a="http://schemas.openxmlformats.org/drawingml/2006/main" xmlns:r="http://schemas.openxmlformats.org/officeDocument/2006/relationships" xmlns:p="http://schemas.openxmlformats.org/presentationml/2006/main" show="0">
   <p:cSld>
     <p:spTree>
       <p:nvGrpSpPr>
@@ -44469,7 +41610,7 @@
 </file>
 
 <file path=ppt/slides/slide49.xml><?xml version="1.0" encoding="utf-8"?>
-<p:sld xmlns:a="http://schemas.openxmlformats.org/drawingml/2006/main" xmlns:r="http://schemas.openxmlformats.org/officeDocument/2006/relationships" xmlns:p="http://schemas.openxmlformats.org/presentationml/2006/main">
+<p:sld xmlns:a="http://schemas.openxmlformats.org/drawingml/2006/main" xmlns:r="http://schemas.openxmlformats.org/officeDocument/2006/relationships" xmlns:p="http://schemas.openxmlformats.org/presentationml/2006/main" show="0">
   <p:cSld>
     <p:spTree>
       <p:nvGrpSpPr>
@@ -45504,7 +42645,7 @@
 </file>
 
 <file path=ppt/slides/slide50.xml><?xml version="1.0" encoding="utf-8"?>
-<p:sld xmlns:a="http://schemas.openxmlformats.org/drawingml/2006/main" xmlns:r="http://schemas.openxmlformats.org/officeDocument/2006/relationships" xmlns:p="http://schemas.openxmlformats.org/presentationml/2006/main">
+<p:sld xmlns:a="http://schemas.openxmlformats.org/drawingml/2006/main" xmlns:r="http://schemas.openxmlformats.org/officeDocument/2006/relationships" xmlns:p="http://schemas.openxmlformats.org/presentationml/2006/main" show="0">
   <p:cSld>
     <p:spTree>
       <p:nvGrpSpPr>
@@ -53102,33 +50243,15 @@
                                   </p:childTnLst>
                                 </p:cTn>
                               </p:par>
-                            </p:childTnLst>
-                          </p:cTn>
-                        </p:par>
-                      </p:childTnLst>
-                    </p:cTn>
-                  </p:par>
-                  <p:par>
-                    <p:cTn id="7" fill="hold">
-                      <p:stCondLst>
-                        <p:cond delay="indefinite"/>
-                      </p:stCondLst>
-                      <p:childTnLst>
-                        <p:par>
-                          <p:cTn id="8" fill="hold">
-                            <p:stCondLst>
-                              <p:cond delay="0"/>
-                            </p:stCondLst>
-                            <p:childTnLst>
                               <p:par>
-                                <p:cTn id="9" presetID="1" presetClass="entr" presetSubtype="0" fill="hold" nodeType="clickEffect">
+                                <p:cTn id="7" presetID="1" presetClass="entr" presetSubtype="0" fill="hold" nodeType="withEffect">
                                   <p:stCondLst>
                                     <p:cond delay="0"/>
                                   </p:stCondLst>
                                   <p:childTnLst>
                                     <p:set>
                                       <p:cBhvr>
-                                        <p:cTn id="10" dur="1" fill="hold">
+                                        <p:cTn id="8" dur="1" fill="hold">
                                           <p:stCondLst>
                                             <p:cond delay="0"/>
                                           </p:stCondLst>
@@ -53158,26 +50281,26 @@
                     </p:cTn>
                   </p:par>
                   <p:par>
-                    <p:cTn id="11" fill="hold">
+                    <p:cTn id="9" fill="hold">
                       <p:stCondLst>
                         <p:cond delay="indefinite"/>
                       </p:stCondLst>
                       <p:childTnLst>
                         <p:par>
-                          <p:cTn id="12" fill="hold">
+                          <p:cTn id="10" fill="hold">
                             <p:stCondLst>
                               <p:cond delay="0"/>
                             </p:stCondLst>
                             <p:childTnLst>
                               <p:par>
-                                <p:cTn id="13" presetID="1" presetClass="entr" presetSubtype="0" fill="hold" nodeType="clickEffect">
+                                <p:cTn id="11" presetID="1" presetClass="entr" presetSubtype="0" fill="hold" nodeType="clickEffect">
                                   <p:stCondLst>
                                     <p:cond delay="0"/>
                                   </p:stCondLst>
                                   <p:childTnLst>
                                     <p:set>
                                       <p:cBhvr>
-                                        <p:cTn id="14" dur="1" fill="hold">
+                                        <p:cTn id="12" dur="1" fill="hold">
                                           <p:stCondLst>
                                             <p:cond delay="0"/>
                                           </p:stCondLst>
@@ -53200,33 +50323,15 @@
                                   </p:childTnLst>
                                 </p:cTn>
                               </p:par>
-                            </p:childTnLst>
-                          </p:cTn>
-                        </p:par>
-                      </p:childTnLst>
-                    </p:cTn>
-                  </p:par>
-                  <p:par>
-                    <p:cTn id="15" fill="hold">
-                      <p:stCondLst>
-                        <p:cond delay="indefinite"/>
-                      </p:stCondLst>
-                      <p:childTnLst>
-                        <p:par>
-                          <p:cTn id="16" fill="hold">
-                            <p:stCondLst>
-                              <p:cond delay="0"/>
-                            </p:stCondLst>
-                            <p:childTnLst>
                               <p:par>
-                                <p:cTn id="17" presetID="1" presetClass="entr" presetSubtype="0" fill="hold" nodeType="clickEffect">
+                                <p:cTn id="13" presetID="1" presetClass="entr" presetSubtype="0" fill="hold" nodeType="withEffect">
                                   <p:stCondLst>
                                     <p:cond delay="0"/>
                                   </p:stCondLst>
                                   <p:childTnLst>
                                     <p:set>
                                       <p:cBhvr>
-                                        <p:cTn id="18" dur="1" fill="hold">
+                                        <p:cTn id="14" dur="1" fill="hold">
                                           <p:stCondLst>
                                             <p:cond delay="0"/>
                                           </p:stCondLst>
@@ -53249,33 +50354,15 @@
                                   </p:childTnLst>
                                 </p:cTn>
                               </p:par>
-                            </p:childTnLst>
-                          </p:cTn>
-                        </p:par>
-                      </p:childTnLst>
-                    </p:cTn>
-                  </p:par>
-                  <p:par>
-                    <p:cTn id="19" fill="hold">
-                      <p:stCondLst>
-                        <p:cond delay="indefinite"/>
-                      </p:stCondLst>
-                      <p:childTnLst>
-                        <p:par>
-                          <p:cTn id="20" fill="hold">
-                            <p:stCondLst>
-                              <p:cond delay="0"/>
-                            </p:stCondLst>
-                            <p:childTnLst>
                               <p:par>
-                                <p:cTn id="21" presetID="1" presetClass="entr" presetSubtype="0" fill="hold" nodeType="clickEffect">
+                                <p:cTn id="15" presetID="1" presetClass="entr" presetSubtype="0" fill="hold" nodeType="withEffect">
                                   <p:stCondLst>
                                     <p:cond delay="0"/>
                                   </p:stCondLst>
                                   <p:childTnLst>
                                     <p:set>
                                       <p:cBhvr>
-                                        <p:cTn id="22" dur="1" fill="hold">
+                                        <p:cTn id="16" dur="1" fill="hold">
                                           <p:stCondLst>
                                             <p:cond delay="0"/>
                                           </p:stCondLst>
@@ -53549,27 +50636,6 @@
             <a:endParaRPr dirty="0"/>
           </a:p>
           <a:p>
-            <a:pPr marL="914400" lvl="1" indent="-317500" algn="l" rtl="0">
-              <a:spcBef>
-                <a:spcPts val="0"/>
-              </a:spcBef>
-              <a:spcAft>
-                <a:spcPts val="0"/>
-              </a:spcAft>
-              <a:buSzPts val="1400"/>
-              <a:buChar char="○"/>
-            </a:pPr>
-            <a:r>
-              <a:rPr lang="en" dirty="0"/>
-              <a:t>The browser’s cookie storage is sometimes called a </a:t>
-            </a:r>
-            <a:r>
-              <a:rPr lang="en" b="1" dirty="0"/>
-              <a:t>cookie jar</a:t>
-            </a:r>
-            <a:endParaRPr dirty="0"/>
-          </a:p>
-          <a:p>
             <a:pPr marL="457200" lvl="0" indent="-342900" algn="l" rtl="0">
               <a:spcBef>
                 <a:spcPts val="0"/>
@@ -53717,55 +50783,6 @@
                                         <p:tgtEl>
                                           <p:spTgt spid="127">
                                             <p:txEl>
-                                              <p:pRg st="0" end="0"/>
-                                            </p:txEl>
-                                          </p:spTgt>
-                                        </p:tgtEl>
-                                        <p:attrNameLst>
-                                          <p:attrName>style.visibility</p:attrName>
-                                        </p:attrNameLst>
-                                      </p:cBhvr>
-                                      <p:to>
-                                        <p:strVal val="visible"/>
-                                      </p:to>
-                                    </p:set>
-                                  </p:childTnLst>
-                                </p:cTn>
-                              </p:par>
-                            </p:childTnLst>
-                          </p:cTn>
-                        </p:par>
-                      </p:childTnLst>
-                    </p:cTn>
-                  </p:par>
-                  <p:par>
-                    <p:cTn id="7" fill="hold">
-                      <p:stCondLst>
-                        <p:cond delay="indefinite"/>
-                      </p:stCondLst>
-                      <p:childTnLst>
-                        <p:par>
-                          <p:cTn id="8" fill="hold">
-                            <p:stCondLst>
-                              <p:cond delay="0"/>
-                            </p:stCondLst>
-                            <p:childTnLst>
-                              <p:par>
-                                <p:cTn id="9" presetID="1" presetClass="entr" presetSubtype="0" fill="hold" nodeType="clickEffect">
-                                  <p:stCondLst>
-                                    <p:cond delay="0"/>
-                                  </p:stCondLst>
-                                  <p:childTnLst>
-                                    <p:set>
-                                      <p:cBhvr>
-                                        <p:cTn id="10" dur="1" fill="hold">
-                                          <p:stCondLst>
-                                            <p:cond delay="0"/>
-                                          </p:stCondLst>
-                                        </p:cTn>
-                                        <p:tgtEl>
-                                          <p:spTgt spid="127">
-                                            <p:txEl>
                                               <p:pRg st="1" end="1"/>
                                             </p:txEl>
                                           </p:spTgt>
@@ -53781,33 +50798,15 @@
                                   </p:childTnLst>
                                 </p:cTn>
                               </p:par>
-                            </p:childTnLst>
-                          </p:cTn>
-                        </p:par>
-                      </p:childTnLst>
-                    </p:cTn>
-                  </p:par>
-                  <p:par>
-                    <p:cTn id="11" fill="hold">
-                      <p:stCondLst>
-                        <p:cond delay="indefinite"/>
-                      </p:stCondLst>
-                      <p:childTnLst>
-                        <p:par>
-                          <p:cTn id="12" fill="hold">
-                            <p:stCondLst>
-                              <p:cond delay="0"/>
-                            </p:stCondLst>
-                            <p:childTnLst>
                               <p:par>
-                                <p:cTn id="13" presetID="1" presetClass="entr" presetSubtype="0" fill="hold" nodeType="clickEffect">
+                                <p:cTn id="7" presetID="1" presetClass="entr" presetSubtype="0" fill="hold" nodeType="withEffect">
                                   <p:stCondLst>
                                     <p:cond delay="0"/>
                                   </p:stCondLst>
                                   <p:childTnLst>
                                     <p:set>
                                       <p:cBhvr>
-                                        <p:cTn id="14" dur="1" fill="hold">
+                                        <p:cTn id="8" dur="1" fill="hold">
                                           <p:stCondLst>
                                             <p:cond delay="0"/>
                                           </p:stCondLst>
@@ -53830,6 +50829,68 @@
                                   </p:childTnLst>
                                 </p:cTn>
                               </p:par>
+                              <p:par>
+                                <p:cTn id="9" presetID="1" presetClass="entr" presetSubtype="0" fill="hold" nodeType="withEffect">
+                                  <p:stCondLst>
+                                    <p:cond delay="0"/>
+                                  </p:stCondLst>
+                                  <p:childTnLst>
+                                    <p:set>
+                                      <p:cBhvr>
+                                        <p:cTn id="10" dur="1" fill="hold">
+                                          <p:stCondLst>
+                                            <p:cond delay="0"/>
+                                          </p:stCondLst>
+                                        </p:cTn>
+                                        <p:tgtEl>
+                                          <p:spTgt spid="127">
+                                            <p:txEl>
+                                              <p:pRg st="3" end="3"/>
+                                            </p:txEl>
+                                          </p:spTgt>
+                                        </p:tgtEl>
+                                        <p:attrNameLst>
+                                          <p:attrName>style.visibility</p:attrName>
+                                        </p:attrNameLst>
+                                      </p:cBhvr>
+                                      <p:to>
+                                        <p:strVal val="visible"/>
+                                      </p:to>
+                                    </p:set>
+                                  </p:childTnLst>
+                                </p:cTn>
+                              </p:par>
+                              <p:par>
+                                <p:cTn id="11" presetID="1" presetClass="entr" presetSubtype="0" fill="hold" nodeType="withEffect">
+                                  <p:stCondLst>
+                                    <p:cond delay="0"/>
+                                  </p:stCondLst>
+                                  <p:childTnLst>
+                                    <p:set>
+                                      <p:cBhvr>
+                                        <p:cTn id="12" dur="1" fill="hold">
+                                          <p:stCondLst>
+                                            <p:cond delay="0"/>
+                                          </p:stCondLst>
+                                        </p:cTn>
+                                        <p:tgtEl>
+                                          <p:spTgt spid="127">
+                                            <p:txEl>
+                                              <p:pRg st="4" end="4"/>
+                                            </p:txEl>
+                                          </p:spTgt>
+                                        </p:tgtEl>
+                                        <p:attrNameLst>
+                                          <p:attrName>style.visibility</p:attrName>
+                                        </p:attrNameLst>
+                                      </p:cBhvr>
+                                      <p:to>
+                                        <p:strVal val="visible"/>
+                                      </p:to>
+                                    </p:set>
+                                  </p:childTnLst>
+                                </p:cTn>
+                              </p:par>
                             </p:childTnLst>
                           </p:cTn>
                         </p:par>
@@ -53837,19 +50898,50 @@
                     </p:cTn>
                   </p:par>
                   <p:par>
-                    <p:cTn id="15" fill="hold">
+                    <p:cTn id="13" fill="hold">
                       <p:stCondLst>
                         <p:cond delay="indefinite"/>
                       </p:stCondLst>
                       <p:childTnLst>
                         <p:par>
-                          <p:cTn id="16" fill="hold">
+                          <p:cTn id="14" fill="hold">
                             <p:stCondLst>
                               <p:cond delay="0"/>
                             </p:stCondLst>
                             <p:childTnLst>
                               <p:par>
-                                <p:cTn id="17" presetID="1" presetClass="entr" presetSubtype="0" fill="hold" nodeType="clickEffect">
+                                <p:cTn id="15" presetID="1" presetClass="entr" presetSubtype="0" fill="hold" nodeType="clickEffect">
+                                  <p:stCondLst>
+                                    <p:cond delay="0"/>
+                                  </p:stCondLst>
+                                  <p:childTnLst>
+                                    <p:set>
+                                      <p:cBhvr>
+                                        <p:cTn id="16" dur="1" fill="hold">
+                                          <p:stCondLst>
+                                            <p:cond delay="0"/>
+                                          </p:stCondLst>
+                                        </p:cTn>
+                                        <p:tgtEl>
+                                          <p:spTgt spid="127">
+                                            <p:txEl>
+                                              <p:pRg st="5" end="5"/>
+                                            </p:txEl>
+                                          </p:spTgt>
+                                        </p:tgtEl>
+                                        <p:attrNameLst>
+                                          <p:attrName>style.visibility</p:attrName>
+                                        </p:attrNameLst>
+                                      </p:cBhvr>
+                                      <p:to>
+                                        <p:strVal val="visible"/>
+                                      </p:to>
+                                    </p:set>
+                                  </p:childTnLst>
+                                </p:cTn>
+                              </p:par>
+                              <p:par>
+                                <p:cTn id="17" presetID="1" presetClass="entr" presetSubtype="0" fill="hold" nodeType="withEffect">
                                   <p:stCondLst>
                                     <p:cond delay="0"/>
                                   </p:stCondLst>
@@ -53864,7 +50956,7 @@
                                         <p:tgtEl>
                                           <p:spTgt spid="127">
                                             <p:txEl>
-                                              <p:pRg st="3" end="3"/>
+                                              <p:pRg st="6" end="6"/>
                                             </p:txEl>
                                           </p:spTgt>
                                         </p:tgtEl>
@@ -53913,153 +51005,6 @@
                                         <p:tgtEl>
                                           <p:spTgt spid="127">
                                             <p:txEl>
-                                              <p:pRg st="4" end="4"/>
-                                            </p:txEl>
-                                          </p:spTgt>
-                                        </p:tgtEl>
-                                        <p:attrNameLst>
-                                          <p:attrName>style.visibility</p:attrName>
-                                        </p:attrNameLst>
-                                      </p:cBhvr>
-                                      <p:to>
-                                        <p:strVal val="visible"/>
-                                      </p:to>
-                                    </p:set>
-                                  </p:childTnLst>
-                                </p:cTn>
-                              </p:par>
-                            </p:childTnLst>
-                          </p:cTn>
-                        </p:par>
-                      </p:childTnLst>
-                    </p:cTn>
-                  </p:par>
-                  <p:par>
-                    <p:cTn id="23" fill="hold">
-                      <p:stCondLst>
-                        <p:cond delay="indefinite"/>
-                      </p:stCondLst>
-                      <p:childTnLst>
-                        <p:par>
-                          <p:cTn id="24" fill="hold">
-                            <p:stCondLst>
-                              <p:cond delay="0"/>
-                            </p:stCondLst>
-                            <p:childTnLst>
-                              <p:par>
-                                <p:cTn id="25" presetID="1" presetClass="entr" presetSubtype="0" fill="hold" nodeType="clickEffect">
-                                  <p:stCondLst>
-                                    <p:cond delay="0"/>
-                                  </p:stCondLst>
-                                  <p:childTnLst>
-                                    <p:set>
-                                      <p:cBhvr>
-                                        <p:cTn id="26" dur="1" fill="hold">
-                                          <p:stCondLst>
-                                            <p:cond delay="0"/>
-                                          </p:stCondLst>
-                                        </p:cTn>
-                                        <p:tgtEl>
-                                          <p:spTgt spid="127">
-                                            <p:txEl>
-                                              <p:pRg st="5" end="5"/>
-                                            </p:txEl>
-                                          </p:spTgt>
-                                        </p:tgtEl>
-                                        <p:attrNameLst>
-                                          <p:attrName>style.visibility</p:attrName>
-                                        </p:attrNameLst>
-                                      </p:cBhvr>
-                                      <p:to>
-                                        <p:strVal val="visible"/>
-                                      </p:to>
-                                    </p:set>
-                                  </p:childTnLst>
-                                </p:cTn>
-                              </p:par>
-                            </p:childTnLst>
-                          </p:cTn>
-                        </p:par>
-                      </p:childTnLst>
-                    </p:cTn>
-                  </p:par>
-                  <p:par>
-                    <p:cTn id="27" fill="hold">
-                      <p:stCondLst>
-                        <p:cond delay="indefinite"/>
-                      </p:stCondLst>
-                      <p:childTnLst>
-                        <p:par>
-                          <p:cTn id="28" fill="hold">
-                            <p:stCondLst>
-                              <p:cond delay="0"/>
-                            </p:stCondLst>
-                            <p:childTnLst>
-                              <p:par>
-                                <p:cTn id="29" presetID="1" presetClass="entr" presetSubtype="0" fill="hold" nodeType="clickEffect">
-                                  <p:stCondLst>
-                                    <p:cond delay="0"/>
-                                  </p:stCondLst>
-                                  <p:childTnLst>
-                                    <p:set>
-                                      <p:cBhvr>
-                                        <p:cTn id="30" dur="1" fill="hold">
-                                          <p:stCondLst>
-                                            <p:cond delay="0"/>
-                                          </p:stCondLst>
-                                        </p:cTn>
-                                        <p:tgtEl>
-                                          <p:spTgt spid="127">
-                                            <p:txEl>
-                                              <p:pRg st="6" end="6"/>
-                                            </p:txEl>
-                                          </p:spTgt>
-                                        </p:tgtEl>
-                                        <p:attrNameLst>
-                                          <p:attrName>style.visibility</p:attrName>
-                                        </p:attrNameLst>
-                                      </p:cBhvr>
-                                      <p:to>
-                                        <p:strVal val="visible"/>
-                                      </p:to>
-                                    </p:set>
-                                  </p:childTnLst>
-                                </p:cTn>
-                              </p:par>
-                            </p:childTnLst>
-                          </p:cTn>
-                        </p:par>
-                      </p:childTnLst>
-                    </p:cTn>
-                  </p:par>
-                  <p:par>
-                    <p:cTn id="31" fill="hold">
-                      <p:stCondLst>
-                        <p:cond delay="indefinite"/>
-                      </p:stCondLst>
-                      <p:childTnLst>
-                        <p:par>
-                          <p:cTn id="32" fill="hold">
-                            <p:stCondLst>
-                              <p:cond delay="0"/>
-                            </p:stCondLst>
-                            <p:childTnLst>
-                              <p:par>
-                                <p:cTn id="33" presetID="1" presetClass="entr" presetSubtype="0" fill="hold" nodeType="clickEffect">
-                                  <p:stCondLst>
-                                    <p:cond delay="0"/>
-                                  </p:stCondLst>
-                                  <p:childTnLst>
-                                    <p:set>
-                                      <p:cBhvr>
-                                        <p:cTn id="34" dur="1" fill="hold">
-                                          <p:stCondLst>
-                                            <p:cond delay="0"/>
-                                          </p:stCondLst>
-                                        </p:cTn>
-                                        <p:tgtEl>
-                                          <p:spTgt spid="127">
-                                            <p:txEl>
                                               <p:pRg st="7" end="7"/>
                                             </p:txEl>
                                           </p:spTgt>
@@ -54075,33 +51020,15 @@
                                   </p:childTnLst>
                                 </p:cTn>
                               </p:par>
-                            </p:childTnLst>
-                          </p:cTn>
-                        </p:par>
-                      </p:childTnLst>
-                    </p:cTn>
-                  </p:par>
-                  <p:par>
-                    <p:cTn id="35" fill="hold">
-                      <p:stCondLst>
-                        <p:cond delay="indefinite"/>
-                      </p:stCondLst>
-                      <p:childTnLst>
-                        <p:par>
-                          <p:cTn id="36" fill="hold">
-                            <p:stCondLst>
-                              <p:cond delay="0"/>
-                            </p:stCondLst>
-                            <p:childTnLst>
                               <p:par>
-                                <p:cTn id="37" presetID="1" presetClass="entr" presetSubtype="0" fill="hold" nodeType="clickEffect">
+                                <p:cTn id="23" presetID="1" presetClass="entr" presetSubtype="0" fill="hold" nodeType="withEffect">
                                   <p:stCondLst>
                                     <p:cond delay="0"/>
                                   </p:stCondLst>
                                   <p:childTnLst>
                                     <p:set>
                                       <p:cBhvr>
-                                        <p:cTn id="38" dur="1" fill="hold">
+                                        <p:cTn id="24" dur="1" fill="hold">
                                           <p:stCondLst>
                                             <p:cond delay="0"/>
                                           </p:stCondLst>
@@ -54124,33 +51051,15 @@
                                   </p:childTnLst>
                                 </p:cTn>
                               </p:par>
-                            </p:childTnLst>
-                          </p:cTn>
-                        </p:par>
-                      </p:childTnLst>
-                    </p:cTn>
-                  </p:par>
-                  <p:par>
-                    <p:cTn id="39" fill="hold">
-                      <p:stCondLst>
-                        <p:cond delay="indefinite"/>
-                      </p:stCondLst>
-                      <p:childTnLst>
-                        <p:par>
-                          <p:cTn id="40" fill="hold">
-                            <p:stCondLst>
-                              <p:cond delay="0"/>
-                            </p:stCondLst>
-                            <p:childTnLst>
                               <p:par>
-                                <p:cTn id="41" presetID="1" presetClass="entr" presetSubtype="0" fill="hold" nodeType="clickEffect">
+                                <p:cTn id="25" presetID="1" presetClass="entr" presetSubtype="0" fill="hold" nodeType="withEffect">
                                   <p:stCondLst>
                                     <p:cond delay="0"/>
                                   </p:stCondLst>
                                   <p:childTnLst>
                                     <p:set>
                                       <p:cBhvr>
-                                        <p:cTn id="42" dur="1" fill="hold">
+                                        <p:cTn id="26" dur="1" fill="hold">
                                           <p:stCondLst>
                                             <p:cond delay="0"/>
                                           </p:stCondLst>
@@ -54159,55 +51068,6 @@
                                           <p:spTgt spid="127">
                                             <p:txEl>
                                               <p:pRg st="9" end="9"/>
-                                            </p:txEl>
-                                          </p:spTgt>
-                                        </p:tgtEl>
-                                        <p:attrNameLst>
-                                          <p:attrName>style.visibility</p:attrName>
-                                        </p:attrNameLst>
-                                      </p:cBhvr>
-                                      <p:to>
-                                        <p:strVal val="visible"/>
-                                      </p:to>
-                                    </p:set>
-                                  </p:childTnLst>
-                                </p:cTn>
-                              </p:par>
-                            </p:childTnLst>
-                          </p:cTn>
-                        </p:par>
-                      </p:childTnLst>
-                    </p:cTn>
-                  </p:par>
-                  <p:par>
-                    <p:cTn id="43" fill="hold">
-                      <p:stCondLst>
-                        <p:cond delay="indefinite"/>
-                      </p:stCondLst>
-                      <p:childTnLst>
-                        <p:par>
-                          <p:cTn id="44" fill="hold">
-                            <p:stCondLst>
-                              <p:cond delay="0"/>
-                            </p:stCondLst>
-                            <p:childTnLst>
-                              <p:par>
-                                <p:cTn id="45" presetID="1" presetClass="entr" presetSubtype="0" fill="hold" nodeType="clickEffect">
-                                  <p:stCondLst>
-                                    <p:cond delay="0"/>
-                                  </p:stCondLst>
-                                  <p:childTnLst>
-                                    <p:set>
-                                      <p:cBhvr>
-                                        <p:cTn id="46" dur="1" fill="hold">
-                                          <p:stCondLst>
-                                            <p:cond delay="0"/>
-                                          </p:stCondLst>
-                                        </p:cTn>
-                                        <p:tgtEl>
-                                          <p:spTgt spid="127">
-                                            <p:txEl>
-                                              <p:pRg st="10" end="10"/>
                                             </p:txEl>
                                           </p:spTgt>
                                         </p:tgtEl>

--- a/teaching/ITIS6200/2023fa/lectures/lec11.pptx
+++ b/teaching/ITIS6200/2023fa/lectures/lec11.pptx
@@ -5,7 +5,7 @@
     <p:sldMasterId id="2147483661" r:id="rId1"/>
   </p:sldMasterIdLst>
   <p:notesMasterIdLst>
-    <p:notesMasterId r:id="rId67"/>
+    <p:notesMasterId r:id="rId68"/>
   </p:notesMasterIdLst>
   <p:sldIdLst>
     <p:sldId id="256" r:id="rId2"/>
@@ -47,32 +47,33 @@
     <p:sldId id="301" r:id="rId38"/>
     <p:sldId id="302" r:id="rId39"/>
     <p:sldId id="303" r:id="rId40"/>
-    <p:sldId id="304" r:id="rId41"/>
-    <p:sldId id="305" r:id="rId42"/>
-    <p:sldId id="306" r:id="rId43"/>
-    <p:sldId id="307" r:id="rId44"/>
-    <p:sldId id="308" r:id="rId45"/>
-    <p:sldId id="309" r:id="rId46"/>
-    <p:sldId id="310" r:id="rId47"/>
-    <p:sldId id="311" r:id="rId48"/>
-    <p:sldId id="312" r:id="rId49"/>
-    <p:sldId id="313" r:id="rId50"/>
-    <p:sldId id="314" r:id="rId51"/>
-    <p:sldId id="315" r:id="rId52"/>
-    <p:sldId id="316" r:id="rId53"/>
-    <p:sldId id="317" r:id="rId54"/>
-    <p:sldId id="318" r:id="rId55"/>
-    <p:sldId id="319" r:id="rId56"/>
-    <p:sldId id="320" r:id="rId57"/>
-    <p:sldId id="321" r:id="rId58"/>
-    <p:sldId id="279" r:id="rId59"/>
-    <p:sldId id="280" r:id="rId60"/>
-    <p:sldId id="281" r:id="rId61"/>
-    <p:sldId id="282" r:id="rId62"/>
-    <p:sldId id="283" r:id="rId63"/>
-    <p:sldId id="284" r:id="rId64"/>
-    <p:sldId id="285" r:id="rId65"/>
-    <p:sldId id="286" r:id="rId66"/>
+    <p:sldId id="322" r:id="rId41"/>
+    <p:sldId id="304" r:id="rId42"/>
+    <p:sldId id="305" r:id="rId43"/>
+    <p:sldId id="306" r:id="rId44"/>
+    <p:sldId id="307" r:id="rId45"/>
+    <p:sldId id="308" r:id="rId46"/>
+    <p:sldId id="309" r:id="rId47"/>
+    <p:sldId id="310" r:id="rId48"/>
+    <p:sldId id="311" r:id="rId49"/>
+    <p:sldId id="312" r:id="rId50"/>
+    <p:sldId id="313" r:id="rId51"/>
+    <p:sldId id="314" r:id="rId52"/>
+    <p:sldId id="315" r:id="rId53"/>
+    <p:sldId id="316" r:id="rId54"/>
+    <p:sldId id="317" r:id="rId55"/>
+    <p:sldId id="318" r:id="rId56"/>
+    <p:sldId id="319" r:id="rId57"/>
+    <p:sldId id="320" r:id="rId58"/>
+    <p:sldId id="321" r:id="rId59"/>
+    <p:sldId id="279" r:id="rId60"/>
+    <p:sldId id="280" r:id="rId61"/>
+    <p:sldId id="281" r:id="rId62"/>
+    <p:sldId id="282" r:id="rId63"/>
+    <p:sldId id="283" r:id="rId64"/>
+    <p:sldId id="284" r:id="rId65"/>
+    <p:sldId id="285" r:id="rId66"/>
+    <p:sldId id="286" r:id="rId67"/>
   </p:sldIdLst>
   <p:sldSz cx="9144000" cy="5143500" type="screen16x9"/>
   <p:notesSz cx="6858000" cy="9144000"/>
@@ -4378,6 +4379,194 @@
   <p:cSld>
     <p:spTree>
       <p:nvGrpSpPr>
+        <p:cNvPr id="1" name="Shape 453"/>
+        <p:cNvGrpSpPr/>
+        <p:nvPr/>
+      </p:nvGrpSpPr>
+      <p:grpSpPr>
+        <a:xfrm>
+          <a:off x="0" y="0"/>
+          <a:ext cx="0" cy="0"/>
+          <a:chOff x="0" y="0"/>
+          <a:chExt cx="0" cy="0"/>
+        </a:xfrm>
+      </p:grpSpPr>
+      <p:sp>
+        <p:nvSpPr>
+          <p:cNvPr id="454" name="Google Shape;454;gdaf639f2a2_0_223:notes"/>
+          <p:cNvSpPr>
+            <a:spLocks noGrp="1" noRot="1" noChangeAspect="1"/>
+          </p:cNvSpPr>
+          <p:nvPr>
+            <p:ph type="sldImg" idx="2"/>
+          </p:nvPr>
+        </p:nvSpPr>
+        <p:spPr>
+          <a:xfrm>
+            <a:off x="381000" y="685800"/>
+            <a:ext cx="6096000" cy="3429000"/>
+          </a:xfrm>
+          <a:custGeom>
+            <a:avLst/>
+            <a:gdLst/>
+            <a:ahLst/>
+            <a:cxnLst/>
+            <a:rect l="l" t="t" r="r" b="b"/>
+            <a:pathLst>
+              <a:path w="120000" h="120000" extrusionOk="0">
+                <a:moveTo>
+                  <a:pt x="0" y="0"/>
+                </a:moveTo>
+                <a:lnTo>
+                  <a:pt x="120000" y="0"/>
+                </a:lnTo>
+                <a:lnTo>
+                  <a:pt x="120000" y="120000"/>
+                </a:lnTo>
+                <a:lnTo>
+                  <a:pt x="0" y="120000"/>
+                </a:lnTo>
+                <a:close/>
+              </a:path>
+            </a:pathLst>
+          </a:custGeom>
+        </p:spPr>
+      </p:sp>
+      <p:sp>
+        <p:nvSpPr>
+          <p:cNvPr id="455" name="Google Shape;455;gdaf639f2a2_0_223:notes"/>
+          <p:cNvSpPr txBox="1">
+            <a:spLocks noGrp="1"/>
+          </p:cNvSpPr>
+          <p:nvPr>
+            <p:ph type="body" idx="1"/>
+          </p:nvPr>
+        </p:nvSpPr>
+        <p:spPr>
+          <a:xfrm>
+            <a:off x="685800" y="4343400"/>
+            <a:ext cx="5486400" cy="4114800"/>
+          </a:xfrm>
+          <a:prstGeom prst="rect">
+            <a:avLst/>
+          </a:prstGeom>
+        </p:spPr>
+        <p:txBody>
+          <a:bodyPr spcFirstLastPara="1" wrap="square" lIns="91425" tIns="91425" rIns="91425" bIns="91425" anchor="t" anchorCtr="0">
+            <a:noAutofit/>
+          </a:bodyPr>
+          <a:lstStyle/>
+          <a:p>
+            <a:pPr algn="l" fontAlgn="base"/>
+            <a:r>
+              <a:rPr lang="en-US" b="0" i="0" dirty="0">
+                <a:solidFill>
+                  <a:srgbClr val="232629"/>
+                </a:solidFill>
+                <a:effectLst/>
+                <a:latin typeface="-apple-system"/>
+              </a:rPr>
+              <a:t>Same Origin Policy (SOP) is a browser-level security control which dictates how a document or script served by one origin can interact with a resource from some other origin. </a:t>
+            </a:r>
+            <a:r>
+              <a:rPr lang="en-US" b="1" i="0" dirty="0">
+                <a:solidFill>
+                  <a:srgbClr val="232629"/>
+                </a:solidFill>
+                <a:effectLst/>
+                <a:latin typeface="inherit"/>
+              </a:rPr>
+              <a:t>Basically, it prevents scripts running under one origin to read data from another origin</a:t>
+            </a:r>
+            <a:r>
+              <a:rPr lang="en-US" b="0" i="0" dirty="0">
+                <a:solidFill>
+                  <a:srgbClr val="232629"/>
+                </a:solidFill>
+                <a:effectLst/>
+                <a:latin typeface="-apple-system"/>
+              </a:rPr>
+              <a:t>.</a:t>
+            </a:r>
+          </a:p>
+          <a:p>
+            <a:pPr algn="l" fontAlgn="base"/>
+            <a:r>
+              <a:rPr lang="en-US" b="0" i="0" dirty="0">
+                <a:solidFill>
+                  <a:srgbClr val="232629"/>
+                </a:solidFill>
+                <a:effectLst/>
+                <a:latin typeface="-apple-system"/>
+              </a:rPr>
+              <a:t>Cross-domain requests and form submissions are still permitted but reading data from another origin is not permitted. This means that if you are performing a CSRF attack on a vulnerable site which results in some server side state change (e.g. user creation, document deletion </a:t>
+            </a:r>
+            <a:r>
+              <a:rPr lang="en-US" b="0" i="0" dirty="0" err="1">
+                <a:solidFill>
+                  <a:srgbClr val="232629"/>
+                </a:solidFill>
+                <a:effectLst/>
+                <a:latin typeface="-apple-system"/>
+              </a:rPr>
+              <a:t>etc</a:t>
+            </a:r>
+            <a:r>
+              <a:rPr lang="en-US" b="0" i="0" dirty="0">
+                <a:solidFill>
+                  <a:srgbClr val="232629"/>
+                </a:solidFill>
+                <a:effectLst/>
+                <a:latin typeface="-apple-system"/>
+              </a:rPr>
+              <a:t>), the attack will be successful but you would not be able to read the response.</a:t>
+            </a:r>
+          </a:p>
+          <a:p>
+            <a:pPr algn="l" fontAlgn="base"/>
+            <a:r>
+              <a:rPr lang="en-US" b="0" i="0" dirty="0">
+                <a:solidFill>
+                  <a:srgbClr val="232629"/>
+                </a:solidFill>
+                <a:effectLst/>
+                <a:latin typeface="-apple-system"/>
+              </a:rPr>
+              <a:t>In short SOP only prevents reading data which was served from a different origin. It does not cover cross-domain form submissions which are used to carry out a CSRF attack.</a:t>
+            </a:r>
+          </a:p>
+          <a:p>
+            <a:pPr marL="0" lvl="0" indent="0" algn="l" rtl="0">
+              <a:spcBef>
+                <a:spcPts val="0"/>
+              </a:spcBef>
+              <a:spcAft>
+                <a:spcPts val="0"/>
+              </a:spcAft>
+              <a:buNone/>
+            </a:pPr>
+            <a:endParaRPr dirty="0"/>
+          </a:p>
+        </p:txBody>
+      </p:sp>
+    </p:spTree>
+    <p:extLst>
+      <p:ext uri="{BB962C8B-B14F-4D97-AF65-F5344CB8AC3E}">
+        <p14:creationId xmlns:p14="http://schemas.microsoft.com/office/powerpoint/2010/main" val="51808340"/>
+      </p:ext>
+    </p:extLst>
+  </p:cSld>
+  <p:clrMapOvr>
+    <a:masterClrMapping/>
+  </p:clrMapOvr>
+</p:notes>
+</file>
+
+<file path=ppt/notesSlides/notesSlide41.xml><?xml version="1.0" encoding="utf-8"?>
+<p:notes xmlns:a="http://schemas.openxmlformats.org/drawingml/2006/main" xmlns:r="http://schemas.openxmlformats.org/officeDocument/2006/relationships" xmlns:p="http://schemas.openxmlformats.org/presentationml/2006/main" showMasterSp="0" showMasterPhAnim="0">
+  <p:cSld>
+    <p:spTree>
+      <p:nvGrpSpPr>
         <p:cNvPr id="1" name="Shape 460"/>
         <p:cNvGrpSpPr/>
         <p:nvPr/>
@@ -4490,7 +4679,7 @@
 </p:notes>
 </file>
 
-<file path=ppt/notesSlides/notesSlide41.xml><?xml version="1.0" encoding="utf-8"?>
+<file path=ppt/notesSlides/notesSlide42.xml><?xml version="1.0" encoding="utf-8"?>
 <p:notes xmlns:a="http://schemas.openxmlformats.org/drawingml/2006/main" xmlns:r="http://schemas.openxmlformats.org/officeDocument/2006/relationships" xmlns:p="http://schemas.openxmlformats.org/presentationml/2006/main" showMasterSp="0" showMasterPhAnim="0">
   <p:cSld>
     <p:spTree>
@@ -4598,7 +4787,7 @@
 </p:notes>
 </file>
 
-<file path=ppt/notesSlides/notesSlide42.xml><?xml version="1.0" encoding="utf-8"?>
+<file path=ppt/notesSlides/notesSlide43.xml><?xml version="1.0" encoding="utf-8"?>
 <p:notes xmlns:a="http://schemas.openxmlformats.org/drawingml/2006/main" xmlns:r="http://schemas.openxmlformats.org/officeDocument/2006/relationships" xmlns:p="http://schemas.openxmlformats.org/presentationml/2006/main" showMasterSp="0" showMasterPhAnim="0">
   <p:cSld>
     <p:spTree>
@@ -4702,7 +4891,7 @@
 </p:notes>
 </file>
 
-<file path=ppt/notesSlides/notesSlide43.xml><?xml version="1.0" encoding="utf-8"?>
+<file path=ppt/notesSlides/notesSlide44.xml><?xml version="1.0" encoding="utf-8"?>
 <p:notes xmlns:a="http://schemas.openxmlformats.org/drawingml/2006/main" xmlns:r="http://schemas.openxmlformats.org/officeDocument/2006/relationships" xmlns:p="http://schemas.openxmlformats.org/presentationml/2006/main" showMasterSp="0" showMasterPhAnim="0">
   <p:cSld>
     <p:spTree>
@@ -4806,7 +4995,7 @@
 </p:notes>
 </file>
 
-<file path=ppt/notesSlides/notesSlide44.xml><?xml version="1.0" encoding="utf-8"?>
+<file path=ppt/notesSlides/notesSlide45.xml><?xml version="1.0" encoding="utf-8"?>
 <p:notes xmlns:a="http://schemas.openxmlformats.org/drawingml/2006/main" xmlns:r="http://schemas.openxmlformats.org/officeDocument/2006/relationships" xmlns:p="http://schemas.openxmlformats.org/presentationml/2006/main" showMasterSp="0" showMasterPhAnim="0">
   <p:cSld>
     <p:spTree>
@@ -4923,7 +5112,7 @@
 </p:notes>
 </file>
 
-<file path=ppt/notesSlides/notesSlide45.xml><?xml version="1.0" encoding="utf-8"?>
+<file path=ppt/notesSlides/notesSlide46.xml><?xml version="1.0" encoding="utf-8"?>
 <p:notes xmlns:a="http://schemas.openxmlformats.org/drawingml/2006/main" xmlns:r="http://schemas.openxmlformats.org/officeDocument/2006/relationships" xmlns:p="http://schemas.openxmlformats.org/presentationml/2006/main" showMasterSp="0" showMasterPhAnim="0">
   <p:cSld>
     <p:spTree>
@@ -5015,7 +5204,58 @@
               </a:spcAft>
               <a:buNone/>
             </a:pPr>
-            <a:endParaRPr/>
+            <a:r>
+              <a:rPr lang="en-US" dirty="0"/>
+              <a:t>What about same-origin policies? </a:t>
+            </a:r>
+          </a:p>
+          <a:p>
+            <a:pPr marL="0" lvl="0" indent="0" algn="l" rtl="0">
+              <a:spcBef>
+                <a:spcPts val="0"/>
+              </a:spcBef>
+              <a:spcAft>
+                <a:spcPts val="0"/>
+              </a:spcAft>
+              <a:buNone/>
+            </a:pPr>
+            <a:endParaRPr lang="en-US" dirty="0"/>
+          </a:p>
+          <a:p>
+            <a:pPr marL="0" lvl="0" indent="0" algn="l" rtl="0">
+              <a:spcBef>
+                <a:spcPts val="0"/>
+              </a:spcBef>
+              <a:spcAft>
+                <a:spcPts val="0"/>
+              </a:spcAft>
+              <a:buNone/>
+            </a:pPr>
+            <a:r>
+              <a:rPr lang="en-US" dirty="0"/>
+              <a:t>https://</a:t>
+            </a:r>
+            <a:r>
+              <a:rPr lang="en-US" dirty="0" err="1"/>
+              <a:t>developer.mozilla.org</a:t>
+            </a:r>
+            <a:r>
+              <a:rPr lang="en-US" dirty="0"/>
+              <a:t>/</a:t>
+            </a:r>
+            <a:r>
+              <a:rPr lang="en-US" dirty="0" err="1"/>
+              <a:t>en</a:t>
+            </a:r>
+            <a:r>
+              <a:rPr lang="en-US" dirty="0"/>
+              <a:t>-US/docs/Web/Security/Same-</a:t>
+            </a:r>
+            <a:r>
+              <a:rPr lang="en-US" dirty="0" err="1"/>
+              <a:t>origin_policy</a:t>
+            </a:r>
+            <a:endParaRPr dirty="0"/>
           </a:p>
         </p:txBody>
       </p:sp>
@@ -5027,7 +5267,7 @@
 </p:notes>
 </file>
 
-<file path=ppt/notesSlides/notesSlide46.xml><?xml version="1.0" encoding="utf-8"?>
+<file path=ppt/notesSlides/notesSlide47.xml><?xml version="1.0" encoding="utf-8"?>
 <p:notes xmlns:a="http://schemas.openxmlformats.org/drawingml/2006/main" xmlns:r="http://schemas.openxmlformats.org/officeDocument/2006/relationships" xmlns:p="http://schemas.openxmlformats.org/presentationml/2006/main" showMasterSp="0" showMasterPhAnim="0">
   <p:cSld>
     <p:spTree>
@@ -5110,16 +5350,145 @@
           </a:bodyPr>
           <a:lstStyle/>
           <a:p>
-            <a:pPr marL="0" lvl="0" indent="0" algn="l" rtl="0">
-              <a:spcBef>
-                <a:spcPts val="0"/>
-              </a:spcBef>
-              <a:spcAft>
-                <a:spcPts val="0"/>
-              </a:spcAft>
-              <a:buNone/>
-            </a:pPr>
-            <a:endParaRPr/>
+            <a:pPr algn="l" fontAlgn="base"/>
+            <a:r>
+              <a:rPr lang="en-US" b="0" i="0" dirty="0">
+                <a:solidFill>
+                  <a:srgbClr val="232629"/>
+                </a:solidFill>
+                <a:effectLst/>
+                <a:latin typeface="-apple-system"/>
+              </a:rPr>
+              <a:t>https://</a:t>
+            </a:r>
+            <a:r>
+              <a:rPr lang="en-US" b="0" i="0" dirty="0" err="1">
+                <a:solidFill>
+                  <a:srgbClr val="232629"/>
+                </a:solidFill>
+                <a:effectLst/>
+                <a:latin typeface="-apple-system"/>
+              </a:rPr>
+              <a:t>security.stackexchange.com</a:t>
+            </a:r>
+            <a:r>
+              <a:rPr lang="en-US" b="0" i="0" dirty="0">
+                <a:solidFill>
+                  <a:srgbClr val="232629"/>
+                </a:solidFill>
+                <a:effectLst/>
+                <a:latin typeface="-apple-system"/>
+              </a:rPr>
+              <a:t>/questions/157061/how-does-</a:t>
+            </a:r>
+            <a:r>
+              <a:rPr lang="en-US" b="0" i="0" dirty="0" err="1">
+                <a:solidFill>
+                  <a:srgbClr val="232629"/>
+                </a:solidFill>
+                <a:effectLst/>
+                <a:latin typeface="-apple-system"/>
+              </a:rPr>
+              <a:t>csrf</a:t>
+            </a:r>
+            <a:r>
+              <a:rPr lang="en-US" b="0" i="0" dirty="0">
+                <a:solidFill>
+                  <a:srgbClr val="232629"/>
+                </a:solidFill>
+                <a:effectLst/>
+                <a:latin typeface="-apple-system"/>
+              </a:rPr>
+              <a:t>-correlate-with-same-origin-policy</a:t>
+            </a:r>
+          </a:p>
+          <a:p>
+            <a:pPr algn="l" fontAlgn="base"/>
+            <a:endParaRPr lang="en-US" b="0" i="0" dirty="0">
+              <a:solidFill>
+                <a:srgbClr val="232629"/>
+              </a:solidFill>
+              <a:effectLst/>
+              <a:latin typeface="-apple-system"/>
+            </a:endParaRPr>
+          </a:p>
+          <a:p>
+            <a:pPr algn="l" fontAlgn="base"/>
+            <a:r>
+              <a:rPr lang="en-US" b="0" i="0" dirty="0">
+                <a:solidFill>
+                  <a:srgbClr val="232629"/>
+                </a:solidFill>
+                <a:effectLst/>
+                <a:latin typeface="-apple-system"/>
+              </a:rPr>
+              <a:t>Same Origin Policy (SOP) is a browser-level security control which dictates how a document or script served by one origin can interact with a resource from some other origin. </a:t>
+            </a:r>
+            <a:r>
+              <a:rPr lang="en-US" b="1" i="0" dirty="0">
+                <a:solidFill>
+                  <a:srgbClr val="232629"/>
+                </a:solidFill>
+                <a:effectLst/>
+                <a:latin typeface="inherit"/>
+              </a:rPr>
+              <a:t>Basically, it prevents scripts running under one origin to read data from another origin</a:t>
+            </a:r>
+            <a:r>
+              <a:rPr lang="en-US" b="0" i="0" dirty="0">
+                <a:solidFill>
+                  <a:srgbClr val="232629"/>
+                </a:solidFill>
+                <a:effectLst/>
+                <a:latin typeface="-apple-system"/>
+              </a:rPr>
+              <a:t>.</a:t>
+            </a:r>
+          </a:p>
+          <a:p>
+            <a:endParaRPr lang="en-US" dirty="0"/>
+          </a:p>
+          <a:p>
+            <a:endParaRPr lang="en-US" dirty="0"/>
+          </a:p>
+          <a:p>
+            <a:r>
+              <a:rPr lang="en-US" b="0" i="0" dirty="0">
+                <a:solidFill>
+                  <a:srgbClr val="232629"/>
+                </a:solidFill>
+                <a:effectLst/>
+                <a:latin typeface="-apple-system"/>
+              </a:rPr>
+              <a:t>Cross-domain requests and form submissions are still permitted but reading data from another origin is not permitted. This means that if you are performing a CSRF attack on a vulnerable site which results in some server side state change (e.g. user creation, document deletion </a:t>
+            </a:r>
+            <a:r>
+              <a:rPr lang="en-US" b="0" i="0" dirty="0" err="1">
+                <a:solidFill>
+                  <a:srgbClr val="232629"/>
+                </a:solidFill>
+                <a:effectLst/>
+                <a:latin typeface="-apple-system"/>
+              </a:rPr>
+              <a:t>etc</a:t>
+            </a:r>
+            <a:r>
+              <a:rPr lang="en-US" b="0" i="0" dirty="0">
+                <a:solidFill>
+                  <a:srgbClr val="232629"/>
+                </a:solidFill>
+                <a:effectLst/>
+                <a:latin typeface="-apple-system"/>
+              </a:rPr>
+              <a:t>), the attack will be successful but you would not be able to read the response.</a:t>
+            </a:r>
+            <a:br>
+              <a:rPr lang="en-US" dirty="0"/>
+            </a:br>
+            <a:br>
+              <a:rPr lang="en-US" dirty="0"/>
+            </a:br>
+            <a:endParaRPr dirty="0"/>
           </a:p>
         </p:txBody>
       </p:sp>
@@ -5131,7 +5500,7 @@
 </p:notes>
 </file>
 
-<file path=ppt/notesSlides/notesSlide47.xml><?xml version="1.0" encoding="utf-8"?>
+<file path=ppt/notesSlides/notesSlide48.xml><?xml version="1.0" encoding="utf-8"?>
 <p:notes xmlns:a="http://schemas.openxmlformats.org/drawingml/2006/main" xmlns:r="http://schemas.openxmlformats.org/officeDocument/2006/relationships" xmlns:p="http://schemas.openxmlformats.org/presentationml/2006/main" showMasterSp="0" showMasterPhAnim="0">
   <p:cSld>
     <p:spTree>
@@ -5239,7 +5608,7 @@
 </p:notes>
 </file>
 
-<file path=ppt/notesSlides/notesSlide48.xml><?xml version="1.0" encoding="utf-8"?>
+<file path=ppt/notesSlides/notesSlide49.xml><?xml version="1.0" encoding="utf-8"?>
 <p:notes xmlns:a="http://schemas.openxmlformats.org/drawingml/2006/main" xmlns:r="http://schemas.openxmlformats.org/officeDocument/2006/relationships" xmlns:p="http://schemas.openxmlformats.org/presentationml/2006/main" showMasterSp="0" showMasterPhAnim="0">
   <p:cSld>
     <p:spTree>
@@ -5300,110 +5669,6 @@
       <p:sp>
         <p:nvSpPr>
           <p:cNvPr id="520" name="Google Shape;520;gdb122ed6ef_0_0:notes"/>
-          <p:cNvSpPr txBox="1">
-            <a:spLocks noGrp="1"/>
-          </p:cNvSpPr>
-          <p:nvPr>
-            <p:ph type="body" idx="1"/>
-          </p:nvPr>
-        </p:nvSpPr>
-        <p:spPr>
-          <a:xfrm>
-            <a:off x="685800" y="4343400"/>
-            <a:ext cx="5486400" cy="4114800"/>
-          </a:xfrm>
-          <a:prstGeom prst="rect">
-            <a:avLst/>
-          </a:prstGeom>
-        </p:spPr>
-        <p:txBody>
-          <a:bodyPr spcFirstLastPara="1" wrap="square" lIns="91425" tIns="91425" rIns="91425" bIns="91425" anchor="t" anchorCtr="0">
-            <a:noAutofit/>
-          </a:bodyPr>
-          <a:lstStyle/>
-          <a:p>
-            <a:pPr marL="0" lvl="0" indent="0" algn="l" rtl="0">
-              <a:spcBef>
-                <a:spcPts val="0"/>
-              </a:spcBef>
-              <a:spcAft>
-                <a:spcPts val="0"/>
-              </a:spcAft>
-              <a:buNone/>
-            </a:pPr>
-            <a:endParaRPr/>
-          </a:p>
-        </p:txBody>
-      </p:sp>
-    </p:spTree>
-  </p:cSld>
-  <p:clrMapOvr>
-    <a:masterClrMapping/>
-  </p:clrMapOvr>
-</p:notes>
-</file>
-
-<file path=ppt/notesSlides/notesSlide49.xml><?xml version="1.0" encoding="utf-8"?>
-<p:notes xmlns:a="http://schemas.openxmlformats.org/drawingml/2006/main" xmlns:r="http://schemas.openxmlformats.org/officeDocument/2006/relationships" xmlns:p="http://schemas.openxmlformats.org/presentationml/2006/main" showMasterSp="0" showMasterPhAnim="0">
-  <p:cSld>
-    <p:spTree>
-      <p:nvGrpSpPr>
-        <p:cNvPr id="1" name="Shape 525"/>
-        <p:cNvGrpSpPr/>
-        <p:nvPr/>
-      </p:nvGrpSpPr>
-      <p:grpSpPr>
-        <a:xfrm>
-          <a:off x="0" y="0"/>
-          <a:ext cx="0" cy="0"/>
-          <a:chOff x="0" y="0"/>
-          <a:chExt cx="0" cy="0"/>
-        </a:xfrm>
-      </p:grpSpPr>
-      <p:sp>
-        <p:nvSpPr>
-          <p:cNvPr id="526" name="Google Shape;526;ge44adf36c7_0_326:notes"/>
-          <p:cNvSpPr>
-            <a:spLocks noGrp="1" noRot="1" noChangeAspect="1"/>
-          </p:cNvSpPr>
-          <p:nvPr>
-            <p:ph type="sldImg" idx="2"/>
-          </p:nvPr>
-        </p:nvSpPr>
-        <p:spPr>
-          <a:xfrm>
-            <a:off x="381000" y="685800"/>
-            <a:ext cx="6096000" cy="3429000"/>
-          </a:xfrm>
-          <a:custGeom>
-            <a:avLst/>
-            <a:gdLst/>
-            <a:ahLst/>
-            <a:cxnLst/>
-            <a:rect l="l" t="t" r="r" b="b"/>
-            <a:pathLst>
-              <a:path w="120000" h="120000" extrusionOk="0">
-                <a:moveTo>
-                  <a:pt x="0" y="0"/>
-                </a:moveTo>
-                <a:lnTo>
-                  <a:pt x="120000" y="0"/>
-                </a:lnTo>
-                <a:lnTo>
-                  <a:pt x="120000" y="120000"/>
-                </a:lnTo>
-                <a:lnTo>
-                  <a:pt x="0" y="120000"/>
-                </a:lnTo>
-                <a:close/>
-              </a:path>
-            </a:pathLst>
-          </a:custGeom>
-        </p:spPr>
-      </p:sp>
-      <p:sp>
-        <p:nvSpPr>
-          <p:cNvPr id="527" name="Google Shape;527;ge44adf36c7_0_326:notes"/>
           <p:cNvSpPr txBox="1">
             <a:spLocks noGrp="1"/>
           </p:cNvSpPr>
@@ -5556,6 +5821,110 @@
   <p:cSld>
     <p:spTree>
       <p:nvGrpSpPr>
+        <p:cNvPr id="1" name="Shape 525"/>
+        <p:cNvGrpSpPr/>
+        <p:nvPr/>
+      </p:nvGrpSpPr>
+      <p:grpSpPr>
+        <a:xfrm>
+          <a:off x="0" y="0"/>
+          <a:ext cx="0" cy="0"/>
+          <a:chOff x="0" y="0"/>
+          <a:chExt cx="0" cy="0"/>
+        </a:xfrm>
+      </p:grpSpPr>
+      <p:sp>
+        <p:nvSpPr>
+          <p:cNvPr id="526" name="Google Shape;526;ge44adf36c7_0_326:notes"/>
+          <p:cNvSpPr>
+            <a:spLocks noGrp="1" noRot="1" noChangeAspect="1"/>
+          </p:cNvSpPr>
+          <p:nvPr>
+            <p:ph type="sldImg" idx="2"/>
+          </p:nvPr>
+        </p:nvSpPr>
+        <p:spPr>
+          <a:xfrm>
+            <a:off x="381000" y="685800"/>
+            <a:ext cx="6096000" cy="3429000"/>
+          </a:xfrm>
+          <a:custGeom>
+            <a:avLst/>
+            <a:gdLst/>
+            <a:ahLst/>
+            <a:cxnLst/>
+            <a:rect l="l" t="t" r="r" b="b"/>
+            <a:pathLst>
+              <a:path w="120000" h="120000" extrusionOk="0">
+                <a:moveTo>
+                  <a:pt x="0" y="0"/>
+                </a:moveTo>
+                <a:lnTo>
+                  <a:pt x="120000" y="0"/>
+                </a:lnTo>
+                <a:lnTo>
+                  <a:pt x="120000" y="120000"/>
+                </a:lnTo>
+                <a:lnTo>
+                  <a:pt x="0" y="120000"/>
+                </a:lnTo>
+                <a:close/>
+              </a:path>
+            </a:pathLst>
+          </a:custGeom>
+        </p:spPr>
+      </p:sp>
+      <p:sp>
+        <p:nvSpPr>
+          <p:cNvPr id="527" name="Google Shape;527;ge44adf36c7_0_326:notes"/>
+          <p:cNvSpPr txBox="1">
+            <a:spLocks noGrp="1"/>
+          </p:cNvSpPr>
+          <p:nvPr>
+            <p:ph type="body" idx="1"/>
+          </p:nvPr>
+        </p:nvSpPr>
+        <p:spPr>
+          <a:xfrm>
+            <a:off x="685800" y="4343400"/>
+            <a:ext cx="5486400" cy="4114800"/>
+          </a:xfrm>
+          <a:prstGeom prst="rect">
+            <a:avLst/>
+          </a:prstGeom>
+        </p:spPr>
+        <p:txBody>
+          <a:bodyPr spcFirstLastPara="1" wrap="square" lIns="91425" tIns="91425" rIns="91425" bIns="91425" anchor="t" anchorCtr="0">
+            <a:noAutofit/>
+          </a:bodyPr>
+          <a:lstStyle/>
+          <a:p>
+            <a:pPr marL="0" lvl="0" indent="0" algn="l" rtl="0">
+              <a:spcBef>
+                <a:spcPts val="0"/>
+              </a:spcBef>
+              <a:spcAft>
+                <a:spcPts val="0"/>
+              </a:spcAft>
+              <a:buNone/>
+            </a:pPr>
+            <a:endParaRPr/>
+          </a:p>
+        </p:txBody>
+      </p:sp>
+    </p:spTree>
+  </p:cSld>
+  <p:clrMapOvr>
+    <a:masterClrMapping/>
+  </p:clrMapOvr>
+</p:notes>
+</file>
+
+<file path=ppt/notesSlides/notesSlide51.xml><?xml version="1.0" encoding="utf-8"?>
+<p:notes xmlns:a="http://schemas.openxmlformats.org/drawingml/2006/main" xmlns:r="http://schemas.openxmlformats.org/officeDocument/2006/relationships" xmlns:p="http://schemas.openxmlformats.org/presentationml/2006/main" showMasterSp="0" showMasterPhAnim="0">
+  <p:cSld>
+    <p:spTree>
+      <p:nvGrpSpPr>
         <p:cNvPr id="1" name="Shape 549"/>
         <p:cNvGrpSpPr/>
         <p:nvPr/>
@@ -5643,7 +6012,7 @@
               </a:spcAft>
               <a:buNone/>
             </a:pPr>
-            <a:endParaRPr/>
+            <a:endParaRPr dirty="0"/>
           </a:p>
         </p:txBody>
       </p:sp>
@@ -5655,7 +6024,7 @@
 </p:notes>
 </file>
 
-<file path=ppt/notesSlides/notesSlide51.xml><?xml version="1.0" encoding="utf-8"?>
+<file path=ppt/notesSlides/notesSlide52.xml><?xml version="1.0" encoding="utf-8"?>
 <p:notes xmlns:a="http://schemas.openxmlformats.org/drawingml/2006/main" xmlns:r="http://schemas.openxmlformats.org/officeDocument/2006/relationships" xmlns:p="http://schemas.openxmlformats.org/presentationml/2006/main" showMasterSp="0" showMasterPhAnim="0">
   <p:cSld>
     <p:spTree>
@@ -5759,7 +6128,7 @@
 </p:notes>
 </file>
 
-<file path=ppt/notesSlides/notesSlide52.xml><?xml version="1.0" encoding="utf-8"?>
+<file path=ppt/notesSlides/notesSlide53.xml><?xml version="1.0" encoding="utf-8"?>
 <p:notes xmlns:a="http://schemas.openxmlformats.org/drawingml/2006/main" xmlns:r="http://schemas.openxmlformats.org/officeDocument/2006/relationships" xmlns:p="http://schemas.openxmlformats.org/presentationml/2006/main" showMasterSp="0" showMasterPhAnim="0">
   <p:cSld>
     <p:spTree>
@@ -5863,7 +6232,7 @@
 </p:notes>
 </file>
 
-<file path=ppt/notesSlides/notesSlide53.xml><?xml version="1.0" encoding="utf-8"?>
+<file path=ppt/notesSlides/notesSlide54.xml><?xml version="1.0" encoding="utf-8"?>
 <p:notes xmlns:a="http://schemas.openxmlformats.org/drawingml/2006/main" xmlns:r="http://schemas.openxmlformats.org/officeDocument/2006/relationships" xmlns:p="http://schemas.openxmlformats.org/presentationml/2006/main" showMasterSp="0" showMasterPhAnim="0">
   <p:cSld>
     <p:spTree>
@@ -5967,7 +6336,7 @@
 </p:notes>
 </file>
 
-<file path=ppt/notesSlides/notesSlide54.xml><?xml version="1.0" encoding="utf-8"?>
+<file path=ppt/notesSlides/notesSlide55.xml><?xml version="1.0" encoding="utf-8"?>
 <p:notes xmlns:a="http://schemas.openxmlformats.org/drawingml/2006/main" xmlns:r="http://schemas.openxmlformats.org/officeDocument/2006/relationships" xmlns:p="http://schemas.openxmlformats.org/presentationml/2006/main" showMasterSp="0" showMasterPhAnim="0">
   <p:cSld>
     <p:spTree>
@@ -6071,7 +6440,7 @@
 </p:notes>
 </file>
 
-<file path=ppt/notesSlides/notesSlide55.xml><?xml version="1.0" encoding="utf-8"?>
+<file path=ppt/notesSlides/notesSlide56.xml><?xml version="1.0" encoding="utf-8"?>
 <p:notes xmlns:a="http://schemas.openxmlformats.org/drawingml/2006/main" xmlns:r="http://schemas.openxmlformats.org/officeDocument/2006/relationships" xmlns:p="http://schemas.openxmlformats.org/presentationml/2006/main" showMasterSp="0" showMasterPhAnim="0">
   <p:cSld>
     <p:spTree>
@@ -6175,7 +6544,7 @@
 </p:notes>
 </file>
 
-<file path=ppt/notesSlides/notesSlide56.xml><?xml version="1.0" encoding="utf-8"?>
+<file path=ppt/notesSlides/notesSlide57.xml><?xml version="1.0" encoding="utf-8"?>
 <p:notes xmlns:a="http://schemas.openxmlformats.org/drawingml/2006/main" xmlns:r="http://schemas.openxmlformats.org/officeDocument/2006/relationships" xmlns:p="http://schemas.openxmlformats.org/presentationml/2006/main" showMasterSp="0" showMasterPhAnim="0">
   <p:cSld>
     <p:spTree>
@@ -6279,7 +6648,7 @@
 </p:notes>
 </file>
 
-<file path=ppt/notesSlides/notesSlide57.xml><?xml version="1.0" encoding="utf-8"?>
+<file path=ppt/notesSlides/notesSlide58.xml><?xml version="1.0" encoding="utf-8"?>
 <p:notes xmlns:a="http://schemas.openxmlformats.org/drawingml/2006/main" xmlns:r="http://schemas.openxmlformats.org/officeDocument/2006/relationships" xmlns:p="http://schemas.openxmlformats.org/presentationml/2006/main" showMasterSp="0" showMasterPhAnim="0">
   <p:cSld>
     <p:spTree>
@@ -6383,7 +6752,7 @@
 </p:notes>
 </file>
 
-<file path=ppt/notesSlides/notesSlide58.xml><?xml version="1.0" encoding="utf-8"?>
+<file path=ppt/notesSlides/notesSlide59.xml><?xml version="1.0" encoding="utf-8"?>
 <p:notes xmlns:a="http://schemas.openxmlformats.org/drawingml/2006/main" xmlns:r="http://schemas.openxmlformats.org/officeDocument/2006/relationships" xmlns:p="http://schemas.openxmlformats.org/presentationml/2006/main" showMasterSp="0" showMasterPhAnim="0">
   <p:cSld>
     <p:spTree>
@@ -6444,110 +6813,6 @@
       <p:sp>
         <p:nvSpPr>
           <p:cNvPr id="261" name="Google Shape;261;gdaf639f2a2_0_69:notes"/>
-          <p:cNvSpPr txBox="1">
-            <a:spLocks noGrp="1"/>
-          </p:cNvSpPr>
-          <p:nvPr>
-            <p:ph type="body" idx="1"/>
-          </p:nvPr>
-        </p:nvSpPr>
-        <p:spPr>
-          <a:xfrm>
-            <a:off x="685800" y="4343400"/>
-            <a:ext cx="5486400" cy="4114800"/>
-          </a:xfrm>
-          <a:prstGeom prst="rect">
-            <a:avLst/>
-          </a:prstGeom>
-        </p:spPr>
-        <p:txBody>
-          <a:bodyPr spcFirstLastPara="1" wrap="square" lIns="91425" tIns="91425" rIns="91425" bIns="91425" anchor="t" anchorCtr="0">
-            <a:noAutofit/>
-          </a:bodyPr>
-          <a:lstStyle/>
-          <a:p>
-            <a:pPr marL="0" lvl="0" indent="0" algn="l" rtl="0">
-              <a:spcBef>
-                <a:spcPts val="0"/>
-              </a:spcBef>
-              <a:spcAft>
-                <a:spcPts val="0"/>
-              </a:spcAft>
-              <a:buNone/>
-            </a:pPr>
-            <a:endParaRPr/>
-          </a:p>
-        </p:txBody>
-      </p:sp>
-    </p:spTree>
-  </p:cSld>
-  <p:clrMapOvr>
-    <a:masterClrMapping/>
-  </p:clrMapOvr>
-</p:notes>
-</file>
-
-<file path=ppt/notesSlides/notesSlide59.xml><?xml version="1.0" encoding="utf-8"?>
-<p:notes xmlns:a="http://schemas.openxmlformats.org/drawingml/2006/main" xmlns:r="http://schemas.openxmlformats.org/officeDocument/2006/relationships" xmlns:p="http://schemas.openxmlformats.org/presentationml/2006/main" showMasterSp="0" showMasterPhAnim="0">
-  <p:cSld>
-    <p:spTree>
-      <p:nvGrpSpPr>
-        <p:cNvPr id="1" name="Shape 265"/>
-        <p:cNvGrpSpPr/>
-        <p:nvPr/>
-      </p:nvGrpSpPr>
-      <p:grpSpPr>
-        <a:xfrm>
-          <a:off x="0" y="0"/>
-          <a:ext cx="0" cy="0"/>
-          <a:chOff x="0" y="0"/>
-          <a:chExt cx="0" cy="0"/>
-        </a:xfrm>
-      </p:grpSpPr>
-      <p:sp>
-        <p:nvSpPr>
-          <p:cNvPr id="266" name="Google Shape;266;gdaf639f2a2_0_76:notes"/>
-          <p:cNvSpPr>
-            <a:spLocks noGrp="1" noRot="1" noChangeAspect="1"/>
-          </p:cNvSpPr>
-          <p:nvPr>
-            <p:ph type="sldImg" idx="2"/>
-          </p:nvPr>
-        </p:nvSpPr>
-        <p:spPr>
-          <a:xfrm>
-            <a:off x="381000" y="685800"/>
-            <a:ext cx="6096000" cy="3429000"/>
-          </a:xfrm>
-          <a:custGeom>
-            <a:avLst/>
-            <a:gdLst/>
-            <a:ahLst/>
-            <a:cxnLst/>
-            <a:rect l="l" t="t" r="r" b="b"/>
-            <a:pathLst>
-              <a:path w="120000" h="120000" extrusionOk="0">
-                <a:moveTo>
-                  <a:pt x="0" y="0"/>
-                </a:moveTo>
-                <a:lnTo>
-                  <a:pt x="120000" y="0"/>
-                </a:lnTo>
-                <a:lnTo>
-                  <a:pt x="120000" y="120000"/>
-                </a:lnTo>
-                <a:lnTo>
-                  <a:pt x="0" y="120000"/>
-                </a:lnTo>
-                <a:close/>
-              </a:path>
-            </a:pathLst>
-          </a:custGeom>
-        </p:spPr>
-      </p:sp>
-      <p:sp>
-        <p:nvSpPr>
-          <p:cNvPr id="267" name="Google Shape;267;gdaf639f2a2_0_76:notes"/>
           <p:cNvSpPr txBox="1">
             <a:spLocks noGrp="1"/>
           </p:cNvSpPr>
@@ -6700,6 +6965,110 @@
   <p:cSld>
     <p:spTree>
       <p:nvGrpSpPr>
+        <p:cNvPr id="1" name="Shape 265"/>
+        <p:cNvGrpSpPr/>
+        <p:nvPr/>
+      </p:nvGrpSpPr>
+      <p:grpSpPr>
+        <a:xfrm>
+          <a:off x="0" y="0"/>
+          <a:ext cx="0" cy="0"/>
+          <a:chOff x="0" y="0"/>
+          <a:chExt cx="0" cy="0"/>
+        </a:xfrm>
+      </p:grpSpPr>
+      <p:sp>
+        <p:nvSpPr>
+          <p:cNvPr id="266" name="Google Shape;266;gdaf639f2a2_0_76:notes"/>
+          <p:cNvSpPr>
+            <a:spLocks noGrp="1" noRot="1" noChangeAspect="1"/>
+          </p:cNvSpPr>
+          <p:nvPr>
+            <p:ph type="sldImg" idx="2"/>
+          </p:nvPr>
+        </p:nvSpPr>
+        <p:spPr>
+          <a:xfrm>
+            <a:off x="381000" y="685800"/>
+            <a:ext cx="6096000" cy="3429000"/>
+          </a:xfrm>
+          <a:custGeom>
+            <a:avLst/>
+            <a:gdLst/>
+            <a:ahLst/>
+            <a:cxnLst/>
+            <a:rect l="l" t="t" r="r" b="b"/>
+            <a:pathLst>
+              <a:path w="120000" h="120000" extrusionOk="0">
+                <a:moveTo>
+                  <a:pt x="0" y="0"/>
+                </a:moveTo>
+                <a:lnTo>
+                  <a:pt x="120000" y="0"/>
+                </a:lnTo>
+                <a:lnTo>
+                  <a:pt x="120000" y="120000"/>
+                </a:lnTo>
+                <a:lnTo>
+                  <a:pt x="0" y="120000"/>
+                </a:lnTo>
+                <a:close/>
+              </a:path>
+            </a:pathLst>
+          </a:custGeom>
+        </p:spPr>
+      </p:sp>
+      <p:sp>
+        <p:nvSpPr>
+          <p:cNvPr id="267" name="Google Shape;267;gdaf639f2a2_0_76:notes"/>
+          <p:cNvSpPr txBox="1">
+            <a:spLocks noGrp="1"/>
+          </p:cNvSpPr>
+          <p:nvPr>
+            <p:ph type="body" idx="1"/>
+          </p:nvPr>
+        </p:nvSpPr>
+        <p:spPr>
+          <a:xfrm>
+            <a:off x="685800" y="4343400"/>
+            <a:ext cx="5486400" cy="4114800"/>
+          </a:xfrm>
+          <a:prstGeom prst="rect">
+            <a:avLst/>
+          </a:prstGeom>
+        </p:spPr>
+        <p:txBody>
+          <a:bodyPr spcFirstLastPara="1" wrap="square" lIns="91425" tIns="91425" rIns="91425" bIns="91425" anchor="t" anchorCtr="0">
+            <a:noAutofit/>
+          </a:bodyPr>
+          <a:lstStyle/>
+          <a:p>
+            <a:pPr marL="0" lvl="0" indent="0" algn="l" rtl="0">
+              <a:spcBef>
+                <a:spcPts val="0"/>
+              </a:spcBef>
+              <a:spcAft>
+                <a:spcPts val="0"/>
+              </a:spcAft>
+              <a:buNone/>
+            </a:pPr>
+            <a:endParaRPr/>
+          </a:p>
+        </p:txBody>
+      </p:sp>
+    </p:spTree>
+  </p:cSld>
+  <p:clrMapOvr>
+    <a:masterClrMapping/>
+  </p:clrMapOvr>
+</p:notes>
+</file>
+
+<file path=ppt/notesSlides/notesSlide61.xml><?xml version="1.0" encoding="utf-8"?>
+<p:notes xmlns:a="http://schemas.openxmlformats.org/drawingml/2006/main" xmlns:r="http://schemas.openxmlformats.org/officeDocument/2006/relationships" xmlns:p="http://schemas.openxmlformats.org/presentationml/2006/main" showMasterSp="0" showMasterPhAnim="0">
+  <p:cSld>
+    <p:spTree>
+      <p:nvGrpSpPr>
         <p:cNvPr id="1" name="Shape 272"/>
         <p:cNvGrpSpPr/>
         <p:nvPr/>
@@ -6909,7 +7278,7 @@
 </p:notes>
 </file>
 
-<file path=ppt/notesSlides/notesSlide61.xml><?xml version="1.0" encoding="utf-8"?>
+<file path=ppt/notesSlides/notesSlide62.xml><?xml version="1.0" encoding="utf-8"?>
 <p:notes xmlns:a="http://schemas.openxmlformats.org/drawingml/2006/main" xmlns:r="http://schemas.openxmlformats.org/officeDocument/2006/relationships" xmlns:p="http://schemas.openxmlformats.org/presentationml/2006/main" showMasterSp="0" showMasterPhAnim="0">
   <p:cSld>
     <p:spTree>
@@ -7013,7 +7382,7 @@
 </p:notes>
 </file>
 
-<file path=ppt/notesSlides/notesSlide62.xml><?xml version="1.0" encoding="utf-8"?>
+<file path=ppt/notesSlides/notesSlide63.xml><?xml version="1.0" encoding="utf-8"?>
 <p:notes xmlns:a="http://schemas.openxmlformats.org/drawingml/2006/main" xmlns:r="http://schemas.openxmlformats.org/officeDocument/2006/relationships" xmlns:p="http://schemas.openxmlformats.org/presentationml/2006/main" showMasterSp="0" showMasterPhAnim="0">
   <p:cSld>
     <p:spTree>
@@ -7117,7 +7486,7 @@
 </p:notes>
 </file>
 
-<file path=ppt/notesSlides/notesSlide63.xml><?xml version="1.0" encoding="utf-8"?>
+<file path=ppt/notesSlides/notesSlide64.xml><?xml version="1.0" encoding="utf-8"?>
 <p:notes xmlns:a="http://schemas.openxmlformats.org/drawingml/2006/main" xmlns:r="http://schemas.openxmlformats.org/officeDocument/2006/relationships" xmlns:p="http://schemas.openxmlformats.org/presentationml/2006/main" showMasterSp="0" showMasterPhAnim="0">
   <p:cSld>
     <p:spTree>
@@ -7221,7 +7590,7 @@
 </p:notes>
 </file>
 
-<file path=ppt/notesSlides/notesSlide64.xml><?xml version="1.0" encoding="utf-8"?>
+<file path=ppt/notesSlides/notesSlide65.xml><?xml version="1.0" encoding="utf-8"?>
 <p:notes xmlns:a="http://schemas.openxmlformats.org/drawingml/2006/main" xmlns:r="http://schemas.openxmlformats.org/officeDocument/2006/relationships" xmlns:p="http://schemas.openxmlformats.org/presentationml/2006/main" showMasterSp="0" showMasterPhAnim="0">
   <p:cSld>
     <p:spTree>
@@ -7325,7 +7694,7 @@
 </p:notes>
 </file>
 
-<file path=ppt/notesSlides/notesSlide65.xml><?xml version="1.0" encoding="utf-8"?>
+<file path=ppt/notesSlides/notesSlide66.xml><?xml version="1.0" encoding="utf-8"?>
 <p:notes xmlns:a="http://schemas.openxmlformats.org/drawingml/2006/main" xmlns:r="http://schemas.openxmlformats.org/officeDocument/2006/relationships" xmlns:p="http://schemas.openxmlformats.org/presentationml/2006/main" showMasterSp="0" showMasterPhAnim="0">
   <p:cSld>
     <p:spTree>
@@ -27212,10 +27581,10 @@
               <a:buNone/>
             </a:pPr>
             <a:r>
-              <a:rPr lang="en"/>
+              <a:rPr lang="en" dirty="0"/>
               <a:t>Cross-Site Request Forgery (CSRF)</a:t>
             </a:r>
-            <a:endParaRPr/>
+            <a:endParaRPr dirty="0"/>
           </a:p>
         </p:txBody>
       </p:sp>
@@ -29952,23 +30321,6 @@
             <a:r>
               <a:rPr lang="en" dirty="0"/>
               <a:t>Strategy #1: Trick the victim into clicking a link</a:t>
-            </a:r>
-            <a:endParaRPr dirty="0"/>
-          </a:p>
-          <a:p>
-            <a:pPr marL="914400" lvl="1" indent="-317500" algn="l" rtl="0">
-              <a:spcBef>
-                <a:spcPts val="0"/>
-              </a:spcBef>
-              <a:spcAft>
-                <a:spcPts val="0"/>
-              </a:spcAft>
-              <a:buSzPts val="1400"/>
-              <a:buChar char="○"/>
-            </a:pPr>
-            <a:r>
-              <a:rPr lang="en" dirty="0"/>
-              <a:t>Later we’ll see how to trick a victim into clicking a link</a:t>
             </a:r>
             <a:endParaRPr dirty="0"/>
           </a:p>
@@ -30622,55 +30974,6 @@
                       </p:childTnLst>
                     </p:cTn>
                   </p:par>
-                  <p:par>
-                    <p:cTn id="31" fill="hold">
-                      <p:stCondLst>
-                        <p:cond delay="indefinite"/>
-                      </p:stCondLst>
-                      <p:childTnLst>
-                        <p:par>
-                          <p:cTn id="32" fill="hold">
-                            <p:stCondLst>
-                              <p:cond delay="0"/>
-                            </p:stCondLst>
-                            <p:childTnLst>
-                              <p:par>
-                                <p:cTn id="33" presetID="1" presetClass="entr" presetSubtype="0" fill="hold" nodeType="clickEffect">
-                                  <p:stCondLst>
-                                    <p:cond delay="0"/>
-                                  </p:stCondLst>
-                                  <p:childTnLst>
-                                    <p:set>
-                                      <p:cBhvr>
-                                        <p:cTn id="34" dur="1" fill="hold">
-                                          <p:stCondLst>
-                                            <p:cond delay="0"/>
-                                          </p:stCondLst>
-                                        </p:cTn>
-                                        <p:tgtEl>
-                                          <p:spTgt spid="451">
-                                            <p:txEl>
-                                              <p:pRg st="8" end="8"/>
-                                            </p:txEl>
-                                          </p:spTgt>
-                                        </p:tgtEl>
-                                        <p:attrNameLst>
-                                          <p:attrName>style.visibility</p:attrName>
-                                        </p:attrNameLst>
-                                      </p:cBhvr>
-                                      <p:to>
-                                        <p:strVal val="visible"/>
-                                      </p:to>
-                                    </p:set>
-                                  </p:childTnLst>
-                                </p:cTn>
-                              </p:par>
-                            </p:childTnLst>
-                          </p:cTn>
-                        </p:par>
-                      </p:childTnLst>
-                    </p:cTn>
-                  </p:par>
                 </p:childTnLst>
               </p:cTn>
               <p:prevCondLst>
@@ -30748,10 +31051,10 @@
               <a:buNone/>
             </a:pPr>
             <a:r>
-              <a:rPr lang="en"/>
+              <a:rPr lang="en" dirty="0"/>
               <a:t>Executing a CSRF Attack</a:t>
             </a:r>
-            <a:endParaRPr/>
+            <a:endParaRPr dirty="0"/>
           </a:p>
         </p:txBody>
       </p:sp>
@@ -31012,7 +31315,7 @@
                                         <p:tgtEl>
                                           <p:spTgt spid="458">
                                             <p:txEl>
-                                              <p:pRg st="1" end="1"/>
+                                              <p:pRg st="2" end="2"/>
                                             </p:txEl>
                                           </p:spTgt>
                                         </p:tgtEl>
@@ -31061,7 +31364,7 @@
                                         <p:tgtEl>
                                           <p:spTgt spid="458">
                                             <p:txEl>
-                                              <p:pRg st="2" end="2"/>
+                                              <p:pRg st="3" end="3"/>
                                             </p:txEl>
                                           </p:spTgt>
                                         </p:tgtEl>
@@ -31110,7 +31413,7 @@
                                         <p:tgtEl>
                                           <p:spTgt spid="458">
                                             <p:txEl>
-                                              <p:pRg st="3" end="3"/>
+                                              <p:pRg st="4" end="4"/>
                                             </p:txEl>
                                           </p:spTgt>
                                         </p:tgtEl>
@@ -31159,7 +31462,7 @@
                                         <p:tgtEl>
                                           <p:spTgt spid="458">
                                             <p:txEl>
-                                              <p:pRg st="4" end="4"/>
+                                              <p:pRg st="5" end="5"/>
                                             </p:txEl>
                                           </p:spTgt>
                                         </p:tgtEl>
@@ -31208,7 +31511,7 @@
                                         <p:tgtEl>
                                           <p:spTgt spid="458">
                                             <p:txEl>
-                                              <p:pRg st="5" end="5"/>
+                                              <p:pRg st="6" end="6"/>
                                             </p:txEl>
                                           </p:spTgt>
                                         </p:tgtEl>
@@ -31250,55 +31553,6 @@
                                     <p:set>
                                       <p:cBhvr>
                                         <p:cTn id="26" dur="1" fill="hold">
-                                          <p:stCondLst>
-                                            <p:cond delay="0"/>
-                                          </p:stCondLst>
-                                        </p:cTn>
-                                        <p:tgtEl>
-                                          <p:spTgt spid="458">
-                                            <p:txEl>
-                                              <p:pRg st="6" end="6"/>
-                                            </p:txEl>
-                                          </p:spTgt>
-                                        </p:tgtEl>
-                                        <p:attrNameLst>
-                                          <p:attrName>style.visibility</p:attrName>
-                                        </p:attrNameLst>
-                                      </p:cBhvr>
-                                      <p:to>
-                                        <p:strVal val="visible"/>
-                                      </p:to>
-                                    </p:set>
-                                  </p:childTnLst>
-                                </p:cTn>
-                              </p:par>
-                            </p:childTnLst>
-                          </p:cTn>
-                        </p:par>
-                      </p:childTnLst>
-                    </p:cTn>
-                  </p:par>
-                  <p:par>
-                    <p:cTn id="27" fill="hold">
-                      <p:stCondLst>
-                        <p:cond delay="indefinite"/>
-                      </p:stCondLst>
-                      <p:childTnLst>
-                        <p:par>
-                          <p:cTn id="28" fill="hold">
-                            <p:stCondLst>
-                              <p:cond delay="0"/>
-                            </p:stCondLst>
-                            <p:childTnLst>
-                              <p:par>
-                                <p:cTn id="29" presetID="1" presetClass="entr" presetSubtype="0" fill="hold" nodeType="clickEffect">
-                                  <p:stCondLst>
-                                    <p:cond delay="0"/>
-                                  </p:stCondLst>
-                                  <p:childTnLst>
-                                    <p:set>
-                                      <p:cBhvr>
-                                        <p:cTn id="30" dur="1" fill="hold">
                                           <p:stCondLst>
                                             <p:cond delay="0"/>
                                           </p:stCondLst>
@@ -31687,6 +31941,549 @@
 </file>
 
 <file path=ppt/slides/slide40.xml><?xml version="1.0" encoding="utf-8"?>
+<p:sld xmlns:a="http://schemas.openxmlformats.org/drawingml/2006/main" xmlns:r="http://schemas.openxmlformats.org/officeDocument/2006/relationships" xmlns:p="http://schemas.openxmlformats.org/presentationml/2006/main">
+  <p:cSld>
+    <p:spTree>
+      <p:nvGrpSpPr>
+        <p:cNvPr id="1" name="Shape 456"/>
+        <p:cNvGrpSpPr/>
+        <p:nvPr/>
+      </p:nvGrpSpPr>
+      <p:grpSpPr>
+        <a:xfrm>
+          <a:off x="0" y="0"/>
+          <a:ext cx="0" cy="0"/>
+          <a:chOff x="0" y="0"/>
+          <a:chExt cx="0" cy="0"/>
+        </a:xfrm>
+      </p:grpSpPr>
+      <p:sp>
+        <p:nvSpPr>
+          <p:cNvPr id="457" name="Google Shape;457;p62"/>
+          <p:cNvSpPr txBox="1">
+            <a:spLocks noGrp="1"/>
+          </p:cNvSpPr>
+          <p:nvPr>
+            <p:ph type="title"/>
+          </p:nvPr>
+        </p:nvSpPr>
+        <p:spPr>
+          <a:xfrm>
+            <a:off x="102700" y="270875"/>
+            <a:ext cx="8520600" cy="572700"/>
+          </a:xfrm>
+          <a:prstGeom prst="rect">
+            <a:avLst/>
+          </a:prstGeom>
+        </p:spPr>
+        <p:txBody>
+          <a:bodyPr spcFirstLastPara="1" wrap="square" lIns="91425" tIns="91425" rIns="91425" bIns="91425" anchor="t" anchorCtr="0">
+            <a:normAutofit fontScale="90000"/>
+          </a:bodyPr>
+          <a:lstStyle/>
+          <a:p>
+            <a:pPr marL="0" lvl="0" indent="0" algn="l" rtl="0">
+              <a:spcBef>
+                <a:spcPts val="0"/>
+              </a:spcBef>
+              <a:spcAft>
+                <a:spcPts val="0"/>
+              </a:spcAft>
+              <a:buNone/>
+            </a:pPr>
+            <a:r>
+              <a:rPr lang="en" dirty="0"/>
+              <a:t>Can Same-Origin Policy help?</a:t>
+            </a:r>
+            <a:endParaRPr dirty="0"/>
+          </a:p>
+        </p:txBody>
+      </p:sp>
+      <p:sp>
+        <p:nvSpPr>
+          <p:cNvPr id="458" name="Google Shape;458;p62"/>
+          <p:cNvSpPr txBox="1">
+            <a:spLocks noGrp="1"/>
+          </p:cNvSpPr>
+          <p:nvPr>
+            <p:ph type="body" idx="1"/>
+          </p:nvPr>
+        </p:nvSpPr>
+        <p:spPr>
+          <a:xfrm>
+            <a:off x="198500" y="1246825"/>
+            <a:ext cx="8520600" cy="3765600"/>
+          </a:xfrm>
+          <a:prstGeom prst="rect">
+            <a:avLst/>
+          </a:prstGeom>
+        </p:spPr>
+        <p:txBody>
+          <a:bodyPr spcFirstLastPara="1" wrap="square" lIns="91425" tIns="91425" rIns="91425" bIns="91425" anchor="t" anchorCtr="0">
+            <a:normAutofit/>
+          </a:bodyPr>
+          <a:lstStyle/>
+          <a:p>
+            <a:r>
+              <a:rPr lang="en" dirty="0"/>
+              <a:t>Cross-Site Request Forgery (CSRF)</a:t>
+            </a:r>
+          </a:p>
+          <a:p>
+            <a:pPr lvl="1" indent="-342900">
+              <a:buSzPts val="1800"/>
+              <a:buFont typeface="Arial"/>
+              <a:buChar char="●"/>
+            </a:pPr>
+            <a:r>
+              <a:rPr lang="en-US" sz="1600" dirty="0"/>
+              <a:t>Strategy #2: Put some JavaScript on a website the victim will visit</a:t>
+            </a:r>
+          </a:p>
+          <a:p>
+            <a:pPr lvl="1" indent="-342900">
+              <a:buSzPts val="1800"/>
+              <a:buFont typeface="Arial"/>
+              <a:buChar char="●"/>
+            </a:pPr>
+            <a:r>
+              <a:rPr lang="en-US" sz="1600" dirty="0"/>
+              <a:t>Example: Pay for an advertisement on the website, and put JavaScript in the ad</a:t>
+            </a:r>
+          </a:p>
+          <a:p>
+            <a:pPr marL="457200" lvl="0" indent="-342900" algn="l" rtl="0">
+              <a:spcBef>
+                <a:spcPts val="0"/>
+              </a:spcBef>
+              <a:spcAft>
+                <a:spcPts val="0"/>
+              </a:spcAft>
+              <a:buSzPts val="1800"/>
+              <a:buChar char="●"/>
+            </a:pPr>
+            <a:endParaRPr lang="en-US" dirty="0"/>
+          </a:p>
+          <a:p>
+            <a:pPr marL="457200" lvl="0" indent="-342900" algn="l" rtl="0">
+              <a:spcBef>
+                <a:spcPts val="0"/>
+              </a:spcBef>
+              <a:spcAft>
+                <a:spcPts val="0"/>
+              </a:spcAft>
+              <a:buSzPts val="1800"/>
+              <a:buChar char="●"/>
+            </a:pPr>
+            <a:r>
+              <a:rPr lang="en-US" dirty="0"/>
+              <a:t>Same-Origin Policy (SOP)</a:t>
+            </a:r>
+          </a:p>
+          <a:p>
+            <a:pPr lvl="1" indent="-342900">
+              <a:buSzPts val="1800"/>
+              <a:buChar char="●"/>
+            </a:pPr>
+            <a:r>
+              <a:rPr lang="en-US" sz="1600" dirty="0"/>
+              <a:t>Brower-level security control</a:t>
+            </a:r>
+          </a:p>
+          <a:p>
+            <a:pPr lvl="1" indent="-342900">
+              <a:buSzPts val="1800"/>
+              <a:buChar char="●"/>
+            </a:pPr>
+            <a:r>
+              <a:rPr lang="en-US" sz="1600" dirty="0"/>
+              <a:t>Prevents scripts from one origin from </a:t>
+            </a:r>
+            <a:r>
+              <a:rPr lang="en-US" sz="1600" b="1" dirty="0"/>
+              <a:t>reading </a:t>
+            </a:r>
+            <a:r>
+              <a:rPr lang="en-US" sz="1600" dirty="0"/>
+              <a:t>data from another origin </a:t>
+            </a:r>
+            <a:endParaRPr sz="1600" dirty="0"/>
+          </a:p>
+          <a:p>
+            <a:pPr marL="914400" lvl="1" indent="-317500" algn="l" rtl="0">
+              <a:spcBef>
+                <a:spcPts val="0"/>
+              </a:spcBef>
+              <a:spcAft>
+                <a:spcPts val="0"/>
+              </a:spcAft>
+              <a:buSzPts val="1400"/>
+              <a:buChar char="○"/>
+            </a:pPr>
+            <a:endParaRPr lang="en-US" dirty="0"/>
+          </a:p>
+          <a:p>
+            <a:r>
+              <a:rPr lang="en" dirty="0"/>
+              <a:t>C</a:t>
+            </a:r>
+            <a:r>
+              <a:rPr lang="en-US" dirty="0"/>
+              <a:t>a</a:t>
+            </a:r>
+            <a:r>
+              <a:rPr lang="en" dirty="0"/>
+              <a:t>n SOP help with defending against CSRF?</a:t>
+            </a:r>
+          </a:p>
+          <a:p>
+            <a:pPr lvl="1" indent="-342900">
+              <a:buSzPts val="1800"/>
+              <a:buFont typeface="Arial"/>
+              <a:buChar char="●"/>
+            </a:pPr>
+            <a:r>
+              <a:rPr lang="en-US" sz="1600" dirty="0"/>
+              <a:t>With SOP, reading data from another origin is not permitted, but</a:t>
+            </a:r>
+          </a:p>
+          <a:p>
+            <a:pPr lvl="1" indent="-342900">
+              <a:buSzPts val="1800"/>
+              <a:buFont typeface="Arial"/>
+              <a:buChar char="●"/>
+            </a:pPr>
+            <a:r>
+              <a:rPr lang="en-US" sz="1600" dirty="0"/>
+              <a:t>form submissions are still permitted, </a:t>
+            </a:r>
+            <a:r>
+              <a:rPr lang="en-US" sz="1600" dirty="0" err="1"/>
+              <a:t>whichresults</a:t>
+            </a:r>
+            <a:r>
+              <a:rPr lang="en-US" sz="1600" dirty="0"/>
+              <a:t> in some server side state change</a:t>
+            </a:r>
+          </a:p>
+          <a:p>
+            <a:pPr lvl="1" indent="-342900">
+              <a:buSzPts val="1800"/>
+              <a:buFont typeface="Arial"/>
+              <a:buChar char="●"/>
+            </a:pPr>
+            <a:endParaRPr dirty="0"/>
+          </a:p>
+        </p:txBody>
+      </p:sp>
+      <p:sp>
+        <p:nvSpPr>
+          <p:cNvPr id="459" name="Google Shape;459;p62"/>
+          <p:cNvSpPr txBox="1">
+            <a:spLocks noGrp="1"/>
+          </p:cNvSpPr>
+          <p:nvPr>
+            <p:ph type="sldNum" idx="12"/>
+          </p:nvPr>
+        </p:nvSpPr>
+        <p:spPr>
+          <a:xfrm>
+            <a:off x="8472458" y="4663217"/>
+            <a:ext cx="548700" cy="393600"/>
+          </a:xfrm>
+          <a:prstGeom prst="rect">
+            <a:avLst/>
+          </a:prstGeom>
+        </p:spPr>
+        <p:txBody>
+          <a:bodyPr spcFirstLastPara="1" wrap="square" lIns="91425" tIns="91425" rIns="91425" bIns="91425" anchor="ctr" anchorCtr="0">
+            <a:normAutofit/>
+          </a:bodyPr>
+          <a:lstStyle/>
+          <a:p>
+            <a:pPr marL="0" lvl="0" indent="0" algn="r" rtl="0">
+              <a:spcBef>
+                <a:spcPts val="0"/>
+              </a:spcBef>
+              <a:spcAft>
+                <a:spcPts val="0"/>
+              </a:spcAft>
+              <a:buNone/>
+            </a:pPr>
+            <a:fld id="{00000000-1234-1234-1234-123412341234}" type="slidenum">
+              <a:rPr lang="en"/>
+              <a:t>40</a:t>
+            </a:fld>
+            <a:endParaRPr/>
+          </a:p>
+        </p:txBody>
+      </p:sp>
+    </p:spTree>
+    <p:extLst>
+      <p:ext uri="{BB962C8B-B14F-4D97-AF65-F5344CB8AC3E}">
+        <p14:creationId xmlns:p14="http://schemas.microsoft.com/office/powerpoint/2010/main" val="3104240648"/>
+      </p:ext>
+    </p:extLst>
+  </p:cSld>
+  <p:clrMapOvr>
+    <a:masterClrMapping/>
+  </p:clrMapOvr>
+  <p:timing>
+    <p:tnLst>
+      <p:par>
+        <p:cTn id="1" dur="indefinite" restart="never" nodeType="tmRoot">
+          <p:childTnLst>
+            <p:seq concurrent="1" nextAc="seek">
+              <p:cTn id="2" dur="indefinite" nodeType="mainSeq">
+                <p:childTnLst>
+                  <p:par>
+                    <p:cTn id="3" fill="hold">
+                      <p:stCondLst>
+                        <p:cond delay="indefinite"/>
+                      </p:stCondLst>
+                      <p:childTnLst>
+                        <p:par>
+                          <p:cTn id="4" fill="hold">
+                            <p:stCondLst>
+                              <p:cond delay="0"/>
+                            </p:stCondLst>
+                            <p:childTnLst>
+                              <p:par>
+                                <p:cTn id="5" presetID="1" presetClass="entr" presetSubtype="0" fill="hold" nodeType="clickEffect">
+                                  <p:stCondLst>
+                                    <p:cond delay="0"/>
+                                  </p:stCondLst>
+                                  <p:childTnLst>
+                                    <p:set>
+                                      <p:cBhvr>
+                                        <p:cTn id="6" dur="1" fill="hold">
+                                          <p:stCondLst>
+                                            <p:cond delay="0"/>
+                                          </p:stCondLst>
+                                        </p:cTn>
+                                        <p:tgtEl>
+                                          <p:spTgt spid="458">
+                                            <p:txEl>
+                                              <p:pRg st="4" end="4"/>
+                                            </p:txEl>
+                                          </p:spTgt>
+                                        </p:tgtEl>
+                                        <p:attrNameLst>
+                                          <p:attrName>style.visibility</p:attrName>
+                                        </p:attrNameLst>
+                                      </p:cBhvr>
+                                      <p:to>
+                                        <p:strVal val="visible"/>
+                                      </p:to>
+                                    </p:set>
+                                  </p:childTnLst>
+                                </p:cTn>
+                              </p:par>
+                              <p:par>
+                                <p:cTn id="7" presetID="1" presetClass="entr" presetSubtype="0" fill="hold" nodeType="withEffect">
+                                  <p:stCondLst>
+                                    <p:cond delay="0"/>
+                                  </p:stCondLst>
+                                  <p:childTnLst>
+                                    <p:set>
+                                      <p:cBhvr>
+                                        <p:cTn id="8" dur="1" fill="hold">
+                                          <p:stCondLst>
+                                            <p:cond delay="0"/>
+                                          </p:stCondLst>
+                                        </p:cTn>
+                                        <p:tgtEl>
+                                          <p:spTgt spid="458">
+                                            <p:txEl>
+                                              <p:pRg st="5" end="5"/>
+                                            </p:txEl>
+                                          </p:spTgt>
+                                        </p:tgtEl>
+                                        <p:attrNameLst>
+                                          <p:attrName>style.visibility</p:attrName>
+                                        </p:attrNameLst>
+                                      </p:cBhvr>
+                                      <p:to>
+                                        <p:strVal val="visible"/>
+                                      </p:to>
+                                    </p:set>
+                                  </p:childTnLst>
+                                </p:cTn>
+                              </p:par>
+                              <p:par>
+                                <p:cTn id="9" presetID="1" presetClass="entr" presetSubtype="0" fill="hold" nodeType="withEffect">
+                                  <p:stCondLst>
+                                    <p:cond delay="0"/>
+                                  </p:stCondLst>
+                                  <p:childTnLst>
+                                    <p:set>
+                                      <p:cBhvr>
+                                        <p:cTn id="10" dur="1" fill="hold">
+                                          <p:stCondLst>
+                                            <p:cond delay="0"/>
+                                          </p:stCondLst>
+                                        </p:cTn>
+                                        <p:tgtEl>
+                                          <p:spTgt spid="458">
+                                            <p:txEl>
+                                              <p:pRg st="6" end="6"/>
+                                            </p:txEl>
+                                          </p:spTgt>
+                                        </p:tgtEl>
+                                        <p:attrNameLst>
+                                          <p:attrName>style.visibility</p:attrName>
+                                        </p:attrNameLst>
+                                      </p:cBhvr>
+                                      <p:to>
+                                        <p:strVal val="visible"/>
+                                      </p:to>
+                                    </p:set>
+                                  </p:childTnLst>
+                                </p:cTn>
+                              </p:par>
+                            </p:childTnLst>
+                          </p:cTn>
+                        </p:par>
+                      </p:childTnLst>
+                    </p:cTn>
+                  </p:par>
+                  <p:par>
+                    <p:cTn id="11" fill="hold">
+                      <p:stCondLst>
+                        <p:cond delay="indefinite"/>
+                      </p:stCondLst>
+                      <p:childTnLst>
+                        <p:par>
+                          <p:cTn id="12" fill="hold">
+                            <p:stCondLst>
+                              <p:cond delay="0"/>
+                            </p:stCondLst>
+                            <p:childTnLst>
+                              <p:par>
+                                <p:cTn id="13" presetID="1" presetClass="entr" presetSubtype="0" fill="hold" nodeType="clickEffect">
+                                  <p:stCondLst>
+                                    <p:cond delay="0"/>
+                                  </p:stCondLst>
+                                  <p:childTnLst>
+                                    <p:set>
+                                      <p:cBhvr>
+                                        <p:cTn id="14" dur="1" fill="hold">
+                                          <p:stCondLst>
+                                            <p:cond delay="0"/>
+                                          </p:stCondLst>
+                                        </p:cTn>
+                                        <p:tgtEl>
+                                          <p:spTgt spid="458">
+                                            <p:txEl>
+                                              <p:pRg st="8" end="8"/>
+                                            </p:txEl>
+                                          </p:spTgt>
+                                        </p:tgtEl>
+                                        <p:attrNameLst>
+                                          <p:attrName>style.visibility</p:attrName>
+                                        </p:attrNameLst>
+                                      </p:cBhvr>
+                                      <p:to>
+                                        <p:strVal val="visible"/>
+                                      </p:to>
+                                    </p:set>
+                                  </p:childTnLst>
+                                </p:cTn>
+                              </p:par>
+                              <p:par>
+                                <p:cTn id="15" presetID="1" presetClass="entr" presetSubtype="0" fill="hold" nodeType="withEffect">
+                                  <p:stCondLst>
+                                    <p:cond delay="0"/>
+                                  </p:stCondLst>
+                                  <p:childTnLst>
+                                    <p:set>
+                                      <p:cBhvr>
+                                        <p:cTn id="16" dur="1" fill="hold">
+                                          <p:stCondLst>
+                                            <p:cond delay="0"/>
+                                          </p:stCondLst>
+                                        </p:cTn>
+                                        <p:tgtEl>
+                                          <p:spTgt spid="458">
+                                            <p:txEl>
+                                              <p:pRg st="9" end="9"/>
+                                            </p:txEl>
+                                          </p:spTgt>
+                                        </p:tgtEl>
+                                        <p:attrNameLst>
+                                          <p:attrName>style.visibility</p:attrName>
+                                        </p:attrNameLst>
+                                      </p:cBhvr>
+                                      <p:to>
+                                        <p:strVal val="visible"/>
+                                      </p:to>
+                                    </p:set>
+                                  </p:childTnLst>
+                                </p:cTn>
+                              </p:par>
+                              <p:par>
+                                <p:cTn id="17" presetID="1" presetClass="entr" presetSubtype="0" fill="hold" nodeType="withEffect">
+                                  <p:stCondLst>
+                                    <p:cond delay="0"/>
+                                  </p:stCondLst>
+                                  <p:childTnLst>
+                                    <p:set>
+                                      <p:cBhvr>
+                                        <p:cTn id="18" dur="1" fill="hold">
+                                          <p:stCondLst>
+                                            <p:cond delay="0"/>
+                                          </p:stCondLst>
+                                        </p:cTn>
+                                        <p:tgtEl>
+                                          <p:spTgt spid="458">
+                                            <p:txEl>
+                                              <p:pRg st="10" end="10"/>
+                                            </p:txEl>
+                                          </p:spTgt>
+                                        </p:tgtEl>
+                                        <p:attrNameLst>
+                                          <p:attrName>style.visibility</p:attrName>
+                                        </p:attrNameLst>
+                                      </p:cBhvr>
+                                      <p:to>
+                                        <p:strVal val="visible"/>
+                                      </p:to>
+                                    </p:set>
+                                  </p:childTnLst>
+                                </p:cTn>
+                              </p:par>
+                            </p:childTnLst>
+                          </p:cTn>
+                        </p:par>
+                      </p:childTnLst>
+                    </p:cTn>
+                  </p:par>
+                </p:childTnLst>
+              </p:cTn>
+              <p:prevCondLst>
+                <p:cond evt="onPrev" delay="0">
+                  <p:tgtEl>
+                    <p:sldTgt/>
+                  </p:tgtEl>
+                </p:cond>
+              </p:prevCondLst>
+              <p:nextCondLst>
+                <p:cond evt="onNext" delay="0">
+                  <p:tgtEl>
+                    <p:sldTgt/>
+                  </p:tgtEl>
+                </p:cond>
+              </p:nextCondLst>
+            </p:seq>
+          </p:childTnLst>
+        </p:cTn>
+      </p:par>
+    </p:tnLst>
+  </p:timing>
+</p:sld>
+</file>
+
+<file path=ppt/slides/slide41.xml><?xml version="1.0" encoding="utf-8"?>
 <p:sld xmlns:a="http://schemas.openxmlformats.org/drawingml/2006/main" xmlns:r="http://schemas.openxmlformats.org/officeDocument/2006/relationships" xmlns:p="http://schemas.openxmlformats.org/presentationml/2006/main" show="0">
   <p:cSld>
     <p:spTree>
@@ -31781,7 +32578,7 @@
             </a:pPr>
             <a:fld id="{00000000-1234-1234-1234-123412341234}" type="slidenum">
               <a:rPr lang="en"/>
-              <a:t>40</a:t>
+              <a:t>41</a:t>
             </a:fld>
             <a:endParaRPr/>
           </a:p>
@@ -36877,7 +37674,7 @@
 </p:sld>
 </file>
 
-<file path=ppt/slides/slide41.xml><?xml version="1.0" encoding="utf-8"?>
+<file path=ppt/slides/slide42.xml><?xml version="1.0" encoding="utf-8"?>
 <p:sld xmlns:a="http://schemas.openxmlformats.org/drawingml/2006/main" xmlns:r="http://schemas.openxmlformats.org/officeDocument/2006/relationships" xmlns:p="http://schemas.openxmlformats.org/presentationml/2006/main" show="0">
   <p:cSld>
     <p:spTree>
@@ -37179,7 +37976,7 @@
             </a:pPr>
             <a:fld id="{00000000-1234-1234-1234-123412341234}" type="slidenum">
               <a:rPr lang="en"/>
-              <a:t>41</a:t>
+              <a:t>42</a:t>
             </a:fld>
             <a:endParaRPr/>
           </a:p>
@@ -37556,7 +38353,7 @@
 </p:sld>
 </file>
 
-<file path=ppt/slides/slide42.xml><?xml version="1.0" encoding="utf-8"?>
+<file path=ppt/slides/slide43.xml><?xml version="1.0" encoding="utf-8"?>
 <p:sld xmlns:a="http://schemas.openxmlformats.org/drawingml/2006/main" xmlns:r="http://schemas.openxmlformats.org/officeDocument/2006/relationships" xmlns:p="http://schemas.openxmlformats.org/presentationml/2006/main" show="0">
   <p:cSld>
     <p:spTree>
@@ -37651,7 +38448,7 @@
             </a:pPr>
             <a:fld id="{00000000-1234-1234-1234-123412341234}" type="slidenum">
               <a:rPr lang="en"/>
-              <a:t>42</a:t>
+              <a:t>43</a:t>
             </a:fld>
             <a:endParaRPr/>
           </a:p>
@@ -37818,7 +38615,7 @@
 </p:sld>
 </file>
 
-<file path=ppt/slides/slide43.xml><?xml version="1.0" encoding="utf-8"?>
+<file path=ppt/slides/slide44.xml><?xml version="1.0" encoding="utf-8"?>
 <p:sld xmlns:a="http://schemas.openxmlformats.org/drawingml/2006/main" xmlns:r="http://schemas.openxmlformats.org/officeDocument/2006/relationships" xmlns:p="http://schemas.openxmlformats.org/presentationml/2006/main">
   <p:cSld>
     <p:spTree>
@@ -37913,7 +38710,7 @@
             </a:pPr>
             <a:fld id="{00000000-1234-1234-1234-123412341234}" type="slidenum">
               <a:rPr lang="en"/>
-              <a:t>43</a:t>
+              <a:t>44</a:t>
             </a:fld>
             <a:endParaRPr/>
           </a:p>
@@ -38127,7 +38924,7 @@
 </p:sld>
 </file>
 
-<file path=ppt/slides/slide44.xml><?xml version="1.0" encoding="utf-8"?>
+<file path=ppt/slides/slide45.xml><?xml version="1.0" encoding="utf-8"?>
 <p:sld xmlns:a="http://schemas.openxmlformats.org/drawingml/2006/main" xmlns:r="http://schemas.openxmlformats.org/officeDocument/2006/relationships" xmlns:p="http://schemas.openxmlformats.org/presentationml/2006/main" show="0">
   <p:cSld>
     <p:spTree>
@@ -38222,7 +39019,7 @@
             </a:pPr>
             <a:fld id="{00000000-1234-1234-1234-123412341234}" type="slidenum">
               <a:rPr lang="en"/>
-              <a:t>44</a:t>
+              <a:t>45</a:t>
             </a:fld>
             <a:endParaRPr/>
           </a:p>
@@ -38922,7 +39719,7 @@
 </p:sld>
 </file>
 
-<file path=ppt/slides/slide45.xml><?xml version="1.0" encoding="utf-8"?>
+<file path=ppt/slides/slide46.xml><?xml version="1.0" encoding="utf-8"?>
 <p:sld xmlns:a="http://schemas.openxmlformats.org/drawingml/2006/main" xmlns:r="http://schemas.openxmlformats.org/officeDocument/2006/relationships" xmlns:p="http://schemas.openxmlformats.org/presentationml/2006/main">
   <p:cSld>
     <p:spTree>
@@ -39017,40 +39814,12 @@
             </a:pPr>
             <a:fld id="{00000000-1234-1234-1234-123412341234}" type="slidenum">
               <a:rPr lang="en"/>
-              <a:t>45</a:t>
+              <a:t>46</a:t>
             </a:fld>
             <a:endParaRPr/>
           </a:p>
         </p:txBody>
       </p:sp>
-      <p:pic>
-        <p:nvPicPr>
-          <p:cNvPr id="503" name="Google Shape;503;p68"/>
-          <p:cNvPicPr preferRelativeResize="0"/>
-          <p:nvPr/>
-        </p:nvPicPr>
-        <p:blipFill>
-          <a:blip r:embed="rId3">
-            <a:alphaModFix/>
-          </a:blip>
-          <a:stretch>
-            <a:fillRect/>
-          </a:stretch>
-        </p:blipFill>
-        <p:spPr>
-          <a:xfrm>
-            <a:off x="3085688" y="3064125"/>
-            <a:ext cx="2972625" cy="2079375"/>
-          </a:xfrm>
-          <a:prstGeom prst="rect">
-            <a:avLst/>
-          </a:prstGeom>
-          <a:noFill/>
-          <a:ln>
-            <a:noFill/>
-          </a:ln>
-        </p:spPr>
-      </p:pic>
     </p:spTree>
   </p:cSld>
   <p:clrMapOvr>
@@ -39059,7 +39828,7 @@
 </p:sld>
 </file>
 
-<file path=ppt/slides/slide46.xml><?xml version="1.0" encoding="utf-8"?>
+<file path=ppt/slides/slide47.xml><?xml version="1.0" encoding="utf-8"?>
 <p:sld xmlns:a="http://schemas.openxmlformats.org/drawingml/2006/main" xmlns:r="http://schemas.openxmlformats.org/officeDocument/2006/relationships" xmlns:p="http://schemas.openxmlformats.org/presentationml/2006/main">
   <p:cSld>
     <p:spTree>
@@ -39154,7 +39923,7 @@
             </a:pPr>
             <a:fld id="{00000000-1234-1234-1234-123412341234}" type="slidenum">
               <a:rPr lang="en"/>
-              <a:t>46</a:t>
+              <a:t>47</a:t>
             </a:fld>
             <a:endParaRPr/>
           </a:p>
@@ -39278,7 +40047,7 @@
 </p:sld>
 </file>
 
-<file path=ppt/slides/slide47.xml><?xml version="1.0" encoding="utf-8"?>
+<file path=ppt/slides/slide48.xml><?xml version="1.0" encoding="utf-8"?>
 <p:sld xmlns:a="http://schemas.openxmlformats.org/drawingml/2006/main" xmlns:r="http://schemas.openxmlformats.org/officeDocument/2006/relationships" xmlns:p="http://schemas.openxmlformats.org/presentationml/2006/main">
   <p:cSld>
     <p:spTree>
@@ -39522,7 +40291,7 @@
             </a:pPr>
             <a:fld id="{00000000-1234-1234-1234-123412341234}" type="slidenum">
               <a:rPr lang="en"/>
-              <a:t>47</a:t>
+              <a:t>48</a:t>
             </a:fld>
             <a:endParaRPr/>
           </a:p>
@@ -39633,33 +40402,15 @@
                                   </p:childTnLst>
                                 </p:cTn>
                               </p:par>
-                            </p:childTnLst>
-                          </p:cTn>
-                        </p:par>
-                      </p:childTnLst>
-                    </p:cTn>
-                  </p:par>
-                  <p:par>
-                    <p:cTn id="11" fill="hold">
-                      <p:stCondLst>
-                        <p:cond delay="indefinite"/>
-                      </p:stCondLst>
-                      <p:childTnLst>
-                        <p:par>
-                          <p:cTn id="12" fill="hold">
-                            <p:stCondLst>
-                              <p:cond delay="0"/>
-                            </p:stCondLst>
-                            <p:childTnLst>
                               <p:par>
-                                <p:cTn id="13" presetID="1" presetClass="entr" presetSubtype="0" fill="hold" nodeType="clickEffect">
+                                <p:cTn id="11" presetID="1" presetClass="entr" presetSubtype="0" fill="hold" nodeType="withEffect">
                                   <p:stCondLst>
                                     <p:cond delay="0"/>
                                   </p:stCondLst>
                                   <p:childTnLst>
                                     <p:set>
                                       <p:cBhvr>
-                                        <p:cTn id="14" dur="1" fill="hold">
+                                        <p:cTn id="12" dur="1" fill="hold">
                                           <p:stCondLst>
                                             <p:cond delay="0"/>
                                           </p:stCondLst>
@@ -39689,26 +40440,26 @@
                     </p:cTn>
                   </p:par>
                   <p:par>
-                    <p:cTn id="15" fill="hold">
+                    <p:cTn id="13" fill="hold">
                       <p:stCondLst>
                         <p:cond delay="indefinite"/>
                       </p:stCondLst>
                       <p:childTnLst>
                         <p:par>
-                          <p:cTn id="16" fill="hold">
+                          <p:cTn id="14" fill="hold">
                             <p:stCondLst>
                               <p:cond delay="0"/>
                             </p:stCondLst>
                             <p:childTnLst>
                               <p:par>
-                                <p:cTn id="17" presetID="1" presetClass="entr" presetSubtype="0" fill="hold" nodeType="clickEffect">
+                                <p:cTn id="15" presetID="1" presetClass="entr" presetSubtype="0" fill="hold" nodeType="clickEffect">
                                   <p:stCondLst>
                                     <p:cond delay="0"/>
                                   </p:stCondLst>
                                   <p:childTnLst>
                                     <p:set>
                                       <p:cBhvr>
-                                        <p:cTn id="18" dur="1" fill="hold">
+                                        <p:cTn id="16" dur="1" fill="hold">
                                           <p:stCondLst>
                                             <p:cond delay="0"/>
                                           </p:stCondLst>
@@ -39762,7 +40513,7 @@
 </p:sld>
 </file>
 
-<file path=ppt/slides/slide48.xml><?xml version="1.0" encoding="utf-8"?>
+<file path=ppt/slides/slide49.xml><?xml version="1.0" encoding="utf-8"?>
 <p:sld xmlns:a="http://schemas.openxmlformats.org/drawingml/2006/main" xmlns:r="http://schemas.openxmlformats.org/officeDocument/2006/relationships" xmlns:p="http://schemas.openxmlformats.org/presentationml/2006/main">
   <p:cSld>
     <p:spTree>
@@ -39966,6 +40717,19 @@
               <a:buSzPts val="1400"/>
               <a:buChar char="○"/>
             </a:pPr>
+            <a:endParaRPr lang="en" dirty="0"/>
+          </a:p>
+          <a:p>
+            <a:pPr marL="914400" lvl="1" indent="-317500" algn="l" rtl="0">
+              <a:spcBef>
+                <a:spcPts val="0"/>
+              </a:spcBef>
+              <a:spcAft>
+                <a:spcPts val="0"/>
+              </a:spcAft>
+              <a:buSzPts val="1400"/>
+              <a:buChar char="○"/>
+            </a:pPr>
             <a:r>
               <a:rPr lang="en" dirty="0"/>
               <a:t>The attacker’s JavaScript won’t be able to create a valid form, because they don’t know the CSRF token!</a:t>
@@ -40027,7 +40791,566 @@
             </a:pPr>
             <a:fld id="{00000000-1234-1234-1234-123412341234}" type="slidenum">
               <a:rPr lang="en"/>
-              <a:t>48</a:t>
+              <a:t>49</a:t>
+            </a:fld>
+            <a:endParaRPr/>
+          </a:p>
+        </p:txBody>
+      </p:sp>
+    </p:spTree>
+  </p:cSld>
+  <p:clrMapOvr>
+    <a:masterClrMapping/>
+  </p:clrMapOvr>
+  <p:timing>
+    <p:tnLst>
+      <p:par>
+        <p:cTn id="1" dur="indefinite" restart="never" nodeType="tmRoot">
+          <p:childTnLst>
+            <p:seq concurrent="1" nextAc="seek">
+              <p:cTn id="2" dur="indefinite" nodeType="mainSeq">
+                <p:childTnLst>
+                  <p:par>
+                    <p:cTn id="3" fill="hold">
+                      <p:stCondLst>
+                        <p:cond delay="indefinite"/>
+                      </p:stCondLst>
+                      <p:childTnLst>
+                        <p:par>
+                          <p:cTn id="4" fill="hold">
+                            <p:stCondLst>
+                              <p:cond delay="0"/>
+                            </p:stCondLst>
+                            <p:childTnLst>
+                              <p:par>
+                                <p:cTn id="5" presetID="1" presetClass="entr" presetSubtype="0" fill="hold" nodeType="clickEffect">
+                                  <p:stCondLst>
+                                    <p:cond delay="0"/>
+                                  </p:stCondLst>
+                                  <p:childTnLst>
+                                    <p:set>
+                                      <p:cBhvr>
+                                        <p:cTn id="6" dur="1" fill="hold">
+                                          <p:stCondLst>
+                                            <p:cond delay="0"/>
+                                          </p:stCondLst>
+                                        </p:cTn>
+                                        <p:tgtEl>
+                                          <p:spTgt spid="523">
+                                            <p:txEl>
+                                              <p:pRg st="3" end="3"/>
+                                            </p:txEl>
+                                          </p:spTgt>
+                                        </p:tgtEl>
+                                        <p:attrNameLst>
+                                          <p:attrName>style.visibility</p:attrName>
+                                        </p:attrNameLst>
+                                      </p:cBhvr>
+                                      <p:to>
+                                        <p:strVal val="visible"/>
+                                      </p:to>
+                                    </p:set>
+                                  </p:childTnLst>
+                                </p:cTn>
+                              </p:par>
+                              <p:par>
+                                <p:cTn id="7" presetID="1" presetClass="entr" presetSubtype="0" fill="hold" nodeType="withEffect">
+                                  <p:stCondLst>
+                                    <p:cond delay="0"/>
+                                  </p:stCondLst>
+                                  <p:childTnLst>
+                                    <p:set>
+                                      <p:cBhvr>
+                                        <p:cTn id="8" dur="1" fill="hold">
+                                          <p:stCondLst>
+                                            <p:cond delay="0"/>
+                                          </p:stCondLst>
+                                        </p:cTn>
+                                        <p:tgtEl>
+                                          <p:spTgt spid="523">
+                                            <p:txEl>
+                                              <p:pRg st="4" end="4"/>
+                                            </p:txEl>
+                                          </p:spTgt>
+                                        </p:tgtEl>
+                                        <p:attrNameLst>
+                                          <p:attrName>style.visibility</p:attrName>
+                                        </p:attrNameLst>
+                                      </p:cBhvr>
+                                      <p:to>
+                                        <p:strVal val="visible"/>
+                                      </p:to>
+                                    </p:set>
+                                  </p:childTnLst>
+                                </p:cTn>
+                              </p:par>
+                              <p:par>
+                                <p:cTn id="9" presetID="1" presetClass="entr" presetSubtype="0" fill="hold" nodeType="withEffect">
+                                  <p:stCondLst>
+                                    <p:cond delay="0"/>
+                                  </p:stCondLst>
+                                  <p:childTnLst>
+                                    <p:set>
+                                      <p:cBhvr>
+                                        <p:cTn id="10" dur="1" fill="hold">
+                                          <p:stCondLst>
+                                            <p:cond delay="0"/>
+                                          </p:stCondLst>
+                                        </p:cTn>
+                                        <p:tgtEl>
+                                          <p:spTgt spid="523">
+                                            <p:txEl>
+                                              <p:pRg st="5" end="5"/>
+                                            </p:txEl>
+                                          </p:spTgt>
+                                        </p:tgtEl>
+                                        <p:attrNameLst>
+                                          <p:attrName>style.visibility</p:attrName>
+                                        </p:attrNameLst>
+                                      </p:cBhvr>
+                                      <p:to>
+                                        <p:strVal val="visible"/>
+                                      </p:to>
+                                    </p:set>
+                                  </p:childTnLst>
+                                </p:cTn>
+                              </p:par>
+                              <p:par>
+                                <p:cTn id="11" presetID="1" presetClass="entr" presetSubtype="0" fill="hold" nodeType="withEffect">
+                                  <p:stCondLst>
+                                    <p:cond delay="0"/>
+                                  </p:stCondLst>
+                                  <p:childTnLst>
+                                    <p:set>
+                                      <p:cBhvr>
+                                        <p:cTn id="12" dur="1" fill="hold">
+                                          <p:stCondLst>
+                                            <p:cond delay="0"/>
+                                          </p:stCondLst>
+                                        </p:cTn>
+                                        <p:tgtEl>
+                                          <p:spTgt spid="523">
+                                            <p:txEl>
+                                              <p:pRg st="7" end="7"/>
+                                            </p:txEl>
+                                          </p:spTgt>
+                                        </p:tgtEl>
+                                        <p:attrNameLst>
+                                          <p:attrName>style.visibility</p:attrName>
+                                        </p:attrNameLst>
+                                      </p:cBhvr>
+                                      <p:to>
+                                        <p:strVal val="visible"/>
+                                      </p:to>
+                                    </p:set>
+                                  </p:childTnLst>
+                                </p:cTn>
+                              </p:par>
+                              <p:par>
+                                <p:cTn id="13" presetID="1" presetClass="entr" presetSubtype="0" fill="hold" nodeType="withEffect">
+                                  <p:stCondLst>
+                                    <p:cond delay="0"/>
+                                  </p:stCondLst>
+                                  <p:childTnLst>
+                                    <p:set>
+                                      <p:cBhvr>
+                                        <p:cTn id="14" dur="1" fill="hold">
+                                          <p:stCondLst>
+                                            <p:cond delay="0"/>
+                                          </p:stCondLst>
+                                        </p:cTn>
+                                        <p:tgtEl>
+                                          <p:spTgt spid="523">
+                                            <p:txEl>
+                                              <p:pRg st="8" end="8"/>
+                                            </p:txEl>
+                                          </p:spTgt>
+                                        </p:tgtEl>
+                                        <p:attrNameLst>
+                                          <p:attrName>style.visibility</p:attrName>
+                                        </p:attrNameLst>
+                                      </p:cBhvr>
+                                      <p:to>
+                                        <p:strVal val="visible"/>
+                                      </p:to>
+                                    </p:set>
+                                  </p:childTnLst>
+                                </p:cTn>
+                              </p:par>
+                            </p:childTnLst>
+                          </p:cTn>
+                        </p:par>
+                      </p:childTnLst>
+                    </p:cTn>
+                  </p:par>
+                </p:childTnLst>
+              </p:cTn>
+              <p:prevCondLst>
+                <p:cond evt="onPrev" delay="0">
+                  <p:tgtEl>
+                    <p:sldTgt/>
+                  </p:tgtEl>
+                </p:cond>
+              </p:prevCondLst>
+              <p:nextCondLst>
+                <p:cond evt="onNext" delay="0">
+                  <p:tgtEl>
+                    <p:sldTgt/>
+                  </p:tgtEl>
+                </p:cond>
+              </p:nextCondLst>
+            </p:seq>
+          </p:childTnLst>
+        </p:cTn>
+      </p:par>
+    </p:tnLst>
+  </p:timing>
+</p:sld>
+</file>
+
+<file path=ppt/slides/slide5.xml><?xml version="1.0" encoding="utf-8"?>
+<p:sld xmlns:a="http://schemas.openxmlformats.org/drawingml/2006/main" xmlns:r="http://schemas.openxmlformats.org/officeDocument/2006/relationships" xmlns:p="http://schemas.openxmlformats.org/presentationml/2006/main">
+  <p:cSld>
+    <p:spTree>
+      <p:nvGrpSpPr>
+        <p:cNvPr id="1" name="Shape 98"/>
+        <p:cNvGrpSpPr/>
+        <p:nvPr/>
+      </p:nvGrpSpPr>
+      <p:grpSpPr>
+        <a:xfrm>
+          <a:off x="0" y="0"/>
+          <a:ext cx="0" cy="0"/>
+          <a:chOff x="0" y="0"/>
+          <a:chExt cx="0" cy="0"/>
+        </a:xfrm>
+      </p:grpSpPr>
+      <p:sp>
+        <p:nvSpPr>
+          <p:cNvPr id="99" name="Google Shape;99;p20"/>
+          <p:cNvSpPr txBox="1">
+            <a:spLocks noGrp="1"/>
+          </p:cNvSpPr>
+          <p:nvPr>
+            <p:ph type="title"/>
+          </p:nvPr>
+        </p:nvSpPr>
+        <p:spPr>
+          <a:xfrm>
+            <a:off x="102700" y="270875"/>
+            <a:ext cx="8520600" cy="572700"/>
+          </a:xfrm>
+          <a:prstGeom prst="rect">
+            <a:avLst/>
+          </a:prstGeom>
+        </p:spPr>
+        <p:txBody>
+          <a:bodyPr spcFirstLastPara="1" wrap="square" lIns="91425" tIns="91425" rIns="91425" bIns="91425" anchor="t" anchorCtr="0">
+            <a:normAutofit fontScale="90000"/>
+          </a:bodyPr>
+          <a:lstStyle/>
+          <a:p>
+            <a:pPr marL="0" lvl="0" indent="0" algn="l" rtl="0">
+              <a:spcBef>
+                <a:spcPts val="0"/>
+              </a:spcBef>
+              <a:spcAft>
+                <a:spcPts val="0"/>
+              </a:spcAft>
+              <a:buNone/>
+            </a:pPr>
+            <a:r>
+              <a:rPr lang="en"/>
+              <a:t>Last Time: HTTP</a:t>
+            </a:r>
+            <a:endParaRPr/>
+          </a:p>
+        </p:txBody>
+      </p:sp>
+      <p:sp>
+        <p:nvSpPr>
+          <p:cNvPr id="100" name="Google Shape;100;p20"/>
+          <p:cNvSpPr txBox="1">
+            <a:spLocks noGrp="1"/>
+          </p:cNvSpPr>
+          <p:nvPr>
+            <p:ph type="body" idx="1"/>
+          </p:nvPr>
+        </p:nvSpPr>
+        <p:spPr>
+          <a:xfrm>
+            <a:off x="198500" y="1246825"/>
+            <a:ext cx="8520600" cy="3765600"/>
+          </a:xfrm>
+          <a:prstGeom prst="rect">
+            <a:avLst/>
+          </a:prstGeom>
+        </p:spPr>
+        <p:txBody>
+          <a:bodyPr spcFirstLastPara="1" wrap="square" lIns="91425" tIns="91425" rIns="91425" bIns="91425" anchor="t" anchorCtr="0">
+            <a:normAutofit/>
+          </a:bodyPr>
+          <a:lstStyle/>
+          <a:p>
+            <a:pPr marL="457200" lvl="0" indent="-342900" algn="l" rtl="0">
+              <a:spcBef>
+                <a:spcPts val="0"/>
+              </a:spcBef>
+              <a:spcAft>
+                <a:spcPts val="0"/>
+              </a:spcAft>
+              <a:buSzPts val="1800"/>
+              <a:buChar char="●"/>
+            </a:pPr>
+            <a:r>
+              <a:rPr lang="en"/>
+              <a:t>HTTP: A protocol used to request and retrieve data from a web server</a:t>
+            </a:r>
+            <a:endParaRPr/>
+          </a:p>
+          <a:p>
+            <a:pPr marL="914400" lvl="1" indent="-317500" algn="l" rtl="0">
+              <a:spcBef>
+                <a:spcPts val="0"/>
+              </a:spcBef>
+              <a:spcAft>
+                <a:spcPts val="0"/>
+              </a:spcAft>
+              <a:buSzPts val="1400"/>
+              <a:buChar char="○"/>
+            </a:pPr>
+            <a:r>
+              <a:rPr lang="en"/>
+              <a:t>HTTPS: A secure version of HTTP</a:t>
+            </a:r>
+            <a:endParaRPr/>
+          </a:p>
+          <a:p>
+            <a:pPr marL="914400" lvl="1" indent="-317500" algn="l" rtl="0">
+              <a:spcBef>
+                <a:spcPts val="0"/>
+              </a:spcBef>
+              <a:spcAft>
+                <a:spcPts val="0"/>
+              </a:spcAft>
+              <a:buSzPts val="1400"/>
+              <a:buChar char="○"/>
+            </a:pPr>
+            <a:r>
+              <a:rPr lang="en"/>
+              <a:t>HTTP is a request-response protocol</a:t>
+            </a:r>
+            <a:endParaRPr/>
+          </a:p>
+          <a:p>
+            <a:pPr marL="457200" lvl="0" indent="-342900" algn="l" rtl="0">
+              <a:spcBef>
+                <a:spcPts val="0"/>
+              </a:spcBef>
+              <a:spcAft>
+                <a:spcPts val="0"/>
+              </a:spcAft>
+              <a:buSzPts val="1800"/>
+              <a:buChar char="●"/>
+            </a:pPr>
+            <a:r>
+              <a:rPr lang="en"/>
+              <a:t>HTTP request</a:t>
+            </a:r>
+            <a:endParaRPr/>
+          </a:p>
+          <a:p>
+            <a:pPr marL="914400" lvl="1" indent="-317500" algn="l" rtl="0">
+              <a:spcBef>
+                <a:spcPts val="0"/>
+              </a:spcBef>
+              <a:spcAft>
+                <a:spcPts val="0"/>
+              </a:spcAft>
+              <a:buSzPts val="1400"/>
+              <a:buChar char="○"/>
+            </a:pPr>
+            <a:r>
+              <a:rPr lang="en"/>
+              <a:t>Method (GET or POST)</a:t>
+            </a:r>
+            <a:endParaRPr/>
+          </a:p>
+          <a:p>
+            <a:pPr marL="914400" lvl="1" indent="-317500" algn="l" rtl="0">
+              <a:spcBef>
+                <a:spcPts val="0"/>
+              </a:spcBef>
+              <a:spcAft>
+                <a:spcPts val="0"/>
+              </a:spcAft>
+              <a:buSzPts val="1400"/>
+              <a:buChar char="○"/>
+            </a:pPr>
+            <a:r>
+              <a:rPr lang="en"/>
+              <a:t>URL path and query parameters</a:t>
+            </a:r>
+            <a:endParaRPr/>
+          </a:p>
+          <a:p>
+            <a:pPr marL="914400" lvl="1" indent="-317500" algn="l" rtl="0">
+              <a:spcBef>
+                <a:spcPts val="0"/>
+              </a:spcBef>
+              <a:spcAft>
+                <a:spcPts val="0"/>
+              </a:spcAft>
+              <a:buSzPts val="1400"/>
+              <a:buChar char="○"/>
+            </a:pPr>
+            <a:r>
+              <a:rPr lang="en"/>
+              <a:t>Protocol</a:t>
+            </a:r>
+            <a:endParaRPr/>
+          </a:p>
+          <a:p>
+            <a:pPr marL="914400" lvl="1" indent="-317500" algn="l" rtl="0">
+              <a:spcBef>
+                <a:spcPts val="0"/>
+              </a:spcBef>
+              <a:spcAft>
+                <a:spcPts val="0"/>
+              </a:spcAft>
+              <a:buSzPts val="1400"/>
+              <a:buChar char="○"/>
+            </a:pPr>
+            <a:r>
+              <a:rPr lang="en"/>
+              <a:t>Data (only for POST requests)</a:t>
+            </a:r>
+            <a:endParaRPr/>
+          </a:p>
+          <a:p>
+            <a:pPr marL="457200" lvl="0" indent="-342900" algn="l" rtl="0">
+              <a:spcBef>
+                <a:spcPts val="0"/>
+              </a:spcBef>
+              <a:spcAft>
+                <a:spcPts val="0"/>
+              </a:spcAft>
+              <a:buSzPts val="1800"/>
+              <a:buChar char="●"/>
+            </a:pPr>
+            <a:r>
+              <a:rPr lang="en"/>
+              <a:t>HTTP response</a:t>
+            </a:r>
+            <a:endParaRPr/>
+          </a:p>
+          <a:p>
+            <a:pPr marL="914400" lvl="1" indent="-317500" algn="l" rtl="0">
+              <a:spcBef>
+                <a:spcPts val="0"/>
+              </a:spcBef>
+              <a:spcAft>
+                <a:spcPts val="0"/>
+              </a:spcAft>
+              <a:buSzPts val="1400"/>
+              <a:buChar char="○"/>
+            </a:pPr>
+            <a:r>
+              <a:rPr lang="en"/>
+              <a:t>Protocol</a:t>
+            </a:r>
+            <a:endParaRPr/>
+          </a:p>
+          <a:p>
+            <a:pPr marL="914400" lvl="1" indent="-317500" algn="l" rtl="0">
+              <a:spcBef>
+                <a:spcPts val="0"/>
+              </a:spcBef>
+              <a:spcAft>
+                <a:spcPts val="0"/>
+              </a:spcAft>
+              <a:buSzPts val="1400"/>
+              <a:buChar char="○"/>
+            </a:pPr>
+            <a:r>
+              <a:rPr lang="en"/>
+              <a:t>Status code: A number indicating what happened with the request</a:t>
+            </a:r>
+            <a:endParaRPr/>
+          </a:p>
+          <a:p>
+            <a:pPr marL="914400" lvl="1" indent="-317500" algn="l" rtl="0">
+              <a:spcBef>
+                <a:spcPts val="0"/>
+              </a:spcBef>
+              <a:spcAft>
+                <a:spcPts val="0"/>
+              </a:spcAft>
+              <a:buSzPts val="1400"/>
+              <a:buChar char="○"/>
+            </a:pPr>
+            <a:r>
+              <a:rPr lang="en"/>
+              <a:t>Headers: Metadata about the response</a:t>
+            </a:r>
+            <a:endParaRPr/>
+          </a:p>
+          <a:p>
+            <a:pPr marL="914400" lvl="1" indent="-317500" algn="l" rtl="0">
+              <a:spcBef>
+                <a:spcPts val="0"/>
+              </a:spcBef>
+              <a:spcAft>
+                <a:spcPts val="0"/>
+              </a:spcAft>
+              <a:buSzPts val="1400"/>
+              <a:buChar char="○"/>
+            </a:pPr>
+            <a:r>
+              <a:rPr lang="en"/>
+              <a:t>Data</a:t>
+            </a:r>
+            <a:endParaRPr/>
+          </a:p>
+        </p:txBody>
+      </p:sp>
+      <p:sp>
+        <p:nvSpPr>
+          <p:cNvPr id="101" name="Google Shape;101;p20"/>
+          <p:cNvSpPr txBox="1">
+            <a:spLocks noGrp="1"/>
+          </p:cNvSpPr>
+          <p:nvPr>
+            <p:ph type="sldNum" idx="12"/>
+          </p:nvPr>
+        </p:nvSpPr>
+        <p:spPr>
+          <a:xfrm>
+            <a:off x="8472458" y="4663217"/>
+            <a:ext cx="548700" cy="393600"/>
+          </a:xfrm>
+          <a:prstGeom prst="rect">
+            <a:avLst/>
+          </a:prstGeom>
+        </p:spPr>
+        <p:txBody>
+          <a:bodyPr spcFirstLastPara="1" wrap="square" lIns="91425" tIns="91425" rIns="91425" bIns="91425" anchor="ctr" anchorCtr="0">
+            <a:normAutofit/>
+          </a:bodyPr>
+          <a:lstStyle/>
+          <a:p>
+            <a:pPr marL="0" lvl="0" indent="0" algn="r" rtl="0">
+              <a:spcBef>
+                <a:spcPts val="0"/>
+              </a:spcBef>
+              <a:spcAft>
+                <a:spcPts val="0"/>
+              </a:spcAft>
+              <a:buNone/>
+            </a:pPr>
+            <a:fld id="{00000000-1234-1234-1234-123412341234}" type="slidenum">
+              <a:rPr lang="en"/>
+              <a:t>5</a:t>
             </a:fld>
             <a:endParaRPr/>
           </a:p>
@@ -40041,7 +41364,7 @@
 </p:sld>
 </file>
 
-<file path=ppt/slides/slide49.xml><?xml version="1.0" encoding="utf-8"?>
+<file path=ppt/slides/slide50.xml><?xml version="1.0" encoding="utf-8"?>
 <p:sld xmlns:a="http://schemas.openxmlformats.org/drawingml/2006/main" xmlns:r="http://schemas.openxmlformats.org/officeDocument/2006/relationships" xmlns:p="http://schemas.openxmlformats.org/presentationml/2006/main">
   <p:cSld>
     <p:spTree>
@@ -40136,7 +41459,7 @@
             </a:pPr>
             <a:fld id="{00000000-1234-1234-1234-123412341234}" type="slidenum">
               <a:rPr lang="en"/>
-              <a:t>49</a:t>
+              <a:t>50</a:t>
             </a:fld>
             <a:endParaRPr/>
           </a:p>
@@ -40779,363 +42102,7 @@
 </p:sld>
 </file>
 
-<file path=ppt/slides/slide5.xml><?xml version="1.0" encoding="utf-8"?>
-<p:sld xmlns:a="http://schemas.openxmlformats.org/drawingml/2006/main" xmlns:r="http://schemas.openxmlformats.org/officeDocument/2006/relationships" xmlns:p="http://schemas.openxmlformats.org/presentationml/2006/main">
-  <p:cSld>
-    <p:spTree>
-      <p:nvGrpSpPr>
-        <p:cNvPr id="1" name="Shape 98"/>
-        <p:cNvGrpSpPr/>
-        <p:nvPr/>
-      </p:nvGrpSpPr>
-      <p:grpSpPr>
-        <a:xfrm>
-          <a:off x="0" y="0"/>
-          <a:ext cx="0" cy="0"/>
-          <a:chOff x="0" y="0"/>
-          <a:chExt cx="0" cy="0"/>
-        </a:xfrm>
-      </p:grpSpPr>
-      <p:sp>
-        <p:nvSpPr>
-          <p:cNvPr id="99" name="Google Shape;99;p20"/>
-          <p:cNvSpPr txBox="1">
-            <a:spLocks noGrp="1"/>
-          </p:cNvSpPr>
-          <p:nvPr>
-            <p:ph type="title"/>
-          </p:nvPr>
-        </p:nvSpPr>
-        <p:spPr>
-          <a:xfrm>
-            <a:off x="102700" y="270875"/>
-            <a:ext cx="8520600" cy="572700"/>
-          </a:xfrm>
-          <a:prstGeom prst="rect">
-            <a:avLst/>
-          </a:prstGeom>
-        </p:spPr>
-        <p:txBody>
-          <a:bodyPr spcFirstLastPara="1" wrap="square" lIns="91425" tIns="91425" rIns="91425" bIns="91425" anchor="t" anchorCtr="0">
-            <a:normAutofit fontScale="90000"/>
-          </a:bodyPr>
-          <a:lstStyle/>
-          <a:p>
-            <a:pPr marL="0" lvl="0" indent="0" algn="l" rtl="0">
-              <a:spcBef>
-                <a:spcPts val="0"/>
-              </a:spcBef>
-              <a:spcAft>
-                <a:spcPts val="0"/>
-              </a:spcAft>
-              <a:buNone/>
-            </a:pPr>
-            <a:r>
-              <a:rPr lang="en"/>
-              <a:t>Last Time: HTTP</a:t>
-            </a:r>
-            <a:endParaRPr/>
-          </a:p>
-        </p:txBody>
-      </p:sp>
-      <p:sp>
-        <p:nvSpPr>
-          <p:cNvPr id="100" name="Google Shape;100;p20"/>
-          <p:cNvSpPr txBox="1">
-            <a:spLocks noGrp="1"/>
-          </p:cNvSpPr>
-          <p:nvPr>
-            <p:ph type="body" idx="1"/>
-          </p:nvPr>
-        </p:nvSpPr>
-        <p:spPr>
-          <a:xfrm>
-            <a:off x="198500" y="1246825"/>
-            <a:ext cx="8520600" cy="3765600"/>
-          </a:xfrm>
-          <a:prstGeom prst="rect">
-            <a:avLst/>
-          </a:prstGeom>
-        </p:spPr>
-        <p:txBody>
-          <a:bodyPr spcFirstLastPara="1" wrap="square" lIns="91425" tIns="91425" rIns="91425" bIns="91425" anchor="t" anchorCtr="0">
-            <a:normAutofit/>
-          </a:bodyPr>
-          <a:lstStyle/>
-          <a:p>
-            <a:pPr marL="457200" lvl="0" indent="-342900" algn="l" rtl="0">
-              <a:spcBef>
-                <a:spcPts val="0"/>
-              </a:spcBef>
-              <a:spcAft>
-                <a:spcPts val="0"/>
-              </a:spcAft>
-              <a:buSzPts val="1800"/>
-              <a:buChar char="●"/>
-            </a:pPr>
-            <a:r>
-              <a:rPr lang="en"/>
-              <a:t>HTTP: A protocol used to request and retrieve data from a web server</a:t>
-            </a:r>
-            <a:endParaRPr/>
-          </a:p>
-          <a:p>
-            <a:pPr marL="914400" lvl="1" indent="-317500" algn="l" rtl="0">
-              <a:spcBef>
-                <a:spcPts val="0"/>
-              </a:spcBef>
-              <a:spcAft>
-                <a:spcPts val="0"/>
-              </a:spcAft>
-              <a:buSzPts val="1400"/>
-              <a:buChar char="○"/>
-            </a:pPr>
-            <a:r>
-              <a:rPr lang="en"/>
-              <a:t>HTTPS: A secure version of HTTP</a:t>
-            </a:r>
-            <a:endParaRPr/>
-          </a:p>
-          <a:p>
-            <a:pPr marL="914400" lvl="1" indent="-317500" algn="l" rtl="0">
-              <a:spcBef>
-                <a:spcPts val="0"/>
-              </a:spcBef>
-              <a:spcAft>
-                <a:spcPts val="0"/>
-              </a:spcAft>
-              <a:buSzPts val="1400"/>
-              <a:buChar char="○"/>
-            </a:pPr>
-            <a:r>
-              <a:rPr lang="en"/>
-              <a:t>HTTP is a request-response protocol</a:t>
-            </a:r>
-            <a:endParaRPr/>
-          </a:p>
-          <a:p>
-            <a:pPr marL="457200" lvl="0" indent="-342900" algn="l" rtl="0">
-              <a:spcBef>
-                <a:spcPts val="0"/>
-              </a:spcBef>
-              <a:spcAft>
-                <a:spcPts val="0"/>
-              </a:spcAft>
-              <a:buSzPts val="1800"/>
-              <a:buChar char="●"/>
-            </a:pPr>
-            <a:r>
-              <a:rPr lang="en"/>
-              <a:t>HTTP request</a:t>
-            </a:r>
-            <a:endParaRPr/>
-          </a:p>
-          <a:p>
-            <a:pPr marL="914400" lvl="1" indent="-317500" algn="l" rtl="0">
-              <a:spcBef>
-                <a:spcPts val="0"/>
-              </a:spcBef>
-              <a:spcAft>
-                <a:spcPts val="0"/>
-              </a:spcAft>
-              <a:buSzPts val="1400"/>
-              <a:buChar char="○"/>
-            </a:pPr>
-            <a:r>
-              <a:rPr lang="en"/>
-              <a:t>Method (GET or POST)</a:t>
-            </a:r>
-            <a:endParaRPr/>
-          </a:p>
-          <a:p>
-            <a:pPr marL="914400" lvl="1" indent="-317500" algn="l" rtl="0">
-              <a:spcBef>
-                <a:spcPts val="0"/>
-              </a:spcBef>
-              <a:spcAft>
-                <a:spcPts val="0"/>
-              </a:spcAft>
-              <a:buSzPts val="1400"/>
-              <a:buChar char="○"/>
-            </a:pPr>
-            <a:r>
-              <a:rPr lang="en"/>
-              <a:t>URL path and query parameters</a:t>
-            </a:r>
-            <a:endParaRPr/>
-          </a:p>
-          <a:p>
-            <a:pPr marL="914400" lvl="1" indent="-317500" algn="l" rtl="0">
-              <a:spcBef>
-                <a:spcPts val="0"/>
-              </a:spcBef>
-              <a:spcAft>
-                <a:spcPts val="0"/>
-              </a:spcAft>
-              <a:buSzPts val="1400"/>
-              <a:buChar char="○"/>
-            </a:pPr>
-            <a:r>
-              <a:rPr lang="en"/>
-              <a:t>Protocol</a:t>
-            </a:r>
-            <a:endParaRPr/>
-          </a:p>
-          <a:p>
-            <a:pPr marL="914400" lvl="1" indent="-317500" algn="l" rtl="0">
-              <a:spcBef>
-                <a:spcPts val="0"/>
-              </a:spcBef>
-              <a:spcAft>
-                <a:spcPts val="0"/>
-              </a:spcAft>
-              <a:buSzPts val="1400"/>
-              <a:buChar char="○"/>
-            </a:pPr>
-            <a:r>
-              <a:rPr lang="en"/>
-              <a:t>Data (only for POST requests)</a:t>
-            </a:r>
-            <a:endParaRPr/>
-          </a:p>
-          <a:p>
-            <a:pPr marL="457200" lvl="0" indent="-342900" algn="l" rtl="0">
-              <a:spcBef>
-                <a:spcPts val="0"/>
-              </a:spcBef>
-              <a:spcAft>
-                <a:spcPts val="0"/>
-              </a:spcAft>
-              <a:buSzPts val="1800"/>
-              <a:buChar char="●"/>
-            </a:pPr>
-            <a:r>
-              <a:rPr lang="en"/>
-              <a:t>HTTP response</a:t>
-            </a:r>
-            <a:endParaRPr/>
-          </a:p>
-          <a:p>
-            <a:pPr marL="914400" lvl="1" indent="-317500" algn="l" rtl="0">
-              <a:spcBef>
-                <a:spcPts val="0"/>
-              </a:spcBef>
-              <a:spcAft>
-                <a:spcPts val="0"/>
-              </a:spcAft>
-              <a:buSzPts val="1400"/>
-              <a:buChar char="○"/>
-            </a:pPr>
-            <a:r>
-              <a:rPr lang="en"/>
-              <a:t>Protocol</a:t>
-            </a:r>
-            <a:endParaRPr/>
-          </a:p>
-          <a:p>
-            <a:pPr marL="914400" lvl="1" indent="-317500" algn="l" rtl="0">
-              <a:spcBef>
-                <a:spcPts val="0"/>
-              </a:spcBef>
-              <a:spcAft>
-                <a:spcPts val="0"/>
-              </a:spcAft>
-              <a:buSzPts val="1400"/>
-              <a:buChar char="○"/>
-            </a:pPr>
-            <a:r>
-              <a:rPr lang="en"/>
-              <a:t>Status code: A number indicating what happened with the request</a:t>
-            </a:r>
-            <a:endParaRPr/>
-          </a:p>
-          <a:p>
-            <a:pPr marL="914400" lvl="1" indent="-317500" algn="l" rtl="0">
-              <a:spcBef>
-                <a:spcPts val="0"/>
-              </a:spcBef>
-              <a:spcAft>
-                <a:spcPts val="0"/>
-              </a:spcAft>
-              <a:buSzPts val="1400"/>
-              <a:buChar char="○"/>
-            </a:pPr>
-            <a:r>
-              <a:rPr lang="en"/>
-              <a:t>Headers: Metadata about the response</a:t>
-            </a:r>
-            <a:endParaRPr/>
-          </a:p>
-          <a:p>
-            <a:pPr marL="914400" lvl="1" indent="-317500" algn="l" rtl="0">
-              <a:spcBef>
-                <a:spcPts val="0"/>
-              </a:spcBef>
-              <a:spcAft>
-                <a:spcPts val="0"/>
-              </a:spcAft>
-              <a:buSzPts val="1400"/>
-              <a:buChar char="○"/>
-            </a:pPr>
-            <a:r>
-              <a:rPr lang="en"/>
-              <a:t>Data</a:t>
-            </a:r>
-            <a:endParaRPr/>
-          </a:p>
-        </p:txBody>
-      </p:sp>
-      <p:sp>
-        <p:nvSpPr>
-          <p:cNvPr id="101" name="Google Shape;101;p20"/>
-          <p:cNvSpPr txBox="1">
-            <a:spLocks noGrp="1"/>
-          </p:cNvSpPr>
-          <p:nvPr>
-            <p:ph type="sldNum" idx="12"/>
-          </p:nvPr>
-        </p:nvSpPr>
-        <p:spPr>
-          <a:xfrm>
-            <a:off x="8472458" y="4663217"/>
-            <a:ext cx="548700" cy="393600"/>
-          </a:xfrm>
-          <a:prstGeom prst="rect">
-            <a:avLst/>
-          </a:prstGeom>
-        </p:spPr>
-        <p:txBody>
-          <a:bodyPr spcFirstLastPara="1" wrap="square" lIns="91425" tIns="91425" rIns="91425" bIns="91425" anchor="ctr" anchorCtr="0">
-            <a:normAutofit/>
-          </a:bodyPr>
-          <a:lstStyle/>
-          <a:p>
-            <a:pPr marL="0" lvl="0" indent="0" algn="r" rtl="0">
-              <a:spcBef>
-                <a:spcPts val="0"/>
-              </a:spcBef>
-              <a:spcAft>
-                <a:spcPts val="0"/>
-              </a:spcAft>
-              <a:buNone/>
-            </a:pPr>
-            <a:fld id="{00000000-1234-1234-1234-123412341234}" type="slidenum">
-              <a:rPr lang="en"/>
-              <a:t>5</a:t>
-            </a:fld>
-            <a:endParaRPr/>
-          </a:p>
-        </p:txBody>
-      </p:sp>
-    </p:spTree>
-  </p:cSld>
-  <p:clrMapOvr>
-    <a:masterClrMapping/>
-  </p:clrMapOvr>
-</p:sld>
-</file>
-
-<file path=ppt/slides/slide50.xml><?xml version="1.0" encoding="utf-8"?>
+<file path=ppt/slides/slide51.xml><?xml version="1.0" encoding="utf-8"?>
 <p:sld xmlns:a="http://schemas.openxmlformats.org/drawingml/2006/main" xmlns:r="http://schemas.openxmlformats.org/officeDocument/2006/relationships" xmlns:p="http://schemas.openxmlformats.org/presentationml/2006/main">
   <p:cSld>
     <p:spTree>
@@ -41380,7 +42347,7 @@
             </a:pPr>
             <a:fld id="{00000000-1234-1234-1234-123412341234}" type="slidenum">
               <a:rPr lang="en"/>
-              <a:t>50</a:t>
+              <a:t>51</a:t>
             </a:fld>
             <a:endParaRPr/>
           </a:p>
@@ -41669,7 +42636,7 @@
 </p:sld>
 </file>
 
-<file path=ppt/slides/slide51.xml><?xml version="1.0" encoding="utf-8"?>
+<file path=ppt/slides/slide52.xml><?xml version="1.0" encoding="utf-8"?>
 <p:sld xmlns:a="http://schemas.openxmlformats.org/drawingml/2006/main" xmlns:r="http://schemas.openxmlformats.org/officeDocument/2006/relationships" xmlns:p="http://schemas.openxmlformats.org/presentationml/2006/main">
   <p:cSld>
     <p:spTree>
@@ -41960,7 +42927,7 @@
             </a:pPr>
             <a:fld id="{00000000-1234-1234-1234-123412341234}" type="slidenum">
               <a:rPr lang="en"/>
-              <a:t>51</a:t>
+              <a:t>52</a:t>
             </a:fld>
             <a:endParaRPr/>
           </a:p>
@@ -41974,7 +42941,7 @@
 </p:sld>
 </file>
 
-<file path=ppt/slides/slide52.xml><?xml version="1.0" encoding="utf-8"?>
+<file path=ppt/slides/slide53.xml><?xml version="1.0" encoding="utf-8"?>
 <p:sld xmlns:a="http://schemas.openxmlformats.org/drawingml/2006/main" xmlns:r="http://schemas.openxmlformats.org/officeDocument/2006/relationships" xmlns:p="http://schemas.openxmlformats.org/presentationml/2006/main">
   <p:cSld>
     <p:spTree>
@@ -42069,7 +43036,7 @@
             </a:pPr>
             <a:fld id="{00000000-1234-1234-1234-123412341234}" type="slidenum">
               <a:rPr lang="en"/>
-              <a:t>52</a:t>
+              <a:t>53</a:t>
             </a:fld>
             <a:endParaRPr/>
           </a:p>
@@ -42868,7 +43835,7 @@
 </p:sld>
 </file>
 
-<file path=ppt/slides/slide53.xml><?xml version="1.0" encoding="utf-8"?>
+<file path=ppt/slides/slide54.xml><?xml version="1.0" encoding="utf-8"?>
 <p:sld xmlns:a="http://schemas.openxmlformats.org/drawingml/2006/main" xmlns:r="http://schemas.openxmlformats.org/officeDocument/2006/relationships" xmlns:p="http://schemas.openxmlformats.org/presentationml/2006/main">
   <p:cSld>
     <p:spTree>
@@ -43271,7 +44238,7 @@
             </a:pPr>
             <a:fld id="{00000000-1234-1234-1234-123412341234}" type="slidenum">
               <a:rPr lang="en"/>
-              <a:t>53</a:t>
+              <a:t>54</a:t>
             </a:fld>
             <a:endParaRPr/>
           </a:p>
@@ -43560,7 +44527,7 @@
 </p:sld>
 </file>
 
-<file path=ppt/slides/slide54.xml><?xml version="1.0" encoding="utf-8"?>
+<file path=ppt/slides/slide55.xml><?xml version="1.0" encoding="utf-8"?>
 <p:sld xmlns:a="http://schemas.openxmlformats.org/drawingml/2006/main" xmlns:r="http://schemas.openxmlformats.org/officeDocument/2006/relationships" xmlns:p="http://schemas.openxmlformats.org/presentationml/2006/main">
   <p:cSld>
     <p:spTree>
@@ -43613,7 +44580,7 @@
             </a:pPr>
             <a:fld id="{00000000-1234-1234-1234-123412341234}" type="slidenum">
               <a:rPr lang="en"/>
-              <a:t>54</a:t>
+              <a:t>55</a:t>
             </a:fld>
             <a:endParaRPr/>
           </a:p>
@@ -43942,7 +44909,7 @@
 </p:sld>
 </file>
 
-<file path=ppt/slides/slide55.xml><?xml version="1.0" encoding="utf-8"?>
+<file path=ppt/slides/slide56.xml><?xml version="1.0" encoding="utf-8"?>
 <p:sld xmlns:a="http://schemas.openxmlformats.org/drawingml/2006/main" xmlns:r="http://schemas.openxmlformats.org/officeDocument/2006/relationships" xmlns:p="http://schemas.openxmlformats.org/presentationml/2006/main">
   <p:cSld>
     <p:spTree>
@@ -43995,7 +44962,7 @@
             </a:pPr>
             <a:fld id="{00000000-1234-1234-1234-123412341234}" type="slidenum">
               <a:rPr lang="en"/>
-              <a:t>55</a:t>
+              <a:t>56</a:t>
             </a:fld>
             <a:endParaRPr/>
           </a:p>
@@ -44213,7 +45180,7 @@
 </p:sld>
 </file>
 
-<file path=ppt/slides/slide56.xml><?xml version="1.0" encoding="utf-8"?>
+<file path=ppt/slides/slide57.xml><?xml version="1.0" encoding="utf-8"?>
 <p:sld xmlns:a="http://schemas.openxmlformats.org/drawingml/2006/main" xmlns:r="http://schemas.openxmlformats.org/officeDocument/2006/relationships" xmlns:p="http://schemas.openxmlformats.org/presentationml/2006/main">
   <p:cSld>
     <p:spTree>
@@ -44487,7 +45454,7 @@
             </a:pPr>
             <a:fld id="{00000000-1234-1234-1234-123412341234}" type="slidenum">
               <a:rPr lang="en"/>
-              <a:t>56</a:t>
+              <a:t>57</a:t>
             </a:fld>
             <a:endParaRPr/>
           </a:p>
@@ -44501,7 +45468,7 @@
 </p:sld>
 </file>
 
-<file path=ppt/slides/slide57.xml><?xml version="1.0" encoding="utf-8"?>
+<file path=ppt/slides/slide58.xml><?xml version="1.0" encoding="utf-8"?>
 <p:sld xmlns:a="http://schemas.openxmlformats.org/drawingml/2006/main" xmlns:r="http://schemas.openxmlformats.org/officeDocument/2006/relationships" xmlns:p="http://schemas.openxmlformats.org/presentationml/2006/main">
   <p:cSld>
     <p:spTree>
@@ -44724,7 +45691,7 @@
             </a:pPr>
             <a:fld id="{00000000-1234-1234-1234-123412341234}" type="slidenum">
               <a:rPr lang="en"/>
-              <a:t>57</a:t>
+              <a:t>58</a:t>
             </a:fld>
             <a:endParaRPr/>
           </a:p>
@@ -44738,7 +45705,7 @@
 </p:sld>
 </file>
 
-<file path=ppt/slides/slide58.xml><?xml version="1.0" encoding="utf-8"?>
+<file path=ppt/slides/slide59.xml><?xml version="1.0" encoding="utf-8"?>
 <p:sld xmlns:a="http://schemas.openxmlformats.org/drawingml/2006/main" xmlns:r="http://schemas.openxmlformats.org/officeDocument/2006/relationships" xmlns:p="http://schemas.openxmlformats.org/presentationml/2006/main">
   <p:cSld>
     <p:spTree>
@@ -44833,7 +45800,7 @@
             </a:pPr>
             <a:fld id="{00000000-1234-1234-1234-123412341234}" type="slidenum">
               <a:rPr lang="en"/>
-              <a:t>58</a:t>
+              <a:t>59</a:t>
             </a:fld>
             <a:endParaRPr/>
           </a:p>
@@ -44847,7 +45814,278 @@
 </p:sld>
 </file>
 
-<file path=ppt/slides/slide59.xml><?xml version="1.0" encoding="utf-8"?>
+<file path=ppt/slides/slide6.xml><?xml version="1.0" encoding="utf-8"?>
+<p:sld xmlns:a="http://schemas.openxmlformats.org/drawingml/2006/main" xmlns:r="http://schemas.openxmlformats.org/officeDocument/2006/relationships" xmlns:p="http://schemas.openxmlformats.org/presentationml/2006/main">
+  <p:cSld>
+    <p:spTree>
+      <p:nvGrpSpPr>
+        <p:cNvPr id="1" name="Shape 105"/>
+        <p:cNvGrpSpPr/>
+        <p:nvPr/>
+      </p:nvGrpSpPr>
+      <p:grpSpPr>
+        <a:xfrm>
+          <a:off x="0" y="0"/>
+          <a:ext cx="0" cy="0"/>
+          <a:chOff x="0" y="0"/>
+          <a:chExt cx="0" cy="0"/>
+        </a:xfrm>
+      </p:grpSpPr>
+      <p:sp>
+        <p:nvSpPr>
+          <p:cNvPr id="106" name="Google Shape;106;p21"/>
+          <p:cNvSpPr txBox="1">
+            <a:spLocks noGrp="1"/>
+          </p:cNvSpPr>
+          <p:nvPr>
+            <p:ph type="title"/>
+          </p:nvPr>
+        </p:nvSpPr>
+        <p:spPr>
+          <a:xfrm>
+            <a:off x="102700" y="270875"/>
+            <a:ext cx="8520600" cy="572700"/>
+          </a:xfrm>
+          <a:prstGeom prst="rect">
+            <a:avLst/>
+          </a:prstGeom>
+        </p:spPr>
+        <p:txBody>
+          <a:bodyPr spcFirstLastPara="1" wrap="square" lIns="91425" tIns="91425" rIns="91425" bIns="91425" anchor="t" anchorCtr="0">
+            <a:normAutofit fontScale="90000"/>
+          </a:bodyPr>
+          <a:lstStyle/>
+          <a:p>
+            <a:pPr marL="0" lvl="0" indent="0" algn="l" rtl="0">
+              <a:spcBef>
+                <a:spcPts val="0"/>
+              </a:spcBef>
+              <a:spcAft>
+                <a:spcPts val="0"/>
+              </a:spcAft>
+              <a:buNone/>
+            </a:pPr>
+            <a:r>
+              <a:rPr lang="en"/>
+              <a:t>Today: Cookies and CSRF</a:t>
+            </a:r>
+            <a:endParaRPr/>
+          </a:p>
+        </p:txBody>
+      </p:sp>
+      <p:sp>
+        <p:nvSpPr>
+          <p:cNvPr id="107" name="Google Shape;107;p21"/>
+          <p:cNvSpPr txBox="1">
+            <a:spLocks noGrp="1"/>
+          </p:cNvSpPr>
+          <p:nvPr>
+            <p:ph type="body" idx="1"/>
+          </p:nvPr>
+        </p:nvSpPr>
+        <p:spPr>
+          <a:xfrm>
+            <a:off x="198500" y="1246825"/>
+            <a:ext cx="8520600" cy="3765600"/>
+          </a:xfrm>
+          <a:prstGeom prst="rect">
+            <a:avLst/>
+          </a:prstGeom>
+        </p:spPr>
+        <p:txBody>
+          <a:bodyPr spcFirstLastPara="1" wrap="square" lIns="91425" tIns="91425" rIns="91425" bIns="91425" anchor="t" anchorCtr="0">
+            <a:normAutofit/>
+          </a:bodyPr>
+          <a:lstStyle/>
+          <a:p>
+            <a:pPr marL="457200" lvl="0" indent="-342900" algn="l" rtl="0">
+              <a:spcBef>
+                <a:spcPts val="0"/>
+              </a:spcBef>
+              <a:spcAft>
+                <a:spcPts val="0"/>
+              </a:spcAft>
+              <a:buSzPts val="1800"/>
+              <a:buChar char="●"/>
+            </a:pPr>
+            <a:r>
+              <a:rPr lang="en"/>
+              <a:t>Cookies</a:t>
+            </a:r>
+            <a:endParaRPr/>
+          </a:p>
+          <a:p>
+            <a:pPr marL="914400" lvl="1" indent="-317500" algn="l" rtl="0">
+              <a:spcBef>
+                <a:spcPts val="0"/>
+              </a:spcBef>
+              <a:spcAft>
+                <a:spcPts val="0"/>
+              </a:spcAft>
+              <a:buSzPts val="1400"/>
+              <a:buChar char="○"/>
+            </a:pPr>
+            <a:r>
+              <a:rPr lang="en"/>
+              <a:t>Parts of a cookie</a:t>
+            </a:r>
+            <a:endParaRPr/>
+          </a:p>
+          <a:p>
+            <a:pPr marL="457200" lvl="0" indent="-342900" algn="l" rtl="0">
+              <a:spcBef>
+                <a:spcPts val="0"/>
+              </a:spcBef>
+              <a:spcAft>
+                <a:spcPts val="0"/>
+              </a:spcAft>
+              <a:buSzPts val="1800"/>
+              <a:buChar char="●"/>
+            </a:pPr>
+            <a:r>
+              <a:rPr lang="en"/>
+              <a:t>Cookie Policy</a:t>
+            </a:r>
+            <a:endParaRPr/>
+          </a:p>
+          <a:p>
+            <a:pPr marL="914400" lvl="1" indent="-317500" algn="l" rtl="0">
+              <a:spcBef>
+                <a:spcPts val="0"/>
+              </a:spcBef>
+              <a:spcAft>
+                <a:spcPts val="0"/>
+              </a:spcAft>
+              <a:buSzPts val="1400"/>
+              <a:buChar char="○"/>
+            </a:pPr>
+            <a:r>
+              <a:rPr lang="en"/>
+              <a:t>Setting cookies</a:t>
+            </a:r>
+            <a:endParaRPr/>
+          </a:p>
+          <a:p>
+            <a:pPr marL="914400" lvl="1" indent="-317500" algn="l" rtl="0">
+              <a:spcBef>
+                <a:spcPts val="0"/>
+              </a:spcBef>
+              <a:spcAft>
+                <a:spcPts val="0"/>
+              </a:spcAft>
+              <a:buSzPts val="1400"/>
+              <a:buChar char="○"/>
+            </a:pPr>
+            <a:r>
+              <a:rPr lang="en"/>
+              <a:t>Sending cookies</a:t>
+            </a:r>
+            <a:endParaRPr/>
+          </a:p>
+          <a:p>
+            <a:pPr marL="457200" lvl="0" indent="-342900" algn="l" rtl="0">
+              <a:spcBef>
+                <a:spcPts val="0"/>
+              </a:spcBef>
+              <a:spcAft>
+                <a:spcPts val="0"/>
+              </a:spcAft>
+              <a:buSzPts val="1800"/>
+              <a:buChar char="●"/>
+            </a:pPr>
+            <a:r>
+              <a:rPr lang="en"/>
+              <a:t>Session Authentication</a:t>
+            </a:r>
+            <a:endParaRPr/>
+          </a:p>
+          <a:p>
+            <a:pPr marL="457200" lvl="0" indent="-342900" algn="l" rtl="0">
+              <a:spcBef>
+                <a:spcPts val="0"/>
+              </a:spcBef>
+              <a:spcAft>
+                <a:spcPts val="0"/>
+              </a:spcAft>
+              <a:buSzPts val="1800"/>
+              <a:buChar char="●"/>
+            </a:pPr>
+            <a:r>
+              <a:rPr lang="en"/>
+              <a:t>Cross-Site Request Forgery (CSRF)</a:t>
+            </a:r>
+            <a:endParaRPr/>
+          </a:p>
+          <a:p>
+            <a:pPr marL="457200" lvl="0" indent="-342900" algn="l" rtl="0">
+              <a:spcBef>
+                <a:spcPts val="0"/>
+              </a:spcBef>
+              <a:spcAft>
+                <a:spcPts val="0"/>
+              </a:spcAft>
+              <a:buSzPts val="1800"/>
+              <a:buChar char="●"/>
+            </a:pPr>
+            <a:r>
+              <a:rPr lang="en"/>
+              <a:t>CSRF Defenses</a:t>
+            </a:r>
+            <a:endParaRPr/>
+          </a:p>
+        </p:txBody>
+      </p:sp>
+      <p:sp>
+        <p:nvSpPr>
+          <p:cNvPr id="108" name="Google Shape;108;p21"/>
+          <p:cNvSpPr txBox="1">
+            <a:spLocks noGrp="1"/>
+          </p:cNvSpPr>
+          <p:nvPr>
+            <p:ph type="sldNum" idx="12"/>
+          </p:nvPr>
+        </p:nvSpPr>
+        <p:spPr>
+          <a:xfrm>
+            <a:off x="8472458" y="4663217"/>
+            <a:ext cx="548700" cy="393600"/>
+          </a:xfrm>
+          <a:prstGeom prst="rect">
+            <a:avLst/>
+          </a:prstGeom>
+        </p:spPr>
+        <p:txBody>
+          <a:bodyPr spcFirstLastPara="1" wrap="square" lIns="91425" tIns="91425" rIns="91425" bIns="91425" anchor="ctr" anchorCtr="0">
+            <a:normAutofit/>
+          </a:bodyPr>
+          <a:lstStyle/>
+          <a:p>
+            <a:pPr marL="0" lvl="0" indent="0" algn="r" rtl="0">
+              <a:spcBef>
+                <a:spcPts val="0"/>
+              </a:spcBef>
+              <a:spcAft>
+                <a:spcPts val="0"/>
+              </a:spcAft>
+              <a:buNone/>
+            </a:pPr>
+            <a:fld id="{00000000-1234-1234-1234-123412341234}" type="slidenum">
+              <a:rPr lang="en"/>
+              <a:t>6</a:t>
+            </a:fld>
+            <a:endParaRPr/>
+          </a:p>
+        </p:txBody>
+      </p:sp>
+    </p:spTree>
+  </p:cSld>
+  <p:clrMapOvr>
+    <a:masterClrMapping/>
+  </p:clrMapOvr>
+</p:sld>
+</file>
+
+<file path=ppt/slides/slide60.xml><?xml version="1.0" encoding="utf-8"?>
 <p:sld xmlns:a="http://schemas.openxmlformats.org/drawingml/2006/main" xmlns:r="http://schemas.openxmlformats.org/officeDocument/2006/relationships" xmlns:p="http://schemas.openxmlformats.org/presentationml/2006/main">
   <p:cSld>
     <p:spTree>
@@ -45130,7 +46368,7 @@
             </a:pPr>
             <a:fld id="{00000000-1234-1234-1234-123412341234}" type="slidenum">
               <a:rPr lang="en"/>
-              <a:t>59</a:t>
+              <a:t>60</a:t>
             </a:fld>
             <a:endParaRPr/>
           </a:p>
@@ -45427,278 +46665,7 @@
 </p:sld>
 </file>
 
-<file path=ppt/slides/slide6.xml><?xml version="1.0" encoding="utf-8"?>
-<p:sld xmlns:a="http://schemas.openxmlformats.org/drawingml/2006/main" xmlns:r="http://schemas.openxmlformats.org/officeDocument/2006/relationships" xmlns:p="http://schemas.openxmlformats.org/presentationml/2006/main">
-  <p:cSld>
-    <p:spTree>
-      <p:nvGrpSpPr>
-        <p:cNvPr id="1" name="Shape 105"/>
-        <p:cNvGrpSpPr/>
-        <p:nvPr/>
-      </p:nvGrpSpPr>
-      <p:grpSpPr>
-        <a:xfrm>
-          <a:off x="0" y="0"/>
-          <a:ext cx="0" cy="0"/>
-          <a:chOff x="0" y="0"/>
-          <a:chExt cx="0" cy="0"/>
-        </a:xfrm>
-      </p:grpSpPr>
-      <p:sp>
-        <p:nvSpPr>
-          <p:cNvPr id="106" name="Google Shape;106;p21"/>
-          <p:cNvSpPr txBox="1">
-            <a:spLocks noGrp="1"/>
-          </p:cNvSpPr>
-          <p:nvPr>
-            <p:ph type="title"/>
-          </p:nvPr>
-        </p:nvSpPr>
-        <p:spPr>
-          <a:xfrm>
-            <a:off x="102700" y="270875"/>
-            <a:ext cx="8520600" cy="572700"/>
-          </a:xfrm>
-          <a:prstGeom prst="rect">
-            <a:avLst/>
-          </a:prstGeom>
-        </p:spPr>
-        <p:txBody>
-          <a:bodyPr spcFirstLastPara="1" wrap="square" lIns="91425" tIns="91425" rIns="91425" bIns="91425" anchor="t" anchorCtr="0">
-            <a:normAutofit fontScale="90000"/>
-          </a:bodyPr>
-          <a:lstStyle/>
-          <a:p>
-            <a:pPr marL="0" lvl="0" indent="0" algn="l" rtl="0">
-              <a:spcBef>
-                <a:spcPts val="0"/>
-              </a:spcBef>
-              <a:spcAft>
-                <a:spcPts val="0"/>
-              </a:spcAft>
-              <a:buNone/>
-            </a:pPr>
-            <a:r>
-              <a:rPr lang="en"/>
-              <a:t>Today: Cookies and CSRF</a:t>
-            </a:r>
-            <a:endParaRPr/>
-          </a:p>
-        </p:txBody>
-      </p:sp>
-      <p:sp>
-        <p:nvSpPr>
-          <p:cNvPr id="107" name="Google Shape;107;p21"/>
-          <p:cNvSpPr txBox="1">
-            <a:spLocks noGrp="1"/>
-          </p:cNvSpPr>
-          <p:nvPr>
-            <p:ph type="body" idx="1"/>
-          </p:nvPr>
-        </p:nvSpPr>
-        <p:spPr>
-          <a:xfrm>
-            <a:off x="198500" y="1246825"/>
-            <a:ext cx="8520600" cy="3765600"/>
-          </a:xfrm>
-          <a:prstGeom prst="rect">
-            <a:avLst/>
-          </a:prstGeom>
-        </p:spPr>
-        <p:txBody>
-          <a:bodyPr spcFirstLastPara="1" wrap="square" lIns="91425" tIns="91425" rIns="91425" bIns="91425" anchor="t" anchorCtr="0">
-            <a:normAutofit/>
-          </a:bodyPr>
-          <a:lstStyle/>
-          <a:p>
-            <a:pPr marL="457200" lvl="0" indent="-342900" algn="l" rtl="0">
-              <a:spcBef>
-                <a:spcPts val="0"/>
-              </a:spcBef>
-              <a:spcAft>
-                <a:spcPts val="0"/>
-              </a:spcAft>
-              <a:buSzPts val="1800"/>
-              <a:buChar char="●"/>
-            </a:pPr>
-            <a:r>
-              <a:rPr lang="en"/>
-              <a:t>Cookies</a:t>
-            </a:r>
-            <a:endParaRPr/>
-          </a:p>
-          <a:p>
-            <a:pPr marL="914400" lvl="1" indent="-317500" algn="l" rtl="0">
-              <a:spcBef>
-                <a:spcPts val="0"/>
-              </a:spcBef>
-              <a:spcAft>
-                <a:spcPts val="0"/>
-              </a:spcAft>
-              <a:buSzPts val="1400"/>
-              <a:buChar char="○"/>
-            </a:pPr>
-            <a:r>
-              <a:rPr lang="en"/>
-              <a:t>Parts of a cookie</a:t>
-            </a:r>
-            <a:endParaRPr/>
-          </a:p>
-          <a:p>
-            <a:pPr marL="457200" lvl="0" indent="-342900" algn="l" rtl="0">
-              <a:spcBef>
-                <a:spcPts val="0"/>
-              </a:spcBef>
-              <a:spcAft>
-                <a:spcPts val="0"/>
-              </a:spcAft>
-              <a:buSzPts val="1800"/>
-              <a:buChar char="●"/>
-            </a:pPr>
-            <a:r>
-              <a:rPr lang="en"/>
-              <a:t>Cookie Policy</a:t>
-            </a:r>
-            <a:endParaRPr/>
-          </a:p>
-          <a:p>
-            <a:pPr marL="914400" lvl="1" indent="-317500" algn="l" rtl="0">
-              <a:spcBef>
-                <a:spcPts val="0"/>
-              </a:spcBef>
-              <a:spcAft>
-                <a:spcPts val="0"/>
-              </a:spcAft>
-              <a:buSzPts val="1400"/>
-              <a:buChar char="○"/>
-            </a:pPr>
-            <a:r>
-              <a:rPr lang="en"/>
-              <a:t>Setting cookies</a:t>
-            </a:r>
-            <a:endParaRPr/>
-          </a:p>
-          <a:p>
-            <a:pPr marL="914400" lvl="1" indent="-317500" algn="l" rtl="0">
-              <a:spcBef>
-                <a:spcPts val="0"/>
-              </a:spcBef>
-              <a:spcAft>
-                <a:spcPts val="0"/>
-              </a:spcAft>
-              <a:buSzPts val="1400"/>
-              <a:buChar char="○"/>
-            </a:pPr>
-            <a:r>
-              <a:rPr lang="en"/>
-              <a:t>Sending cookies</a:t>
-            </a:r>
-            <a:endParaRPr/>
-          </a:p>
-          <a:p>
-            <a:pPr marL="457200" lvl="0" indent="-342900" algn="l" rtl="0">
-              <a:spcBef>
-                <a:spcPts val="0"/>
-              </a:spcBef>
-              <a:spcAft>
-                <a:spcPts val="0"/>
-              </a:spcAft>
-              <a:buSzPts val="1800"/>
-              <a:buChar char="●"/>
-            </a:pPr>
-            <a:r>
-              <a:rPr lang="en"/>
-              <a:t>Session Authentication</a:t>
-            </a:r>
-            <a:endParaRPr/>
-          </a:p>
-          <a:p>
-            <a:pPr marL="457200" lvl="0" indent="-342900" algn="l" rtl="0">
-              <a:spcBef>
-                <a:spcPts val="0"/>
-              </a:spcBef>
-              <a:spcAft>
-                <a:spcPts val="0"/>
-              </a:spcAft>
-              <a:buSzPts val="1800"/>
-              <a:buChar char="●"/>
-            </a:pPr>
-            <a:r>
-              <a:rPr lang="en"/>
-              <a:t>Cross-Site Request Forgery (CSRF)</a:t>
-            </a:r>
-            <a:endParaRPr/>
-          </a:p>
-          <a:p>
-            <a:pPr marL="457200" lvl="0" indent="-342900" algn="l" rtl="0">
-              <a:spcBef>
-                <a:spcPts val="0"/>
-              </a:spcBef>
-              <a:spcAft>
-                <a:spcPts val="0"/>
-              </a:spcAft>
-              <a:buSzPts val="1800"/>
-              <a:buChar char="●"/>
-            </a:pPr>
-            <a:r>
-              <a:rPr lang="en"/>
-              <a:t>CSRF Defenses</a:t>
-            </a:r>
-            <a:endParaRPr/>
-          </a:p>
-        </p:txBody>
-      </p:sp>
-      <p:sp>
-        <p:nvSpPr>
-          <p:cNvPr id="108" name="Google Shape;108;p21"/>
-          <p:cNvSpPr txBox="1">
-            <a:spLocks noGrp="1"/>
-          </p:cNvSpPr>
-          <p:nvPr>
-            <p:ph type="sldNum" idx="12"/>
-          </p:nvPr>
-        </p:nvSpPr>
-        <p:spPr>
-          <a:xfrm>
-            <a:off x="8472458" y="4663217"/>
-            <a:ext cx="548700" cy="393600"/>
-          </a:xfrm>
-          <a:prstGeom prst="rect">
-            <a:avLst/>
-          </a:prstGeom>
-        </p:spPr>
-        <p:txBody>
-          <a:bodyPr spcFirstLastPara="1" wrap="square" lIns="91425" tIns="91425" rIns="91425" bIns="91425" anchor="ctr" anchorCtr="0">
-            <a:normAutofit/>
-          </a:bodyPr>
-          <a:lstStyle/>
-          <a:p>
-            <a:pPr marL="0" lvl="0" indent="0" algn="r" rtl="0">
-              <a:spcBef>
-                <a:spcPts val="0"/>
-              </a:spcBef>
-              <a:spcAft>
-                <a:spcPts val="0"/>
-              </a:spcAft>
-              <a:buNone/>
-            </a:pPr>
-            <a:fld id="{00000000-1234-1234-1234-123412341234}" type="slidenum">
-              <a:rPr lang="en"/>
-              <a:t>6</a:t>
-            </a:fld>
-            <a:endParaRPr/>
-          </a:p>
-        </p:txBody>
-      </p:sp>
-    </p:spTree>
-  </p:cSld>
-  <p:clrMapOvr>
-    <a:masterClrMapping/>
-  </p:clrMapOvr>
-</p:sld>
-</file>
-
-<file path=ppt/slides/slide60.xml><?xml version="1.0" encoding="utf-8"?>
+<file path=ppt/slides/slide61.xml><?xml version="1.0" encoding="utf-8"?>
 <p:sld xmlns:a="http://schemas.openxmlformats.org/drawingml/2006/main" xmlns:r="http://schemas.openxmlformats.org/officeDocument/2006/relationships" xmlns:p="http://schemas.openxmlformats.org/presentationml/2006/main">
   <p:cSld>
     <p:spTree>
@@ -45797,7 +46764,7 @@
             </a:pPr>
             <a:fld id="{00000000-1234-1234-1234-123412341234}" type="slidenum">
               <a:rPr lang="en"/>
-              <a:t>60</a:t>
+              <a:t>61</a:t>
             </a:fld>
             <a:endParaRPr/>
           </a:p>
@@ -46176,7 +47143,7 @@
 </p:sld>
 </file>
 
-<file path=ppt/slides/slide61.xml><?xml version="1.0" encoding="utf-8"?>
+<file path=ppt/slides/slide62.xml><?xml version="1.0" encoding="utf-8"?>
 <p:sld xmlns:a="http://schemas.openxmlformats.org/drawingml/2006/main" xmlns:r="http://schemas.openxmlformats.org/officeDocument/2006/relationships" xmlns:p="http://schemas.openxmlformats.org/presentationml/2006/main">
   <p:cSld>
     <p:spTree>
@@ -46271,7 +47238,7 @@
             </a:pPr>
             <a:fld id="{00000000-1234-1234-1234-123412341234}" type="slidenum">
               <a:rPr lang="en"/>
-              <a:t>61</a:t>
+              <a:t>62</a:t>
             </a:fld>
             <a:endParaRPr/>
           </a:p>
@@ -46859,7 +47826,7 @@
 </p:sld>
 </file>
 
-<file path=ppt/slides/slide62.xml><?xml version="1.0" encoding="utf-8"?>
+<file path=ppt/slides/slide63.xml><?xml version="1.0" encoding="utf-8"?>
 <p:sld xmlns:a="http://schemas.openxmlformats.org/drawingml/2006/main" xmlns:r="http://schemas.openxmlformats.org/officeDocument/2006/relationships" xmlns:p="http://schemas.openxmlformats.org/presentationml/2006/main">
   <p:cSld>
     <p:spTree>
@@ -46954,7 +47921,7 @@
             </a:pPr>
             <a:fld id="{00000000-1234-1234-1234-123412341234}" type="slidenum">
               <a:rPr lang="en"/>
-              <a:t>62</a:t>
+              <a:t>63</a:t>
             </a:fld>
             <a:endParaRPr/>
           </a:p>
@@ -47771,7 +48738,7 @@
 </p:sld>
 </file>
 
-<file path=ppt/slides/slide63.xml><?xml version="1.0" encoding="utf-8"?>
+<file path=ppt/slides/slide64.xml><?xml version="1.0" encoding="utf-8"?>
 <p:sld xmlns:a="http://schemas.openxmlformats.org/drawingml/2006/main" xmlns:r="http://schemas.openxmlformats.org/officeDocument/2006/relationships" xmlns:p="http://schemas.openxmlformats.org/presentationml/2006/main">
   <p:cSld>
     <p:spTree>
@@ -47866,7 +48833,7 @@
             </a:pPr>
             <a:fld id="{00000000-1234-1234-1234-123412341234}" type="slidenum">
               <a:rPr lang="en"/>
-              <a:t>63</a:t>
+              <a:t>64</a:t>
             </a:fld>
             <a:endParaRPr/>
           </a:p>
@@ -48727,7 +49694,7 @@
 </p:sld>
 </file>
 
-<file path=ppt/slides/slide64.xml><?xml version="1.0" encoding="utf-8"?>
+<file path=ppt/slides/slide65.xml><?xml version="1.0" encoding="utf-8"?>
 <p:sld xmlns:a="http://schemas.openxmlformats.org/drawingml/2006/main" xmlns:r="http://schemas.openxmlformats.org/officeDocument/2006/relationships" xmlns:p="http://schemas.openxmlformats.org/presentationml/2006/main">
   <p:cSld>
     <p:spTree>
@@ -48822,7 +49789,7 @@
             </a:pPr>
             <a:fld id="{00000000-1234-1234-1234-123412341234}" type="slidenum">
               <a:rPr lang="en"/>
-              <a:t>64</a:t>
+              <a:t>65</a:t>
             </a:fld>
             <a:endParaRPr/>
           </a:p>
@@ -49470,7 +50437,7 @@
 </p:sld>
 </file>
 
-<file path=ppt/slides/slide65.xml><?xml version="1.0" encoding="utf-8"?>
+<file path=ppt/slides/slide66.xml><?xml version="1.0" encoding="utf-8"?>
 <p:sld xmlns:a="http://schemas.openxmlformats.org/drawingml/2006/main" xmlns:r="http://schemas.openxmlformats.org/officeDocument/2006/relationships" xmlns:p="http://schemas.openxmlformats.org/presentationml/2006/main">
   <p:cSld>
     <p:spTree>
@@ -49565,7 +50532,7 @@
             </a:pPr>
             <a:fld id="{00000000-1234-1234-1234-123412341234}" type="slidenum">
               <a:rPr lang="en"/>
-              <a:t>65</a:t>
+              <a:t>66</a:t>
             </a:fld>
             <a:endParaRPr/>
           </a:p>

--- a/teaching/ITIS6200/2023fa/lectures/lec11.pptx
+++ b/teaching/ITIS6200/2023fa/lectures/lec11.pptx
@@ -5593,10 +5593,72 @@
               <a:buNone/>
             </a:pPr>
             <a:r>
-              <a:rPr lang="en"/>
+              <a:rPr lang="en-US" dirty="0"/>
               <a:t>Ask: Why not in a cookie?</a:t>
             </a:r>
-            <a:endParaRPr/>
+          </a:p>
+          <a:p>
+            <a:pPr marL="0" lvl="0" indent="0" algn="l" rtl="0">
+              <a:spcBef>
+                <a:spcPts val="0"/>
+              </a:spcBef>
+              <a:spcAft>
+                <a:spcPts val="0"/>
+              </a:spcAft>
+              <a:buNone/>
+            </a:pPr>
+            <a:endParaRPr lang="en-US" dirty="0"/>
+          </a:p>
+          <a:p>
+            <a:pPr algn="l"/>
+            <a:r>
+              <a:rPr lang="en-US" b="0" i="0" dirty="0">
+                <a:solidFill>
+                  <a:srgbClr val="111C24"/>
+                </a:solidFill>
+                <a:effectLst/>
+                <a:latin typeface="Roboto" panose="02000000000000000000" pitchFamily="2" charset="0"/>
+              </a:rPr>
+              <a:t>A CSRF secure application assigns a unique CSRF token for every user session. These tokens are inserted within hidden parameters of HTML forms related to critical server-side operations. They are then sent to client browsers.</a:t>
+            </a:r>
+          </a:p>
+          <a:p>
+            <a:pPr algn="l"/>
+            <a:r>
+              <a:rPr lang="en-US" b="0" i="0" dirty="0">
+                <a:solidFill>
+                  <a:srgbClr val="111C24"/>
+                </a:solidFill>
+                <a:effectLst/>
+                <a:latin typeface="Roboto" panose="02000000000000000000" pitchFamily="2" charset="0"/>
+              </a:rPr>
+              <a:t>It is the application team’s responsibility to identify which server-side operations are sensitive in nature. The CSRF tokens must be a part of the HTML form—not stored in session cookies. The easiest way to add a non-predictable parameter is to use a secure hash function (e.g., SHA-2) to hash the user’s session ID. To ensure randomness, the tokens must be generated by a cryptographically secure random number generator.</a:t>
+            </a:r>
+          </a:p>
+          <a:p>
+            <a:pPr algn="l"/>
+            <a:r>
+              <a:rPr lang="en-US" b="0" i="0" dirty="0">
+                <a:solidFill>
+                  <a:srgbClr val="111C24"/>
+                </a:solidFill>
+                <a:effectLst/>
+                <a:latin typeface="Roboto" panose="02000000000000000000" pitchFamily="2" charset="0"/>
+              </a:rPr>
+              <a:t>Whenever a user invokes these critical operations, a request generated by the browser must include the associated CSRF token. This will be used by the application server to verify the legitimacy of the end-user request. The application server rejects the request if the CSRF token fails to match the test.</a:t>
+            </a:r>
+          </a:p>
+          <a:p>
+            <a:pPr marL="0" lvl="0" indent="0" algn="l" rtl="0">
+              <a:spcBef>
+                <a:spcPts val="0"/>
+              </a:spcBef>
+              <a:spcAft>
+                <a:spcPts val="0"/>
+              </a:spcAft>
+              <a:buNone/>
+            </a:pPr>
+            <a:endParaRPr lang="en-US" dirty="0"/>
           </a:p>
         </p:txBody>
       </p:sp>
@@ -32155,15 +32217,7 @@
             </a:pPr>
             <a:r>
               <a:rPr lang="en-US" sz="1600" dirty="0"/>
-              <a:t>form submissions are still permitted, </a:t>
-            </a:r>
-            <a:r>
-              <a:rPr lang="en-US" sz="1600" dirty="0" err="1"/>
-              <a:t>whichresults</a:t>
-            </a:r>
-            <a:r>
-              <a:rPr lang="en-US" sz="1600" dirty="0"/>
-              <a:t> in some server side state change</a:t>
+              <a:t>form submissions are still permitted, which results in some server side state change</a:t>
             </a:r>
           </a:p>
           <a:p>
@@ -42197,10 +42251,10 @@
               <a:buChar char="●"/>
             </a:pPr>
             <a:r>
-              <a:rPr lang="en"/>
+              <a:rPr lang="en" dirty="0"/>
               <a:t>Idea: In a CSRF attack, the victim usually makes the malicious request from a different website</a:t>
             </a:r>
-            <a:endParaRPr/>
+            <a:endParaRPr dirty="0"/>
           </a:p>
           <a:p>
             <a:pPr marL="457200" lvl="0" indent="-342900" algn="l" rtl="0">
@@ -42214,10 +42268,14 @@
               <a:buChar char="●"/>
             </a:pPr>
             <a:r>
-              <a:rPr lang="en"/>
-              <a:t>Referer header: A header in an HTTP request that indicates which webpage made the request</a:t>
-            </a:r>
-            <a:endParaRPr/>
+              <a:rPr lang="en" dirty="0" err="1"/>
+              <a:t>Referer</a:t>
+            </a:r>
+            <a:r>
+              <a:rPr lang="en" dirty="0"/>
+              <a:t> header: A header in an HTTP request that indicates which webpage made the request</a:t>
+            </a:r>
+            <a:endParaRPr dirty="0"/>
           </a:p>
           <a:p>
             <a:pPr marL="914400" lvl="1" indent="-317500" algn="l" rtl="0">
@@ -42231,10 +42289,18 @@
               <a:buChar char="○"/>
             </a:pPr>
             <a:r>
-              <a:rPr lang="en"/>
-              <a:t>“Referer” is a 30-year typo in the HTTP standard (supposed to be “Referrer”)!</a:t>
-            </a:r>
-            <a:endParaRPr/>
+              <a:rPr lang="en" dirty="0"/>
+              <a:t>“</a:t>
+            </a:r>
+            <a:r>
+              <a:rPr lang="en" dirty="0" err="1"/>
+              <a:t>Referer</a:t>
+            </a:r>
+            <a:r>
+              <a:rPr lang="en" dirty="0"/>
+              <a:t>” is a 30-year typo in the HTTP standard (supposed to be “Referrer”)!</a:t>
+            </a:r>
+            <a:endParaRPr dirty="0"/>
           </a:p>
           <a:p>
             <a:pPr marL="914400" lvl="1" indent="-317500" algn="l" rtl="0">
@@ -42248,19 +42314,36 @@
               <a:buChar char="○"/>
             </a:pPr>
             <a:r>
-              <a:rPr lang="en"/>
-              <a:t>Example: If you type your username and password into the Facebook homepage, the Referer header for that request is </a:t>
-            </a:r>
-            <a:r>
-              <a:rPr lang="en" b="1">
+              <a:rPr lang="en" dirty="0"/>
+              <a:t>Example: If you type your username and password into the Facebook homepage, the </a:t>
+            </a:r>
+            <a:r>
+              <a:rPr lang="en" dirty="0" err="1"/>
+              <a:t>Referer</a:t>
+            </a:r>
+            <a:r>
+              <a:rPr lang="en" dirty="0"/>
+              <a:t> header for that request is </a:t>
+            </a:r>
+            <a:r>
+              <a:rPr lang="en" b="1" dirty="0">
                 <a:latin typeface="Courier New"/>
                 <a:ea typeface="Courier New"/>
                 <a:cs typeface="Courier New"/>
                 <a:sym typeface="Courier New"/>
               </a:rPr>
-              <a:t>https://www.facebook.com</a:t>
-            </a:r>
-            <a:endParaRPr/>
+              <a:t>https://</a:t>
+            </a:r>
+            <a:r>
+              <a:rPr lang="en" b="1" dirty="0" err="1">
+                <a:latin typeface="Courier New"/>
+                <a:ea typeface="Courier New"/>
+                <a:cs typeface="Courier New"/>
+                <a:sym typeface="Courier New"/>
+              </a:rPr>
+              <a:t>www.facebook.com</a:t>
+            </a:r>
+            <a:endParaRPr dirty="0"/>
           </a:p>
           <a:p>
             <a:pPr marL="914400" lvl="1" indent="-317500" algn="l" rtl="0">
@@ -42274,11 +42357,11 @@
               <a:buChar char="○"/>
             </a:pPr>
             <a:r>
-              <a:rPr lang="en"/>
+              <a:rPr lang="en" dirty="0"/>
               <a:t>Example: If an </a:t>
             </a:r>
             <a:r>
-              <a:rPr lang="en" b="1">
+              <a:rPr lang="en" b="1" dirty="0" err="1">
                 <a:latin typeface="Courier New"/>
                 <a:ea typeface="Courier New"/>
                 <a:cs typeface="Courier New"/>
@@ -42287,10 +42370,18 @@
               <a:t>img</a:t>
             </a:r>
             <a:r>
-              <a:rPr lang="en"/>
-              <a:t> HTML tag on a forum forces your browser to make a request, the Referer header for that request is the forum’s URL</a:t>
-            </a:r>
-            <a:endParaRPr/>
+              <a:rPr lang="en" dirty="0"/>
+              <a:t> HTML tag on a forum forces your browser to make a request, the </a:t>
+            </a:r>
+            <a:r>
+              <a:rPr lang="en" dirty="0" err="1"/>
+              <a:t>Referer</a:t>
+            </a:r>
+            <a:r>
+              <a:rPr lang="en" dirty="0"/>
+              <a:t> header for that request is the forum’s URL</a:t>
+            </a:r>
+            <a:endParaRPr dirty="0"/>
           </a:p>
           <a:p>
             <a:pPr marL="914400" lvl="1" indent="-317500" algn="l" rtl="0">
@@ -42304,10 +42395,18 @@
               <a:buChar char="○"/>
             </a:pPr>
             <a:r>
-              <a:rPr lang="en"/>
-              <a:t>Example: If JavaScript on an attacker’s website forces your browser to make a request, the Referer header for that request is the attacker’s URL</a:t>
-            </a:r>
-            <a:endParaRPr/>
+              <a:rPr lang="en" dirty="0"/>
+              <a:t>Example: If JavaScript on an attacker’s website forces your browser to make a request, the </a:t>
+            </a:r>
+            <a:r>
+              <a:rPr lang="en" dirty="0" err="1"/>
+              <a:t>Referer</a:t>
+            </a:r>
+            <a:r>
+              <a:rPr lang="en" dirty="0"/>
+              <a:t> header for that request is the attacker’s URL</a:t>
+            </a:r>
+            <a:endParaRPr dirty="0"/>
           </a:p>
         </p:txBody>
       </p:sp>

--- a/teaching/ITIS6200/2023fa/lectures/lec11.pptx
+++ b/teaching/ITIS6200/2023fa/lectures/lec11.pptx
@@ -31275,23 +31275,6 @@
             </a:r>
             <a:endParaRPr dirty="0"/>
           </a:p>
-          <a:p>
-            <a:pPr marL="914400" lvl="1" indent="-317500" algn="l" rtl="0">
-              <a:spcBef>
-                <a:spcPts val="0"/>
-              </a:spcBef>
-              <a:spcAft>
-                <a:spcPts val="0"/>
-              </a:spcAft>
-              <a:buSzPts val="1400"/>
-              <a:buChar char="○"/>
-            </a:pPr>
-            <a:r>
-              <a:rPr lang="en" dirty="0"/>
-              <a:t>Recall: JavaScript can make a POST request</a:t>
-            </a:r>
-            <a:endParaRPr dirty="0"/>
-          </a:p>
         </p:txBody>
       </p:sp>
       <p:sp>
@@ -31574,55 +31557,6 @@
                                           <p:spTgt spid="458">
                                             <p:txEl>
                                               <p:pRg st="6" end="6"/>
-                                            </p:txEl>
-                                          </p:spTgt>
-                                        </p:tgtEl>
-                                        <p:attrNameLst>
-                                          <p:attrName>style.visibility</p:attrName>
-                                        </p:attrNameLst>
-                                      </p:cBhvr>
-                                      <p:to>
-                                        <p:strVal val="visible"/>
-                                      </p:to>
-                                    </p:set>
-                                  </p:childTnLst>
-                                </p:cTn>
-                              </p:par>
-                            </p:childTnLst>
-                          </p:cTn>
-                        </p:par>
-                      </p:childTnLst>
-                    </p:cTn>
-                  </p:par>
-                  <p:par>
-                    <p:cTn id="23" fill="hold">
-                      <p:stCondLst>
-                        <p:cond delay="indefinite"/>
-                      </p:stCondLst>
-                      <p:childTnLst>
-                        <p:par>
-                          <p:cTn id="24" fill="hold">
-                            <p:stCondLst>
-                              <p:cond delay="0"/>
-                            </p:stCondLst>
-                            <p:childTnLst>
-                              <p:par>
-                                <p:cTn id="25" presetID="1" presetClass="entr" presetSubtype="0" fill="hold" nodeType="clickEffect">
-                                  <p:stCondLst>
-                                    <p:cond delay="0"/>
-                                  </p:stCondLst>
-                                  <p:childTnLst>
-                                    <p:set>
-                                      <p:cBhvr>
-                                        <p:cTn id="26" dur="1" fill="hold">
-                                          <p:stCondLst>
-                                            <p:cond delay="0"/>
-                                          </p:stCondLst>
-                                        </p:cTn>
-                                        <p:tgtEl>
-                                          <p:spTgt spid="458">
-                                            <p:txEl>
-                                              <p:pRg st="7" end="7"/>
                                             </p:txEl>
                                           </p:spTgt>
                                         </p:tgtEl>
@@ -40969,15 +40903,33 @@
                                   </p:childTnLst>
                                 </p:cTn>
                               </p:par>
+                            </p:childTnLst>
+                          </p:cTn>
+                        </p:par>
+                      </p:childTnLst>
+                    </p:cTn>
+                  </p:par>
+                  <p:par>
+                    <p:cTn id="11" fill="hold">
+                      <p:stCondLst>
+                        <p:cond delay="indefinite"/>
+                      </p:stCondLst>
+                      <p:childTnLst>
+                        <p:par>
+                          <p:cTn id="12" fill="hold">
+                            <p:stCondLst>
+                              <p:cond delay="0"/>
+                            </p:stCondLst>
+                            <p:childTnLst>
                               <p:par>
-                                <p:cTn id="11" presetID="1" presetClass="entr" presetSubtype="0" fill="hold" nodeType="withEffect">
+                                <p:cTn id="13" presetID="1" presetClass="entr" presetSubtype="0" fill="hold" nodeType="clickEffect">
                                   <p:stCondLst>
                                     <p:cond delay="0"/>
                                   </p:stCondLst>
                                   <p:childTnLst>
                                     <p:set>
                                       <p:cBhvr>
-                                        <p:cTn id="12" dur="1" fill="hold">
+                                        <p:cTn id="14" dur="1" fill="hold">
                                           <p:stCondLst>
                                             <p:cond delay="0"/>
                                           </p:stCondLst>
@@ -41001,14 +40953,14 @@
                                 </p:cTn>
                               </p:par>
                               <p:par>
-                                <p:cTn id="13" presetID="1" presetClass="entr" presetSubtype="0" fill="hold" nodeType="withEffect">
+                                <p:cTn id="15" presetID="1" presetClass="entr" presetSubtype="0" fill="hold" nodeType="withEffect">
                                   <p:stCondLst>
                                     <p:cond delay="0"/>
                                   </p:stCondLst>
                                   <p:childTnLst>
                                     <p:set>
                                       <p:cBhvr>
-                                        <p:cTn id="14" dur="1" fill="hold">
+                                        <p:cTn id="16" dur="1" fill="hold">
                                           <p:stCondLst>
                                             <p:cond delay="0"/>
                                           </p:stCondLst>

--- a/teaching/ITIS6200/2023fa/lectures/lec11.pptx
+++ b/teaching/ITIS6200/2023fa/lectures/lec11.pptx
@@ -16254,7 +16254,7 @@
           <p:nvPr>
             <p:extLst>
               <p:ext uri="{D42A27DB-BD31-4B8C-83A1-F6EECF244321}">
-                <p14:modId xmlns:p14="http://schemas.microsoft.com/office/powerpoint/2010/main" val="2963004131"/>
+                <p14:modId xmlns:p14="http://schemas.microsoft.com/office/powerpoint/2010/main" val="743452034"/>
               </p:ext>
             </p:extLst>
           </p:nvPr>
@@ -16752,15 +16752,15 @@
                         <a:buNone/>
                       </a:pPr>
                       <a:r>
-                        <a:rPr lang="en" b="1">
+                        <a:rPr lang="en" b="1" dirty="0">
                           <a:latin typeface="Courier New"/>
                           <a:ea typeface="Courier New"/>
                           <a:cs typeface="Courier New"/>
                           <a:sym typeface="Courier New"/>
                         </a:rPr>
-                        <a:t>12 Aug 2021 20:00:00</a:t>
+                        <a:t>12 Aug 2023 20:00:00</a:t>
                       </a:r>
-                      <a:endParaRPr b="1">
+                      <a:endParaRPr b="1" dirty="0">
                         <a:latin typeface="Courier New"/>
                         <a:ea typeface="Courier New"/>
                         <a:cs typeface="Courier New"/>
